--- a/neural_lm_0928.pptx
+++ b/neural_lm_0928.pptx
@@ -631,6 +631,174 @@
           <a:bodyPr/>
           <a:lstStyle/>
           <a:p>
+            <a:endParaRPr lang="en-US" dirty="0"/>
+          </a:p>
+        </p:txBody>
+      </p:sp>
+      <p:sp>
+        <p:nvSpPr>
+          <p:cNvPr id="4" name="Slide Number Placeholder 3"/>
+          <p:cNvSpPr>
+            <a:spLocks noGrp="1"/>
+          </p:cNvSpPr>
+          <p:nvPr>
+            <p:ph type="sldNum" sz="quarter" idx="10"/>
+          </p:nvPr>
+        </p:nvSpPr>
+        <p:spPr/>
+        <p:txBody>
+          <a:bodyPr/>
+          <a:lstStyle/>
+          <a:p>
+            <a:fld id="{D890BBE1-2F7F-462B-948A-F73CE40686D9}" type="slidenum">
+              <a:rPr lang="en-US" smtClean="0"/>
+              <a:t>14</a:t>
+            </a:fld>
+            <a:endParaRPr lang="en-US"/>
+          </a:p>
+        </p:txBody>
+      </p:sp>
+    </p:spTree>
+    <p:extLst>
+      <p:ext uri="{BB962C8B-B14F-4D97-AF65-F5344CB8AC3E}">
+        <p14:creationId xmlns:p14="http://schemas.microsoft.com/office/powerpoint/2010/main" val="2078367891"/>
+      </p:ext>
+    </p:extLst>
+  </p:cSld>
+  <p:clrMapOvr>
+    <a:masterClrMapping/>
+  </p:clrMapOvr>
+</p:notes>
+</file>
+
+<file path=ppt/notesSlides/notesSlide11.xml><?xml version="1.0" encoding="utf-8"?>
+<p:notes xmlns:a="http://schemas.openxmlformats.org/drawingml/2006/main" xmlns:r="http://schemas.openxmlformats.org/officeDocument/2006/relationships" xmlns:p="http://schemas.openxmlformats.org/presentationml/2006/main">
+  <p:cSld>
+    <p:spTree>
+      <p:nvGrpSpPr>
+        <p:cNvPr id="1" name=""/>
+        <p:cNvGrpSpPr/>
+        <p:nvPr/>
+      </p:nvGrpSpPr>
+      <p:grpSpPr>
+        <a:xfrm>
+          <a:off x="0" y="0"/>
+          <a:ext cx="0" cy="0"/>
+          <a:chOff x="0" y="0"/>
+          <a:chExt cx="0" cy="0"/>
+        </a:xfrm>
+      </p:grpSpPr>
+      <p:sp>
+        <p:nvSpPr>
+          <p:cNvPr id="2" name="Slide Image Placeholder 1"/>
+          <p:cNvSpPr>
+            <a:spLocks noGrp="1" noRot="1" noChangeAspect="1"/>
+          </p:cNvSpPr>
+          <p:nvPr>
+            <p:ph type="sldImg"/>
+          </p:nvPr>
+        </p:nvSpPr>
+        <p:spPr/>
+      </p:sp>
+      <p:sp>
+        <p:nvSpPr>
+          <p:cNvPr id="3" name="Notes Placeholder 2"/>
+          <p:cNvSpPr>
+            <a:spLocks noGrp="1"/>
+          </p:cNvSpPr>
+          <p:nvPr>
+            <p:ph type="body" idx="1"/>
+          </p:nvPr>
+        </p:nvSpPr>
+        <p:spPr/>
+        <p:txBody>
+          <a:bodyPr/>
+          <a:lstStyle/>
+          <a:p>
+            <a:endParaRPr lang="en-US"/>
+          </a:p>
+        </p:txBody>
+      </p:sp>
+      <p:sp>
+        <p:nvSpPr>
+          <p:cNvPr id="4" name="Slide Number Placeholder 3"/>
+          <p:cNvSpPr>
+            <a:spLocks noGrp="1"/>
+          </p:cNvSpPr>
+          <p:nvPr>
+            <p:ph type="sldNum" sz="quarter" idx="10"/>
+          </p:nvPr>
+        </p:nvSpPr>
+        <p:spPr/>
+        <p:txBody>
+          <a:bodyPr/>
+          <a:lstStyle/>
+          <a:p>
+            <a:fld id="{D890BBE1-2F7F-462B-948A-F73CE40686D9}" type="slidenum">
+              <a:rPr lang="en-US" smtClean="0"/>
+              <a:t>15</a:t>
+            </a:fld>
+            <a:endParaRPr lang="en-US"/>
+          </a:p>
+        </p:txBody>
+      </p:sp>
+    </p:spTree>
+    <p:extLst>
+      <p:ext uri="{BB962C8B-B14F-4D97-AF65-F5344CB8AC3E}">
+        <p14:creationId xmlns:p14="http://schemas.microsoft.com/office/powerpoint/2010/main" val="708491854"/>
+      </p:ext>
+    </p:extLst>
+  </p:cSld>
+  <p:clrMapOvr>
+    <a:masterClrMapping/>
+  </p:clrMapOvr>
+</p:notes>
+</file>
+
+<file path=ppt/notesSlides/notesSlide12.xml><?xml version="1.0" encoding="utf-8"?>
+<p:notes xmlns:a="http://schemas.openxmlformats.org/drawingml/2006/main" xmlns:r="http://schemas.openxmlformats.org/officeDocument/2006/relationships" xmlns:p="http://schemas.openxmlformats.org/presentationml/2006/main">
+  <p:cSld>
+    <p:spTree>
+      <p:nvGrpSpPr>
+        <p:cNvPr id="1" name=""/>
+        <p:cNvGrpSpPr/>
+        <p:nvPr/>
+      </p:nvGrpSpPr>
+      <p:grpSpPr>
+        <a:xfrm>
+          <a:off x="0" y="0"/>
+          <a:ext cx="0" cy="0"/>
+          <a:chOff x="0" y="0"/>
+          <a:chExt cx="0" cy="0"/>
+        </a:xfrm>
+      </p:grpSpPr>
+      <p:sp>
+        <p:nvSpPr>
+          <p:cNvPr id="2" name="Slide Image Placeholder 1"/>
+          <p:cNvSpPr>
+            <a:spLocks noGrp="1" noRot="1" noChangeAspect="1"/>
+          </p:cNvSpPr>
+          <p:nvPr>
+            <p:ph type="sldImg"/>
+          </p:nvPr>
+        </p:nvSpPr>
+        <p:spPr/>
+      </p:sp>
+      <p:sp>
+        <p:nvSpPr>
+          <p:cNvPr id="3" name="Notes Placeholder 2"/>
+          <p:cNvSpPr>
+            <a:spLocks noGrp="1"/>
+          </p:cNvSpPr>
+          <p:nvPr>
+            <p:ph type="body" idx="1"/>
+          </p:nvPr>
+        </p:nvSpPr>
+        <p:spPr/>
+        <p:txBody>
+          <a:bodyPr/>
+          <a:lstStyle/>
+          <a:p>
             <a:endParaRPr lang="en-US"/>
           </a:p>
         </p:txBody>
@@ -671,7 +839,7 @@
 </p:notes>
 </file>
 
-<file path=ppt/notesSlides/notesSlide11.xml><?xml version="1.0" encoding="utf-8"?>
+<file path=ppt/notesSlides/notesSlide13.xml><?xml version="1.0" encoding="utf-8"?>
 <p:notes xmlns:a="http://schemas.openxmlformats.org/drawingml/2006/main" xmlns:r="http://schemas.openxmlformats.org/officeDocument/2006/relationships" xmlns:p="http://schemas.openxmlformats.org/presentationml/2006/main">
   <p:cSld>
     <p:spTree>
@@ -755,7 +923,7 @@
 </p:notes>
 </file>
 
-<file path=ppt/notesSlides/notesSlide12.xml><?xml version="1.0" encoding="utf-8"?>
+<file path=ppt/notesSlides/notesSlide14.xml><?xml version="1.0" encoding="utf-8"?>
 <p:notes xmlns:a="http://schemas.openxmlformats.org/drawingml/2006/main" xmlns:r="http://schemas.openxmlformats.org/officeDocument/2006/relationships" xmlns:p="http://schemas.openxmlformats.org/presentationml/2006/main">
   <p:cSld>
     <p:spTree>
@@ -839,7 +1007,7 @@
 </p:notes>
 </file>
 
-<file path=ppt/notesSlides/notesSlide13.xml><?xml version="1.0" encoding="utf-8"?>
+<file path=ppt/notesSlides/notesSlide15.xml><?xml version="1.0" encoding="utf-8"?>
 <p:notes xmlns:a="http://schemas.openxmlformats.org/drawingml/2006/main" xmlns:r="http://schemas.openxmlformats.org/officeDocument/2006/relationships" xmlns:p="http://schemas.openxmlformats.org/presentationml/2006/main">
   <p:cSld>
     <p:spTree>
@@ -923,7 +1091,7 @@
 </p:notes>
 </file>
 
-<file path=ppt/notesSlides/notesSlide14.xml><?xml version="1.0" encoding="utf-8"?>
+<file path=ppt/notesSlides/notesSlide16.xml><?xml version="1.0" encoding="utf-8"?>
 <p:notes xmlns:a="http://schemas.openxmlformats.org/drawingml/2006/main" xmlns:r="http://schemas.openxmlformats.org/officeDocument/2006/relationships" xmlns:p="http://schemas.openxmlformats.org/presentationml/2006/main">
   <p:cSld>
     <p:spTree>
@@ -1007,7 +1175,7 @@
 </p:notes>
 </file>
 
-<file path=ppt/notesSlides/notesSlide15.xml><?xml version="1.0" encoding="utf-8"?>
+<file path=ppt/notesSlides/notesSlide17.xml><?xml version="1.0" encoding="utf-8"?>
 <p:notes xmlns:a="http://schemas.openxmlformats.org/drawingml/2006/main" xmlns:r="http://schemas.openxmlformats.org/officeDocument/2006/relationships" xmlns:p="http://schemas.openxmlformats.org/presentationml/2006/main">
   <p:cSld>
     <p:spTree>
@@ -1091,7 +1259,7 @@
 </p:notes>
 </file>
 
-<file path=ppt/notesSlides/notesSlide16.xml><?xml version="1.0" encoding="utf-8"?>
+<file path=ppt/notesSlides/notesSlide18.xml><?xml version="1.0" encoding="utf-8"?>
 <p:notes xmlns:a="http://schemas.openxmlformats.org/drawingml/2006/main" xmlns:r="http://schemas.openxmlformats.org/officeDocument/2006/relationships" xmlns:p="http://schemas.openxmlformats.org/presentationml/2006/main">
   <p:cSld>
     <p:spTree>
@@ -1175,7 +1343,7 @@
 </p:notes>
 </file>
 
-<file path=ppt/notesSlides/notesSlide17.xml><?xml version="1.0" encoding="utf-8"?>
+<file path=ppt/notesSlides/notesSlide19.xml><?xml version="1.0" encoding="utf-8"?>
 <p:notes xmlns:a="http://schemas.openxmlformats.org/drawingml/2006/main" xmlns:r="http://schemas.openxmlformats.org/officeDocument/2006/relationships" xmlns:p="http://schemas.openxmlformats.org/presentationml/2006/main">
   <p:cSld>
     <p:spTree>
@@ -1250,174 +1418,6 @@
     <p:extLst>
       <p:ext uri="{BB962C8B-B14F-4D97-AF65-F5344CB8AC3E}">
         <p14:creationId xmlns:p14="http://schemas.microsoft.com/office/powerpoint/2010/main" val="569986962"/>
-      </p:ext>
-    </p:extLst>
-  </p:cSld>
-  <p:clrMapOvr>
-    <a:masterClrMapping/>
-  </p:clrMapOvr>
-</p:notes>
-</file>
-
-<file path=ppt/notesSlides/notesSlide18.xml><?xml version="1.0" encoding="utf-8"?>
-<p:notes xmlns:a="http://schemas.openxmlformats.org/drawingml/2006/main" xmlns:r="http://schemas.openxmlformats.org/officeDocument/2006/relationships" xmlns:p="http://schemas.openxmlformats.org/presentationml/2006/main">
-  <p:cSld>
-    <p:spTree>
-      <p:nvGrpSpPr>
-        <p:cNvPr id="1" name=""/>
-        <p:cNvGrpSpPr/>
-        <p:nvPr/>
-      </p:nvGrpSpPr>
-      <p:grpSpPr>
-        <a:xfrm>
-          <a:off x="0" y="0"/>
-          <a:ext cx="0" cy="0"/>
-          <a:chOff x="0" y="0"/>
-          <a:chExt cx="0" cy="0"/>
-        </a:xfrm>
-      </p:grpSpPr>
-      <p:sp>
-        <p:nvSpPr>
-          <p:cNvPr id="2" name="Slide Image Placeholder 1"/>
-          <p:cNvSpPr>
-            <a:spLocks noGrp="1" noRot="1" noChangeAspect="1"/>
-          </p:cNvSpPr>
-          <p:nvPr>
-            <p:ph type="sldImg"/>
-          </p:nvPr>
-        </p:nvSpPr>
-        <p:spPr/>
-      </p:sp>
-      <p:sp>
-        <p:nvSpPr>
-          <p:cNvPr id="3" name="Notes Placeholder 2"/>
-          <p:cNvSpPr>
-            <a:spLocks noGrp="1"/>
-          </p:cNvSpPr>
-          <p:nvPr>
-            <p:ph type="body" idx="1"/>
-          </p:nvPr>
-        </p:nvSpPr>
-        <p:spPr/>
-        <p:txBody>
-          <a:bodyPr/>
-          <a:lstStyle/>
-          <a:p>
-            <a:endParaRPr lang="en-US"/>
-          </a:p>
-        </p:txBody>
-      </p:sp>
-      <p:sp>
-        <p:nvSpPr>
-          <p:cNvPr id="4" name="Slide Number Placeholder 3"/>
-          <p:cNvSpPr>
-            <a:spLocks noGrp="1"/>
-          </p:cNvSpPr>
-          <p:nvPr>
-            <p:ph type="sldNum" sz="quarter" idx="10"/>
-          </p:nvPr>
-        </p:nvSpPr>
-        <p:spPr/>
-        <p:txBody>
-          <a:bodyPr/>
-          <a:lstStyle/>
-          <a:p>
-            <a:fld id="{D890BBE1-2F7F-462B-948A-F73CE40686D9}" type="slidenum">
-              <a:rPr lang="en-US" smtClean="0"/>
-              <a:t>27</a:t>
-            </a:fld>
-            <a:endParaRPr lang="en-US"/>
-          </a:p>
-        </p:txBody>
-      </p:sp>
-    </p:spTree>
-    <p:extLst>
-      <p:ext uri="{BB962C8B-B14F-4D97-AF65-F5344CB8AC3E}">
-        <p14:creationId xmlns:p14="http://schemas.microsoft.com/office/powerpoint/2010/main" val="541000410"/>
-      </p:ext>
-    </p:extLst>
-  </p:cSld>
-  <p:clrMapOvr>
-    <a:masterClrMapping/>
-  </p:clrMapOvr>
-</p:notes>
-</file>
-
-<file path=ppt/notesSlides/notesSlide19.xml><?xml version="1.0" encoding="utf-8"?>
-<p:notes xmlns:a="http://schemas.openxmlformats.org/drawingml/2006/main" xmlns:r="http://schemas.openxmlformats.org/officeDocument/2006/relationships" xmlns:p="http://schemas.openxmlformats.org/presentationml/2006/main">
-  <p:cSld>
-    <p:spTree>
-      <p:nvGrpSpPr>
-        <p:cNvPr id="1" name=""/>
-        <p:cNvGrpSpPr/>
-        <p:nvPr/>
-      </p:nvGrpSpPr>
-      <p:grpSpPr>
-        <a:xfrm>
-          <a:off x="0" y="0"/>
-          <a:ext cx="0" cy="0"/>
-          <a:chOff x="0" y="0"/>
-          <a:chExt cx="0" cy="0"/>
-        </a:xfrm>
-      </p:grpSpPr>
-      <p:sp>
-        <p:nvSpPr>
-          <p:cNvPr id="2" name="Slide Image Placeholder 1"/>
-          <p:cNvSpPr>
-            <a:spLocks noGrp="1" noRot="1" noChangeAspect="1"/>
-          </p:cNvSpPr>
-          <p:nvPr>
-            <p:ph type="sldImg"/>
-          </p:nvPr>
-        </p:nvSpPr>
-        <p:spPr/>
-      </p:sp>
-      <p:sp>
-        <p:nvSpPr>
-          <p:cNvPr id="3" name="Notes Placeholder 2"/>
-          <p:cNvSpPr>
-            <a:spLocks noGrp="1"/>
-          </p:cNvSpPr>
-          <p:nvPr>
-            <p:ph type="body" idx="1"/>
-          </p:nvPr>
-        </p:nvSpPr>
-        <p:spPr/>
-        <p:txBody>
-          <a:bodyPr/>
-          <a:lstStyle/>
-          <a:p>
-            <a:endParaRPr lang="en-US"/>
-          </a:p>
-        </p:txBody>
-      </p:sp>
-      <p:sp>
-        <p:nvSpPr>
-          <p:cNvPr id="4" name="Slide Number Placeholder 3"/>
-          <p:cNvSpPr>
-            <a:spLocks noGrp="1"/>
-          </p:cNvSpPr>
-          <p:nvPr>
-            <p:ph type="sldNum" sz="quarter" idx="10"/>
-          </p:nvPr>
-        </p:nvSpPr>
-        <p:spPr/>
-        <p:txBody>
-          <a:bodyPr/>
-          <a:lstStyle/>
-          <a:p>
-            <a:fld id="{D890BBE1-2F7F-462B-948A-F73CE40686D9}" type="slidenum">
-              <a:rPr lang="en-US" smtClean="0"/>
-              <a:t>28</a:t>
-            </a:fld>
-            <a:endParaRPr lang="en-US"/>
-          </a:p>
-        </p:txBody>
-      </p:sp>
-    </p:spTree>
-    <p:extLst>
-      <p:ext uri="{BB962C8B-B14F-4D97-AF65-F5344CB8AC3E}">
-        <p14:creationId xmlns:p14="http://schemas.microsoft.com/office/powerpoint/2010/main" val="895801657"/>
       </p:ext>
     </p:extLst>
   </p:cSld>
@@ -1582,6 +1582,174 @@
           <a:p>
             <a:fld id="{D890BBE1-2F7F-462B-948A-F73CE40686D9}" type="slidenum">
               <a:rPr lang="en-US" smtClean="0"/>
+              <a:t>27</a:t>
+            </a:fld>
+            <a:endParaRPr lang="en-US"/>
+          </a:p>
+        </p:txBody>
+      </p:sp>
+    </p:spTree>
+    <p:extLst>
+      <p:ext uri="{BB962C8B-B14F-4D97-AF65-F5344CB8AC3E}">
+        <p14:creationId xmlns:p14="http://schemas.microsoft.com/office/powerpoint/2010/main" val="541000410"/>
+      </p:ext>
+    </p:extLst>
+  </p:cSld>
+  <p:clrMapOvr>
+    <a:masterClrMapping/>
+  </p:clrMapOvr>
+</p:notes>
+</file>
+
+<file path=ppt/notesSlides/notesSlide21.xml><?xml version="1.0" encoding="utf-8"?>
+<p:notes xmlns:a="http://schemas.openxmlformats.org/drawingml/2006/main" xmlns:r="http://schemas.openxmlformats.org/officeDocument/2006/relationships" xmlns:p="http://schemas.openxmlformats.org/presentationml/2006/main">
+  <p:cSld>
+    <p:spTree>
+      <p:nvGrpSpPr>
+        <p:cNvPr id="1" name=""/>
+        <p:cNvGrpSpPr/>
+        <p:nvPr/>
+      </p:nvGrpSpPr>
+      <p:grpSpPr>
+        <a:xfrm>
+          <a:off x="0" y="0"/>
+          <a:ext cx="0" cy="0"/>
+          <a:chOff x="0" y="0"/>
+          <a:chExt cx="0" cy="0"/>
+        </a:xfrm>
+      </p:grpSpPr>
+      <p:sp>
+        <p:nvSpPr>
+          <p:cNvPr id="2" name="Slide Image Placeholder 1"/>
+          <p:cNvSpPr>
+            <a:spLocks noGrp="1" noRot="1" noChangeAspect="1"/>
+          </p:cNvSpPr>
+          <p:nvPr>
+            <p:ph type="sldImg"/>
+          </p:nvPr>
+        </p:nvSpPr>
+        <p:spPr/>
+      </p:sp>
+      <p:sp>
+        <p:nvSpPr>
+          <p:cNvPr id="3" name="Notes Placeholder 2"/>
+          <p:cNvSpPr>
+            <a:spLocks noGrp="1"/>
+          </p:cNvSpPr>
+          <p:nvPr>
+            <p:ph type="body" idx="1"/>
+          </p:nvPr>
+        </p:nvSpPr>
+        <p:spPr/>
+        <p:txBody>
+          <a:bodyPr/>
+          <a:lstStyle/>
+          <a:p>
+            <a:endParaRPr lang="en-US"/>
+          </a:p>
+        </p:txBody>
+      </p:sp>
+      <p:sp>
+        <p:nvSpPr>
+          <p:cNvPr id="4" name="Slide Number Placeholder 3"/>
+          <p:cNvSpPr>
+            <a:spLocks noGrp="1"/>
+          </p:cNvSpPr>
+          <p:nvPr>
+            <p:ph type="sldNum" sz="quarter" idx="10"/>
+          </p:nvPr>
+        </p:nvSpPr>
+        <p:spPr/>
+        <p:txBody>
+          <a:bodyPr/>
+          <a:lstStyle/>
+          <a:p>
+            <a:fld id="{D890BBE1-2F7F-462B-948A-F73CE40686D9}" type="slidenum">
+              <a:rPr lang="en-US" smtClean="0"/>
+              <a:t>28</a:t>
+            </a:fld>
+            <a:endParaRPr lang="en-US"/>
+          </a:p>
+        </p:txBody>
+      </p:sp>
+    </p:spTree>
+    <p:extLst>
+      <p:ext uri="{BB962C8B-B14F-4D97-AF65-F5344CB8AC3E}">
+        <p14:creationId xmlns:p14="http://schemas.microsoft.com/office/powerpoint/2010/main" val="895801657"/>
+      </p:ext>
+    </p:extLst>
+  </p:cSld>
+  <p:clrMapOvr>
+    <a:masterClrMapping/>
+  </p:clrMapOvr>
+</p:notes>
+</file>
+
+<file path=ppt/notesSlides/notesSlide22.xml><?xml version="1.0" encoding="utf-8"?>
+<p:notes xmlns:a="http://schemas.openxmlformats.org/drawingml/2006/main" xmlns:r="http://schemas.openxmlformats.org/officeDocument/2006/relationships" xmlns:p="http://schemas.openxmlformats.org/presentationml/2006/main">
+  <p:cSld>
+    <p:spTree>
+      <p:nvGrpSpPr>
+        <p:cNvPr id="1" name=""/>
+        <p:cNvGrpSpPr/>
+        <p:nvPr/>
+      </p:nvGrpSpPr>
+      <p:grpSpPr>
+        <a:xfrm>
+          <a:off x="0" y="0"/>
+          <a:ext cx="0" cy="0"/>
+          <a:chOff x="0" y="0"/>
+          <a:chExt cx="0" cy="0"/>
+        </a:xfrm>
+      </p:grpSpPr>
+      <p:sp>
+        <p:nvSpPr>
+          <p:cNvPr id="2" name="Slide Image Placeholder 1"/>
+          <p:cNvSpPr>
+            <a:spLocks noGrp="1" noRot="1" noChangeAspect="1"/>
+          </p:cNvSpPr>
+          <p:nvPr>
+            <p:ph type="sldImg"/>
+          </p:nvPr>
+        </p:nvSpPr>
+        <p:spPr/>
+      </p:sp>
+      <p:sp>
+        <p:nvSpPr>
+          <p:cNvPr id="3" name="Notes Placeholder 2"/>
+          <p:cNvSpPr>
+            <a:spLocks noGrp="1"/>
+          </p:cNvSpPr>
+          <p:nvPr>
+            <p:ph type="body" idx="1"/>
+          </p:nvPr>
+        </p:nvSpPr>
+        <p:spPr/>
+        <p:txBody>
+          <a:bodyPr/>
+          <a:lstStyle/>
+          <a:p>
+            <a:endParaRPr lang="en-US"/>
+          </a:p>
+        </p:txBody>
+      </p:sp>
+      <p:sp>
+        <p:nvSpPr>
+          <p:cNvPr id="4" name="Slide Number Placeholder 3"/>
+          <p:cNvSpPr>
+            <a:spLocks noGrp="1"/>
+          </p:cNvSpPr>
+          <p:nvPr>
+            <p:ph type="sldNum" sz="quarter" idx="10"/>
+          </p:nvPr>
+        </p:nvSpPr>
+        <p:spPr/>
+        <p:txBody>
+          <a:bodyPr/>
+          <a:lstStyle/>
+          <a:p>
+            <a:fld id="{D890BBE1-2F7F-462B-948A-F73CE40686D9}" type="slidenum">
+              <a:rPr lang="en-US" smtClean="0"/>
               <a:t>29</a:t>
             </a:fld>
             <a:endParaRPr lang="en-US"/>
@@ -1601,7 +1769,7 @@
 </p:notes>
 </file>
 
-<file path=ppt/notesSlides/notesSlide21.xml><?xml version="1.0" encoding="utf-8"?>
+<file path=ppt/notesSlides/notesSlide23.xml><?xml version="1.0" encoding="utf-8"?>
 <p:notes xmlns:a="http://schemas.openxmlformats.org/drawingml/2006/main" xmlns:r="http://schemas.openxmlformats.org/officeDocument/2006/relationships" xmlns:p="http://schemas.openxmlformats.org/presentationml/2006/main">
   <p:cSld>
     <p:spTree>
@@ -1685,7 +1853,7 @@
 </p:notes>
 </file>
 
-<file path=ppt/notesSlides/notesSlide22.xml><?xml version="1.0" encoding="utf-8"?>
+<file path=ppt/notesSlides/notesSlide24.xml><?xml version="1.0" encoding="utf-8"?>
 <p:notes xmlns:a="http://schemas.openxmlformats.org/drawingml/2006/main" xmlns:r="http://schemas.openxmlformats.org/officeDocument/2006/relationships" xmlns:p="http://schemas.openxmlformats.org/presentationml/2006/main">
   <p:cSld>
     <p:spTree>
@@ -1769,7 +1937,7 @@
 </p:notes>
 </file>
 
-<file path=ppt/notesSlides/notesSlide23.xml><?xml version="1.0" encoding="utf-8"?>
+<file path=ppt/notesSlides/notesSlide25.xml><?xml version="1.0" encoding="utf-8"?>
 <p:notes xmlns:a="http://schemas.openxmlformats.org/drawingml/2006/main" xmlns:r="http://schemas.openxmlformats.org/officeDocument/2006/relationships" xmlns:p="http://schemas.openxmlformats.org/presentationml/2006/main">
   <p:cSld>
     <p:spTree>
@@ -1853,7 +2021,7 @@
 </p:notes>
 </file>
 
-<file path=ppt/notesSlides/notesSlide24.xml><?xml version="1.0" encoding="utf-8"?>
+<file path=ppt/notesSlides/notesSlide26.xml><?xml version="1.0" encoding="utf-8"?>
 <p:notes xmlns:a="http://schemas.openxmlformats.org/drawingml/2006/main" xmlns:r="http://schemas.openxmlformats.org/officeDocument/2006/relationships" xmlns:p="http://schemas.openxmlformats.org/presentationml/2006/main">
   <p:cSld>
     <p:spTree>
@@ -1937,7 +2105,7 @@
 </p:notes>
 </file>
 
-<file path=ppt/notesSlides/notesSlide25.xml><?xml version="1.0" encoding="utf-8"?>
+<file path=ppt/notesSlides/notesSlide27.xml><?xml version="1.0" encoding="utf-8"?>
 <p:notes xmlns:a="http://schemas.openxmlformats.org/drawingml/2006/main" xmlns:r="http://schemas.openxmlformats.org/officeDocument/2006/relationships" xmlns:p="http://schemas.openxmlformats.org/presentationml/2006/main">
   <p:cSld>
     <p:spTree>
@@ -2065,6 +2233,94 @@
           <a:bodyPr/>
           <a:lstStyle/>
           <a:p>
+            <a:r>
+              <a:rPr lang="en-US" dirty="0" smtClean="0"/>
+              <a:t>A brief introduction</a:t>
+            </a:r>
+            <a:endParaRPr lang="en-US" dirty="0"/>
+          </a:p>
+        </p:txBody>
+      </p:sp>
+      <p:sp>
+        <p:nvSpPr>
+          <p:cNvPr id="4" name="Slide Number Placeholder 3"/>
+          <p:cNvSpPr>
+            <a:spLocks noGrp="1"/>
+          </p:cNvSpPr>
+          <p:nvPr>
+            <p:ph type="sldNum" sz="quarter" idx="10"/>
+          </p:nvPr>
+        </p:nvSpPr>
+        <p:spPr/>
+        <p:txBody>
+          <a:bodyPr/>
+          <a:lstStyle/>
+          <a:p>
+            <a:fld id="{0B6E3F2F-7406-874B-B859-6F6D807BCEDC}" type="slidenum">
+              <a:rPr lang="en-US" smtClean="0"/>
+              <a:t>4</a:t>
+            </a:fld>
+            <a:endParaRPr lang="en-US"/>
+          </a:p>
+        </p:txBody>
+      </p:sp>
+    </p:spTree>
+    <p:extLst>
+      <p:ext uri="{BB962C8B-B14F-4D97-AF65-F5344CB8AC3E}">
+        <p14:creationId xmlns:p14="http://schemas.microsoft.com/office/powerpoint/2010/main" val="1885322169"/>
+      </p:ext>
+    </p:extLst>
+  </p:cSld>
+  <p:clrMapOvr>
+    <a:masterClrMapping/>
+  </p:clrMapOvr>
+</p:notes>
+</file>
+
+<file path=ppt/notesSlides/notesSlide4.xml><?xml version="1.0" encoding="utf-8"?>
+<p:notes xmlns:a="http://schemas.openxmlformats.org/drawingml/2006/main" xmlns:r="http://schemas.openxmlformats.org/officeDocument/2006/relationships" xmlns:p="http://schemas.openxmlformats.org/presentationml/2006/main">
+  <p:cSld>
+    <p:spTree>
+      <p:nvGrpSpPr>
+        <p:cNvPr id="1" name=""/>
+        <p:cNvGrpSpPr/>
+        <p:nvPr/>
+      </p:nvGrpSpPr>
+      <p:grpSpPr>
+        <a:xfrm>
+          <a:off x="0" y="0"/>
+          <a:ext cx="0" cy="0"/>
+          <a:chOff x="0" y="0"/>
+          <a:chExt cx="0" cy="0"/>
+        </a:xfrm>
+      </p:grpSpPr>
+      <p:sp>
+        <p:nvSpPr>
+          <p:cNvPr id="2" name="Slide Image Placeholder 1"/>
+          <p:cNvSpPr>
+            <a:spLocks noGrp="1" noRot="1" noChangeAspect="1"/>
+          </p:cNvSpPr>
+          <p:nvPr>
+            <p:ph type="sldImg"/>
+          </p:nvPr>
+        </p:nvSpPr>
+        <p:spPr/>
+      </p:sp>
+      <p:sp>
+        <p:nvSpPr>
+          <p:cNvPr id="3" name="Notes Placeholder 2"/>
+          <p:cNvSpPr>
+            <a:spLocks noGrp="1"/>
+          </p:cNvSpPr>
+          <p:nvPr>
+            <p:ph type="body" idx="1"/>
+          </p:nvPr>
+        </p:nvSpPr>
+        <p:spPr/>
+        <p:txBody>
+          <a:bodyPr/>
+          <a:lstStyle/>
+          <a:p>
             <a:endParaRPr lang="en-GB"/>
           </a:p>
         </p:txBody>
@@ -2105,7 +2361,7 @@
 </p:notes>
 </file>
 
-<file path=ppt/notesSlides/notesSlide4.xml><?xml version="1.0" encoding="utf-8"?>
+<file path=ppt/notesSlides/notesSlide5.xml><?xml version="1.0" encoding="utf-8"?>
 <p:notes xmlns:a="http://schemas.openxmlformats.org/drawingml/2006/main" xmlns:r="http://schemas.openxmlformats.org/officeDocument/2006/relationships" xmlns:p="http://schemas.openxmlformats.org/presentationml/2006/main">
   <p:cSld>
     <p:spTree>
@@ -2189,7 +2445,7 @@
 </p:notes>
 </file>
 
-<file path=ppt/notesSlides/notesSlide5.xml><?xml version="1.0" encoding="utf-8"?>
+<file path=ppt/notesSlides/notesSlide6.xml><?xml version="1.0" encoding="utf-8"?>
 <p:notes xmlns:a="http://schemas.openxmlformats.org/drawingml/2006/main" xmlns:r="http://schemas.openxmlformats.org/officeDocument/2006/relationships" xmlns:p="http://schemas.openxmlformats.org/presentationml/2006/main">
   <p:cSld>
     <p:spTree>
@@ -2273,7 +2529,91 @@
 </p:notes>
 </file>
 
-<file path=ppt/notesSlides/notesSlide6.xml><?xml version="1.0" encoding="utf-8"?>
+<file path=ppt/notesSlides/notesSlide7.xml><?xml version="1.0" encoding="utf-8"?>
+<p:notes xmlns:a="http://schemas.openxmlformats.org/drawingml/2006/main" xmlns:r="http://schemas.openxmlformats.org/officeDocument/2006/relationships" xmlns:p="http://schemas.openxmlformats.org/presentationml/2006/main">
+  <p:cSld>
+    <p:spTree>
+      <p:nvGrpSpPr>
+        <p:cNvPr id="1" name=""/>
+        <p:cNvGrpSpPr/>
+        <p:nvPr/>
+      </p:nvGrpSpPr>
+      <p:grpSpPr>
+        <a:xfrm>
+          <a:off x="0" y="0"/>
+          <a:ext cx="0" cy="0"/>
+          <a:chOff x="0" y="0"/>
+          <a:chExt cx="0" cy="0"/>
+        </a:xfrm>
+      </p:grpSpPr>
+      <p:sp>
+        <p:nvSpPr>
+          <p:cNvPr id="2" name="Slide Image Placeholder 1"/>
+          <p:cNvSpPr>
+            <a:spLocks noGrp="1" noRot="1" noChangeAspect="1"/>
+          </p:cNvSpPr>
+          <p:nvPr>
+            <p:ph type="sldImg"/>
+          </p:nvPr>
+        </p:nvSpPr>
+        <p:spPr/>
+      </p:sp>
+      <p:sp>
+        <p:nvSpPr>
+          <p:cNvPr id="3" name="Notes Placeholder 2"/>
+          <p:cNvSpPr>
+            <a:spLocks noGrp="1"/>
+          </p:cNvSpPr>
+          <p:nvPr>
+            <p:ph type="body" idx="1"/>
+          </p:nvPr>
+        </p:nvSpPr>
+        <p:spPr/>
+        <p:txBody>
+          <a:bodyPr/>
+          <a:lstStyle/>
+          <a:p>
+            <a:endParaRPr lang="en-US" dirty="0"/>
+          </a:p>
+        </p:txBody>
+      </p:sp>
+      <p:sp>
+        <p:nvSpPr>
+          <p:cNvPr id="4" name="Slide Number Placeholder 3"/>
+          <p:cNvSpPr>
+            <a:spLocks noGrp="1"/>
+          </p:cNvSpPr>
+          <p:nvPr>
+            <p:ph type="sldNum" sz="quarter" idx="10"/>
+          </p:nvPr>
+        </p:nvSpPr>
+        <p:spPr/>
+        <p:txBody>
+          <a:bodyPr/>
+          <a:lstStyle/>
+          <a:p>
+            <a:fld id="{0B6E3F2F-7406-874B-B859-6F6D807BCEDC}" type="slidenum">
+              <a:rPr lang="en-US" smtClean="0"/>
+              <a:t>11</a:t>
+            </a:fld>
+            <a:endParaRPr lang="en-US"/>
+          </a:p>
+        </p:txBody>
+      </p:sp>
+    </p:spTree>
+    <p:extLst>
+      <p:ext uri="{BB962C8B-B14F-4D97-AF65-F5344CB8AC3E}">
+        <p14:creationId xmlns:p14="http://schemas.microsoft.com/office/powerpoint/2010/main" val="929853493"/>
+      </p:ext>
+    </p:extLst>
+  </p:cSld>
+  <p:clrMapOvr>
+    <a:masterClrMapping/>
+  </p:clrMapOvr>
+</p:notes>
+</file>
+
+<file path=ppt/notesSlides/notesSlide8.xml><?xml version="1.0" encoding="utf-8"?>
 <p:notes xmlns:a="http://schemas.openxmlformats.org/drawingml/2006/main" xmlns:r="http://schemas.openxmlformats.org/officeDocument/2006/relationships" xmlns:p="http://schemas.openxmlformats.org/presentationml/2006/main">
   <p:cSld>
     <p:spTree>
@@ -2357,7 +2697,7 @@
 </p:notes>
 </file>
 
-<file path=ppt/notesSlides/notesSlide7.xml><?xml version="1.0" encoding="utf-8"?>
+<file path=ppt/notesSlides/notesSlide9.xml><?xml version="1.0" encoding="utf-8"?>
 <p:notes xmlns:a="http://schemas.openxmlformats.org/drawingml/2006/main" xmlns:r="http://schemas.openxmlformats.org/officeDocument/2006/relationships" xmlns:p="http://schemas.openxmlformats.org/presentationml/2006/main">
   <p:cSld>
     <p:spTree>
@@ -2432,174 +2772,6 @@
     <p:extLst>
       <p:ext uri="{BB962C8B-B14F-4D97-AF65-F5344CB8AC3E}">
         <p14:creationId xmlns:p14="http://schemas.microsoft.com/office/powerpoint/2010/main" val="642398813"/>
-      </p:ext>
-    </p:extLst>
-  </p:cSld>
-  <p:clrMapOvr>
-    <a:masterClrMapping/>
-  </p:clrMapOvr>
-</p:notes>
-</file>
-
-<file path=ppt/notesSlides/notesSlide8.xml><?xml version="1.0" encoding="utf-8"?>
-<p:notes xmlns:a="http://schemas.openxmlformats.org/drawingml/2006/main" xmlns:r="http://schemas.openxmlformats.org/officeDocument/2006/relationships" xmlns:p="http://schemas.openxmlformats.org/presentationml/2006/main">
-  <p:cSld>
-    <p:spTree>
-      <p:nvGrpSpPr>
-        <p:cNvPr id="1" name=""/>
-        <p:cNvGrpSpPr/>
-        <p:nvPr/>
-      </p:nvGrpSpPr>
-      <p:grpSpPr>
-        <a:xfrm>
-          <a:off x="0" y="0"/>
-          <a:ext cx="0" cy="0"/>
-          <a:chOff x="0" y="0"/>
-          <a:chExt cx="0" cy="0"/>
-        </a:xfrm>
-      </p:grpSpPr>
-      <p:sp>
-        <p:nvSpPr>
-          <p:cNvPr id="2" name="Slide Image Placeholder 1"/>
-          <p:cNvSpPr>
-            <a:spLocks noGrp="1" noRot="1" noChangeAspect="1"/>
-          </p:cNvSpPr>
-          <p:nvPr>
-            <p:ph type="sldImg"/>
-          </p:nvPr>
-        </p:nvSpPr>
-        <p:spPr/>
-      </p:sp>
-      <p:sp>
-        <p:nvSpPr>
-          <p:cNvPr id="3" name="Notes Placeholder 2"/>
-          <p:cNvSpPr>
-            <a:spLocks noGrp="1"/>
-          </p:cNvSpPr>
-          <p:nvPr>
-            <p:ph type="body" idx="1"/>
-          </p:nvPr>
-        </p:nvSpPr>
-        <p:spPr/>
-        <p:txBody>
-          <a:bodyPr/>
-          <a:lstStyle/>
-          <a:p>
-            <a:endParaRPr lang="en-US" dirty="0"/>
-          </a:p>
-        </p:txBody>
-      </p:sp>
-      <p:sp>
-        <p:nvSpPr>
-          <p:cNvPr id="4" name="Slide Number Placeholder 3"/>
-          <p:cNvSpPr>
-            <a:spLocks noGrp="1"/>
-          </p:cNvSpPr>
-          <p:nvPr>
-            <p:ph type="sldNum" sz="quarter" idx="10"/>
-          </p:nvPr>
-        </p:nvSpPr>
-        <p:spPr/>
-        <p:txBody>
-          <a:bodyPr/>
-          <a:lstStyle/>
-          <a:p>
-            <a:fld id="{D890BBE1-2F7F-462B-948A-F73CE40686D9}" type="slidenum">
-              <a:rPr lang="en-US" smtClean="0"/>
-              <a:t>14</a:t>
-            </a:fld>
-            <a:endParaRPr lang="en-US"/>
-          </a:p>
-        </p:txBody>
-      </p:sp>
-    </p:spTree>
-    <p:extLst>
-      <p:ext uri="{BB962C8B-B14F-4D97-AF65-F5344CB8AC3E}">
-        <p14:creationId xmlns:p14="http://schemas.microsoft.com/office/powerpoint/2010/main" val="2078367891"/>
-      </p:ext>
-    </p:extLst>
-  </p:cSld>
-  <p:clrMapOvr>
-    <a:masterClrMapping/>
-  </p:clrMapOvr>
-</p:notes>
-</file>
-
-<file path=ppt/notesSlides/notesSlide9.xml><?xml version="1.0" encoding="utf-8"?>
-<p:notes xmlns:a="http://schemas.openxmlformats.org/drawingml/2006/main" xmlns:r="http://schemas.openxmlformats.org/officeDocument/2006/relationships" xmlns:p="http://schemas.openxmlformats.org/presentationml/2006/main">
-  <p:cSld>
-    <p:spTree>
-      <p:nvGrpSpPr>
-        <p:cNvPr id="1" name=""/>
-        <p:cNvGrpSpPr/>
-        <p:nvPr/>
-      </p:nvGrpSpPr>
-      <p:grpSpPr>
-        <a:xfrm>
-          <a:off x="0" y="0"/>
-          <a:ext cx="0" cy="0"/>
-          <a:chOff x="0" y="0"/>
-          <a:chExt cx="0" cy="0"/>
-        </a:xfrm>
-      </p:grpSpPr>
-      <p:sp>
-        <p:nvSpPr>
-          <p:cNvPr id="2" name="Slide Image Placeholder 1"/>
-          <p:cNvSpPr>
-            <a:spLocks noGrp="1" noRot="1" noChangeAspect="1"/>
-          </p:cNvSpPr>
-          <p:nvPr>
-            <p:ph type="sldImg"/>
-          </p:nvPr>
-        </p:nvSpPr>
-        <p:spPr/>
-      </p:sp>
-      <p:sp>
-        <p:nvSpPr>
-          <p:cNvPr id="3" name="Notes Placeholder 2"/>
-          <p:cNvSpPr>
-            <a:spLocks noGrp="1"/>
-          </p:cNvSpPr>
-          <p:nvPr>
-            <p:ph type="body" idx="1"/>
-          </p:nvPr>
-        </p:nvSpPr>
-        <p:spPr/>
-        <p:txBody>
-          <a:bodyPr/>
-          <a:lstStyle/>
-          <a:p>
-            <a:endParaRPr lang="en-US"/>
-          </a:p>
-        </p:txBody>
-      </p:sp>
-      <p:sp>
-        <p:nvSpPr>
-          <p:cNvPr id="4" name="Slide Number Placeholder 3"/>
-          <p:cNvSpPr>
-            <a:spLocks noGrp="1"/>
-          </p:cNvSpPr>
-          <p:nvPr>
-            <p:ph type="sldNum" sz="quarter" idx="10"/>
-          </p:nvPr>
-        </p:nvSpPr>
-        <p:spPr/>
-        <p:txBody>
-          <a:bodyPr/>
-          <a:lstStyle/>
-          <a:p>
-            <a:fld id="{D890BBE1-2F7F-462B-948A-F73CE40686D9}" type="slidenum">
-              <a:rPr lang="en-US" smtClean="0"/>
-              <a:t>15</a:t>
-            </a:fld>
-            <a:endParaRPr lang="en-US"/>
-          </a:p>
-        </p:txBody>
-      </p:sp>
-    </p:spTree>
-    <p:extLst>
-      <p:ext uri="{BB962C8B-B14F-4D97-AF65-F5344CB8AC3E}">
-        <p14:creationId xmlns:p14="http://schemas.microsoft.com/office/powerpoint/2010/main" val="708491854"/>
       </p:ext>
     </p:extLst>
   </p:cSld>
@@ -5949,7 +6121,7 @@
           <a:graphicData uri="http://schemas.openxmlformats.org/presentationml/2006/ole">
             <mc:AlternateContent xmlns:mc="http://schemas.openxmlformats.org/markup-compatibility/2006">
               <mc:Choice xmlns:v="urn:schemas-microsoft-com:vml" Requires="v">
-                <p:oleObj spid="_x0000_s72711" name="Equation" r:id="rId3" imgW="1765080" imgH="507960" progId="Equation.3">
+                <p:oleObj spid="_x0000_s72724" name="Equation" r:id="rId3" imgW="1765080" imgH="507960" progId="Equation.3">
                   <p:embed/>
                 </p:oleObj>
               </mc:Choice>
@@ -6200,7 +6372,7 @@
         <p:spPr/>
         <p:txBody>
           <a:bodyPr>
-            <a:normAutofit fontScale="92500" lnSpcReduction="20000"/>
+            <a:normAutofit fontScale="92500" lnSpcReduction="10000"/>
           </a:bodyPr>
           <a:lstStyle/>
           <a:p>
@@ -6286,247 +6458,238 @@
                   <a:schemeClr val="accent5"/>
                 </a:solidFill>
               </a:rPr>
-              <a:t>normalization term</a:t>
-            </a:r>
-          </a:p>
-          <a:p>
-            <a:pPr lvl="1"/>
-            <a:r>
-              <a:rPr lang="en-GB" dirty="0" smtClean="0"/>
-              <a:t>Normalization term is expensive to compute</a:t>
-            </a:r>
+              <a:t>normalization </a:t>
+            </a:r>
+            <a:r>
+              <a:rPr lang="en-GB" b="1" dirty="0" smtClean="0">
+                <a:solidFill>
+                  <a:schemeClr val="accent5"/>
+                </a:solidFill>
+              </a:rPr>
+              <a:t>term</a:t>
+            </a:r>
+            <a:endParaRPr lang="en-GB" b="1" dirty="0" smtClean="0">
+              <a:solidFill>
+                <a:schemeClr val="accent5"/>
+              </a:solidFill>
+            </a:endParaRPr>
           </a:p>
         </p:txBody>
       </p:sp>
-      <p:grpSp>
-        <p:nvGrpSpPr>
-          <p:cNvPr id="5" name="Group 4"/>
-          <p:cNvGrpSpPr/>
+      <p:sp>
+        <p:nvSpPr>
+          <p:cNvPr id="10" name="Rounded Rectangle 9"/>
+          <p:cNvSpPr/>
           <p:nvPr/>
-        </p:nvGrpSpPr>
-        <p:grpSpPr>
+        </p:nvSpPr>
+        <p:spPr>
           <a:xfrm>
-            <a:off x="5293896" y="3099944"/>
-            <a:ext cx="4773383" cy="1910705"/>
-            <a:chOff x="3769895" y="3099943"/>
-            <a:chExt cx="4773383" cy="1910705"/>
+            <a:off x="9524868" y="3353944"/>
+            <a:ext cx="661344" cy="473552"/>
           </a:xfrm>
-        </p:grpSpPr>
-        <p:sp>
-          <p:nvSpPr>
-            <p:cNvPr id="10" name="Rounded Rectangle 9"/>
-            <p:cNvSpPr/>
-            <p:nvPr/>
-          </p:nvSpPr>
-          <p:spPr>
-            <a:xfrm>
-              <a:off x="7683367" y="3099943"/>
-              <a:ext cx="594360" cy="392113"/>
-            </a:xfrm>
-            <a:prstGeom prst="roundRect">
-              <a:avLst/>
-            </a:prstGeom>
+          <a:prstGeom prst="roundRect">
+            <a:avLst/>
+          </a:prstGeom>
+          <a:solidFill>
+            <a:schemeClr val="tx2">
+              <a:lumMod val="40000"/>
+              <a:lumOff val="60000"/>
+              <a:alpha val="49804"/>
+            </a:schemeClr>
+          </a:solidFill>
+          <a:ln>
             <a:solidFill>
               <a:schemeClr val="tx2">
-                <a:lumMod val="40000"/>
-                <a:lumOff val="60000"/>
-                <a:alpha val="49804"/>
+                <a:alpha val="50196"/>
               </a:schemeClr>
             </a:solidFill>
-            <a:ln>
-              <a:solidFill>
-                <a:schemeClr val="tx2">
-                  <a:alpha val="50196"/>
-                </a:schemeClr>
-              </a:solidFill>
-            </a:ln>
-          </p:spPr>
-          <p:style>
-            <a:lnRef idx="2">
-              <a:schemeClr val="accent3">
-                <a:shade val="50000"/>
-              </a:schemeClr>
-            </a:lnRef>
-            <a:fillRef idx="1">
-              <a:schemeClr val="accent3"/>
-            </a:fillRef>
-            <a:effectRef idx="0">
-              <a:schemeClr val="accent3"/>
-            </a:effectRef>
-            <a:fontRef idx="minor">
-              <a:schemeClr val="lt1"/>
-            </a:fontRef>
-          </p:style>
-          <p:txBody>
-            <a:bodyPr rtlCol="0" anchor="ctr"/>
-            <a:lstStyle/>
-            <a:p>
-              <a:pPr algn="ctr"/>
-              <a:endParaRPr lang="en-GB"/>
-            </a:p>
-          </p:txBody>
-        </p:sp>
-        <p:sp>
-          <p:nvSpPr>
-            <p:cNvPr id="11" name="Rounded Rectangle 10"/>
-            <p:cNvSpPr/>
-            <p:nvPr/>
-          </p:nvSpPr>
-          <p:spPr>
-            <a:xfrm>
-              <a:off x="7489484" y="3527203"/>
-              <a:ext cx="1053794" cy="392113"/>
-            </a:xfrm>
-            <a:prstGeom prst="roundRect">
-              <a:avLst/>
-            </a:prstGeom>
+          </a:ln>
+        </p:spPr>
+        <p:style>
+          <a:lnRef idx="2">
+            <a:schemeClr val="accent3">
+              <a:shade val="50000"/>
+            </a:schemeClr>
+          </a:lnRef>
+          <a:fillRef idx="1">
+            <a:schemeClr val="accent3"/>
+          </a:fillRef>
+          <a:effectRef idx="0">
+            <a:schemeClr val="accent3"/>
+          </a:effectRef>
+          <a:fontRef idx="minor">
+            <a:schemeClr val="lt1"/>
+          </a:fontRef>
+        </p:style>
+        <p:txBody>
+          <a:bodyPr rtlCol="0" anchor="ctr"/>
+          <a:lstStyle/>
+          <a:p>
+            <a:pPr algn="ctr"/>
+            <a:endParaRPr lang="en-GB"/>
+          </a:p>
+        </p:txBody>
+      </p:sp>
+      <p:sp>
+        <p:nvSpPr>
+          <p:cNvPr id="11" name="Rounded Rectangle 10"/>
+          <p:cNvSpPr/>
+          <p:nvPr/>
+        </p:nvSpPr>
+        <p:spPr>
+          <a:xfrm>
+            <a:off x="9330984" y="3781204"/>
+            <a:ext cx="1172555" cy="473552"/>
+          </a:xfrm>
+          <a:prstGeom prst="roundRect">
+            <a:avLst/>
+          </a:prstGeom>
+          <a:solidFill>
+            <a:schemeClr val="accent5">
+              <a:alpha val="49804"/>
+            </a:schemeClr>
+          </a:solidFill>
+          <a:ln>
             <a:solidFill>
               <a:schemeClr val="accent5">
-                <a:alpha val="49804"/>
+                <a:lumMod val="50000"/>
+                <a:alpha val="50196"/>
               </a:schemeClr>
             </a:solidFill>
-            <a:ln>
-              <a:solidFill>
-                <a:schemeClr val="accent5">
-                  <a:lumMod val="50000"/>
-                  <a:alpha val="50196"/>
-                </a:schemeClr>
-              </a:solidFill>
-            </a:ln>
-          </p:spPr>
-          <p:style>
-            <a:lnRef idx="2">
-              <a:schemeClr val="accent3">
-                <a:shade val="50000"/>
-              </a:schemeClr>
-            </a:lnRef>
-            <a:fillRef idx="1">
-              <a:schemeClr val="accent3"/>
-            </a:fillRef>
-            <a:effectRef idx="0">
-              <a:schemeClr val="accent3"/>
-            </a:effectRef>
-            <a:fontRef idx="minor">
-              <a:schemeClr val="lt1"/>
-            </a:fontRef>
-          </p:style>
-          <p:txBody>
-            <a:bodyPr rtlCol="0" anchor="ctr"/>
-            <a:lstStyle/>
-            <a:p>
-              <a:pPr algn="ctr"/>
-              <a:endParaRPr lang="en-GB"/>
-            </a:p>
-          </p:txBody>
-        </p:sp>
-        <p:sp>
-          <p:nvSpPr>
-            <p:cNvPr id="12" name="Rounded Rectangle 11"/>
-            <p:cNvSpPr/>
-            <p:nvPr/>
-          </p:nvSpPr>
-          <p:spPr>
-            <a:xfrm>
-              <a:off x="4299285" y="4537572"/>
-              <a:ext cx="1447465" cy="473076"/>
-            </a:xfrm>
-            <a:prstGeom prst="roundRect">
-              <a:avLst/>
-            </a:prstGeom>
+          </a:ln>
+        </p:spPr>
+        <p:style>
+          <a:lnRef idx="2">
+            <a:schemeClr val="accent3">
+              <a:shade val="50000"/>
+            </a:schemeClr>
+          </a:lnRef>
+          <a:fillRef idx="1">
+            <a:schemeClr val="accent3"/>
+          </a:fillRef>
+          <a:effectRef idx="0">
+            <a:schemeClr val="accent3"/>
+          </a:effectRef>
+          <a:fontRef idx="minor">
+            <a:schemeClr val="lt1"/>
+          </a:fontRef>
+        </p:style>
+        <p:txBody>
+          <a:bodyPr rtlCol="0" anchor="ctr"/>
+          <a:lstStyle/>
+          <a:p>
+            <a:pPr algn="ctr"/>
+            <a:endParaRPr lang="en-GB"/>
+          </a:p>
+        </p:txBody>
+      </p:sp>
+      <p:sp>
+        <p:nvSpPr>
+          <p:cNvPr id="12" name="Rounded Rectangle 11"/>
+          <p:cNvSpPr/>
+          <p:nvPr/>
+        </p:nvSpPr>
+        <p:spPr>
+          <a:xfrm>
+            <a:off x="6267786" y="4797969"/>
+            <a:ext cx="1801050" cy="519502"/>
+          </a:xfrm>
+          <a:prstGeom prst="roundRect">
+            <a:avLst/>
+          </a:prstGeom>
+          <a:solidFill>
+            <a:schemeClr val="accent5">
+              <a:alpha val="49804"/>
+            </a:schemeClr>
+          </a:solidFill>
+          <a:ln>
             <a:solidFill>
               <a:schemeClr val="accent5">
-                <a:alpha val="49804"/>
+                <a:lumMod val="50000"/>
+                <a:alpha val="50196"/>
               </a:schemeClr>
             </a:solidFill>
-            <a:ln>
-              <a:solidFill>
-                <a:schemeClr val="accent5">
-                  <a:lumMod val="50000"/>
-                  <a:alpha val="50196"/>
-                </a:schemeClr>
-              </a:solidFill>
-            </a:ln>
-          </p:spPr>
-          <p:style>
-            <a:lnRef idx="2">
-              <a:schemeClr val="accent3">
-                <a:shade val="50000"/>
-              </a:schemeClr>
-            </a:lnRef>
-            <a:fillRef idx="1">
-              <a:schemeClr val="accent3"/>
-            </a:fillRef>
-            <a:effectRef idx="0">
-              <a:schemeClr val="accent3"/>
-            </a:effectRef>
-            <a:fontRef idx="minor">
-              <a:schemeClr val="lt1"/>
-            </a:fontRef>
-          </p:style>
-          <p:txBody>
-            <a:bodyPr rtlCol="0" anchor="ctr"/>
-            <a:lstStyle/>
-            <a:p>
-              <a:pPr algn="ctr"/>
-              <a:endParaRPr lang="en-GB"/>
-            </a:p>
-          </p:txBody>
-        </p:sp>
-        <p:sp>
-          <p:nvSpPr>
-            <p:cNvPr id="13" name="Rounded Rectangle 12"/>
-            <p:cNvSpPr/>
-            <p:nvPr/>
-          </p:nvSpPr>
-          <p:spPr>
-            <a:xfrm>
-              <a:off x="3769895" y="4537572"/>
-              <a:ext cx="529390" cy="473076"/>
-            </a:xfrm>
-            <a:prstGeom prst="roundRect">
-              <a:avLst/>
-            </a:prstGeom>
+          </a:ln>
+        </p:spPr>
+        <p:style>
+          <a:lnRef idx="2">
+            <a:schemeClr val="accent3">
+              <a:shade val="50000"/>
+            </a:schemeClr>
+          </a:lnRef>
+          <a:fillRef idx="1">
+            <a:schemeClr val="accent3"/>
+          </a:fillRef>
+          <a:effectRef idx="0">
+            <a:schemeClr val="accent3"/>
+          </a:effectRef>
+          <a:fontRef idx="minor">
+            <a:schemeClr val="lt1"/>
+          </a:fontRef>
+        </p:style>
+        <p:txBody>
+          <a:bodyPr rtlCol="0" anchor="ctr"/>
+          <a:lstStyle/>
+          <a:p>
+            <a:pPr algn="ctr"/>
+            <a:endParaRPr lang="en-GB"/>
+          </a:p>
+        </p:txBody>
+      </p:sp>
+      <p:sp>
+        <p:nvSpPr>
+          <p:cNvPr id="13" name="Rounded Rectangle 12"/>
+          <p:cNvSpPr/>
+          <p:nvPr/>
+        </p:nvSpPr>
+        <p:spPr>
+          <a:xfrm>
+            <a:off x="5306596" y="4797969"/>
+            <a:ext cx="768360" cy="519502"/>
+          </a:xfrm>
+          <a:prstGeom prst="roundRect">
+            <a:avLst/>
+          </a:prstGeom>
+          <a:solidFill>
+            <a:schemeClr val="tx2">
+              <a:lumMod val="40000"/>
+              <a:lumOff val="60000"/>
+              <a:alpha val="49804"/>
+            </a:schemeClr>
+          </a:solidFill>
+          <a:ln>
             <a:solidFill>
               <a:schemeClr val="tx2">
-                <a:lumMod val="40000"/>
-                <a:lumOff val="60000"/>
-                <a:alpha val="49804"/>
+                <a:alpha val="50196"/>
               </a:schemeClr>
             </a:solidFill>
-            <a:ln>
-              <a:solidFill>
-                <a:schemeClr val="tx2">
-                  <a:alpha val="50196"/>
-                </a:schemeClr>
-              </a:solidFill>
-            </a:ln>
-          </p:spPr>
-          <p:style>
-            <a:lnRef idx="2">
-              <a:schemeClr val="accent3">
-                <a:shade val="50000"/>
-              </a:schemeClr>
-            </a:lnRef>
-            <a:fillRef idx="1">
-              <a:schemeClr val="accent3"/>
-            </a:fillRef>
-            <a:effectRef idx="0">
-              <a:schemeClr val="accent3"/>
-            </a:effectRef>
-            <a:fontRef idx="minor">
-              <a:schemeClr val="lt1"/>
-            </a:fontRef>
-          </p:style>
-          <p:txBody>
-            <a:bodyPr rtlCol="0" anchor="ctr"/>
-            <a:lstStyle/>
-            <a:p>
-              <a:pPr algn="ctr"/>
-              <a:endParaRPr lang="en-GB"/>
-            </a:p>
-          </p:txBody>
-        </p:sp>
-      </p:grpSp>
+          </a:ln>
+        </p:spPr>
+        <p:style>
+          <a:lnRef idx="2">
+            <a:schemeClr val="accent3">
+              <a:shade val="50000"/>
+            </a:schemeClr>
+          </a:lnRef>
+          <a:fillRef idx="1">
+            <a:schemeClr val="accent3"/>
+          </a:fillRef>
+          <a:effectRef idx="0">
+            <a:schemeClr val="accent3"/>
+          </a:effectRef>
+          <a:fontRef idx="minor">
+            <a:schemeClr val="lt1"/>
+          </a:fontRef>
+        </p:style>
+        <p:txBody>
+          <a:bodyPr rtlCol="0" anchor="ctr"/>
+          <a:lstStyle/>
+          <a:p>
+            <a:pPr algn="ctr"/>
+            <a:endParaRPr lang="en-GB"/>
+          </a:p>
+        </p:txBody>
+      </p:sp>
       <p:sp>
         <p:nvSpPr>
           <p:cNvPr id="2" name="Title 1"/>
@@ -6580,23 +6743,27 @@
             <a:graphicFrameLocks noChangeAspect="1"/>
           </p:cNvGraphicFramePr>
           <p:nvPr>
-            <p:extLst/>
+            <p:extLst>
+              <p:ext uri="{D42A27DB-BD31-4B8C-83A1-F6EECF244321}">
+                <p14:modId xmlns:p14="http://schemas.microsoft.com/office/powerpoint/2010/main" val="1042585082"/>
+              </p:ext>
+            </p:extLst>
           </p:nvPr>
         </p:nvGraphicFramePr>
         <p:xfrm>
-          <a:off x="2951481" y="4559301"/>
-          <a:ext cx="4297363" cy="474663"/>
+          <a:off x="1931988" y="4711155"/>
+          <a:ext cx="6132512" cy="677363"/>
         </p:xfrm>
         <a:graphic>
           <a:graphicData uri="http://schemas.openxmlformats.org/presentationml/2006/ole">
             <mc:AlternateContent xmlns:mc="http://schemas.openxmlformats.org/markup-compatibility/2006">
               <mc:Choice xmlns:v="urn:schemas-microsoft-com:vml" Requires="v">
-                <p:oleObj spid="_x0000_s74769" name="Equation" r:id="rId3" imgW="2869920" imgH="291960" progId="Equation.3">
+                <p:oleObj spid="_x0000_s74806" name="Equation" r:id="rId4" imgW="2869920" imgH="291960" progId="Equation.3">
                   <p:embed/>
                 </p:oleObj>
               </mc:Choice>
               <mc:Fallback>
-                <p:oleObj name="Equation" r:id="rId3" imgW="2869920" imgH="291960" progId="Equation.3">
+                <p:oleObj name="Equation" r:id="rId4" imgW="2869920" imgH="291960" progId="Equation.3">
                   <p:embed/>
                   <p:pic>
                     <p:nvPicPr>
@@ -6605,15 +6772,15 @@
                       <p:nvPr/>
                     </p:nvPicPr>
                     <p:blipFill>
-                      <a:blip r:embed="rId4"/>
+                      <a:blip r:embed="rId5"/>
                       <a:stretch>
                         <a:fillRect/>
                       </a:stretch>
                     </p:blipFill>
                     <p:spPr>
                       <a:xfrm>
-                        <a:off x="2951481" y="4559301"/>
-                        <a:ext cx="4297363" cy="474663"/>
+                        <a:off x="1931988" y="4711155"/>
+                        <a:ext cx="6132512" cy="677363"/>
                       </a:xfrm>
                       <a:prstGeom prst="rect">
                         <a:avLst/>
@@ -6633,23 +6800,27 @@
             <a:graphicFrameLocks noChangeAspect="1"/>
           </p:cNvGraphicFramePr>
           <p:nvPr>
-            <p:extLst/>
+            <p:extLst>
+              <p:ext uri="{D42A27DB-BD31-4B8C-83A1-F6EECF244321}">
+                <p14:modId xmlns:p14="http://schemas.microsoft.com/office/powerpoint/2010/main" val="785318398"/>
+              </p:ext>
+            </p:extLst>
           </p:nvPr>
         </p:nvGraphicFramePr>
         <p:xfrm>
-          <a:off x="2421664" y="2397625"/>
-          <a:ext cx="6345238" cy="742950"/>
+          <a:off x="2421663" y="2473824"/>
+          <a:ext cx="7663095" cy="897255"/>
         </p:xfrm>
         <a:graphic>
           <a:graphicData uri="http://schemas.openxmlformats.org/presentationml/2006/ole">
             <mc:AlternateContent xmlns:mc="http://schemas.openxmlformats.org/markup-compatibility/2006">
               <mc:Choice xmlns:v="urn:schemas-microsoft-com:vml" Requires="v">
-                <p:oleObj spid="_x0000_s74770" name="Equation" r:id="rId5" imgW="4241520" imgH="457200" progId="Equation.3">
+                <p:oleObj spid="_x0000_s74807" name="Equation" r:id="rId6" imgW="4241520" imgH="457200" progId="Equation.3">
                   <p:embed/>
                 </p:oleObj>
               </mc:Choice>
               <mc:Fallback>
-                <p:oleObj name="Equation" r:id="rId5" imgW="4241520" imgH="457200" progId="Equation.3">
+                <p:oleObj name="Equation" r:id="rId6" imgW="4241520" imgH="457200" progId="Equation.3">
                   <p:embed/>
                   <p:pic>
                     <p:nvPicPr>
@@ -6658,15 +6829,15 @@
                       <p:nvPr/>
                     </p:nvPicPr>
                     <p:blipFill>
-                      <a:blip r:embed="rId6"/>
+                      <a:blip r:embed="rId7"/>
                       <a:stretch>
                         <a:fillRect/>
                       </a:stretch>
                     </p:blipFill>
                     <p:spPr>
                       <a:xfrm>
-                        <a:off x="2421664" y="2397625"/>
-                        <a:ext cx="6345238" cy="742950"/>
+                        <a:off x="2421663" y="2473824"/>
+                        <a:ext cx="7663095" cy="897255"/>
                       </a:xfrm>
                       <a:prstGeom prst="rect">
                         <a:avLst/>
@@ -6686,23 +6857,27 @@
             <a:graphicFrameLocks noChangeAspect="1"/>
           </p:cNvGraphicFramePr>
           <p:nvPr>
-            <p:extLst/>
+            <p:extLst>
+              <p:ext uri="{D42A27DB-BD31-4B8C-83A1-F6EECF244321}">
+                <p14:modId xmlns:p14="http://schemas.microsoft.com/office/powerpoint/2010/main" val="1920621267"/>
+              </p:ext>
+            </p:extLst>
           </p:nvPr>
         </p:nvGraphicFramePr>
         <p:xfrm>
-          <a:off x="7424656" y="3117850"/>
-          <a:ext cx="2606675" cy="825500"/>
+          <a:off x="7424656" y="3308350"/>
+          <a:ext cx="3148061" cy="996950"/>
         </p:xfrm>
         <a:graphic>
           <a:graphicData uri="http://schemas.openxmlformats.org/presentationml/2006/ole">
             <mc:AlternateContent xmlns:mc="http://schemas.openxmlformats.org/markup-compatibility/2006">
               <mc:Choice xmlns:v="urn:schemas-microsoft-com:vml" Requires="v">
-                <p:oleObj spid="_x0000_s74771" name="Equation" r:id="rId7" imgW="1739880" imgH="507960" progId="Equation.3">
+                <p:oleObj spid="_x0000_s74808" name="Equation" r:id="rId8" imgW="1739880" imgH="507960" progId="Equation.3">
                   <p:embed/>
                 </p:oleObj>
               </mc:Choice>
               <mc:Fallback>
-                <p:oleObj name="Equation" r:id="rId7" imgW="1739880" imgH="507960" progId="Equation.3">
+                <p:oleObj name="Equation" r:id="rId8" imgW="1739880" imgH="507960" progId="Equation.3">
                   <p:embed/>
                   <p:pic>
                     <p:nvPicPr>
@@ -6711,15 +6886,15 @@
                       <p:nvPr/>
                     </p:nvPicPr>
                     <p:blipFill>
-                      <a:blip r:embed="rId8"/>
+                      <a:blip r:embed="rId9"/>
                       <a:stretch>
                         <a:fillRect/>
                       </a:stretch>
                     </p:blipFill>
                     <p:spPr>
                       <a:xfrm>
-                        <a:off x="7424656" y="3117850"/>
-                        <a:ext cx="2606675" cy="825500"/>
+                        <a:off x="7424656" y="3308350"/>
+                        <a:ext cx="3148061" cy="996950"/>
                       </a:xfrm>
                       <a:prstGeom prst="rect">
                         <a:avLst/>
@@ -6930,102 +7105,6 @@
                                   </p:childTnLst>
                                 </p:cTn>
                               </p:par>
-                              <p:par>
-                                <p:cTn id="18" presetID="10" presetClass="entr" presetSubtype="0" fill="hold" nodeType="withEffect">
-                                  <p:stCondLst>
-                                    <p:cond delay="0"/>
-                                  </p:stCondLst>
-                                  <p:childTnLst>
-                                    <p:set>
-                                      <p:cBhvr>
-                                        <p:cTn id="19" dur="1" fill="hold">
-                                          <p:stCondLst>
-                                            <p:cond delay="0"/>
-                                          </p:stCondLst>
-                                        </p:cTn>
-                                        <p:tgtEl>
-                                          <p:spTgt spid="3">
-                                            <p:txEl>
-                                              <p:pRg st="11" end="11"/>
-                                            </p:txEl>
-                                          </p:spTgt>
-                                        </p:tgtEl>
-                                        <p:attrNameLst>
-                                          <p:attrName>style.visibility</p:attrName>
-                                        </p:attrNameLst>
-                                      </p:cBhvr>
-                                      <p:to>
-                                        <p:strVal val="visible"/>
-                                      </p:to>
-                                    </p:set>
-                                    <p:animEffect transition="in" filter="fade">
-                                      <p:cBhvr>
-                                        <p:cTn id="20" dur="500"/>
-                                        <p:tgtEl>
-                                          <p:spTgt spid="3">
-                                            <p:txEl>
-                                              <p:pRg st="11" end="11"/>
-                                            </p:txEl>
-                                          </p:spTgt>
-                                        </p:tgtEl>
-                                      </p:cBhvr>
-                                    </p:animEffect>
-                                  </p:childTnLst>
-                                </p:cTn>
-                              </p:par>
-                            </p:childTnLst>
-                          </p:cTn>
-                        </p:par>
-                      </p:childTnLst>
-                    </p:cTn>
-                  </p:par>
-                  <p:par>
-                    <p:cTn id="21" fill="hold">
-                      <p:stCondLst>
-                        <p:cond delay="indefinite"/>
-                      </p:stCondLst>
-                      <p:childTnLst>
-                        <p:par>
-                          <p:cTn id="22" fill="hold">
-                            <p:stCondLst>
-                              <p:cond delay="0"/>
-                            </p:stCondLst>
-                            <p:childTnLst>
-                              <p:par>
-                                <p:cTn id="23" presetID="10" presetClass="entr" presetSubtype="0" fill="hold" nodeType="clickEffect">
-                                  <p:stCondLst>
-                                    <p:cond delay="0"/>
-                                  </p:stCondLst>
-                                  <p:childTnLst>
-                                    <p:set>
-                                      <p:cBhvr>
-                                        <p:cTn id="24" dur="1" fill="hold">
-                                          <p:stCondLst>
-                                            <p:cond delay="0"/>
-                                          </p:stCondLst>
-                                        </p:cTn>
-                                        <p:tgtEl>
-                                          <p:spTgt spid="5"/>
-                                        </p:tgtEl>
-                                        <p:attrNameLst>
-                                          <p:attrName>style.visibility</p:attrName>
-                                        </p:attrNameLst>
-                                      </p:cBhvr>
-                                      <p:to>
-                                        <p:strVal val="visible"/>
-                                      </p:to>
-                                    </p:set>
-                                    <p:animEffect transition="in" filter="fade">
-                                      <p:cBhvr>
-                                        <p:cTn id="25" dur="500"/>
-                                        <p:tgtEl>
-                                          <p:spTgt spid="5"/>
-                                        </p:tgtEl>
-                                      </p:cBhvr>
-                                    </p:animEffect>
-                                  </p:childTnLst>
-                                </p:cTn>
-                              </p:par>
                             </p:childTnLst>
                           </p:cTn>
                         </p:par>
@@ -7102,7 +7181,14 @@
                 <a:latin typeface="Times New Roman" panose="02020603050405020304" pitchFamily="18" charset="0"/>
                 <a:cs typeface="Times New Roman" panose="02020603050405020304" pitchFamily="18" charset="0"/>
               </a:rPr>
-              <a:t>Neural Networks</a:t>
+              <a:t>Neural </a:t>
+            </a:r>
+            <a:r>
+              <a:rPr lang="en-US" dirty="0" smtClean="0">
+                <a:latin typeface="Times New Roman" panose="02020603050405020304" pitchFamily="18" charset="0"/>
+                <a:cs typeface="Times New Roman" panose="02020603050405020304" pitchFamily="18" charset="0"/>
+              </a:rPr>
+              <a:t>Networks </a:t>
             </a:r>
             <a:endParaRPr lang="en-US" dirty="0">
               <a:latin typeface="Times New Roman" panose="02020603050405020304" pitchFamily="18" charset="0"/>
@@ -8544,36 +8630,6 @@
           </p:sp>
         </mc:Fallback>
       </mc:AlternateContent>
-      <p:pic>
-        <p:nvPicPr>
-          <p:cNvPr id="14" name="Picture 13"/>
-          <p:cNvPicPr>
-            <a:picLocks noChangeAspect="1"/>
-          </p:cNvPicPr>
-          <p:nvPr/>
-        </p:nvPicPr>
-        <p:blipFill>
-          <a:blip r:embed="rId8" cstate="print">
-            <a:extLst>
-              <a:ext uri="{28A0092B-C50C-407E-A947-70E740481C1C}">
-                <a14:useLocalDpi xmlns:a14="http://schemas.microsoft.com/office/drawing/2010/main" val="0"/>
-              </a:ext>
-            </a:extLst>
-          </a:blip>
-          <a:stretch>
-            <a:fillRect/>
-          </a:stretch>
-        </p:blipFill>
-        <p:spPr>
-          <a:xfrm>
-            <a:off x="5841058" y="3003398"/>
-            <a:ext cx="4446006" cy="3008667"/>
-          </a:xfrm>
-          <a:prstGeom prst="rect">
-            <a:avLst/>
-          </a:prstGeom>
-        </p:spPr>
-      </p:pic>
       <mc:AlternateContent xmlns:mc="http://schemas.openxmlformats.org/markup-compatibility/2006" xmlns:a14="http://schemas.microsoft.com/office/drawing/2010/main">
         <mc:Choice Requires="a14">
           <p:sp>
@@ -10170,6 +10226,36 @@
           </p:sp>
         </mc:Fallback>
       </mc:AlternateContent>
+      <p:pic>
+        <p:nvPicPr>
+          <p:cNvPr id="28" name="Picture 27"/>
+          <p:cNvPicPr>
+            <a:picLocks noChangeAspect="1"/>
+          </p:cNvPicPr>
+          <p:nvPr/>
+        </p:nvPicPr>
+        <p:blipFill>
+          <a:blip r:embed="rId7" cstate="print">
+            <a:extLst>
+              <a:ext uri="{28A0092B-C50C-407E-A947-70E740481C1C}">
+                <a14:useLocalDpi xmlns:a14="http://schemas.microsoft.com/office/drawing/2010/main" val="0"/>
+              </a:ext>
+            </a:extLst>
+          </a:blip>
+          <a:stretch>
+            <a:fillRect/>
+          </a:stretch>
+        </p:blipFill>
+        <p:spPr>
+          <a:xfrm>
+            <a:off x="5853758" y="3003398"/>
+            <a:ext cx="4446006" cy="3008667"/>
+          </a:xfrm>
+          <a:prstGeom prst="rect">
+            <a:avLst/>
+          </a:prstGeom>
+        </p:spPr>
+      </p:pic>
     </p:spTree>
     <p:extLst>
       <p:ext uri="{BB962C8B-B14F-4D97-AF65-F5344CB8AC3E}">
@@ -10307,7 +10393,7 @@
                             </p:stCondLst>
                             <p:childTnLst>
                               <p:par>
-                                <p:cTn id="13" presetID="53" presetClass="entr" presetSubtype="16" fill="hold" nodeType="clickEffect">
+                                <p:cTn id="13" presetID="1" presetClass="entr" presetSubtype="0" fill="hold" grpId="0" nodeType="clickEffect">
                                   <p:stCondLst>
                                     <p:cond delay="0"/>
                                   </p:stCondLst>
@@ -10320,7 +10406,7 @@
                                           </p:stCondLst>
                                         </p:cTn>
                                         <p:tgtEl>
-                                          <p:spTgt spid="14"/>
+                                          <p:spTgt spid="25"/>
                                         </p:tgtEl>
                                         <p:attrNameLst>
                                           <p:attrName>style.visibility</p:attrName>
@@ -10330,57 +10416,38 @@
                                         <p:strVal val="visible"/>
                                       </p:to>
                                     </p:set>
-                                    <p:anim calcmode="lin" valueType="num">
+                                  </p:childTnLst>
+                                </p:cTn>
+                              </p:par>
+                              <p:par>
+                                <p:cTn id="15" presetID="22" presetClass="entr" presetSubtype="8" fill="hold" grpId="0" nodeType="withEffect">
+                                  <p:stCondLst>
+                                    <p:cond delay="0"/>
+                                  </p:stCondLst>
+                                  <p:childTnLst>
+                                    <p:set>
                                       <p:cBhvr>
-                                        <p:cTn id="15" dur="1000" fill="hold"/>
+                                        <p:cTn id="16" dur="1" fill="hold">
+                                          <p:stCondLst>
+                                            <p:cond delay="0"/>
+                                          </p:stCondLst>
+                                        </p:cTn>
                                         <p:tgtEl>
-                                          <p:spTgt spid="14"/>
+                                          <p:spTgt spid="26"/>
                                         </p:tgtEl>
                                         <p:attrNameLst>
-                                          <p:attrName>ppt_w</p:attrName>
+                                          <p:attrName>style.visibility</p:attrName>
                                         </p:attrNameLst>
                                       </p:cBhvr>
-                                      <p:tavLst>
-                                        <p:tav tm="0">
-                                          <p:val>
-                                            <p:fltVal val="0"/>
-                                          </p:val>
-                                        </p:tav>
-                                        <p:tav tm="100000">
-                                          <p:val>
-                                            <p:strVal val="#ppt_w"/>
-                                          </p:val>
-                                        </p:tav>
-                                      </p:tavLst>
-                                    </p:anim>
-                                    <p:anim calcmode="lin" valueType="num">
-                                      <p:cBhvr>
-                                        <p:cTn id="16" dur="1000" fill="hold"/>
-                                        <p:tgtEl>
-                                          <p:spTgt spid="14"/>
-                                        </p:tgtEl>
-                                        <p:attrNameLst>
-                                          <p:attrName>ppt_h</p:attrName>
-                                        </p:attrNameLst>
-                                      </p:cBhvr>
-                                      <p:tavLst>
-                                        <p:tav tm="0">
-                                          <p:val>
-                                            <p:fltVal val="0"/>
-                                          </p:val>
-                                        </p:tav>
-                                        <p:tav tm="100000">
-                                          <p:val>
-                                            <p:strVal val="#ppt_h"/>
-                                          </p:val>
-                                        </p:tav>
-                                      </p:tavLst>
-                                    </p:anim>
-                                    <p:animEffect transition="in" filter="fade">
+                                      <p:to>
+                                        <p:strVal val="visible"/>
+                                      </p:to>
+                                    </p:set>
+                                    <p:animEffect transition="in" filter="wipe(left)">
                                       <p:cBhvr>
                                         <p:cTn id="17" dur="1000"/>
                                         <p:tgtEl>
-                                          <p:spTgt spid="14"/>
+                                          <p:spTgt spid="26"/>
                                         </p:tgtEl>
                                       </p:cBhvr>
                                     </p:animEffect>
@@ -10419,7 +10486,7 @@
                                           </p:stCondLst>
                                         </p:cTn>
                                         <p:tgtEl>
-                                          <p:spTgt spid="25"/>
+                                          <p:spTgt spid="43"/>
                                         </p:tgtEl>
                                         <p:attrNameLst>
                                           <p:attrName>style.visibility</p:attrName>
@@ -10433,7 +10500,7 @@
                                 </p:cTn>
                               </p:par>
                               <p:par>
-                                <p:cTn id="22" presetID="22" presetClass="entr" presetSubtype="8" fill="hold" grpId="0" nodeType="withEffect">
+                                <p:cTn id="22" presetID="22" presetClass="entr" presetSubtype="2" fill="hold" grpId="0" nodeType="withEffect">
                                   <p:stCondLst>
                                     <p:cond delay="0"/>
                                   </p:stCondLst>
@@ -10446,7 +10513,7 @@
                                           </p:stCondLst>
                                         </p:cTn>
                                         <p:tgtEl>
-                                          <p:spTgt spid="26"/>
+                                          <p:spTgt spid="42"/>
                                         </p:tgtEl>
                                         <p:attrNameLst>
                                           <p:attrName>style.visibility</p:attrName>
@@ -10456,11 +10523,11 @@
                                         <p:strVal val="visible"/>
                                       </p:to>
                                     </p:set>
-                                    <p:animEffect transition="in" filter="wipe(left)">
+                                    <p:animEffect transition="in" filter="wipe(right)">
                                       <p:cBhvr>
                                         <p:cTn id="24" dur="1000"/>
                                         <p:tgtEl>
-                                          <p:spTgt spid="26"/>
+                                          <p:spTgt spid="42"/>
                                         </p:tgtEl>
                                       </p:cBhvr>
                                     </p:animEffect>
@@ -10499,7 +10566,7 @@
                                           </p:stCondLst>
                                         </p:cTn>
                                         <p:tgtEl>
-                                          <p:spTgt spid="43"/>
+                                          <p:spTgt spid="38"/>
                                         </p:tgtEl>
                                         <p:attrNameLst>
                                           <p:attrName>style.visibility</p:attrName>
@@ -10513,7 +10580,7 @@
                                 </p:cTn>
                               </p:par>
                               <p:par>
-                                <p:cTn id="29" presetID="22" presetClass="entr" presetSubtype="2" fill="hold" grpId="0" nodeType="withEffect">
+                                <p:cTn id="29" presetID="22" presetClass="entr" presetSubtype="4" fill="hold" nodeType="withEffect">
                                   <p:stCondLst>
                                     <p:cond delay="0"/>
                                   </p:stCondLst>
@@ -10526,7 +10593,7 @@
                                           </p:stCondLst>
                                         </p:cTn>
                                         <p:tgtEl>
-                                          <p:spTgt spid="42"/>
+                                          <p:spTgt spid="39"/>
                                         </p:tgtEl>
                                         <p:attrNameLst>
                                           <p:attrName>style.visibility</p:attrName>
@@ -10536,11 +10603,11 @@
                                         <p:strVal val="visible"/>
                                       </p:to>
                                     </p:set>
-                                    <p:animEffect transition="in" filter="wipe(right)">
+                                    <p:animEffect transition="in" filter="wipe(down)">
                                       <p:cBhvr>
                                         <p:cTn id="31" dur="1000"/>
                                         <p:tgtEl>
-                                          <p:spTgt spid="42"/>
+                                          <p:spTgt spid="39"/>
                                         </p:tgtEl>
                                       </p:cBhvr>
                                     </p:animEffect>
@@ -10579,7 +10646,7 @@
                                           </p:stCondLst>
                                         </p:cTn>
                                         <p:tgtEl>
-                                          <p:spTgt spid="38"/>
+                                          <p:spTgt spid="4"/>
                                         </p:tgtEl>
                                         <p:attrNameLst>
                                           <p:attrName>style.visibility</p:attrName>
@@ -10593,7 +10660,7 @@
                                 </p:cTn>
                               </p:par>
                               <p:par>
-                                <p:cTn id="36" presetID="22" presetClass="entr" presetSubtype="4" fill="hold" nodeType="withEffect">
+                                <p:cTn id="36" presetID="22" presetClass="entr" presetSubtype="1" fill="hold" grpId="0" nodeType="withEffect">
                                   <p:stCondLst>
                                     <p:cond delay="0"/>
                                   </p:stCondLst>
@@ -10606,7 +10673,7 @@
                                           </p:stCondLst>
                                         </p:cTn>
                                         <p:tgtEl>
-                                          <p:spTgt spid="39"/>
+                                          <p:spTgt spid="19"/>
                                         </p:tgtEl>
                                         <p:attrNameLst>
                                           <p:attrName>style.visibility</p:attrName>
@@ -10616,11 +10683,11 @@
                                         <p:strVal val="visible"/>
                                       </p:to>
                                     </p:set>
-                                    <p:animEffect transition="in" filter="wipe(down)">
+                                    <p:animEffect transition="in" filter="wipe(up)">
                                       <p:cBhvr>
                                         <p:cTn id="38" dur="1000"/>
                                         <p:tgtEl>
-                                          <p:spTgt spid="39"/>
+                                          <p:spTgt spid="19"/>
                                         </p:tgtEl>
                                       </p:cBhvr>
                                     </p:animEffect>
@@ -10659,7 +10726,7 @@
                                           </p:stCondLst>
                                         </p:cTn>
                                         <p:tgtEl>
-                                          <p:spTgt spid="4"/>
+                                          <p:spTgt spid="15"/>
                                         </p:tgtEl>
                                         <p:attrNameLst>
                                           <p:attrName>style.visibility</p:attrName>
@@ -10686,7 +10753,7 @@
                                           </p:stCondLst>
                                         </p:cTn>
                                         <p:tgtEl>
-                                          <p:spTgt spid="19"/>
+                                          <p:spTgt spid="21"/>
                                         </p:tgtEl>
                                         <p:attrNameLst>
                                           <p:attrName>style.visibility</p:attrName>
@@ -10700,7 +10767,7 @@
                                       <p:cBhvr>
                                         <p:cTn id="45" dur="1000"/>
                                         <p:tgtEl>
-                                          <p:spTgt spid="19"/>
+                                          <p:spTgt spid="21"/>
                                         </p:tgtEl>
                                       </p:cBhvr>
                                     </p:animEffect>
@@ -10739,86 +10806,6 @@
                                           </p:stCondLst>
                                         </p:cTn>
                                         <p:tgtEl>
-                                          <p:spTgt spid="15"/>
-                                        </p:tgtEl>
-                                        <p:attrNameLst>
-                                          <p:attrName>style.visibility</p:attrName>
-                                        </p:attrNameLst>
-                                      </p:cBhvr>
-                                      <p:to>
-                                        <p:strVal val="visible"/>
-                                      </p:to>
-                                    </p:set>
-                                  </p:childTnLst>
-                                </p:cTn>
-                              </p:par>
-                              <p:par>
-                                <p:cTn id="50" presetID="22" presetClass="entr" presetSubtype="1" fill="hold" grpId="0" nodeType="withEffect">
-                                  <p:stCondLst>
-                                    <p:cond delay="0"/>
-                                  </p:stCondLst>
-                                  <p:childTnLst>
-                                    <p:set>
-                                      <p:cBhvr>
-                                        <p:cTn id="51" dur="1" fill="hold">
-                                          <p:stCondLst>
-                                            <p:cond delay="0"/>
-                                          </p:stCondLst>
-                                        </p:cTn>
-                                        <p:tgtEl>
-                                          <p:spTgt spid="21"/>
-                                        </p:tgtEl>
-                                        <p:attrNameLst>
-                                          <p:attrName>style.visibility</p:attrName>
-                                        </p:attrNameLst>
-                                      </p:cBhvr>
-                                      <p:to>
-                                        <p:strVal val="visible"/>
-                                      </p:to>
-                                    </p:set>
-                                    <p:animEffect transition="in" filter="wipe(up)">
-                                      <p:cBhvr>
-                                        <p:cTn id="52" dur="1000"/>
-                                        <p:tgtEl>
-                                          <p:spTgt spid="21"/>
-                                        </p:tgtEl>
-                                      </p:cBhvr>
-                                    </p:animEffect>
-                                  </p:childTnLst>
-                                </p:cTn>
-                              </p:par>
-                            </p:childTnLst>
-                          </p:cTn>
-                        </p:par>
-                      </p:childTnLst>
-                    </p:cTn>
-                  </p:par>
-                  <p:par>
-                    <p:cTn id="53" fill="hold">
-                      <p:stCondLst>
-                        <p:cond delay="indefinite"/>
-                      </p:stCondLst>
-                      <p:childTnLst>
-                        <p:par>
-                          <p:cTn id="54" fill="hold">
-                            <p:stCondLst>
-                              <p:cond delay="0"/>
-                            </p:stCondLst>
-                            <p:childTnLst>
-                              <p:par>
-                                <p:cTn id="55" presetID="1" presetClass="entr" presetSubtype="0" fill="hold" grpId="0" nodeType="clickEffect">
-                                  <p:stCondLst>
-                                    <p:cond delay="0"/>
-                                  </p:stCondLst>
-                                  <p:childTnLst>
-                                    <p:set>
-                                      <p:cBhvr>
-                                        <p:cTn id="56" dur="1" fill="hold">
-                                          <p:stCondLst>
-                                            <p:cond delay="0"/>
-                                          </p:stCondLst>
-                                        </p:cTn>
-                                        <p:tgtEl>
                                           <p:spTgt spid="22"/>
                                         </p:tgtEl>
                                         <p:attrNameLst>
@@ -10833,14 +10820,14 @@
                                 </p:cTn>
                               </p:par>
                               <p:par>
-                                <p:cTn id="57" presetID="22" presetClass="entr" presetSubtype="8" fill="hold" grpId="0" nodeType="withEffect">
+                                <p:cTn id="50" presetID="22" presetClass="entr" presetSubtype="8" fill="hold" grpId="0" nodeType="withEffect">
                                   <p:stCondLst>
                                     <p:cond delay="0"/>
                                   </p:stCondLst>
                                   <p:childTnLst>
                                     <p:set>
                                       <p:cBhvr>
-                                        <p:cTn id="58" dur="1" fill="hold">
+                                        <p:cTn id="51" dur="1" fill="hold">
                                           <p:stCondLst>
                                             <p:cond delay="0"/>
                                           </p:stCondLst>
@@ -10858,7 +10845,7 @@
                                     </p:set>
                                     <p:animEffect transition="in" filter="wipe(left)">
                                       <p:cBhvr>
-                                        <p:cTn id="59" dur="1000"/>
+                                        <p:cTn id="52" dur="1000"/>
                                         <p:tgtEl>
                                           <p:spTgt spid="27"/>
                                         </p:tgtEl>
@@ -10868,14 +10855,14 @@
                                 </p:cTn>
                               </p:par>
                               <p:par>
-                                <p:cTn id="60" presetID="22" presetClass="entr" presetSubtype="4" fill="hold" nodeType="withEffect">
+                                <p:cTn id="53" presetID="22" presetClass="entr" presetSubtype="4" fill="hold" nodeType="withEffect">
                                   <p:stCondLst>
                                     <p:cond delay="0"/>
                                   </p:stCondLst>
                                   <p:childTnLst>
                                     <p:set>
                                       <p:cBhvr>
-                                        <p:cTn id="61" dur="1" fill="hold">
+                                        <p:cTn id="54" dur="1" fill="hold">
                                           <p:stCondLst>
                                             <p:cond delay="0"/>
                                           </p:stCondLst>
@@ -10893,7 +10880,7 @@
                                     </p:set>
                                     <p:animEffect transition="in" filter="wipe(down)">
                                       <p:cBhvr>
-                                        <p:cTn id="62" dur="1000"/>
+                                        <p:cTn id="55" dur="1000"/>
                                         <p:tgtEl>
                                           <p:spTgt spid="29"/>
                                         </p:tgtEl>
@@ -10909,26 +10896,26 @@
                     </p:cTn>
                   </p:par>
                   <p:par>
-                    <p:cTn id="63" fill="hold">
+                    <p:cTn id="56" fill="hold">
                       <p:stCondLst>
                         <p:cond delay="indefinite"/>
                       </p:stCondLst>
                       <p:childTnLst>
                         <p:par>
-                          <p:cTn id="64" fill="hold">
+                          <p:cTn id="57" fill="hold">
                             <p:stCondLst>
                               <p:cond delay="0"/>
                             </p:stCondLst>
                             <p:childTnLst>
                               <p:par>
-                                <p:cTn id="65" presetID="1" presetClass="entr" presetSubtype="0" fill="hold" grpId="0" nodeType="clickEffect">
+                                <p:cTn id="58" presetID="1" presetClass="entr" presetSubtype="0" fill="hold" grpId="0" nodeType="clickEffect">
                                   <p:stCondLst>
                                     <p:cond delay="0"/>
                                   </p:stCondLst>
                                   <p:childTnLst>
                                     <p:set>
                                       <p:cBhvr>
-                                        <p:cTn id="66" dur="1" fill="hold">
+                                        <p:cTn id="59" dur="1" fill="hold">
                                           <p:stCondLst>
                                             <p:cond delay="0"/>
                                           </p:stCondLst>
@@ -10948,14 +10935,14 @@
                                 </p:cTn>
                               </p:par>
                               <p:par>
-                                <p:cTn id="67" presetID="22" presetClass="entr" presetSubtype="2" fill="hold" grpId="0" nodeType="withEffect">
+                                <p:cTn id="60" presetID="22" presetClass="entr" presetSubtype="2" fill="hold" grpId="0" nodeType="withEffect">
                                   <p:stCondLst>
                                     <p:cond delay="0"/>
                                   </p:stCondLst>
                                   <p:childTnLst>
                                     <p:set>
                                       <p:cBhvr>
-                                        <p:cTn id="68" dur="1" fill="hold">
+                                        <p:cTn id="61" dur="1" fill="hold">
                                           <p:stCondLst>
                                             <p:cond delay="0"/>
                                           </p:stCondLst>
@@ -10973,7 +10960,7 @@
                                     </p:set>
                                     <p:animEffect transition="in" filter="wipe(right)">
                                       <p:cBhvr>
-                                        <p:cTn id="69" dur="1000"/>
+                                        <p:cTn id="62" dur="1000"/>
                                         <p:tgtEl>
                                           <p:spTgt spid="32"/>
                                         </p:tgtEl>
@@ -10983,14 +10970,14 @@
                                 </p:cTn>
                               </p:par>
                               <p:par>
-                                <p:cTn id="70" presetID="22" presetClass="entr" presetSubtype="4" fill="hold" nodeType="withEffect">
+                                <p:cTn id="63" presetID="22" presetClass="entr" presetSubtype="4" fill="hold" nodeType="withEffect">
                                   <p:stCondLst>
                                     <p:cond delay="0"/>
                                   </p:stCondLst>
                                   <p:childTnLst>
                                     <p:set>
                                       <p:cBhvr>
-                                        <p:cTn id="71" dur="1" fill="hold">
+                                        <p:cTn id="64" dur="1" fill="hold">
                                           <p:stCondLst>
                                             <p:cond delay="0"/>
                                           </p:stCondLst>
@@ -11008,7 +10995,7 @@
                                     </p:set>
                                     <p:animEffect transition="in" filter="wipe(down)">
                                       <p:cBhvr>
-                                        <p:cTn id="72" dur="1000"/>
+                                        <p:cTn id="65" dur="1000"/>
                                         <p:tgtEl>
                                           <p:spTgt spid="34"/>
                                         </p:tgtEl>
@@ -11024,26 +11011,26 @@
                     </p:cTn>
                   </p:par>
                   <p:par>
-                    <p:cTn id="73" fill="hold">
+                    <p:cTn id="66" fill="hold">
                       <p:stCondLst>
                         <p:cond delay="indefinite"/>
                       </p:stCondLst>
                       <p:childTnLst>
                         <p:par>
-                          <p:cTn id="74" fill="hold">
+                          <p:cTn id="67" fill="hold">
                             <p:stCondLst>
                               <p:cond delay="0"/>
                             </p:stCondLst>
                             <p:childTnLst>
                               <p:par>
-                                <p:cTn id="75" presetID="1" presetClass="entr" presetSubtype="0" fill="hold" grpId="0" nodeType="clickEffect">
+                                <p:cTn id="68" presetID="1" presetClass="entr" presetSubtype="0" fill="hold" grpId="0" nodeType="clickEffect">
                                   <p:stCondLst>
                                     <p:cond delay="0"/>
                                   </p:stCondLst>
                                   <p:childTnLst>
                                     <p:set>
                                       <p:cBhvr>
-                                        <p:cTn id="76" dur="1" fill="hold">
+                                        <p:cTn id="69" dur="1" fill="hold">
                                           <p:stCondLst>
                                             <p:cond delay="0"/>
                                           </p:stCondLst>
@@ -11069,26 +11056,26 @@
                     </p:cTn>
                   </p:par>
                   <p:par>
-                    <p:cTn id="77" fill="hold">
+                    <p:cTn id="70" fill="hold">
                       <p:stCondLst>
                         <p:cond delay="indefinite"/>
                       </p:stCondLst>
                       <p:childTnLst>
                         <p:par>
-                          <p:cTn id="78" fill="hold">
+                          <p:cTn id="71" fill="hold">
                             <p:stCondLst>
                               <p:cond delay="0"/>
                             </p:stCondLst>
                             <p:childTnLst>
                               <p:par>
-                                <p:cTn id="79" presetID="1" presetClass="entr" presetSubtype="0" fill="hold" grpId="0" nodeType="clickEffect">
+                                <p:cTn id="72" presetID="1" presetClass="entr" presetSubtype="0" fill="hold" grpId="0" nodeType="clickEffect">
                                   <p:stCondLst>
                                     <p:cond delay="0"/>
                                   </p:stCondLst>
                                   <p:childTnLst>
                                     <p:set>
                                       <p:cBhvr>
-                                        <p:cTn id="80" dur="1" fill="hold">
+                                        <p:cTn id="73" dur="1" fill="hold">
                                           <p:stCondLst>
                                             <p:cond delay="0"/>
                                           </p:stCondLst>
@@ -11114,26 +11101,26 @@
                     </p:cTn>
                   </p:par>
                   <p:par>
-                    <p:cTn id="81" fill="hold">
+                    <p:cTn id="74" fill="hold">
                       <p:stCondLst>
                         <p:cond delay="indefinite"/>
                       </p:stCondLst>
                       <p:childTnLst>
                         <p:par>
-                          <p:cTn id="82" fill="hold">
+                          <p:cTn id="75" fill="hold">
                             <p:stCondLst>
                               <p:cond delay="0"/>
                             </p:stCondLst>
                             <p:childTnLst>
                               <p:par>
-                                <p:cTn id="83" presetID="1" presetClass="entr" presetSubtype="0" fill="hold" grpId="0" nodeType="clickEffect">
+                                <p:cTn id="76" presetID="1" presetClass="entr" presetSubtype="0" fill="hold" grpId="0" nodeType="clickEffect">
                                   <p:stCondLst>
                                     <p:cond delay="0"/>
                                   </p:stCondLst>
                                   <p:childTnLst>
                                     <p:set>
                                       <p:cBhvr>
-                                        <p:cTn id="84" dur="1" fill="hold">
+                                        <p:cTn id="77" dur="1" fill="hold">
                                           <p:stCondLst>
                                             <p:cond delay="0"/>
                                           </p:stCondLst>
@@ -11159,26 +11146,26 @@
                     </p:cTn>
                   </p:par>
                   <p:par>
-                    <p:cTn id="85" fill="hold">
+                    <p:cTn id="78" fill="hold">
                       <p:stCondLst>
                         <p:cond delay="indefinite"/>
                       </p:stCondLst>
                       <p:childTnLst>
                         <p:par>
-                          <p:cTn id="86" fill="hold">
+                          <p:cTn id="79" fill="hold">
                             <p:stCondLst>
                               <p:cond delay="0"/>
                             </p:stCondLst>
                             <p:childTnLst>
                               <p:par>
-                                <p:cTn id="87" presetID="1" presetClass="entr" presetSubtype="0" fill="hold" grpId="0" nodeType="clickEffect">
+                                <p:cTn id="80" presetID="1" presetClass="entr" presetSubtype="0" fill="hold" grpId="0" nodeType="clickEffect">
                                   <p:stCondLst>
                                     <p:cond delay="0"/>
                                   </p:stCondLst>
                                   <p:childTnLst>
                                     <p:set>
                                       <p:cBhvr>
-                                        <p:cTn id="88" dur="1" fill="hold">
+                                        <p:cTn id="81" dur="1" fill="hold">
                                           <p:stCondLst>
                                             <p:cond delay="0"/>
                                           </p:stCondLst>
@@ -11194,6 +11181,105 @@
                                         <p:strVal val="visible"/>
                                       </p:to>
                                     </p:set>
+                                  </p:childTnLst>
+                                </p:cTn>
+                              </p:par>
+                            </p:childTnLst>
+                          </p:cTn>
+                        </p:par>
+                      </p:childTnLst>
+                    </p:cTn>
+                  </p:par>
+                  <p:par>
+                    <p:cTn id="82" fill="hold">
+                      <p:stCondLst>
+                        <p:cond delay="indefinite"/>
+                      </p:stCondLst>
+                      <p:childTnLst>
+                        <p:par>
+                          <p:cTn id="83" fill="hold">
+                            <p:stCondLst>
+                              <p:cond delay="0"/>
+                            </p:stCondLst>
+                            <p:childTnLst>
+                              <p:par>
+                                <p:cTn id="84" presetID="53" presetClass="entr" presetSubtype="16" fill="hold" nodeType="clickEffect">
+                                  <p:stCondLst>
+                                    <p:cond delay="0"/>
+                                  </p:stCondLst>
+                                  <p:childTnLst>
+                                    <p:set>
+                                      <p:cBhvr>
+                                        <p:cTn id="85" dur="1" fill="hold">
+                                          <p:stCondLst>
+                                            <p:cond delay="0"/>
+                                          </p:stCondLst>
+                                        </p:cTn>
+                                        <p:tgtEl>
+                                          <p:spTgt spid="28"/>
+                                        </p:tgtEl>
+                                        <p:attrNameLst>
+                                          <p:attrName>style.visibility</p:attrName>
+                                        </p:attrNameLst>
+                                      </p:cBhvr>
+                                      <p:to>
+                                        <p:strVal val="visible"/>
+                                      </p:to>
+                                    </p:set>
+                                    <p:anim calcmode="lin" valueType="num">
+                                      <p:cBhvr>
+                                        <p:cTn id="86" dur="1000" fill="hold"/>
+                                        <p:tgtEl>
+                                          <p:spTgt spid="28"/>
+                                        </p:tgtEl>
+                                        <p:attrNameLst>
+                                          <p:attrName>ppt_w</p:attrName>
+                                        </p:attrNameLst>
+                                      </p:cBhvr>
+                                      <p:tavLst>
+                                        <p:tav tm="0">
+                                          <p:val>
+                                            <p:fltVal val="0"/>
+                                          </p:val>
+                                        </p:tav>
+                                        <p:tav tm="100000">
+                                          <p:val>
+                                            <p:strVal val="#ppt_w"/>
+                                          </p:val>
+                                        </p:tav>
+                                      </p:tavLst>
+                                    </p:anim>
+                                    <p:anim calcmode="lin" valueType="num">
+                                      <p:cBhvr>
+                                        <p:cTn id="87" dur="1000" fill="hold"/>
+                                        <p:tgtEl>
+                                          <p:spTgt spid="28"/>
+                                        </p:tgtEl>
+                                        <p:attrNameLst>
+                                          <p:attrName>ppt_h</p:attrName>
+                                        </p:attrNameLst>
+                                      </p:cBhvr>
+                                      <p:tavLst>
+                                        <p:tav tm="0">
+                                          <p:val>
+                                            <p:fltVal val="0"/>
+                                          </p:val>
+                                        </p:tav>
+                                        <p:tav tm="100000">
+                                          <p:val>
+                                            <p:strVal val="#ppt_h"/>
+                                          </p:val>
+                                        </p:tav>
+                                      </p:tavLst>
+                                    </p:anim>
+                                    <p:animEffect transition="in" filter="fade">
+                                      <p:cBhvr>
+                                        <p:cTn id="88" dur="1000"/>
+                                        <p:tgtEl>
+                                          <p:spTgt spid="28"/>
+                                        </p:tgtEl>
+                                      </p:cBhvr>
+                                    </p:animEffect>
                                   </p:childTnLst>
                                 </p:cTn>
                               </p:par>
@@ -29194,8 +29280,8 @@
           </a:p>
         </p:txBody>
       </p:sp>
-      <mc:AlternateContent xmlns:mc="http://schemas.openxmlformats.org/markup-compatibility/2006" xmlns:a14="http://schemas.microsoft.com/office/drawing/2010/main">
-        <mc:Choice Requires="a14">
+      <mc:AlternateContent xmlns:mc="http://schemas.openxmlformats.org/markup-compatibility/2006">
+        <mc:Choice xmlns:a14="http://schemas.microsoft.com/office/drawing/2010/main" Requires="a14">
           <p:sp>
             <p:nvSpPr>
               <p:cNvPr id="3" name="Content Placeholder 2"/>
@@ -29619,6 +29705,14 @@
                   </a:rPr>
                   <a:t>is P(shoes; blue)? </a:t>
                 </a:r>
+                <a:r>
+                  <a:rPr lang="en-US" altLang="en-US" sz="2400" dirty="0" smtClean="0">
+                    <a:latin typeface="Arial" charset="0"/>
+                    <a:ea typeface="Arial" charset="0"/>
+                    <a:cs typeface="Arial" charset="0"/>
+                  </a:rPr>
+                  <a:t>P(idea; black)?</a:t>
+                </a:r>
                 <a:endParaRPr lang="en-US" altLang="en-US" sz="2000" dirty="0">
                   <a:latin typeface="Arial" charset="0"/>
                   <a:ea typeface="Arial" charset="0"/>
@@ -29648,7 +29742,7 @@
             </p:txBody>
           </p:sp>
         </mc:Choice>
-        <mc:Fallback xmlns="">
+        <mc:Fallback>
           <p:sp>
             <p:nvSpPr>
               <p:cNvPr id="3" name="Content Placeholder 2"/>
@@ -29771,7 +29865,7 @@
                             </p:stCondLst>
                             <p:childTnLst>
                               <p:par>
-                                <p:cTn id="5" presetID="1" presetClass="entr" presetSubtype="0" fill="hold" nodeType="clickEffect">
+                                <p:cTn id="5" presetID="1" presetClass="entr" presetSubtype="0" fill="hold" grpId="0" nodeType="clickEffect">
                                   <p:stCondLst>
                                     <p:cond delay="0"/>
                                   </p:stCondLst>
@@ -29786,7 +29880,7 @@
                                         <p:tgtEl>
                                           <p:spTgt spid="3">
                                             <p:txEl>
-                                              <p:pRg st="3" end="3"/>
+                                              <p:pRg st="0" end="0"/>
                                             </p:txEl>
                                           </p:spTgt>
                                         </p:tgtEl>
@@ -29820,7 +29914,7 @@
                             </p:stCondLst>
                             <p:childTnLst>
                               <p:par>
-                                <p:cTn id="9" presetID="1" presetClass="entr" presetSubtype="0" fill="hold" nodeType="clickEffect">
+                                <p:cTn id="9" presetID="1" presetClass="entr" presetSubtype="0" fill="hold" grpId="0" nodeType="clickEffect">
                                   <p:stCondLst>
                                     <p:cond delay="0"/>
                                   </p:stCondLst>
@@ -29828,6 +29922,180 @@
                                     <p:set>
                                       <p:cBhvr>
                                         <p:cTn id="10" dur="1" fill="hold">
+                                          <p:stCondLst>
+                                            <p:cond delay="0"/>
+                                          </p:stCondLst>
+                                        </p:cTn>
+                                        <p:tgtEl>
+                                          <p:spTgt spid="3">
+                                            <p:txEl>
+                                              <p:pRg st="1" end="1"/>
+                                            </p:txEl>
+                                          </p:spTgt>
+                                        </p:tgtEl>
+                                        <p:attrNameLst>
+                                          <p:attrName>style.visibility</p:attrName>
+                                        </p:attrNameLst>
+                                      </p:cBhvr>
+                                      <p:to>
+                                        <p:strVal val="visible"/>
+                                      </p:to>
+                                    </p:set>
+                                  </p:childTnLst>
+                                </p:cTn>
+                              </p:par>
+                              <p:par>
+                                <p:cTn id="11" presetID="1" presetClass="entr" presetSubtype="0" fill="hold" grpId="0" nodeType="withEffect">
+                                  <p:stCondLst>
+                                    <p:cond delay="0"/>
+                                  </p:stCondLst>
+                                  <p:childTnLst>
+                                    <p:set>
+                                      <p:cBhvr>
+                                        <p:cTn id="12" dur="1" fill="hold">
+                                          <p:stCondLst>
+                                            <p:cond delay="0"/>
+                                          </p:stCondLst>
+                                        </p:cTn>
+                                        <p:tgtEl>
+                                          <p:spTgt spid="6"/>
+                                        </p:tgtEl>
+                                        <p:attrNameLst>
+                                          <p:attrName>style.visibility</p:attrName>
+                                        </p:attrNameLst>
+                                      </p:cBhvr>
+                                      <p:to>
+                                        <p:strVal val="visible"/>
+                                      </p:to>
+                                    </p:set>
+                                  </p:childTnLst>
+                                </p:cTn>
+                              </p:par>
+                            </p:childTnLst>
+                          </p:cTn>
+                        </p:par>
+                      </p:childTnLst>
+                    </p:cTn>
+                  </p:par>
+                  <p:par>
+                    <p:cTn id="13" fill="hold">
+                      <p:stCondLst>
+                        <p:cond delay="indefinite"/>
+                      </p:stCondLst>
+                      <p:childTnLst>
+                        <p:par>
+                          <p:cTn id="14" fill="hold">
+                            <p:stCondLst>
+                              <p:cond delay="0"/>
+                            </p:stCondLst>
+                            <p:childTnLst>
+                              <p:par>
+                                <p:cTn id="15" presetID="1" presetClass="entr" presetSubtype="0" fill="hold" grpId="0" nodeType="clickEffect">
+                                  <p:stCondLst>
+                                    <p:cond delay="0"/>
+                                  </p:stCondLst>
+                                  <p:childTnLst>
+                                    <p:set>
+                                      <p:cBhvr>
+                                        <p:cTn id="16" dur="1" fill="hold">
+                                          <p:stCondLst>
+                                            <p:cond delay="0"/>
+                                          </p:stCondLst>
+                                        </p:cTn>
+                                        <p:tgtEl>
+                                          <p:spTgt spid="3">
+                                            <p:txEl>
+                                              <p:pRg st="2" end="2"/>
+                                            </p:txEl>
+                                          </p:spTgt>
+                                        </p:tgtEl>
+                                        <p:attrNameLst>
+                                          <p:attrName>style.visibility</p:attrName>
+                                        </p:attrNameLst>
+                                      </p:cBhvr>
+                                      <p:to>
+                                        <p:strVal val="visible"/>
+                                      </p:to>
+                                    </p:set>
+                                  </p:childTnLst>
+                                </p:cTn>
+                              </p:par>
+                            </p:childTnLst>
+                          </p:cTn>
+                        </p:par>
+                      </p:childTnLst>
+                    </p:cTn>
+                  </p:par>
+                  <p:par>
+                    <p:cTn id="17" fill="hold">
+                      <p:stCondLst>
+                        <p:cond delay="indefinite"/>
+                      </p:stCondLst>
+                      <p:childTnLst>
+                        <p:par>
+                          <p:cTn id="18" fill="hold">
+                            <p:stCondLst>
+                              <p:cond delay="0"/>
+                            </p:stCondLst>
+                            <p:childTnLst>
+                              <p:par>
+                                <p:cTn id="19" presetID="1" presetClass="entr" presetSubtype="0" fill="hold" grpId="0" nodeType="clickEffect">
+                                  <p:stCondLst>
+                                    <p:cond delay="0"/>
+                                  </p:stCondLst>
+                                  <p:childTnLst>
+                                    <p:set>
+                                      <p:cBhvr>
+                                        <p:cTn id="20" dur="1" fill="hold">
+                                          <p:stCondLst>
+                                            <p:cond delay="0"/>
+                                          </p:stCondLst>
+                                        </p:cTn>
+                                        <p:tgtEl>
+                                          <p:spTgt spid="3">
+                                            <p:txEl>
+                                              <p:pRg st="3" end="3"/>
+                                            </p:txEl>
+                                          </p:spTgt>
+                                        </p:tgtEl>
+                                        <p:attrNameLst>
+                                          <p:attrName>style.visibility</p:attrName>
+                                        </p:attrNameLst>
+                                      </p:cBhvr>
+                                      <p:to>
+                                        <p:strVal val="visible"/>
+                                      </p:to>
+                                    </p:set>
+                                  </p:childTnLst>
+                                </p:cTn>
+                              </p:par>
+                            </p:childTnLst>
+                          </p:cTn>
+                        </p:par>
+                      </p:childTnLst>
+                    </p:cTn>
+                  </p:par>
+                  <p:par>
+                    <p:cTn id="21" fill="hold">
+                      <p:stCondLst>
+                        <p:cond delay="indefinite"/>
+                      </p:stCondLst>
+                      <p:childTnLst>
+                        <p:par>
+                          <p:cTn id="22" fill="hold">
+                            <p:stCondLst>
+                              <p:cond delay="0"/>
+                            </p:stCondLst>
+                            <p:childTnLst>
+                              <p:par>
+                                <p:cTn id="23" presetID="1" presetClass="entr" presetSubtype="0" fill="hold" nodeType="clickEffect">
+                                  <p:stCondLst>
+                                    <p:cond delay="0"/>
+                                  </p:stCondLst>
+                                  <p:childTnLst>
+                                    <p:set>
+                                      <p:cBhvr>
+                                        <p:cTn id="24" dur="1" fill="hold">
                                           <p:stCondLst>
                                             <p:cond delay="0"/>
                                           </p:stCondLst>
@@ -29877,6 +30145,10 @@
         </p:cTn>
       </p:par>
     </p:tnLst>
+    <p:bldLst>
+      <p:bldP spid="3" grpId="0" uiExpand="1" build="p"/>
+      <p:bldP spid="6" grpId="0"/>
+    </p:bldLst>
   </p:timing>
 </p:sld>
 </file>
@@ -35692,7 +35964,7 @@
             <a:graphicData uri="http://schemas.openxmlformats.org/presentationml/2006/ole">
               <mc:AlternateContent xmlns:mc="http://schemas.openxmlformats.org/markup-compatibility/2006">
                 <mc:Choice xmlns:v="urn:schemas-microsoft-com:vml" Requires="v">
-                  <p:oleObj spid="_x0000_s75793" name="Equation" r:id="rId3" imgW="2869920" imgH="291960" progId="Equation.3">
+                  <p:oleObj spid="_x0000_s75830" name="Equation" r:id="rId3" imgW="2869920" imgH="291960" progId="Equation.3">
                     <p:embed/>
                   </p:oleObj>
                 </mc:Choice>
@@ -35750,7 +36022,7 @@
           <a:graphicData uri="http://schemas.openxmlformats.org/presentationml/2006/ole">
             <mc:AlternateContent xmlns:mc="http://schemas.openxmlformats.org/markup-compatibility/2006">
               <mc:Choice xmlns:v="urn:schemas-microsoft-com:vml" Requires="v">
-                <p:oleObj spid="_x0000_s75794" name="Equation" r:id="rId5" imgW="1866600" imgH="291960" progId="Equation.3">
+                <p:oleObj spid="_x0000_s75831" name="Equation" r:id="rId5" imgW="1866600" imgH="291960" progId="Equation.3">
                   <p:embed/>
                 </p:oleObj>
               </mc:Choice>
@@ -35807,7 +36079,7 @@
           <a:graphicData uri="http://schemas.openxmlformats.org/presentationml/2006/ole">
             <mc:AlternateContent xmlns:mc="http://schemas.openxmlformats.org/markup-compatibility/2006">
               <mc:Choice xmlns:v="urn:schemas-microsoft-com:vml" Requires="v">
-                <p:oleObj spid="_x0000_s75795" name="Equation" r:id="rId7" imgW="876240" imgH="393480" progId="Equation.3">
+                <p:oleObj spid="_x0000_s75832" name="Equation" r:id="rId7" imgW="876240" imgH="393480" progId="Equation.3">
                   <p:embed/>
                 </p:oleObj>
               </mc:Choice>
@@ -36705,7 +36977,7 @@
             <a:graphicData uri="http://schemas.openxmlformats.org/presentationml/2006/ole">
               <mc:AlternateContent xmlns:mc="http://schemas.openxmlformats.org/markup-compatibility/2006">
                 <mc:Choice xmlns:v="urn:schemas-microsoft-com:vml" Requires="v">
-                  <p:oleObj spid="_x0000_s76822" name="Equation" r:id="rId3" imgW="2869920" imgH="291960" progId="Equation.3">
+                  <p:oleObj spid="_x0000_s76871" name="Equation" r:id="rId3" imgW="2869920" imgH="291960" progId="Equation.3">
                     <p:embed/>
                   </p:oleObj>
                 </mc:Choice>
@@ -36759,7 +37031,7 @@
           <a:graphicData uri="http://schemas.openxmlformats.org/presentationml/2006/ole">
             <mc:AlternateContent xmlns:mc="http://schemas.openxmlformats.org/markup-compatibility/2006">
               <mc:Choice xmlns:v="urn:schemas-microsoft-com:vml" Requires="v">
-                <p:oleObj spid="_x0000_s76823" name="Equation" r:id="rId5" imgW="1739880" imgH="507960" progId="Equation.3">
+                <p:oleObj spid="_x0000_s76872" name="Equation" r:id="rId5" imgW="1739880" imgH="507960" progId="Equation.3">
                   <p:embed/>
                 </p:oleObj>
               </mc:Choice>
@@ -36812,7 +37084,7 @@
           <a:graphicData uri="http://schemas.openxmlformats.org/presentationml/2006/ole">
             <mc:AlternateContent xmlns:mc="http://schemas.openxmlformats.org/markup-compatibility/2006">
               <mc:Choice xmlns:v="urn:schemas-microsoft-com:vml" Requires="v">
-                <p:oleObj spid="_x0000_s76824" name="Equation" r:id="rId7" imgW="1752480" imgH="393480" progId="Equation.3">
+                <p:oleObj spid="_x0000_s76873" name="Equation" r:id="rId7" imgW="1752480" imgH="393480" progId="Equation.3">
                   <p:embed/>
                 </p:oleObj>
               </mc:Choice>
@@ -36986,7 +37258,7 @@
             <a:graphicData uri="http://schemas.openxmlformats.org/presentationml/2006/ole">
               <mc:AlternateContent xmlns:mc="http://schemas.openxmlformats.org/markup-compatibility/2006">
                 <mc:Choice xmlns:v="urn:schemas-microsoft-com:vml" Requires="v">
-                  <p:oleObj spid="_x0000_s76825" name="Equation" r:id="rId9" imgW="2476440" imgH="393480" progId="Equation.3">
+                  <p:oleObj spid="_x0000_s76874" name="Equation" r:id="rId9" imgW="2476440" imgH="393480" progId="Equation.3">
                     <p:embed/>
                   </p:oleObj>
                 </mc:Choice>
@@ -38176,7 +38448,7 @@
             </p:nvSpPr>
             <p:spPr>
               <a:blipFill rotWithShape="0">
-                <a:blip r:embed="rId2"/>
+                <a:blip r:embed="rId3"/>
                 <a:stretch>
                   <a:fillRect l="-1546" t="-1242"/>
                 </a:stretch>
@@ -38229,7 +38501,7 @@
           <p:nvPr/>
         </p:nvPicPr>
         <p:blipFill rotWithShape="1">
-          <a:blip r:embed="rId3"/>
+          <a:blip r:embed="rId4"/>
           <a:srcRect l="8108" r="10724"/>
           <a:stretch/>
         </p:blipFill>
@@ -38533,7 +38805,15 @@
             <a:pPr lvl="1"/>
             <a:r>
               <a:rPr lang="en-US" dirty="0" smtClean="0"/>
-              <a:t>Example: P(“red” | “the”, “shoes”, “are”)</a:t>
+              <a:t>Example: P</a:t>
+            </a:r>
+            <a:r>
+              <a:rPr lang="en-US" dirty="0" smtClean="0"/>
+              <a:t>(“blue” </a:t>
+            </a:r>
+            <a:r>
+              <a:rPr lang="en-US" dirty="0" smtClean="0"/>
+              <a:t>| “the”, “shoes”, “are”)</a:t>
             </a:r>
           </a:p>
           <a:p>
@@ -38847,18 +39127,19 @@
           <a:lstStyle/>
           <a:p>
             <a:r>
-              <a:rPr lang="en-GB" sz="2600" dirty="0"/>
-              <a:t>Word tokens mapped </a:t>
-            </a:r>
-            <a:br>
-              <a:rPr lang="en-GB" sz="2600" dirty="0"/>
-            </a:br>
-            <a:r>
-              <a:rPr lang="en-GB" sz="2600" dirty="0"/>
-              <a:t>to vectors in a </a:t>
-            </a:r>
-            <a:r>
-              <a:rPr lang="en-GB" sz="2600" b="1" dirty="0">
+              <a:rPr lang="en-GB" dirty="0"/>
+              <a:t>Word tokens </a:t>
+            </a:r>
+            <a:r>
+              <a:rPr lang="en-GB" dirty="0" smtClean="0"/>
+              <a:t>map to </a:t>
+            </a:r>
+            <a:r>
+              <a:rPr lang="en-GB" dirty="0"/>
+              <a:t>vectors in a </a:t>
+            </a:r>
+            <a:r>
+              <a:rPr lang="en-GB" b="1" dirty="0">
                 <a:solidFill>
                   <a:schemeClr val="tx2"/>
                 </a:solidFill>
@@ -38868,33 +39149,47 @@
           </a:p>
           <a:p>
             <a:r>
-              <a:rPr lang="en-GB" sz="2600" dirty="0"/>
-              <a:t>Conditional word probabilities replaced by</a:t>
-            </a:r>
-            <a:br>
-              <a:rPr lang="en-GB" sz="2600" dirty="0"/>
-            </a:br>
-            <a:r>
-              <a:rPr lang="en-GB" sz="2600" b="1" dirty="0">
+              <a:rPr lang="en-GB" dirty="0"/>
+              <a:t>Conditional word probabilities replaced </a:t>
+            </a:r>
+            <a:r>
+              <a:rPr lang="en-GB" dirty="0" smtClean="0"/>
+              <a:t>by </a:t>
+            </a:r>
+            <a:r>
+              <a:rPr lang="en-GB" b="1" dirty="0" smtClean="0">
                 <a:solidFill>
                   <a:schemeClr val="tx2"/>
                 </a:solidFill>
               </a:rPr>
-              <a:t>normalized dynamical models </a:t>
-            </a:r>
-            <a:r>
-              <a:rPr lang="en-GB" sz="2600" dirty="0"/>
-              <a:t/>
-            </a:r>
-            <a:br>
-              <a:rPr lang="en-GB" sz="2600" dirty="0"/>
-            </a:br>
-            <a:r>
-              <a:rPr lang="en-GB" sz="2600" dirty="0"/>
-              <a:t>on vectors of </a:t>
-            </a:r>
-            <a:r>
-              <a:rPr lang="en-GB" sz="2600" b="1" dirty="0">
+              <a:t>normalized </a:t>
+            </a:r>
+            <a:r>
+              <a:rPr lang="en-GB" b="1" dirty="0">
+                <a:solidFill>
+                  <a:schemeClr val="tx2"/>
+                </a:solidFill>
+              </a:rPr>
+              <a:t>dynamical </a:t>
+            </a:r>
+            <a:r>
+              <a:rPr lang="en-GB" b="1" dirty="0" smtClean="0">
+                <a:solidFill>
+                  <a:schemeClr val="tx2"/>
+                </a:solidFill>
+              </a:rPr>
+              <a:t>models </a:t>
+            </a:r>
+            <a:r>
+              <a:rPr lang="en-GB" dirty="0" smtClean="0"/>
+              <a:t>on </a:t>
+            </a:r>
+            <a:r>
+              <a:rPr lang="en-GB" dirty="0"/>
+              <a:t>vectors of </a:t>
+            </a:r>
+            <a:r>
+              <a:rPr lang="en-GB" b="1" dirty="0">
                 <a:solidFill>
                   <a:schemeClr val="tx2"/>
                 </a:solidFill>
@@ -38902,14 +39197,14 @@
               <a:t>word </a:t>
             </a:r>
             <a:r>
-              <a:rPr lang="en-GB" sz="2600" b="1" dirty="0" err="1">
+              <a:rPr lang="en-GB" b="1" dirty="0" err="1">
                 <a:solidFill>
                   <a:schemeClr val="tx2"/>
                 </a:solidFill>
               </a:rPr>
               <a:t>embeddings</a:t>
             </a:r>
-            <a:endParaRPr lang="en-GB" sz="2600" b="1" dirty="0">
+            <a:endParaRPr lang="en-GB" b="1" dirty="0">
               <a:solidFill>
                 <a:schemeClr val="tx2"/>
               </a:solidFill>
@@ -38917,7 +39212,7 @@
           </a:p>
           <a:p>
             <a:r>
-              <a:rPr lang="en-GB" sz="2600" b="1" dirty="0">
+              <a:rPr lang="en-GB" b="1" dirty="0">
                 <a:solidFill>
                   <a:schemeClr val="tx2"/>
                 </a:solidFill>
@@ -38925,11 +39220,11 @@
               <a:t>Vector-space representation </a:t>
             </a:r>
             <a:r>
-              <a:rPr lang="en-GB" sz="2600" dirty="0"/>
+              <a:rPr lang="en-GB" dirty="0"/>
               <a:t>enables semantic/syntactic </a:t>
             </a:r>
             <a:r>
-              <a:rPr lang="en-GB" sz="2600" b="1" dirty="0">
+              <a:rPr lang="en-GB" b="1" dirty="0">
                 <a:solidFill>
                   <a:schemeClr val="tx2"/>
                 </a:solidFill>
@@ -38937,7 +39232,7 @@
               <a:t>similarity</a:t>
             </a:r>
             <a:r>
-              <a:rPr lang="en-GB" sz="2600" dirty="0">
+              <a:rPr lang="en-GB" dirty="0">
                 <a:solidFill>
                   <a:schemeClr val="tx2"/>
                 </a:solidFill>
@@ -38945,29 +39240,41 @@
               <a:t> </a:t>
             </a:r>
             <a:r>
-              <a:rPr lang="en-GB" sz="2600" dirty="0"/>
+              <a:rPr lang="en-GB" dirty="0"/>
               <a:t>between words/sentences</a:t>
             </a:r>
           </a:p>
           <a:p>
             <a:pPr lvl="1"/>
             <a:r>
-              <a:rPr lang="en-GB" sz="1800" dirty="0"/>
-              <a:t>Use cosine similarity as semantic word similarity</a:t>
+              <a:rPr lang="en-GB" dirty="0"/>
+              <a:t>Use cosine similarity </a:t>
+            </a:r>
+            <a:r>
+              <a:rPr lang="en-GB" dirty="0" smtClean="0"/>
+              <a:t>can measure </a:t>
+            </a:r>
+            <a:r>
+              <a:rPr lang="en-GB" dirty="0"/>
+              <a:t>word similarity</a:t>
             </a:r>
           </a:p>
           <a:p>
             <a:pPr lvl="1"/>
             <a:r>
-              <a:rPr lang="en-GB" sz="1800" dirty="0"/>
+              <a:rPr lang="en-GB" dirty="0"/>
               <a:t>Find nearest neighbours: synonyms, antonyms</a:t>
             </a:r>
           </a:p>
           <a:p>
             <a:pPr lvl="1"/>
             <a:r>
-              <a:rPr lang="en-GB" sz="1800" dirty="0"/>
-              <a:t>Algebra on words: {king} – {man} + {woman} = {queen}?</a:t>
+              <a:rPr lang="en-GB" dirty="0"/>
+              <a:t>Algebra on words: {king} – {man} + {woman} = {queen</a:t>
+            </a:r>
+            <a:r>
+              <a:rPr lang="en-GB" dirty="0" smtClean="0"/>
+              <a:t>}</a:t>
             </a:r>
             <a:endParaRPr lang="en-GB" sz="1200" dirty="0"/>
           </a:p>
@@ -39337,18 +39644,22 @@
             <a:graphicFrameLocks noChangeAspect="1"/>
           </p:cNvGraphicFramePr>
           <p:nvPr>
-            <p:extLst/>
+            <p:extLst>
+              <p:ext uri="{D42A27DB-BD31-4B8C-83A1-F6EECF244321}">
+                <p14:modId xmlns:p14="http://schemas.microsoft.com/office/powerpoint/2010/main" val="1735800050"/>
+              </p:ext>
+            </p:extLst>
           </p:nvPr>
         </p:nvGraphicFramePr>
         <p:xfrm>
-          <a:off x="4954730" y="2096329"/>
+          <a:off x="4383230" y="2096329"/>
           <a:ext cx="283369" cy="370284"/>
         </p:xfrm>
         <a:graphic>
           <a:graphicData uri="http://schemas.openxmlformats.org/presentationml/2006/ole">
             <mc:AlternateContent xmlns:mc="http://schemas.openxmlformats.org/markup-compatibility/2006">
               <mc:Choice xmlns:v="urn:schemas-microsoft-com:vml" Requires="v">
-                <p:oleObj spid="_x0000_s71702" name="Equation" r:id="rId3" imgW="190440" imgH="228600" progId="Equation.3">
+                <p:oleObj spid="_x0000_s71751" name="Equation" r:id="rId3" imgW="190440" imgH="228600" progId="Equation.3">
                   <p:embed/>
                 </p:oleObj>
               </mc:Choice>
@@ -39369,7 +39680,7 @@
                     </p:blipFill>
                     <p:spPr>
                       <a:xfrm>
-                        <a:off x="4954730" y="2096329"/>
+                        <a:off x="4383230" y="2096329"/>
                         <a:ext cx="283369" cy="370284"/>
                       </a:xfrm>
                       <a:prstGeom prst="rect">
@@ -39393,7 +39704,7 @@
         </p:nvGrpSpPr>
         <p:grpSpPr bwMode="auto">
           <a:xfrm>
-            <a:off x="5282398" y="2151282"/>
+            <a:off x="4672798" y="2151282"/>
             <a:ext cx="281285" cy="1259086"/>
             <a:chOff x="0" y="0"/>
             <a:chExt cx="336" cy="1504"/>
@@ -39495,7 +39806,7 @@
         </p:nvSpPr>
         <p:spPr>
           <a:xfrm>
-            <a:off x="2028128" y="2139285"/>
+            <a:off x="1215328" y="2139285"/>
             <a:ext cx="2926603" cy="993011"/>
           </a:xfrm>
           <a:prstGeom prst="rect">
@@ -39757,7 +40068,7 @@
               <a:buNone/>
             </a:pPr>
             <a:r>
-              <a:rPr lang="en-GB" sz="1600" dirty="0">
+              <a:rPr lang="en-GB" dirty="0">
                 <a:solidFill>
                   <a:schemeClr val="tx1"/>
                 </a:solidFill>
@@ -39766,7 +40077,7 @@
               <a:t>“</a:t>
             </a:r>
             <a:r>
-              <a:rPr lang="en-GB" sz="1600" b="1" dirty="0">
+              <a:rPr lang="en-GB" b="1" dirty="0">
                 <a:solidFill>
                   <a:schemeClr val="tx2"/>
                 </a:solidFill>
@@ -39775,7 +40086,7 @@
               <a:t>One-hot</a:t>
             </a:r>
             <a:r>
-              <a:rPr lang="en-GB" sz="1600" dirty="0">
+              <a:rPr lang="en-GB" dirty="0">
                 <a:solidFill>
                   <a:schemeClr val="tx1"/>
                 </a:solidFill>
@@ -39784,7 +40095,7 @@
               <a:t>” of “</a:t>
             </a:r>
             <a:r>
-              <a:rPr lang="en-GB" sz="1600" b="1" dirty="0">
+              <a:rPr lang="en-GB" b="1" dirty="0">
                 <a:solidFill>
                   <a:schemeClr val="tx2"/>
                 </a:solidFill>
@@ -39793,7 +40104,7 @@
               <a:t>one-of-V</a:t>
             </a:r>
             <a:r>
-              <a:rPr lang="en-GB" sz="1600" dirty="0">
+              <a:rPr lang="en-GB" dirty="0">
                 <a:solidFill>
                   <a:schemeClr val="tx1"/>
                 </a:solidFill>
@@ -39802,7 +40113,7 @@
               <a:t>”</a:t>
             </a:r>
             <a:br>
-              <a:rPr lang="en-GB" sz="1600" dirty="0">
+              <a:rPr lang="en-GB" dirty="0">
                 <a:solidFill>
                   <a:schemeClr val="tx1"/>
                 </a:solidFill>
@@ -39810,7 +40121,7 @@
               </a:rPr>
             </a:br>
             <a:r>
-              <a:rPr lang="en-GB" sz="1600" dirty="0">
+              <a:rPr lang="en-GB" dirty="0">
                 <a:solidFill>
                   <a:schemeClr val="tx1"/>
                 </a:solidFill>
@@ -39818,25 +40129,26 @@
               </a:rPr>
               <a:t>representation </a:t>
             </a:r>
-            <a:br>
-              <a:rPr lang="en-GB" sz="1600" dirty="0">
+            <a:r>
+              <a:rPr lang="en-GB" dirty="0" smtClean="0">
                 <a:solidFill>
                   <a:schemeClr val="tx1"/>
                 </a:solidFill>
                 <a:latin typeface="+mj-lt"/>
               </a:rPr>
-            </a:br>
-            <a:r>
-              <a:rPr lang="en-GB" sz="1600" dirty="0">
+              <a:t>of </a:t>
+            </a:r>
+            <a:r>
+              <a:rPr lang="en-GB" dirty="0">
                 <a:solidFill>
                   <a:schemeClr val="tx1"/>
                 </a:solidFill>
                 <a:latin typeface="+mj-lt"/>
               </a:rPr>
-              <a:t>of a word token at position </a:t>
-            </a:r>
-            <a:r>
-              <a:rPr lang="en-GB" sz="1600" i="1" dirty="0">
+              <a:t>a word token at position </a:t>
+            </a:r>
+            <a:r>
+              <a:rPr lang="en-GB" i="1" dirty="0">
                 <a:solidFill>
                   <a:schemeClr val="tx1"/>
                 </a:solidFill>
@@ -39845,7 +40157,7 @@
               <a:t>t</a:t>
             </a:r>
             <a:r>
-              <a:rPr lang="en-GB" sz="1600" dirty="0">
+              <a:rPr lang="en-GB" dirty="0">
                 <a:solidFill>
                   <a:schemeClr val="tx1"/>
                 </a:solidFill>
@@ -39853,33 +40165,26 @@
               </a:rPr>
               <a:t> </a:t>
             </a:r>
-            <a:br>
-              <a:rPr lang="en-GB" sz="1600" dirty="0">
+            <a:r>
+              <a:rPr lang="en-GB" dirty="0" smtClean="0">
                 <a:solidFill>
                   <a:schemeClr val="tx1"/>
                 </a:solidFill>
                 <a:latin typeface="+mj-lt"/>
               </a:rPr>
-            </a:br>
-            <a:r>
-              <a:rPr lang="en-GB" sz="1600" dirty="0">
+              <a:t>in </a:t>
+            </a:r>
+            <a:r>
+              <a:rPr lang="en-GB" dirty="0">
                 <a:solidFill>
                   <a:schemeClr val="tx1"/>
                 </a:solidFill>
                 <a:latin typeface="+mj-lt"/>
               </a:rPr>
-              <a:t>in the text corpus, </a:t>
-            </a:r>
-            <a:br>
-              <a:rPr lang="en-GB" sz="1600" dirty="0">
-                <a:solidFill>
-                  <a:schemeClr val="tx1"/>
-                </a:solidFill>
-                <a:latin typeface="+mj-lt"/>
-              </a:rPr>
-            </a:br>
-            <a:r>
-              <a:rPr lang="en-GB" sz="1600" dirty="0">
+              <a:t>the text corpus, </a:t>
+            </a:r>
+            <a:r>
+              <a:rPr lang="en-GB" dirty="0" smtClean="0">
                 <a:solidFill>
                   <a:schemeClr val="tx1"/>
                 </a:solidFill>
@@ -39888,7 +40193,7 @@
               <a:t>with </a:t>
             </a:r>
             <a:r>
-              <a:rPr lang="en-GB" sz="1600" b="1" dirty="0">
+              <a:rPr lang="en-GB" b="1" dirty="0">
                 <a:solidFill>
                   <a:schemeClr val="tx2"/>
                 </a:solidFill>
@@ -39897,7 +40202,7 @@
               <a:t>vocabulary of size </a:t>
             </a:r>
             <a:r>
-              <a:rPr lang="en-GB" sz="1600" b="1" i="1" dirty="0">
+              <a:rPr lang="en-GB" b="1" i="1" dirty="0">
                 <a:solidFill>
                   <a:schemeClr val="tx2"/>
                 </a:solidFill>
@@ -39916,7 +40221,7 @@
         </p:nvSpPr>
         <p:spPr>
           <a:xfrm>
-            <a:off x="5765906" y="2070961"/>
+            <a:off x="5194406" y="2070961"/>
             <a:ext cx="157993" cy="300082"/>
           </a:xfrm>
           <a:prstGeom prst="rect">
@@ -39945,7 +40250,7 @@
         </p:nvSpPr>
         <p:spPr>
           <a:xfrm>
-            <a:off x="5774967" y="2608838"/>
+            <a:off x="5203467" y="2608838"/>
             <a:ext cx="157993" cy="300082"/>
           </a:xfrm>
           <a:prstGeom prst="rect">
@@ -39974,7 +40279,7 @@
         </p:nvSpPr>
         <p:spPr>
           <a:xfrm>
-            <a:off x="5765906" y="3227510"/>
+            <a:off x="5194406" y="3227510"/>
             <a:ext cx="157993" cy="300082"/>
           </a:xfrm>
           <a:prstGeom prst="rect">
@@ -40003,7 +40308,7 @@
         </p:nvCxnSpPr>
         <p:spPr>
           <a:xfrm flipH="1">
-            <a:off x="5590059" y="2209461"/>
+            <a:off x="5018559" y="2209461"/>
             <a:ext cx="202223" cy="0"/>
           </a:xfrm>
           <a:prstGeom prst="straightConnector1">
@@ -40036,7 +40341,7 @@
         </p:nvCxnSpPr>
         <p:spPr>
           <a:xfrm flipH="1">
-            <a:off x="5581268" y="2763374"/>
+            <a:off x="5009768" y="2763374"/>
             <a:ext cx="202223" cy="0"/>
           </a:xfrm>
           <a:prstGeom prst="straightConnector1">
@@ -40069,7 +40374,7 @@
         </p:nvCxnSpPr>
         <p:spPr>
           <a:xfrm flipH="1">
-            <a:off x="5572476" y="3361252"/>
+            <a:off x="5000976" y="3361252"/>
             <a:ext cx="202223" cy="0"/>
           </a:xfrm>
           <a:prstGeom prst="straightConnector1">
@@ -40102,8 +40407,8 @@
         </p:nvGrpSpPr>
         <p:grpSpPr>
           <a:xfrm>
-            <a:off x="2028126" y="4487879"/>
-            <a:ext cx="3895772" cy="1577671"/>
+            <a:off x="1092200" y="4487879"/>
+            <a:ext cx="4222098" cy="1577671"/>
             <a:chOff x="971617" y="4113600"/>
             <a:chExt cx="5194364" cy="2103561"/>
           </a:xfrm>
@@ -40126,7 +40431,7 @@
             <a:graphicData uri="http://schemas.openxmlformats.org/presentationml/2006/ole">
               <mc:AlternateContent xmlns:mc="http://schemas.openxmlformats.org/markup-compatibility/2006">
                 <mc:Choice xmlns:v="urn:schemas-microsoft-com:vml" Requires="v">
-                  <p:oleObj spid="_x0000_s71703" name="Equation" r:id="rId5" imgW="164880" imgH="228600" progId="Equation.3">
+                  <p:oleObj spid="_x0000_s71752" name="Equation" r:id="rId5" imgW="164880" imgH="228600" progId="Equation.3">
                     <p:embed/>
                   </p:oleObj>
                 </mc:Choice>
@@ -40302,7 +40607,7 @@
             <a:p>
               <a:pPr algn="ctr"/>
               <a:r>
-                <a:rPr lang="en-GB" sz="1800" b="1" dirty="0" err="1">
+                <a:rPr lang="en-GB" sz="2000" b="1" dirty="0" err="1">
                   <a:solidFill>
                     <a:schemeClr val="bg1"/>
                   </a:solidFill>
@@ -40310,14 +40615,14 @@
                 <a:t>z</a:t>
               </a:r>
               <a:r>
-                <a:rPr lang="en-GB" sz="1800" i="1" baseline="-25000" dirty="0" err="1">
+                <a:rPr lang="en-GB" sz="2000" i="1" baseline="-25000" dirty="0" err="1">
                   <a:solidFill>
                     <a:schemeClr val="bg1"/>
                   </a:solidFill>
                 </a:rPr>
                 <a:t>v</a:t>
               </a:r>
-              <a:endParaRPr lang="en-US" sz="1800" baseline="-6000" dirty="0">
+              <a:endParaRPr lang="en-US" sz="2000" baseline="-6000" dirty="0">
                 <a:solidFill>
                   <a:schemeClr val="bg1"/>
                 </a:solidFill>
@@ -40341,7 +40646,7 @@
           <p:spPr>
             <a:xfrm>
               <a:off x="5955324" y="4122699"/>
-              <a:ext cx="210657" cy="400109"/>
+              <a:ext cx="210657" cy="533480"/>
             </a:xfrm>
             <a:prstGeom prst="rect">
               <a:avLst/>
@@ -40355,7 +40660,7 @@
             <a:lstStyle/>
             <a:p>
               <a:r>
-                <a:rPr lang="en-GB" sz="1350" dirty="0"/>
+                <a:rPr lang="en-GB" sz="2000" dirty="0"/>
                 <a:t>1</a:t>
               </a:r>
             </a:p>
@@ -40370,7 +40675,7 @@
           <p:spPr>
             <a:xfrm>
               <a:off x="5955324" y="5078615"/>
-              <a:ext cx="210657" cy="400109"/>
+              <a:ext cx="210657" cy="533480"/>
             </a:xfrm>
             <a:prstGeom prst="rect">
               <a:avLst/>
@@ -40384,7 +40689,7 @@
             <a:lstStyle/>
             <a:p>
               <a:r>
-                <a:rPr lang="en-GB" sz="1350" dirty="0"/>
+                <a:rPr lang="en-GB" sz="2000" dirty="0"/>
                 <a:t>D</a:t>
               </a:r>
             </a:p>
@@ -40728,7 +41033,7 @@
                 <a:buNone/>
               </a:pPr>
               <a:r>
-                <a:rPr lang="en-GB" sz="1600" b="1" dirty="0">
+                <a:rPr lang="en-GB" b="1" dirty="0">
                   <a:solidFill>
                     <a:schemeClr val="accent5"/>
                   </a:solidFill>
@@ -40737,7 +41042,7 @@
                 <a:t>Vector-space representation </a:t>
               </a:r>
               <a:r>
-                <a:rPr lang="en-GB" sz="1600" dirty="0">
+                <a:rPr lang="en-GB" dirty="0">
                   <a:solidFill>
                     <a:schemeClr val="tx1"/>
                   </a:solidFill>
@@ -40746,7 +41051,7 @@
                 <a:t/>
               </a:r>
               <a:br>
-                <a:rPr lang="en-GB" sz="1600" dirty="0">
+                <a:rPr lang="en-GB" dirty="0">
                   <a:solidFill>
                     <a:schemeClr val="tx1"/>
                   </a:solidFill>
@@ -40754,7 +41059,7 @@
                 </a:rPr>
               </a:br>
               <a:r>
-                <a:rPr lang="en-GB" sz="1600" dirty="0">
+                <a:rPr lang="en-GB" dirty="0">
                   <a:solidFill>
                     <a:schemeClr val="tx1"/>
                   </a:solidFill>
@@ -40763,7 +41068,7 @@
                 <a:t>of any word </a:t>
               </a:r>
               <a:r>
-                <a:rPr lang="en-GB" sz="1600" i="1" dirty="0">
+                <a:rPr lang="en-GB" i="1" dirty="0">
                   <a:solidFill>
                     <a:schemeClr val="tx1"/>
                   </a:solidFill>
@@ -40772,7 +41077,7 @@
                 <a:t>v</a:t>
               </a:r>
               <a:r>
-                <a:rPr lang="en-GB" sz="1600" dirty="0">
+                <a:rPr lang="en-GB" dirty="0">
                   <a:solidFill>
                     <a:schemeClr val="tx1"/>
                   </a:solidFill>
@@ -40780,42 +41085,44 @@
                 </a:rPr>
                 <a:t> </a:t>
               </a:r>
-              <a:br>
-                <a:rPr lang="en-GB" sz="1600" dirty="0">
+              <a:r>
+                <a:rPr lang="en-GB" dirty="0" smtClean="0">
                   <a:solidFill>
                     <a:schemeClr val="tx1"/>
                   </a:solidFill>
                   <a:latin typeface="+mj-lt"/>
                 </a:rPr>
-              </a:br>
+                <a:t>in </a:t>
+              </a:r>
               <a:r>
-                <a:rPr lang="en-GB" sz="1600" dirty="0">
+                <a:rPr lang="en-GB" dirty="0">
                   <a:solidFill>
                     <a:schemeClr val="tx1"/>
                   </a:solidFill>
                   <a:latin typeface="+mj-lt"/>
                 </a:rPr>
-                <a:t>in the vocabulary</a:t>
+                <a:t>the </a:t>
               </a:r>
-              <a:br>
-                <a:rPr lang="en-GB" sz="1600" dirty="0">
+              <a:r>
+                <a:rPr lang="en-GB" dirty="0" smtClean="0">
                   <a:solidFill>
                     <a:schemeClr val="tx1"/>
                   </a:solidFill>
                   <a:latin typeface="+mj-lt"/>
                 </a:rPr>
-              </a:br>
+                <a:t>vocabulary using </a:t>
+              </a:r>
               <a:r>
-                <a:rPr lang="en-GB" sz="1600" dirty="0">
+                <a:rPr lang="en-GB" dirty="0">
                   <a:solidFill>
                     <a:schemeClr val="tx1"/>
                   </a:solidFill>
                   <a:latin typeface="+mj-lt"/>
                 </a:rPr>
-                <a:t>using a vector of </a:t>
+                <a:t>a vector of </a:t>
               </a:r>
               <a:r>
-                <a:rPr lang="en-GB" sz="1600" b="1" dirty="0">
+                <a:rPr lang="en-GB" b="1" dirty="0">
                   <a:solidFill>
                     <a:schemeClr val="accent5"/>
                   </a:solidFill>
@@ -40824,7 +41131,7 @@
                 <a:t>dimension </a:t>
               </a:r>
               <a:r>
-                <a:rPr lang="en-GB" sz="1600" b="1" i="1" dirty="0">
+                <a:rPr lang="en-GB" b="1" i="1" dirty="0">
                   <a:solidFill>
                     <a:schemeClr val="accent5"/>
                   </a:solidFill>
@@ -40838,23 +41145,30 @@
                 <a:buNone/>
               </a:pPr>
               <a:r>
-                <a:rPr lang="en-GB" sz="1600" dirty="0">
+                <a:rPr lang="en-GB" dirty="0">
                   <a:latin typeface="+mj-lt"/>
                 </a:rPr>
-                <a:t>Also called</a:t>
+                <a:t>Also </a:t>
               </a:r>
-              <a:br>
-                <a:rPr lang="en-GB" sz="1600" dirty="0">
+              <a:r>
+                <a:rPr lang="en-GB" dirty="0" smtClean="0">
                   <a:latin typeface="+mj-lt"/>
                 </a:rPr>
-              </a:br>
+                <a:t>called </a:t>
+              </a:r>
               <a:r>
-                <a:rPr lang="en-GB" sz="1600" b="1" dirty="0">
+                <a:rPr lang="en-GB" b="1" dirty="0" smtClean="0">
                   <a:latin typeface="+mj-lt"/>
                 </a:rPr>
-                <a:t>distributed representation</a:t>
+                <a:t>distributed </a:t>
               </a:r>
-              <a:endParaRPr lang="en-GB" sz="1600" dirty="0">
+              <a:r>
+                <a:rPr lang="en-GB" b="1" dirty="0">
+                  <a:latin typeface="+mj-lt"/>
+                </a:rPr>
+                <a:t>representation</a:t>
+              </a:r>
+              <a:endParaRPr lang="en-GB" dirty="0">
                 <a:latin typeface="+mj-lt"/>
               </a:endParaRPr>
             </a:p>
@@ -40893,7 +41207,7 @@
             <a:graphicData uri="http://schemas.openxmlformats.org/presentationml/2006/ole">
               <mc:AlternateContent xmlns:mc="http://schemas.openxmlformats.org/markup-compatibility/2006">
                 <mc:Choice xmlns:v="urn:schemas-microsoft-com:vml" Requires="v">
-                  <p:oleObj spid="_x0000_s71704" name="Equation" r:id="rId7" imgW="342720" imgH="241200" progId="Equation.3">
+                  <p:oleObj spid="_x0000_s71753" name="Equation" r:id="rId7" imgW="342720" imgH="241200" progId="Equation.3">
                     <p:embed/>
                   </p:oleObj>
                 </mc:Choice>
@@ -41069,7 +41383,7 @@
             <a:p>
               <a:pPr algn="ctr"/>
               <a:r>
-                <a:rPr lang="en-GB" sz="1350" b="1" dirty="0">
+                <a:rPr lang="en-GB" sz="2000" b="1" dirty="0">
                   <a:solidFill>
                     <a:schemeClr val="bg1"/>
                   </a:solidFill>
@@ -41077,14 +41391,14 @@
                 <a:t>z</a:t>
               </a:r>
               <a:r>
-                <a:rPr lang="en-GB" sz="1350" i="1" baseline="-25000" dirty="0">
+                <a:rPr lang="en-GB" sz="2000" i="1" baseline="-25000" dirty="0">
                   <a:solidFill>
                     <a:schemeClr val="bg1"/>
                   </a:solidFill>
                 </a:rPr>
                 <a:t>t-1</a:t>
               </a:r>
-              <a:endParaRPr lang="en-US" sz="1350" baseline="-6000" dirty="0">
+              <a:endParaRPr lang="en-US" sz="2000" baseline="-6000" dirty="0">
                 <a:solidFill>
                   <a:schemeClr val="bg1"/>
                 </a:solidFill>
@@ -41240,7 +41554,7 @@
             <a:p>
               <a:pPr algn="ctr"/>
               <a:r>
-                <a:rPr lang="en-GB" sz="1350" b="1" dirty="0">
+                <a:rPr lang="en-GB" sz="2000" b="1" dirty="0">
                   <a:solidFill>
                     <a:schemeClr val="bg1"/>
                   </a:solidFill>
@@ -41248,14 +41562,14 @@
                 <a:t>z</a:t>
               </a:r>
               <a:r>
-                <a:rPr lang="en-GB" sz="1350" i="1" baseline="-25000" dirty="0">
+                <a:rPr lang="en-GB" sz="2000" i="1" baseline="-25000" dirty="0">
                   <a:solidFill>
                     <a:schemeClr val="bg1"/>
                   </a:solidFill>
                 </a:rPr>
                 <a:t>t-2</a:t>
               </a:r>
-              <a:endParaRPr lang="en-US" sz="1350" baseline="-6000" dirty="0">
+              <a:endParaRPr lang="en-US" sz="2000" baseline="-6000" dirty="0">
                 <a:solidFill>
                   <a:schemeClr val="bg1"/>
                 </a:solidFill>
@@ -41411,7 +41725,7 @@
             <a:p>
               <a:pPr algn="ctr"/>
               <a:r>
-                <a:rPr lang="en-GB" sz="1350" b="1" dirty="0">
+                <a:rPr lang="en-GB" sz="2000" b="1" dirty="0">
                   <a:solidFill>
                     <a:schemeClr val="bg1"/>
                   </a:solidFill>
@@ -41419,14 +41733,14 @@
                 <a:t>z</a:t>
               </a:r>
               <a:r>
-                <a:rPr lang="en-GB" sz="1350" i="1" baseline="-25000" dirty="0">
+                <a:rPr lang="en-GB" sz="2000" i="1" baseline="-25000" dirty="0">
                   <a:solidFill>
                     <a:schemeClr val="bg1"/>
                   </a:solidFill>
                 </a:rPr>
                 <a:t>t-1</a:t>
               </a:r>
-              <a:endParaRPr lang="en-US" sz="1350" baseline="-6000" dirty="0">
+              <a:endParaRPr lang="en-US" sz="2000" baseline="-6000" dirty="0">
                 <a:solidFill>
                   <a:schemeClr val="bg1"/>
                 </a:solidFill>
@@ -41713,7 +42027,7 @@
                 <a:buNone/>
               </a:pPr>
               <a:r>
-                <a:rPr lang="en-GB" sz="1600" b="1" dirty="0">
+                <a:rPr lang="en-GB" b="1" dirty="0">
                   <a:solidFill>
                     <a:schemeClr val="accent5"/>
                   </a:solidFill>
@@ -41722,7 +42036,7 @@
                 <a:t>Vector-space representation </a:t>
               </a:r>
               <a:r>
-                <a:rPr lang="en-GB" sz="1600" dirty="0">
+                <a:rPr lang="en-GB" dirty="0">
                   <a:solidFill>
                     <a:schemeClr val="tx1"/>
                   </a:solidFill>
@@ -41731,7 +42045,7 @@
                 <a:t/>
               </a:r>
               <a:br>
-                <a:rPr lang="en-GB" sz="1600" dirty="0">
+                <a:rPr lang="en-GB" dirty="0">
                   <a:solidFill>
                     <a:schemeClr val="tx1"/>
                   </a:solidFill>
@@ -41739,7 +42053,7 @@
                 </a:rPr>
               </a:br>
               <a:r>
-                <a:rPr lang="en-GB" sz="1600" dirty="0">
+                <a:rPr lang="en-GB" dirty="0">
                   <a:solidFill>
                     <a:schemeClr val="tx1"/>
                   </a:solidFill>
@@ -41748,7 +42062,7 @@
                 <a:t>of the </a:t>
               </a:r>
               <a:r>
-                <a:rPr lang="en-GB" sz="1600" b="1" i="1" dirty="0" err="1">
+                <a:rPr lang="en-GB" b="1" i="1" dirty="0" err="1">
                   <a:solidFill>
                     <a:schemeClr val="tx2"/>
                   </a:solidFill>
@@ -41757,7 +42071,7 @@
                 <a:t>t</a:t>
               </a:r>
               <a:r>
-                <a:rPr lang="en-GB" sz="1600" b="1" baseline="30000" dirty="0" err="1">
+                <a:rPr lang="en-GB" b="1" baseline="30000" dirty="0" err="1">
                   <a:solidFill>
                     <a:schemeClr val="tx2"/>
                   </a:solidFill>
@@ -41766,16 +42080,34 @@
                 <a:t>th</a:t>
               </a:r>
               <a:r>
-                <a:rPr lang="en-GB" sz="1600" b="1" dirty="0">
+                <a:rPr lang="en-GB" b="1" dirty="0">
                   <a:solidFill>
                     <a:schemeClr val="tx2"/>
                   </a:solidFill>
                   <a:latin typeface="+mj-lt"/>
                 </a:rPr>
-                <a:t> word history</a:t>
+                <a:t> </a:t>
               </a:r>
               <a:r>
-                <a:rPr lang="en-GB" sz="1600" dirty="0">
+                <a:rPr lang="en-GB" b="1" dirty="0" smtClean="0">
+                  <a:solidFill>
+                    <a:schemeClr val="tx2"/>
+                  </a:solidFill>
+                  <a:latin typeface="+mj-lt"/>
+                </a:rPr>
+                <a:t>word’s </a:t>
+              </a:r>
+              <a:r>
+                <a:rPr lang="en-GB" b="1" dirty="0">
+                  <a:solidFill>
+                    <a:schemeClr val="tx2"/>
+                  </a:solidFill>
+                  <a:latin typeface="+mj-lt"/>
+                </a:rPr>
+                <a:t>history</a:t>
+              </a:r>
+              <a:r>
+                <a:rPr lang="en-GB" dirty="0">
                   <a:solidFill>
                     <a:schemeClr val="tx1"/>
                   </a:solidFill>
@@ -41784,7 +42116,7 @@
                 <a:t>:</a:t>
               </a:r>
               <a:br>
-                <a:rPr lang="en-GB" sz="1600" dirty="0">
+                <a:rPr lang="en-GB" dirty="0">
                   <a:solidFill>
                     <a:schemeClr val="tx1"/>
                   </a:solidFill>
@@ -41792,7 +42124,7 @@
                 </a:rPr>
               </a:br>
               <a:r>
-                <a:rPr lang="en-GB" sz="1600" dirty="0">
+                <a:rPr lang="en-GB" dirty="0">
                   <a:solidFill>
                     <a:schemeClr val="tx1"/>
                   </a:solidFill>
@@ -41801,7 +42133,7 @@
                 <a:t>e.g., concatenation </a:t>
               </a:r>
               <a:br>
-                <a:rPr lang="en-GB" sz="1600" dirty="0">
+                <a:rPr lang="en-GB" dirty="0">
                   <a:solidFill>
                     <a:schemeClr val="tx1"/>
                   </a:solidFill>
@@ -41809,7 +42141,7 @@
                 </a:rPr>
               </a:br>
               <a:r>
-                <a:rPr lang="en-GB" sz="1600" dirty="0">
+                <a:rPr lang="en-GB" dirty="0">
                   <a:solidFill>
                     <a:schemeClr val="tx1"/>
                   </a:solidFill>
@@ -41818,7 +42150,7 @@
                 <a:t>of </a:t>
               </a:r>
               <a:r>
-                <a:rPr lang="en-GB" sz="1600" i="1" dirty="0">
+                <a:rPr lang="en-GB" i="1" dirty="0">
                   <a:solidFill>
                     <a:schemeClr val="tx1"/>
                   </a:solidFill>
@@ -41827,7 +42159,7 @@
                 <a:t>n</a:t>
               </a:r>
               <a:r>
-                <a:rPr lang="en-GB" sz="1600" dirty="0">
+                <a:rPr lang="en-GB" dirty="0">
                   <a:solidFill>
                     <a:schemeClr val="tx1"/>
                   </a:solidFill>
@@ -41836,7 +42168,7 @@
                 <a:t>-1 vectors of size </a:t>
               </a:r>
               <a:r>
-                <a:rPr lang="en-GB" sz="1600" i="1" dirty="0">
+                <a:rPr lang="en-GB" i="1" dirty="0">
                   <a:solidFill>
                     <a:schemeClr val="tx1"/>
                   </a:solidFill>
@@ -41880,7 +42212,7 @@
             <a:graphicData uri="http://schemas.openxmlformats.org/presentationml/2006/ole">
               <mc:AlternateContent xmlns:mc="http://schemas.openxmlformats.org/markup-compatibility/2006">
                 <mc:Choice xmlns:v="urn:schemas-microsoft-com:vml" Requires="v">
-                  <p:oleObj spid="_x0000_s71705" name="Equation" r:id="rId9" imgW="152280" imgH="228600" progId="Equation.3">
+                  <p:oleObj spid="_x0000_s71754" name="Equation" r:id="rId9" imgW="152280" imgH="228600" progId="Equation.3">
                     <p:embed/>
                   </p:oleObj>
                 </mc:Choice>
@@ -42056,7 +42388,7 @@
             <a:p>
               <a:pPr algn="ctr"/>
               <a:r>
-                <a:rPr lang="en-GB" sz="1800" b="1" dirty="0" err="1">
+                <a:rPr lang="en-GB" sz="2000" b="1" dirty="0" err="1">
                   <a:solidFill>
                     <a:schemeClr val="bg1"/>
                   </a:solidFill>
@@ -42064,14 +42396,14 @@
                 <a:t>ẑ</a:t>
               </a:r>
               <a:r>
-                <a:rPr lang="en-GB" sz="1800" i="1" baseline="-25000" dirty="0" err="1">
+                <a:rPr lang="en-GB" sz="2000" i="1" baseline="-25000" dirty="0" err="1">
                   <a:solidFill>
                     <a:schemeClr val="bg1"/>
                   </a:solidFill>
                 </a:rPr>
                 <a:t>t</a:t>
               </a:r>
-              <a:endParaRPr lang="en-US" sz="1800" baseline="-6000" dirty="0">
+              <a:endParaRPr lang="en-US" sz="2000" baseline="-6000" dirty="0">
                 <a:solidFill>
                   <a:schemeClr val="bg1"/>
                 </a:solidFill>
@@ -42358,7 +42690,7 @@
                 <a:buNone/>
               </a:pPr>
               <a:r>
-                <a:rPr lang="en-GB" sz="1600" b="1" dirty="0">
+                <a:rPr lang="en-GB" b="1" dirty="0">
                   <a:solidFill>
                     <a:schemeClr val="accent5"/>
                   </a:solidFill>
@@ -42367,7 +42699,7 @@
                 <a:t>Vector-space representation</a:t>
               </a:r>
               <a:r>
-                <a:rPr lang="en-GB" sz="1600" dirty="0">
+                <a:rPr lang="en-GB" dirty="0">
                   <a:solidFill>
                     <a:schemeClr val="tx1"/>
                   </a:solidFill>
@@ -42376,7 +42708,7 @@
                 <a:t/>
               </a:r>
               <a:br>
-                <a:rPr lang="en-GB" sz="1600" dirty="0">
+                <a:rPr lang="en-GB" dirty="0">
                   <a:solidFill>
                     <a:schemeClr val="tx1"/>
                   </a:solidFill>
@@ -42384,7 +42716,7 @@
                 </a:rPr>
               </a:br>
               <a:r>
-                <a:rPr lang="en-GB" sz="1600" dirty="0">
+                <a:rPr lang="en-GB" dirty="0">
                   <a:solidFill>
                     <a:schemeClr val="tx1"/>
                   </a:solidFill>
@@ -42392,16 +42724,8 @@
                 </a:rPr>
                 <a:t>of the prediction </a:t>
               </a:r>
-              <a:br>
-                <a:rPr lang="en-GB" sz="1600" dirty="0">
-                  <a:solidFill>
-                    <a:schemeClr val="tx1"/>
-                  </a:solidFill>
-                  <a:latin typeface="+mj-lt"/>
-                </a:rPr>
-              </a:br>
               <a:r>
-                <a:rPr lang="en-GB" sz="1600" dirty="0">
+                <a:rPr lang="en-GB" dirty="0" smtClean="0">
                   <a:solidFill>
                     <a:schemeClr val="tx1"/>
                   </a:solidFill>
@@ -42410,7 +42734,7 @@
                 <a:t>of </a:t>
               </a:r>
               <a:r>
-                <a:rPr lang="en-GB" sz="1600" b="1" dirty="0">
+                <a:rPr lang="en-GB" b="1" dirty="0">
                   <a:solidFill>
                     <a:schemeClr val="tx2"/>
                   </a:solidFill>
@@ -42419,7 +42743,7 @@
                 <a:t>target word </a:t>
               </a:r>
               <a:r>
-                <a:rPr lang="en-GB" sz="1600" b="1" i="1" dirty="0" err="1">
+                <a:rPr lang="en-GB" b="1" i="1" dirty="0" err="1" smtClean="0">
                   <a:solidFill>
                     <a:schemeClr val="tx2"/>
                   </a:solidFill>
@@ -42428,7 +42752,7 @@
                 <a:t>w</a:t>
               </a:r>
               <a:r>
-                <a:rPr lang="en-GB" sz="1600" b="1" i="1" baseline="-25000" dirty="0" err="1">
+                <a:rPr lang="en-GB" b="1" i="1" baseline="-25000" dirty="0" err="1" smtClean="0">
                   <a:solidFill>
                     <a:schemeClr val="tx2"/>
                   </a:solidFill>
@@ -42437,33 +42761,34 @@
                 <a:t>t</a:t>
               </a:r>
               <a:r>
-                <a:rPr lang="en-GB" sz="1600" b="1" dirty="0">
+                <a:rPr lang="en-GB" b="1" dirty="0">
                   <a:solidFill>
                     <a:schemeClr val="tx2"/>
                   </a:solidFill>
                   <a:latin typeface="+mj-lt"/>
                 </a:rPr>
-                <a:t/>
+                <a:t> </a:t>
               </a:r>
-              <a:br>
-                <a:rPr lang="en-GB" sz="1600" b="1" dirty="0">
-                  <a:solidFill>
-                    <a:schemeClr val="tx2"/>
-                  </a:solidFill>
-                  <a:latin typeface="+mj-lt"/>
-                </a:rPr>
-              </a:br>
               <a:r>
-                <a:rPr lang="en-GB" sz="1600" dirty="0">
+                <a:rPr lang="en-GB" dirty="0" smtClean="0">
                   <a:solidFill>
                     <a:schemeClr val="tx1"/>
                   </a:solidFill>
                   <a:latin typeface="+mj-lt"/>
                 </a:rPr>
-                <a:t>(we predict a vector of size </a:t>
+                <a:t>(we </a:t>
               </a:r>
               <a:r>
-                <a:rPr lang="en-GB" sz="1600" i="1" dirty="0">
+                <a:rPr lang="en-GB" dirty="0">
+                  <a:solidFill>
+                    <a:schemeClr val="tx1"/>
+                  </a:solidFill>
+                  <a:latin typeface="+mj-lt"/>
+                </a:rPr>
+                <a:t>predict a vector of size </a:t>
+              </a:r>
+              <a:r>
+                <a:rPr lang="en-GB" i="1" dirty="0">
                   <a:solidFill>
                     <a:schemeClr val="tx1"/>
                   </a:solidFill>
@@ -42472,7 +42797,7 @@
                 <a:t>D</a:t>
               </a:r>
               <a:r>
-                <a:rPr lang="en-GB" sz="1600" dirty="0">
+                <a:rPr lang="en-GB" dirty="0">
                   <a:solidFill>
                     <a:schemeClr val="tx1"/>
                   </a:solidFill>

--- a/neural_lm_0928.pptx
+++ b/neural_lm_0928.pptx
@@ -235,7 +235,7 @@
           <a:p>
             <a:fld id="{1527065D-CFE8-E24C-A215-C0B70AB19EDA}" type="datetimeFigureOut">
               <a:rPr lang="en-US" smtClean="0"/>
-              <a:t>9/27/18</a:t>
+              <a:t>9/28/18</a:t>
             </a:fld>
             <a:endParaRPr lang="en-US"/>
           </a:p>
@@ -2912,7 +2912,7 @@
           <a:p>
             <a:fld id="{60FA8735-98C6-1A46-B17C-DAA0904BFDD3}" type="datetimeFigureOut">
               <a:rPr lang="en-US" smtClean="0"/>
-              <a:t>9/27/18</a:t>
+              <a:t>9/28/18</a:t>
             </a:fld>
             <a:endParaRPr lang="en-US"/>
           </a:p>
@@ -3082,7 +3082,7 @@
           <a:p>
             <a:fld id="{60FA8735-98C6-1A46-B17C-DAA0904BFDD3}" type="datetimeFigureOut">
               <a:rPr lang="en-US" smtClean="0"/>
-              <a:t>9/27/18</a:t>
+              <a:t>9/28/18</a:t>
             </a:fld>
             <a:endParaRPr lang="en-US"/>
           </a:p>
@@ -3262,7 +3262,7 @@
           <a:p>
             <a:fld id="{60FA8735-98C6-1A46-B17C-DAA0904BFDD3}" type="datetimeFigureOut">
               <a:rPr lang="en-US" smtClean="0"/>
-              <a:t>9/27/18</a:t>
+              <a:t>9/28/18</a:t>
             </a:fld>
             <a:endParaRPr lang="en-US"/>
           </a:p>
@@ -3432,7 +3432,7 @@
           <a:p>
             <a:fld id="{60FA8735-98C6-1A46-B17C-DAA0904BFDD3}" type="datetimeFigureOut">
               <a:rPr lang="en-US" smtClean="0"/>
-              <a:t>9/27/18</a:t>
+              <a:t>9/28/18</a:t>
             </a:fld>
             <a:endParaRPr lang="en-US"/>
           </a:p>
@@ -3678,7 +3678,7 @@
           <a:p>
             <a:fld id="{60FA8735-98C6-1A46-B17C-DAA0904BFDD3}" type="datetimeFigureOut">
               <a:rPr lang="en-US" smtClean="0"/>
-              <a:t>9/27/18</a:t>
+              <a:t>9/28/18</a:t>
             </a:fld>
             <a:endParaRPr lang="en-US"/>
           </a:p>
@@ -3910,7 +3910,7 @@
           <a:p>
             <a:fld id="{60FA8735-98C6-1A46-B17C-DAA0904BFDD3}" type="datetimeFigureOut">
               <a:rPr lang="en-US" smtClean="0"/>
-              <a:t>9/27/18</a:t>
+              <a:t>9/28/18</a:t>
             </a:fld>
             <a:endParaRPr lang="en-US"/>
           </a:p>
@@ -4277,7 +4277,7 @@
           <a:p>
             <a:fld id="{60FA8735-98C6-1A46-B17C-DAA0904BFDD3}" type="datetimeFigureOut">
               <a:rPr lang="en-US" smtClean="0"/>
-              <a:t>9/27/18</a:t>
+              <a:t>9/28/18</a:t>
             </a:fld>
             <a:endParaRPr lang="en-US"/>
           </a:p>
@@ -4395,7 +4395,7 @@
           <a:p>
             <a:fld id="{60FA8735-98C6-1A46-B17C-DAA0904BFDD3}" type="datetimeFigureOut">
               <a:rPr lang="en-US" smtClean="0"/>
-              <a:t>9/27/18</a:t>
+              <a:t>9/28/18</a:t>
             </a:fld>
             <a:endParaRPr lang="en-US"/>
           </a:p>
@@ -4490,7 +4490,7 @@
           <a:p>
             <a:fld id="{60FA8735-98C6-1A46-B17C-DAA0904BFDD3}" type="datetimeFigureOut">
               <a:rPr lang="en-US" smtClean="0"/>
-              <a:t>9/27/18</a:t>
+              <a:t>9/28/18</a:t>
             </a:fld>
             <a:endParaRPr lang="en-US"/>
           </a:p>
@@ -4767,7 +4767,7 @@
           <a:p>
             <a:fld id="{60FA8735-98C6-1A46-B17C-DAA0904BFDD3}" type="datetimeFigureOut">
               <a:rPr lang="en-US" smtClean="0"/>
-              <a:t>9/27/18</a:t>
+              <a:t>9/28/18</a:t>
             </a:fld>
             <a:endParaRPr lang="en-US"/>
           </a:p>
@@ -5020,7 +5020,7 @@
           <a:p>
             <a:fld id="{60FA8735-98C6-1A46-B17C-DAA0904BFDD3}" type="datetimeFigureOut">
               <a:rPr lang="en-US" smtClean="0"/>
-              <a:t>9/27/18</a:t>
+              <a:t>9/28/18</a:t>
             </a:fld>
             <a:endParaRPr lang="en-US"/>
           </a:p>
@@ -5233,7 +5233,7 @@
           <a:p>
             <a:fld id="{60FA8735-98C6-1A46-B17C-DAA0904BFDD3}" type="datetimeFigureOut">
               <a:rPr lang="en-US" smtClean="0"/>
-              <a:t>9/27/18</a:t>
+              <a:t>9/28/18</a:t>
             </a:fld>
             <a:endParaRPr lang="en-US"/>
           </a:p>
@@ -6121,7 +6121,7 @@
           <a:graphicData uri="http://schemas.openxmlformats.org/presentationml/2006/ole">
             <mc:AlternateContent xmlns:mc="http://schemas.openxmlformats.org/markup-compatibility/2006">
               <mc:Choice xmlns:v="urn:schemas-microsoft-com:vml" Requires="v">
-                <p:oleObj spid="_x0000_s72724" name="Equation" r:id="rId3" imgW="1765080" imgH="507960" progId="Equation.3">
+                <p:oleObj spid="_x0000_s72731" name="Equation" r:id="rId3" imgW="1765080" imgH="507960" progId="Equation.3">
                   <p:embed/>
                 </p:oleObj>
               </mc:Choice>
@@ -6458,21 +6458,8 @@
                   <a:schemeClr val="accent5"/>
                 </a:solidFill>
               </a:rPr>
-              <a:t>normalization </a:t>
+              <a:t>normalization term</a:t>
             </a:r>
-            <a:r>
-              <a:rPr lang="en-GB" b="1" dirty="0" smtClean="0">
-                <a:solidFill>
-                  <a:schemeClr val="accent5"/>
-                </a:solidFill>
-              </a:rPr>
-              <a:t>term</a:t>
-            </a:r>
-            <a:endParaRPr lang="en-GB" b="1" dirty="0" smtClean="0">
-              <a:solidFill>
-                <a:schemeClr val="accent5"/>
-              </a:solidFill>
-            </a:endParaRPr>
           </a:p>
         </p:txBody>
       </p:sp>
@@ -6758,7 +6745,7 @@
           <a:graphicData uri="http://schemas.openxmlformats.org/presentationml/2006/ole">
             <mc:AlternateContent xmlns:mc="http://schemas.openxmlformats.org/markup-compatibility/2006">
               <mc:Choice xmlns:v="urn:schemas-microsoft-com:vml" Requires="v">
-                <p:oleObj spid="_x0000_s74806" name="Equation" r:id="rId4" imgW="2869920" imgH="291960" progId="Equation.3">
+                <p:oleObj spid="_x0000_s74825" name="Equation" r:id="rId4" imgW="2869920" imgH="291960" progId="Equation.3">
                   <p:embed/>
                 </p:oleObj>
               </mc:Choice>
@@ -6815,7 +6802,7 @@
           <a:graphicData uri="http://schemas.openxmlformats.org/presentationml/2006/ole">
             <mc:AlternateContent xmlns:mc="http://schemas.openxmlformats.org/markup-compatibility/2006">
               <mc:Choice xmlns:v="urn:schemas-microsoft-com:vml" Requires="v">
-                <p:oleObj spid="_x0000_s74807" name="Equation" r:id="rId6" imgW="4241520" imgH="457200" progId="Equation.3">
+                <p:oleObj spid="_x0000_s74826" name="Equation" r:id="rId6" imgW="4241520" imgH="457200" progId="Equation.3">
                   <p:embed/>
                 </p:oleObj>
               </mc:Choice>
@@ -6872,7 +6859,7 @@
           <a:graphicData uri="http://schemas.openxmlformats.org/presentationml/2006/ole">
             <mc:AlternateContent xmlns:mc="http://schemas.openxmlformats.org/markup-compatibility/2006">
               <mc:Choice xmlns:v="urn:schemas-microsoft-com:vml" Requires="v">
-                <p:oleObj spid="_x0000_s74808" name="Equation" r:id="rId8" imgW="1739880" imgH="507960" progId="Equation.3">
+                <p:oleObj spid="_x0000_s74827" name="Equation" r:id="rId8" imgW="1739880" imgH="507960" progId="Equation.3">
                   <p:embed/>
                 </p:oleObj>
               </mc:Choice>
@@ -7181,14 +7168,7 @@
                 <a:latin typeface="Times New Roman" panose="02020603050405020304" pitchFamily="18" charset="0"/>
                 <a:cs typeface="Times New Roman" panose="02020603050405020304" pitchFamily="18" charset="0"/>
               </a:rPr>
-              <a:t>Neural </a:t>
-            </a:r>
-            <a:r>
-              <a:rPr lang="en-US" dirty="0" smtClean="0">
-                <a:latin typeface="Times New Roman" panose="02020603050405020304" pitchFamily="18" charset="0"/>
-                <a:cs typeface="Times New Roman" panose="02020603050405020304" pitchFamily="18" charset="0"/>
-              </a:rPr>
-              <a:t>Networks </a:t>
+              <a:t>Neural Networks </a:t>
             </a:r>
             <a:endParaRPr lang="en-US" dirty="0">
               <a:latin typeface="Times New Roman" panose="02020603050405020304" pitchFamily="18" charset="0"/>
@@ -10228,14 +10208,14 @@
       </mc:AlternateContent>
       <p:pic>
         <p:nvPicPr>
-          <p:cNvPr id="28" name="Picture 27"/>
+          <p:cNvPr id="30" name="Picture 29"/>
           <p:cNvPicPr>
             <a:picLocks noChangeAspect="1"/>
           </p:cNvPicPr>
           <p:nvPr/>
         </p:nvPicPr>
         <p:blipFill>
-          <a:blip r:embed="rId7" cstate="print">
+          <a:blip r:embed="rId16" cstate="print">
             <a:extLst>
               <a:ext uri="{28A0092B-C50C-407E-A947-70E740481C1C}">
                 <a14:useLocalDpi xmlns:a14="http://schemas.microsoft.com/office/drawing/2010/main" val="0"/>
@@ -10248,7 +10228,7 @@
         </p:blipFill>
         <p:spPr>
           <a:xfrm>
-            <a:off x="5853758" y="3003398"/>
+            <a:off x="5841058" y="2982384"/>
             <a:ext cx="4446006" cy="3008667"/>
           </a:xfrm>
           <a:prstGeom prst="rect">
@@ -11216,7 +11196,7 @@
                                           </p:stCondLst>
                                         </p:cTn>
                                         <p:tgtEl>
-                                          <p:spTgt spid="28"/>
+                                          <p:spTgt spid="30"/>
                                         </p:tgtEl>
                                         <p:attrNameLst>
                                           <p:attrName>style.visibility</p:attrName>
@@ -11230,7 +11210,7 @@
                                       <p:cBhvr>
                                         <p:cTn id="86" dur="1000" fill="hold"/>
                                         <p:tgtEl>
-                                          <p:spTgt spid="28"/>
+                                          <p:spTgt spid="30"/>
                                         </p:tgtEl>
                                         <p:attrNameLst>
                                           <p:attrName>ppt_w</p:attrName>
@@ -11253,7 +11233,7 @@
                                       <p:cBhvr>
                                         <p:cTn id="87" dur="1000" fill="hold"/>
                                         <p:tgtEl>
-                                          <p:spTgt spid="28"/>
+                                          <p:spTgt spid="30"/>
                                         </p:tgtEl>
                                         <p:attrNameLst>
                                           <p:attrName>ppt_h</p:attrName>
@@ -11276,7 +11256,7 @@
                                       <p:cBhvr>
                                         <p:cTn id="88" dur="1000"/>
                                         <p:tgtEl>
-                                          <p:spTgt spid="28"/>
+                                          <p:spTgt spid="30"/>
                                         </p:tgtEl>
                                       </p:cBhvr>
                                     </p:animEffect>
@@ -23680,6 +23660,13 @@
   <p:clrMapOvr>
     <a:masterClrMapping/>
   </p:clrMapOvr>
+  <p:timing>
+    <p:tnLst>
+      <p:par>
+        <p:cTn id="1" dur="indefinite" restart="never" nodeType="tmRoot"/>
+      </p:par>
+    </p:tnLst>
+  </p:timing>
 </p:sld>
 </file>
 
@@ -29280,8 +29267,8 @@
           </a:p>
         </p:txBody>
       </p:sp>
-      <mc:AlternateContent xmlns:mc="http://schemas.openxmlformats.org/markup-compatibility/2006">
-        <mc:Choice xmlns:a14="http://schemas.microsoft.com/office/drawing/2010/main" Requires="a14">
+      <mc:AlternateContent xmlns:mc="http://schemas.openxmlformats.org/markup-compatibility/2006" xmlns:a14="http://schemas.microsoft.com/office/drawing/2010/main">
+        <mc:Choice Requires="a14">
           <p:sp>
             <p:nvSpPr>
               <p:cNvPr id="3" name="Content Placeholder 2"/>
@@ -29742,7 +29729,7 @@
             </p:txBody>
           </p:sp>
         </mc:Choice>
-        <mc:Fallback>
+        <mc:Fallback xmlns="">
           <p:sp>
             <p:nvSpPr>
               <p:cNvPr id="3" name="Content Placeholder 2"/>
@@ -35964,7 +35951,7 @@
             <a:graphicData uri="http://schemas.openxmlformats.org/presentationml/2006/ole">
               <mc:AlternateContent xmlns:mc="http://schemas.openxmlformats.org/markup-compatibility/2006">
                 <mc:Choice xmlns:v="urn:schemas-microsoft-com:vml" Requires="v">
-                  <p:oleObj spid="_x0000_s75830" name="Equation" r:id="rId3" imgW="2869920" imgH="291960" progId="Equation.3">
+                  <p:oleObj spid="_x0000_s75849" name="Equation" r:id="rId3" imgW="2869920" imgH="291960" progId="Equation.3">
                     <p:embed/>
                   </p:oleObj>
                 </mc:Choice>
@@ -36022,7 +36009,7 @@
           <a:graphicData uri="http://schemas.openxmlformats.org/presentationml/2006/ole">
             <mc:AlternateContent xmlns:mc="http://schemas.openxmlformats.org/markup-compatibility/2006">
               <mc:Choice xmlns:v="urn:schemas-microsoft-com:vml" Requires="v">
-                <p:oleObj spid="_x0000_s75831" name="Equation" r:id="rId5" imgW="1866600" imgH="291960" progId="Equation.3">
+                <p:oleObj spid="_x0000_s75850" name="Equation" r:id="rId5" imgW="1866600" imgH="291960" progId="Equation.3">
                   <p:embed/>
                 </p:oleObj>
               </mc:Choice>
@@ -36079,7 +36066,7 @@
           <a:graphicData uri="http://schemas.openxmlformats.org/presentationml/2006/ole">
             <mc:AlternateContent xmlns:mc="http://schemas.openxmlformats.org/markup-compatibility/2006">
               <mc:Choice xmlns:v="urn:schemas-microsoft-com:vml" Requires="v">
-                <p:oleObj spid="_x0000_s75832" name="Equation" r:id="rId7" imgW="876240" imgH="393480" progId="Equation.3">
+                <p:oleObj spid="_x0000_s75851" name="Equation" r:id="rId7" imgW="876240" imgH="393480" progId="Equation.3">
                   <p:embed/>
                 </p:oleObj>
               </mc:Choice>
@@ -36977,7 +36964,7 @@
             <a:graphicData uri="http://schemas.openxmlformats.org/presentationml/2006/ole">
               <mc:AlternateContent xmlns:mc="http://schemas.openxmlformats.org/markup-compatibility/2006">
                 <mc:Choice xmlns:v="urn:schemas-microsoft-com:vml" Requires="v">
-                  <p:oleObj spid="_x0000_s76871" name="Equation" r:id="rId3" imgW="2869920" imgH="291960" progId="Equation.3">
+                  <p:oleObj spid="_x0000_s76896" name="Equation" r:id="rId3" imgW="2869920" imgH="291960" progId="Equation.3">
                     <p:embed/>
                   </p:oleObj>
                 </mc:Choice>
@@ -37031,7 +37018,7 @@
           <a:graphicData uri="http://schemas.openxmlformats.org/presentationml/2006/ole">
             <mc:AlternateContent xmlns:mc="http://schemas.openxmlformats.org/markup-compatibility/2006">
               <mc:Choice xmlns:v="urn:schemas-microsoft-com:vml" Requires="v">
-                <p:oleObj spid="_x0000_s76872" name="Equation" r:id="rId5" imgW="1739880" imgH="507960" progId="Equation.3">
+                <p:oleObj spid="_x0000_s76897" name="Equation" r:id="rId5" imgW="1739880" imgH="507960" progId="Equation.3">
                   <p:embed/>
                 </p:oleObj>
               </mc:Choice>
@@ -37084,7 +37071,7 @@
           <a:graphicData uri="http://schemas.openxmlformats.org/presentationml/2006/ole">
             <mc:AlternateContent xmlns:mc="http://schemas.openxmlformats.org/markup-compatibility/2006">
               <mc:Choice xmlns:v="urn:schemas-microsoft-com:vml" Requires="v">
-                <p:oleObj spid="_x0000_s76873" name="Equation" r:id="rId7" imgW="1752480" imgH="393480" progId="Equation.3">
+                <p:oleObj spid="_x0000_s76898" name="Equation" r:id="rId7" imgW="1752480" imgH="393480" progId="Equation.3">
                   <p:embed/>
                 </p:oleObj>
               </mc:Choice>
@@ -37258,7 +37245,7 @@
             <a:graphicData uri="http://schemas.openxmlformats.org/presentationml/2006/ole">
               <mc:AlternateContent xmlns:mc="http://schemas.openxmlformats.org/markup-compatibility/2006">
                 <mc:Choice xmlns:v="urn:schemas-microsoft-com:vml" Requires="v">
-                  <p:oleObj spid="_x0000_s76874" name="Equation" r:id="rId9" imgW="2476440" imgH="393480" progId="Equation.3">
+                  <p:oleObj spid="_x0000_s76899" name="Equation" r:id="rId9" imgW="2476440" imgH="393480" progId="Equation.3">
                     <p:embed/>
                   </p:oleObj>
                 </mc:Choice>
@@ -38805,15 +38792,7 @@
             <a:pPr lvl="1"/>
             <a:r>
               <a:rPr lang="en-US" dirty="0" smtClean="0"/>
-              <a:t>Example: P</a:t>
-            </a:r>
-            <a:r>
-              <a:rPr lang="en-US" dirty="0" smtClean="0"/>
-              <a:t>(“blue” </a:t>
-            </a:r>
-            <a:r>
-              <a:rPr lang="en-US" dirty="0" smtClean="0"/>
-              <a:t>| “the”, “shoes”, “are”)</a:t>
+              <a:t>Example: P(“blue” | “the”, “shoes”, “are”)</a:t>
             </a:r>
           </a:p>
           <a:p>
@@ -39659,7 +39638,7 @@
           <a:graphicData uri="http://schemas.openxmlformats.org/presentationml/2006/ole">
             <mc:AlternateContent xmlns:mc="http://schemas.openxmlformats.org/markup-compatibility/2006">
               <mc:Choice xmlns:v="urn:schemas-microsoft-com:vml" Requires="v">
-                <p:oleObj spid="_x0000_s71751" name="Equation" r:id="rId3" imgW="190440" imgH="228600" progId="Equation.3">
+                <p:oleObj spid="_x0000_s71776" name="Equation" r:id="rId3" imgW="190440" imgH="228600" progId="Equation.3">
                   <p:embed/>
                 </p:oleObj>
               </mc:Choice>
@@ -40431,7 +40410,7 @@
             <a:graphicData uri="http://schemas.openxmlformats.org/presentationml/2006/ole">
               <mc:AlternateContent xmlns:mc="http://schemas.openxmlformats.org/markup-compatibility/2006">
                 <mc:Choice xmlns:v="urn:schemas-microsoft-com:vml" Requires="v">
-                  <p:oleObj spid="_x0000_s71752" name="Equation" r:id="rId5" imgW="164880" imgH="228600" progId="Equation.3">
+                  <p:oleObj spid="_x0000_s71777" name="Equation" r:id="rId5" imgW="164880" imgH="228600" progId="Equation.3">
                     <p:embed/>
                   </p:oleObj>
                 </mc:Choice>
@@ -41207,7 +41186,7 @@
             <a:graphicData uri="http://schemas.openxmlformats.org/presentationml/2006/ole">
               <mc:AlternateContent xmlns:mc="http://schemas.openxmlformats.org/markup-compatibility/2006">
                 <mc:Choice xmlns:v="urn:schemas-microsoft-com:vml" Requires="v">
-                  <p:oleObj spid="_x0000_s71753" name="Equation" r:id="rId7" imgW="342720" imgH="241200" progId="Equation.3">
+                  <p:oleObj spid="_x0000_s71778" name="Equation" r:id="rId7" imgW="342720" imgH="241200" progId="Equation.3">
                     <p:embed/>
                   </p:oleObj>
                 </mc:Choice>
@@ -42212,7 +42191,7 @@
             <a:graphicData uri="http://schemas.openxmlformats.org/presentationml/2006/ole">
               <mc:AlternateContent xmlns:mc="http://schemas.openxmlformats.org/markup-compatibility/2006">
                 <mc:Choice xmlns:v="urn:schemas-microsoft-com:vml" Requires="v">
-                  <p:oleObj spid="_x0000_s71754" name="Equation" r:id="rId9" imgW="152280" imgH="228600" progId="Equation.3">
+                  <p:oleObj spid="_x0000_s71779" name="Equation" r:id="rId9" imgW="152280" imgH="228600" progId="Equation.3">
                     <p:embed/>
                   </p:oleObj>
                 </mc:Choice>

--- a/neural_lm_0928.pptx
+++ b/neural_lm_0928.pptx
@@ -1051,7 +1051,11 @@
           <a:bodyPr/>
           <a:lstStyle/>
           <a:p>
-            <a:endParaRPr lang="en-US"/>
+            <a:r>
+              <a:rPr lang="en-US" dirty="0" smtClean="0"/>
+              <a:t>Brain storm, why?</a:t>
+            </a:r>
+            <a:endParaRPr lang="en-US" dirty="0"/>
           </a:p>
         </p:txBody>
       </p:sp>
@@ -1135,7 +1139,30 @@
           <a:bodyPr/>
           <a:lstStyle/>
           <a:p>
-            <a:endParaRPr lang="en-US"/>
+            <a:pPr marL="0" marR="0" indent="0" algn="l" defTabSz="914400" rtl="0" eaLnBrk="1" fontAlgn="auto" latinLnBrk="0" hangingPunct="1">
+              <a:lnSpc>
+                <a:spcPct val="100000"/>
+              </a:lnSpc>
+              <a:spcBef>
+                <a:spcPts val="0"/>
+              </a:spcBef>
+              <a:spcAft>
+                <a:spcPts val="0"/>
+              </a:spcAft>
+              <a:buClrTx/>
+              <a:buSzTx/>
+              <a:buFontTx/>
+              <a:buNone/>
+              <a:tabLst/>
+              <a:defRPr/>
+            </a:pPr>
+            <a:r>
+              <a:rPr lang="en-US" dirty="0" smtClean="0"/>
+              <a:t>Brain storm, why?</a:t>
+            </a:r>
+          </a:p>
+          <a:p>
+            <a:endParaRPr lang="en-US" dirty="0"/>
           </a:p>
         </p:txBody>
       </p:sp>
@@ -1303,7 +1330,11 @@
           <a:bodyPr/>
           <a:lstStyle/>
           <a:p>
-            <a:endParaRPr lang="en-US"/>
+            <a:r>
+              <a:rPr lang="en-US" dirty="0" smtClean="0"/>
+              <a:t>Vanishing gradient</a:t>
+            </a:r>
+            <a:endParaRPr lang="en-US" dirty="0"/>
           </a:p>
         </p:txBody>
       </p:sp>
@@ -2149,6 +2180,20 @@
           <a:bodyPr/>
           <a:lstStyle/>
           <a:p>
+            <a:r>
+              <a:rPr lang="en-US" dirty="0" smtClean="0"/>
+              <a:t>In theory, can remember arbitrary</a:t>
+            </a:r>
+            <a:r>
+              <a:rPr lang="en-US" baseline="0" dirty="0" smtClean="0"/>
+              <a:t> length history;</a:t>
+            </a:r>
+          </a:p>
+          <a:p>
+            <a:r>
+              <a:rPr lang="en-US" baseline="0" dirty="0" smtClean="0"/>
+              <a:t>In practice, will decide based on the input data.</a:t>
+            </a:r>
             <a:endParaRPr lang="en-US" dirty="0"/>
           </a:p>
         </p:txBody>
@@ -2180,6 +2225,178 @@
     <p:extLst>
       <p:ext uri="{BB962C8B-B14F-4D97-AF65-F5344CB8AC3E}">
         <p14:creationId xmlns:p14="http://schemas.microsoft.com/office/powerpoint/2010/main" val="879447929"/>
+      </p:ext>
+    </p:extLst>
+  </p:cSld>
+  <p:clrMapOvr>
+    <a:masterClrMapping/>
+  </p:clrMapOvr>
+</p:notes>
+</file>
+
+<file path=ppt/notesSlides/notesSlide28.xml><?xml version="1.0" encoding="utf-8"?>
+<p:notes xmlns:a="http://schemas.openxmlformats.org/drawingml/2006/main" xmlns:r="http://schemas.openxmlformats.org/officeDocument/2006/relationships" xmlns:p="http://schemas.openxmlformats.org/presentationml/2006/main">
+  <p:cSld>
+    <p:spTree>
+      <p:nvGrpSpPr>
+        <p:cNvPr id="1" name=""/>
+        <p:cNvGrpSpPr/>
+        <p:nvPr/>
+      </p:nvGrpSpPr>
+      <p:grpSpPr>
+        <a:xfrm>
+          <a:off x="0" y="0"/>
+          <a:ext cx="0" cy="0"/>
+          <a:chOff x="0" y="0"/>
+          <a:chExt cx="0" cy="0"/>
+        </a:xfrm>
+      </p:grpSpPr>
+      <p:sp>
+        <p:nvSpPr>
+          <p:cNvPr id="2" name="Slide Image Placeholder 1"/>
+          <p:cNvSpPr>
+            <a:spLocks noGrp="1" noRot="1" noChangeAspect="1"/>
+          </p:cNvSpPr>
+          <p:nvPr>
+            <p:ph type="sldImg"/>
+          </p:nvPr>
+        </p:nvSpPr>
+        <p:spPr/>
+      </p:sp>
+      <p:sp>
+        <p:nvSpPr>
+          <p:cNvPr id="3" name="Notes Placeholder 2"/>
+          <p:cNvSpPr>
+            <a:spLocks noGrp="1"/>
+          </p:cNvSpPr>
+          <p:nvPr>
+            <p:ph type="body" idx="1"/>
+          </p:nvPr>
+        </p:nvSpPr>
+        <p:spPr/>
+        <p:txBody>
+          <a:bodyPr/>
+          <a:lstStyle/>
+          <a:p>
+            <a:endParaRPr lang="en-US" dirty="0"/>
+          </a:p>
+        </p:txBody>
+      </p:sp>
+      <p:sp>
+        <p:nvSpPr>
+          <p:cNvPr id="4" name="Slide Number Placeholder 3"/>
+          <p:cNvSpPr>
+            <a:spLocks noGrp="1"/>
+          </p:cNvSpPr>
+          <p:nvPr>
+            <p:ph type="sldNum" sz="quarter" idx="10"/>
+          </p:nvPr>
+        </p:nvSpPr>
+        <p:spPr/>
+        <p:txBody>
+          <a:bodyPr/>
+          <a:lstStyle/>
+          <a:p>
+            <a:fld id="{0B6E3F2F-7406-874B-B859-6F6D807BCEDC}" type="slidenum">
+              <a:rPr lang="en-US" smtClean="0"/>
+              <a:t>37</a:t>
+            </a:fld>
+            <a:endParaRPr lang="en-US"/>
+          </a:p>
+        </p:txBody>
+      </p:sp>
+    </p:spTree>
+    <p:extLst>
+      <p:ext uri="{BB962C8B-B14F-4D97-AF65-F5344CB8AC3E}">
+        <p14:creationId xmlns:p14="http://schemas.microsoft.com/office/powerpoint/2010/main" val="1726904921"/>
+      </p:ext>
+    </p:extLst>
+  </p:cSld>
+  <p:clrMapOvr>
+    <a:masterClrMapping/>
+  </p:clrMapOvr>
+</p:notes>
+</file>
+
+<file path=ppt/notesSlides/notesSlide29.xml><?xml version="1.0" encoding="utf-8"?>
+<p:notes xmlns:a="http://schemas.openxmlformats.org/drawingml/2006/main" xmlns:r="http://schemas.openxmlformats.org/officeDocument/2006/relationships" xmlns:p="http://schemas.openxmlformats.org/presentationml/2006/main">
+  <p:cSld>
+    <p:spTree>
+      <p:nvGrpSpPr>
+        <p:cNvPr id="1" name=""/>
+        <p:cNvGrpSpPr/>
+        <p:nvPr/>
+      </p:nvGrpSpPr>
+      <p:grpSpPr>
+        <a:xfrm>
+          <a:off x="0" y="0"/>
+          <a:ext cx="0" cy="0"/>
+          <a:chOff x="0" y="0"/>
+          <a:chExt cx="0" cy="0"/>
+        </a:xfrm>
+      </p:grpSpPr>
+      <p:sp>
+        <p:nvSpPr>
+          <p:cNvPr id="2" name="Slide Image Placeholder 1"/>
+          <p:cNvSpPr>
+            <a:spLocks noGrp="1" noRot="1" noChangeAspect="1"/>
+          </p:cNvSpPr>
+          <p:nvPr>
+            <p:ph type="sldImg"/>
+          </p:nvPr>
+        </p:nvSpPr>
+        <p:spPr/>
+      </p:sp>
+      <p:sp>
+        <p:nvSpPr>
+          <p:cNvPr id="3" name="Notes Placeholder 2"/>
+          <p:cNvSpPr>
+            <a:spLocks noGrp="1"/>
+          </p:cNvSpPr>
+          <p:nvPr>
+            <p:ph type="body" idx="1"/>
+          </p:nvPr>
+        </p:nvSpPr>
+        <p:spPr/>
+        <p:txBody>
+          <a:bodyPr/>
+          <a:lstStyle/>
+          <a:p>
+            <a:r>
+              <a:rPr lang="en-US" dirty="0" smtClean="0"/>
+              <a:t>The s is a neural architecture. </a:t>
+            </a:r>
+            <a:endParaRPr lang="en-US" dirty="0"/>
+          </a:p>
+        </p:txBody>
+      </p:sp>
+      <p:sp>
+        <p:nvSpPr>
+          <p:cNvPr id="4" name="Slide Number Placeholder 3"/>
+          <p:cNvSpPr>
+            <a:spLocks noGrp="1"/>
+          </p:cNvSpPr>
+          <p:nvPr>
+            <p:ph type="sldNum" sz="quarter" idx="10"/>
+          </p:nvPr>
+        </p:nvSpPr>
+        <p:spPr/>
+        <p:txBody>
+          <a:bodyPr/>
+          <a:lstStyle/>
+          <a:p>
+            <a:fld id="{0B6E3F2F-7406-874B-B859-6F6D807BCEDC}" type="slidenum">
+              <a:rPr lang="en-US" smtClean="0"/>
+              <a:t>38</a:t>
+            </a:fld>
+            <a:endParaRPr lang="en-US"/>
+          </a:p>
+        </p:txBody>
+      </p:sp>
+    </p:spTree>
+    <p:extLst>
+      <p:ext uri="{BB962C8B-B14F-4D97-AF65-F5344CB8AC3E}">
+        <p14:creationId xmlns:p14="http://schemas.microsoft.com/office/powerpoint/2010/main" val="1886052929"/>
       </p:ext>
     </p:extLst>
   </p:cSld>
@@ -2741,7 +2958,27 @@
           <a:bodyPr/>
           <a:lstStyle/>
           <a:p>
-            <a:endParaRPr lang="en-US" dirty="0"/>
+            <a:r>
+              <a:rPr lang="en-US" dirty="0" smtClean="0"/>
+              <a:t>Sigmoid, </a:t>
+            </a:r>
+            <a:r>
+              <a:rPr lang="en-US" dirty="0" err="1" smtClean="0"/>
+              <a:t>tanh</a:t>
+            </a:r>
+            <a:r>
+              <a:rPr lang="en-US" dirty="0" smtClean="0"/>
+              <a:t>,</a:t>
+            </a:r>
+            <a:r>
+              <a:rPr lang="en-US" baseline="0" dirty="0" smtClean="0"/>
+              <a:t> </a:t>
+            </a:r>
+            <a:r>
+              <a:rPr lang="en-US" baseline="0" dirty="0" err="1" smtClean="0"/>
+              <a:t>relu</a:t>
+            </a:r>
+            <a:endParaRPr lang="en-US" dirty="0" smtClean="0"/>
           </a:p>
         </p:txBody>
       </p:sp>
@@ -6121,7 +6358,7 @@
           <a:graphicData uri="http://schemas.openxmlformats.org/presentationml/2006/ole">
             <mc:AlternateContent xmlns:mc="http://schemas.openxmlformats.org/markup-compatibility/2006">
               <mc:Choice xmlns:v="urn:schemas-microsoft-com:vml" Requires="v">
-                <p:oleObj spid="_x0000_s72731" name="Equation" r:id="rId3" imgW="1765080" imgH="507960" progId="Equation.3">
+                <p:oleObj spid="_x0000_s72777" name="Equation" r:id="rId3" imgW="1765080" imgH="507960" progId="Equation.3">
                   <p:embed/>
                 </p:oleObj>
               </mc:Choice>
@@ -6745,7 +6982,7 @@
           <a:graphicData uri="http://schemas.openxmlformats.org/presentationml/2006/ole">
             <mc:AlternateContent xmlns:mc="http://schemas.openxmlformats.org/markup-compatibility/2006">
               <mc:Choice xmlns:v="urn:schemas-microsoft-com:vml" Requires="v">
-                <p:oleObj spid="_x0000_s74825" name="Equation" r:id="rId4" imgW="2869920" imgH="291960" progId="Equation.3">
+                <p:oleObj spid="_x0000_s74961" name="Equation" r:id="rId4" imgW="2869920" imgH="291960" progId="Equation.3">
                   <p:embed/>
                 </p:oleObj>
               </mc:Choice>
@@ -6802,7 +7039,7 @@
           <a:graphicData uri="http://schemas.openxmlformats.org/presentationml/2006/ole">
             <mc:AlternateContent xmlns:mc="http://schemas.openxmlformats.org/markup-compatibility/2006">
               <mc:Choice xmlns:v="urn:schemas-microsoft-com:vml" Requires="v">
-                <p:oleObj spid="_x0000_s74826" name="Equation" r:id="rId6" imgW="4241520" imgH="457200" progId="Equation.3">
+                <p:oleObj spid="_x0000_s74962" name="Equation" r:id="rId6" imgW="4241520" imgH="457200" progId="Equation.3">
                   <p:embed/>
                 </p:oleObj>
               </mc:Choice>
@@ -6859,7 +7096,7 @@
           <a:graphicData uri="http://schemas.openxmlformats.org/presentationml/2006/ole">
             <mc:AlternateContent xmlns:mc="http://schemas.openxmlformats.org/markup-compatibility/2006">
               <mc:Choice xmlns:v="urn:schemas-microsoft-com:vml" Requires="v">
-                <p:oleObj spid="_x0000_s74827" name="Equation" r:id="rId8" imgW="1739880" imgH="507960" progId="Equation.3">
+                <p:oleObj spid="_x0000_s74963" name="Equation" r:id="rId8" imgW="1739880" imgH="507960" progId="Equation.3">
                   <p:embed/>
                 </p:oleObj>
               </mc:Choice>
@@ -11390,918 +11627,420 @@
           </a:p>
         </p:txBody>
       </p:sp>
-      <mc:AlternateContent xmlns:mc="http://schemas.openxmlformats.org/markup-compatibility/2006" xmlns:a14="http://schemas.microsoft.com/office/drawing/2010/main">
-        <mc:Choice Requires="a14">
-          <p:sp>
-            <p:nvSpPr>
-              <p:cNvPr id="8" name="Rectangle 3"/>
-              <p:cNvSpPr txBox="1">
-                <a:spLocks noChangeArrowheads="1"/>
-              </p:cNvSpPr>
-              <p:nvPr/>
-            </p:nvSpPr>
-            <p:spPr>
-              <a:xfrm>
-                <a:off x="1484311" y="1560709"/>
-                <a:ext cx="10018712" cy="4671547"/>
-              </a:xfrm>
-              <a:prstGeom prst="rect">
-                <a:avLst/>
-              </a:prstGeom>
-            </p:spPr>
-            <p:txBody>
-              <a:bodyPr/>
-              <a:lstStyle>
-                <a:lvl1pPr marL="285750" indent="-285750" algn="l" defTabSz="457200" rtl="0" eaLnBrk="1" latinLnBrk="0" hangingPunct="1">
-                  <a:spcBef>
-                    <a:spcPct val="20000"/>
-                  </a:spcBef>
-                  <a:spcAft>
-                    <a:spcPts val="600"/>
-                  </a:spcAft>
-                  <a:buClr>
-                    <a:schemeClr val="accent1">
-                      <a:lumMod val="75000"/>
-                    </a:schemeClr>
-                  </a:buClr>
-                  <a:buSzPct val="145000"/>
-                  <a:buFont typeface="Arial"/>
-                  <a:buChar char="•"/>
-                  <a:defRPr sz="2400" kern="1200" cap="none">
-                    <a:solidFill>
-                      <a:schemeClr val="tx1"/>
-                    </a:solidFill>
-                    <a:effectLst/>
-                    <a:latin typeface="+mn-lt"/>
-                    <a:ea typeface="+mn-ea"/>
-                    <a:cs typeface="+mn-cs"/>
-                  </a:defRPr>
-                </a:lvl1pPr>
-                <a:lvl2pPr marL="742950" indent="-285750" algn="l" defTabSz="457200" rtl="0" eaLnBrk="1" latinLnBrk="0" hangingPunct="1">
-                  <a:spcBef>
-                    <a:spcPct val="20000"/>
-                  </a:spcBef>
-                  <a:spcAft>
-                    <a:spcPts val="600"/>
-                  </a:spcAft>
-                  <a:buClr>
-                    <a:schemeClr val="accent1">
-                      <a:lumMod val="75000"/>
-                    </a:schemeClr>
-                  </a:buClr>
-                  <a:buSzPct val="145000"/>
-                  <a:buFont typeface="Arial"/>
-                  <a:buChar char="•"/>
-                  <a:defRPr sz="2000" kern="1200" cap="none">
-                    <a:solidFill>
-                      <a:schemeClr val="tx1"/>
-                    </a:solidFill>
-                    <a:effectLst/>
-                    <a:latin typeface="+mn-lt"/>
-                    <a:ea typeface="+mn-ea"/>
-                    <a:cs typeface="+mn-cs"/>
-                  </a:defRPr>
-                </a:lvl2pPr>
-                <a:lvl3pPr marL="1200150" indent="-285750" algn="l" defTabSz="457200" rtl="0" eaLnBrk="1" latinLnBrk="0" hangingPunct="1">
-                  <a:spcBef>
-                    <a:spcPct val="20000"/>
-                  </a:spcBef>
-                  <a:spcAft>
-                    <a:spcPts val="600"/>
-                  </a:spcAft>
-                  <a:buClr>
-                    <a:schemeClr val="accent1">
-                      <a:lumMod val="75000"/>
-                    </a:schemeClr>
-                  </a:buClr>
-                  <a:buSzPct val="145000"/>
-                  <a:buFont typeface="Arial"/>
-                  <a:buChar char="•"/>
-                  <a:defRPr sz="1800" kern="1200" cap="none">
-                    <a:solidFill>
-                      <a:schemeClr val="tx1"/>
-                    </a:solidFill>
-                    <a:effectLst/>
-                    <a:latin typeface="+mn-lt"/>
-                    <a:ea typeface="+mn-ea"/>
-                    <a:cs typeface="+mn-cs"/>
-                  </a:defRPr>
-                </a:lvl3pPr>
-                <a:lvl4pPr marL="1543050" indent="-171450" algn="l" defTabSz="457200" rtl="0" eaLnBrk="1" latinLnBrk="0" hangingPunct="1">
-                  <a:spcBef>
-                    <a:spcPct val="20000"/>
-                  </a:spcBef>
-                  <a:spcAft>
-                    <a:spcPts val="600"/>
-                  </a:spcAft>
-                  <a:buClr>
-                    <a:schemeClr val="accent1">
-                      <a:lumMod val="75000"/>
-                    </a:schemeClr>
-                  </a:buClr>
-                  <a:buSzPct val="145000"/>
-                  <a:buFont typeface="Arial"/>
-                  <a:buChar char="•"/>
-                  <a:defRPr sz="1600" kern="1200" cap="none">
-                    <a:solidFill>
-                      <a:schemeClr val="tx1"/>
-                    </a:solidFill>
-                    <a:effectLst/>
-                    <a:latin typeface="+mn-lt"/>
-                    <a:ea typeface="+mn-ea"/>
-                    <a:cs typeface="+mn-cs"/>
-                  </a:defRPr>
-                </a:lvl4pPr>
-                <a:lvl5pPr marL="2000250" indent="-171450" algn="l" defTabSz="457200" rtl="0" eaLnBrk="1" latinLnBrk="0" hangingPunct="1">
-                  <a:spcBef>
-                    <a:spcPct val="20000"/>
-                  </a:spcBef>
-                  <a:spcAft>
-                    <a:spcPts val="600"/>
-                  </a:spcAft>
-                  <a:buClr>
-                    <a:schemeClr val="accent1">
-                      <a:lumMod val="75000"/>
-                    </a:schemeClr>
-                  </a:buClr>
-                  <a:buSzPct val="145000"/>
-                  <a:buFont typeface="Arial"/>
-                  <a:buChar char="•"/>
-                  <a:defRPr sz="1400" kern="1200" cap="none">
-                    <a:solidFill>
-                      <a:schemeClr val="tx1"/>
-                    </a:solidFill>
-                    <a:effectLst/>
-                    <a:latin typeface="+mn-lt"/>
-                    <a:ea typeface="+mn-ea"/>
-                    <a:cs typeface="+mn-cs"/>
-                  </a:defRPr>
-                </a:lvl5pPr>
-                <a:lvl6pPr marL="2514600" indent="-228600" algn="l" defTabSz="457200" rtl="0" eaLnBrk="1" latinLnBrk="0" hangingPunct="1">
-                  <a:spcBef>
-                    <a:spcPct val="20000"/>
-                  </a:spcBef>
-                  <a:spcAft>
-                    <a:spcPts val="600"/>
-                  </a:spcAft>
-                  <a:buClr>
-                    <a:schemeClr val="accent1">
-                      <a:lumMod val="75000"/>
-                    </a:schemeClr>
-                  </a:buClr>
-                  <a:buSzPct val="145000"/>
-                  <a:buFont typeface="Arial"/>
-                  <a:buChar char="•"/>
-                  <a:defRPr sz="1400" kern="1200" cap="none">
-                    <a:solidFill>
-                      <a:schemeClr val="tx1"/>
-                    </a:solidFill>
-                    <a:effectLst/>
-                    <a:latin typeface="+mn-lt"/>
-                    <a:ea typeface="+mn-ea"/>
-                    <a:cs typeface="+mn-cs"/>
-                  </a:defRPr>
-                </a:lvl6pPr>
-                <a:lvl7pPr marL="2971800" indent="-228600" algn="l" defTabSz="457200" rtl="0" eaLnBrk="1" latinLnBrk="0" hangingPunct="1">
-                  <a:spcBef>
-                    <a:spcPct val="20000"/>
-                  </a:spcBef>
-                  <a:spcAft>
-                    <a:spcPts val="600"/>
-                  </a:spcAft>
-                  <a:buClr>
-                    <a:schemeClr val="accent1">
-                      <a:lumMod val="75000"/>
-                    </a:schemeClr>
-                  </a:buClr>
-                  <a:buSzPct val="145000"/>
-                  <a:buFont typeface="Arial"/>
-                  <a:buChar char="•"/>
-                  <a:defRPr sz="1400" kern="1200" cap="none">
-                    <a:solidFill>
-                      <a:schemeClr val="tx1"/>
-                    </a:solidFill>
-                    <a:effectLst/>
-                    <a:latin typeface="+mn-lt"/>
-                    <a:ea typeface="+mn-ea"/>
-                    <a:cs typeface="+mn-cs"/>
-                  </a:defRPr>
-                </a:lvl7pPr>
-                <a:lvl8pPr marL="3429000" indent="-228600" algn="l" defTabSz="457200" rtl="0" eaLnBrk="1" latinLnBrk="0" hangingPunct="1">
-                  <a:spcBef>
-                    <a:spcPct val="20000"/>
-                  </a:spcBef>
-                  <a:spcAft>
-                    <a:spcPts val="600"/>
-                  </a:spcAft>
-                  <a:buClr>
-                    <a:schemeClr val="accent1">
-                      <a:lumMod val="75000"/>
-                    </a:schemeClr>
-                  </a:buClr>
-                  <a:buSzPct val="145000"/>
-                  <a:buFont typeface="Arial"/>
-                  <a:buChar char="•"/>
-                  <a:defRPr sz="1400" kern="1200" cap="none">
-                    <a:solidFill>
-                      <a:schemeClr val="tx1"/>
-                    </a:solidFill>
-                    <a:effectLst/>
-                    <a:latin typeface="+mn-lt"/>
-                    <a:ea typeface="+mn-ea"/>
-                    <a:cs typeface="+mn-cs"/>
-                  </a:defRPr>
-                </a:lvl8pPr>
-                <a:lvl9pPr marL="3886200" indent="-228600" algn="l" defTabSz="457200" rtl="0" eaLnBrk="1" latinLnBrk="0" hangingPunct="1">
-                  <a:spcBef>
-                    <a:spcPct val="20000"/>
-                  </a:spcBef>
-                  <a:spcAft>
-                    <a:spcPts val="600"/>
-                  </a:spcAft>
-                  <a:buClr>
-                    <a:schemeClr val="accent1">
-                      <a:lumMod val="75000"/>
-                    </a:schemeClr>
-                  </a:buClr>
-                  <a:buSzPct val="145000"/>
-                  <a:buFont typeface="Arial"/>
-                  <a:buChar char="•"/>
-                  <a:defRPr sz="1400" kern="1200" cap="none">
-                    <a:solidFill>
-                      <a:schemeClr val="tx1"/>
-                    </a:solidFill>
-                    <a:effectLst/>
-                    <a:latin typeface="+mn-lt"/>
-                    <a:ea typeface="+mn-ea"/>
-                    <a:cs typeface="+mn-cs"/>
-                  </a:defRPr>
-                </a:lvl9pPr>
-              </a:lstStyle>
-              <a:p>
-                <a:r>
-                  <a:rPr lang="en-US" dirty="0" smtClean="0">
-                    <a:latin typeface="Times New Roman" panose="02020603050405020304" pitchFamily="18" charset="0"/>
-                    <a:cs typeface="Times New Roman" panose="02020603050405020304" pitchFamily="18" charset="0"/>
-                  </a:rPr>
-                  <a:t>What is our loss function?</a:t>
-                </a:r>
-                <a:endParaRPr lang="en-US" dirty="0" smtClean="0">
-                  <a:solidFill>
-                    <a:srgbClr val="0066FF"/>
-                  </a:solidFill>
-                  <a:latin typeface="Times New Roman" panose="02020603050405020304" pitchFamily="18" charset="0"/>
-                  <a:cs typeface="Times New Roman" panose="02020603050405020304" pitchFamily="18" charset="0"/>
-                </a:endParaRPr>
-              </a:p>
-              <a:p>
-                <a:pPr marL="457200" lvl="1" indent="0">
-                  <a:buNone/>
-                </a:pPr>
-                <a:r>
-                  <a:rPr lang="en-US" dirty="0" smtClean="0">
-                    <a:latin typeface="Times New Roman" panose="02020603050405020304" pitchFamily="18" charset="0"/>
-                    <a:cs typeface="Times New Roman" panose="02020603050405020304" pitchFamily="18" charset="0"/>
-                  </a:rPr>
-                  <a:t>Cross </a:t>
-                </a:r>
-                <a:r>
-                  <a:rPr lang="en-US" dirty="0">
-                    <a:latin typeface="Times New Roman" panose="02020603050405020304" pitchFamily="18" charset="0"/>
-                    <a:cs typeface="Times New Roman" panose="02020603050405020304" pitchFamily="18" charset="0"/>
-                  </a:rPr>
-                  <a:t>Entropy </a:t>
-                </a:r>
-                <a:r>
-                  <a:rPr lang="en-US" dirty="0" smtClean="0">
-                    <a:latin typeface="Times New Roman" panose="02020603050405020304" pitchFamily="18" charset="0"/>
-                    <a:cs typeface="Times New Roman" panose="02020603050405020304" pitchFamily="18" charset="0"/>
-                  </a:rPr>
-                  <a:t>Loss:</a:t>
-                </a:r>
-                <a:r>
-                  <a:rPr lang="en-US" dirty="0" smtClean="0">
-                    <a:solidFill>
-                      <a:srgbClr val="0066FF"/>
-                    </a:solidFill>
-                    <a:latin typeface="Times New Roman" panose="02020603050405020304" pitchFamily="18" charset="0"/>
-                    <a:cs typeface="Times New Roman" panose="02020603050405020304" pitchFamily="18" charset="0"/>
-                  </a:rPr>
-                  <a:t> </a:t>
-                </a:r>
-                <a14:m>
-                  <m:oMath xmlns:m="http://schemas.openxmlformats.org/officeDocument/2006/math">
-                    <m:r>
-                      <a:rPr lang="en-US" b="0" i="1" smtClean="0">
-                        <a:latin typeface="Cambria Math" panose="02040503050406030204" pitchFamily="18" charset="0"/>
-                        <a:cs typeface="Times New Roman" panose="02020603050405020304" pitchFamily="18" charset="0"/>
-                      </a:rPr>
-                      <m:t>𝐿</m:t>
-                    </m:r>
-                    <m:r>
-                      <a:rPr lang="en-US" b="0" i="1" baseline="-25000" smtClean="0">
-                        <a:latin typeface="Cambria Math" charset="0"/>
-                        <a:cs typeface="Times New Roman" panose="02020603050405020304" pitchFamily="18" charset="0"/>
-                      </a:rPr>
-                      <m:t>𝑒𝑛𝑡</m:t>
-                    </m:r>
-                    <m:r>
-                      <a:rPr lang="en-US" b="0" i="1" smtClean="0">
-                        <a:latin typeface="Cambria Math" panose="02040503050406030204" pitchFamily="18" charset="0"/>
-                        <a:cs typeface="Times New Roman" panose="02020603050405020304" pitchFamily="18" charset="0"/>
-                      </a:rPr>
-                      <m:t>(</m:t>
-                    </m:r>
-                    <m:r>
-                      <a:rPr lang="en-US" b="0" i="1" smtClean="0">
-                        <a:latin typeface="Cambria Math" panose="02040503050406030204" pitchFamily="18" charset="0"/>
-                        <a:cs typeface="Times New Roman" panose="02020603050405020304" pitchFamily="18" charset="0"/>
-                      </a:rPr>
-                      <m:t>𝑦</m:t>
-                    </m:r>
-                    <m:r>
-                      <a:rPr lang="en-US" b="0" i="1" smtClean="0">
-                        <a:latin typeface="Cambria Math" panose="02040503050406030204" pitchFamily="18" charset="0"/>
-                        <a:cs typeface="Times New Roman" panose="02020603050405020304" pitchFamily="18" charset="0"/>
-                      </a:rPr>
-                      <m:t>, </m:t>
-                    </m:r>
-                    <m:acc>
-                      <m:accPr>
-                        <m:chr m:val="̂"/>
-                        <m:ctrlPr>
-                          <a:rPr lang="en-US" b="0" i="1" smtClean="0">
-                            <a:latin typeface="Cambria Math" charset="0"/>
-                            <a:cs typeface="Times New Roman" panose="02020603050405020304" pitchFamily="18" charset="0"/>
-                          </a:rPr>
-                        </m:ctrlPr>
-                      </m:accPr>
-                      <m:e>
-                        <m:r>
-                          <a:rPr lang="en-US" b="0" i="1" smtClean="0">
-                            <a:latin typeface="Cambria Math" panose="02040503050406030204" pitchFamily="18" charset="0"/>
-                            <a:cs typeface="Times New Roman" panose="02020603050405020304" pitchFamily="18" charset="0"/>
-                          </a:rPr>
-                          <m:t>𝑦</m:t>
-                        </m:r>
-                      </m:e>
-                    </m:acc>
-                    <m:r>
-                      <a:rPr lang="en-US" b="0" i="1" smtClean="0">
-                        <a:latin typeface="Cambria Math" panose="02040503050406030204" pitchFamily="18" charset="0"/>
-                        <a:cs typeface="Times New Roman" panose="02020603050405020304" pitchFamily="18" charset="0"/>
-                      </a:rPr>
-                      <m:t>)=−</m:t>
-                    </m:r>
-                    <m:f>
-                      <m:fPr>
-                        <m:ctrlPr>
-                          <a:rPr lang="en-US" b="0" i="1" smtClean="0">
-                            <a:latin typeface="Cambria Math" charset="0"/>
-                            <a:cs typeface="Times New Roman" panose="02020603050405020304" pitchFamily="18" charset="0"/>
-                          </a:rPr>
-                        </m:ctrlPr>
-                      </m:fPr>
-                      <m:num>
-                        <m:r>
-                          <a:rPr lang="en-US" b="0" i="1" smtClean="0">
-                            <a:latin typeface="Cambria Math" panose="02040503050406030204" pitchFamily="18" charset="0"/>
-                            <a:cs typeface="Times New Roman" panose="02020603050405020304" pitchFamily="18" charset="0"/>
-                          </a:rPr>
-                          <m:t>1</m:t>
-                        </m:r>
-                      </m:num>
-                      <m:den>
-                        <m:r>
-                          <a:rPr lang="en-US" b="0" i="1" smtClean="0">
-                            <a:latin typeface="Cambria Math" panose="02040503050406030204" pitchFamily="18" charset="0"/>
-                            <a:cs typeface="Times New Roman" panose="02020603050405020304" pitchFamily="18" charset="0"/>
-                          </a:rPr>
-                          <m:t>𝑁</m:t>
-                        </m:r>
-                      </m:den>
-                    </m:f>
-                    <m:nary>
-                      <m:naryPr>
-                        <m:chr m:val="∑"/>
-                        <m:supHide m:val="on"/>
-                        <m:ctrlPr>
-                          <a:rPr lang="en-US" b="0" i="1" smtClean="0">
-                            <a:latin typeface="Cambria Math" charset="0"/>
-                            <a:cs typeface="Times New Roman" panose="02020603050405020304" pitchFamily="18" charset="0"/>
-                          </a:rPr>
-                        </m:ctrlPr>
-                      </m:naryPr>
-                      <m:sub>
-                        <m:r>
-                          <m:rPr>
-                            <m:brk m:alnAt="7"/>
-                          </m:rPr>
-                          <a:rPr lang="en-US" b="0" i="1" smtClean="0">
-                            <a:latin typeface="Cambria Math" panose="02040503050406030204" pitchFamily="18" charset="0"/>
-                            <a:cs typeface="Times New Roman" panose="02020603050405020304" pitchFamily="18" charset="0"/>
-                          </a:rPr>
-                          <m:t>𝑛</m:t>
-                        </m:r>
-                        <m:r>
-                          <a:rPr lang="en-US" b="0" i="1" smtClean="0">
-                            <a:latin typeface="Cambria Math" panose="02040503050406030204" pitchFamily="18" charset="0"/>
-                            <a:ea typeface="Cambria Math" panose="02040503050406030204" pitchFamily="18" charset="0"/>
-                            <a:cs typeface="Times New Roman" panose="02020603050405020304" pitchFamily="18" charset="0"/>
-                          </a:rPr>
-                          <m:t>∈</m:t>
-                        </m:r>
-                        <m:r>
-                          <a:rPr lang="en-US" b="0" i="1" smtClean="0">
-                            <a:latin typeface="Cambria Math" panose="02040503050406030204" pitchFamily="18" charset="0"/>
-                            <a:ea typeface="Cambria Math" panose="02040503050406030204" pitchFamily="18" charset="0"/>
-                            <a:cs typeface="Times New Roman" panose="02020603050405020304" pitchFamily="18" charset="0"/>
-                          </a:rPr>
-                          <m:t>𝑁</m:t>
-                        </m:r>
-                      </m:sub>
-                      <m:sup/>
-                      <m:e>
-                        <m:r>
-                          <a:rPr lang="en-US" b="0" i="1" smtClean="0">
-                            <a:latin typeface="Cambria Math" charset="0"/>
-                            <a:ea typeface="Cambria Math" panose="02040503050406030204" pitchFamily="18" charset="0"/>
-                            <a:cs typeface="Times New Roman" panose="02020603050405020304" pitchFamily="18" charset="0"/>
-                          </a:rPr>
-                          <m:t>𝑦</m:t>
-                        </m:r>
-                        <m:r>
-                          <a:rPr lang="en-US" b="0" i="1" baseline="-25000" smtClean="0">
-                            <a:latin typeface="Cambria Math" charset="0"/>
-                            <a:ea typeface="Cambria Math" panose="02040503050406030204" pitchFamily="18" charset="0"/>
-                            <a:cs typeface="Times New Roman" panose="02020603050405020304" pitchFamily="18" charset="0"/>
-                          </a:rPr>
-                          <m:t>𝑛</m:t>
-                        </m:r>
-                        <m:r>
-                          <a:rPr lang="en-US" b="0" i="1" smtClean="0">
-                            <a:latin typeface="Cambria Math" charset="0"/>
-                            <a:ea typeface="Cambria Math" panose="02040503050406030204" pitchFamily="18" charset="0"/>
-                            <a:cs typeface="Times New Roman" panose="02020603050405020304" pitchFamily="18" charset="0"/>
-                          </a:rPr>
-                          <m:t> </m:t>
-                        </m:r>
-                        <m:r>
-                          <a:rPr lang="en-US" b="0" i="1" smtClean="0">
-                            <a:latin typeface="Cambria Math" charset="0"/>
-                            <a:ea typeface="Cambria Math" panose="02040503050406030204" pitchFamily="18" charset="0"/>
-                            <a:cs typeface="Times New Roman" panose="02020603050405020304" pitchFamily="18" charset="0"/>
-                          </a:rPr>
-                          <m:t>𝑙𝑜𝑔</m:t>
-                        </m:r>
-                      </m:e>
-                    </m:nary>
-                    <m:sSub>
-                      <m:sSubPr>
-                        <m:ctrlPr>
-                          <a:rPr lang="en-US" i="1">
-                            <a:latin typeface="Cambria Math" charset="0"/>
-                            <a:cs typeface="Times New Roman" panose="02020603050405020304" pitchFamily="18" charset="0"/>
-                          </a:rPr>
-                        </m:ctrlPr>
-                      </m:sSubPr>
-                      <m:e>
-                        <m:acc>
-                          <m:accPr>
-                            <m:chr m:val="̂"/>
-                            <m:ctrlPr>
-                              <a:rPr lang="en-US" i="1">
-                                <a:latin typeface="Cambria Math" charset="0"/>
-                                <a:cs typeface="Times New Roman" panose="02020603050405020304" pitchFamily="18" charset="0"/>
-                              </a:rPr>
-                            </m:ctrlPr>
-                          </m:accPr>
-                          <m:e>
-                            <m:r>
-                              <a:rPr lang="en-US" i="1">
-                                <a:latin typeface="Cambria Math" panose="02040503050406030204" pitchFamily="18" charset="0"/>
-                                <a:cs typeface="Times New Roman" panose="02020603050405020304" pitchFamily="18" charset="0"/>
-                              </a:rPr>
-                              <m:t>𝑦</m:t>
-                            </m:r>
-                          </m:e>
-                        </m:acc>
-                      </m:e>
-                      <m:sub>
-                        <m:r>
-                          <a:rPr lang="en-US" i="1">
-                            <a:latin typeface="Cambria Math" panose="02040503050406030204" pitchFamily="18" charset="0"/>
-                            <a:cs typeface="Times New Roman" panose="02020603050405020304" pitchFamily="18" charset="0"/>
-                          </a:rPr>
-                          <m:t>𝑛</m:t>
-                        </m:r>
-                      </m:sub>
-                    </m:sSub>
-                  </m:oMath>
-                </a14:m>
-                <a:endParaRPr lang="en-US" dirty="0" smtClean="0">
-                  <a:latin typeface="Times New Roman" panose="02020603050405020304" pitchFamily="18" charset="0"/>
-                  <a:cs typeface="Times New Roman" panose="02020603050405020304" pitchFamily="18" charset="0"/>
-                </a:endParaRPr>
-              </a:p>
-              <a:p>
-                <a:pPr marL="457200" lvl="1" indent="0">
-                  <a:buNone/>
-                </a:pPr>
-                <a:r>
-                  <a:rPr lang="en-US" dirty="0" smtClean="0">
-                    <a:latin typeface="Times New Roman" panose="02020603050405020304" pitchFamily="18" charset="0"/>
-                    <a:cs typeface="Times New Roman" panose="02020603050405020304" pitchFamily="18" charset="0"/>
-                  </a:rPr>
-                  <a:t>Mean Square Loss: </a:t>
-                </a:r>
-                <a14:m>
-                  <m:oMath xmlns:m="http://schemas.openxmlformats.org/officeDocument/2006/math">
-                    <m:r>
-                      <a:rPr lang="en-US" i="1">
-                        <a:latin typeface="Cambria Math" panose="02040503050406030204" pitchFamily="18" charset="0"/>
-                        <a:cs typeface="Times New Roman" panose="02020603050405020304" pitchFamily="18" charset="0"/>
-                      </a:rPr>
-                      <m:t>𝐿</m:t>
-                    </m:r>
-                    <m:r>
-                      <a:rPr lang="en-US" b="0" i="1" baseline="-25000" smtClean="0">
-                        <a:latin typeface="Cambria Math" charset="0"/>
-                        <a:cs typeface="Times New Roman" panose="02020603050405020304" pitchFamily="18" charset="0"/>
-                      </a:rPr>
-                      <m:t>𝑚𝑠𝑒</m:t>
-                    </m:r>
-                    <m:r>
-                      <a:rPr lang="en-US" i="1">
-                        <a:latin typeface="Cambria Math" panose="02040503050406030204" pitchFamily="18" charset="0"/>
-                        <a:cs typeface="Times New Roman" panose="02020603050405020304" pitchFamily="18" charset="0"/>
-                      </a:rPr>
-                      <m:t>(</m:t>
-                    </m:r>
-                    <m:r>
-                      <a:rPr lang="en-US" i="1">
-                        <a:latin typeface="Cambria Math" panose="02040503050406030204" pitchFamily="18" charset="0"/>
-                        <a:cs typeface="Times New Roman" panose="02020603050405020304" pitchFamily="18" charset="0"/>
-                      </a:rPr>
-                      <m:t>𝑦</m:t>
-                    </m:r>
-                    <m:r>
-                      <a:rPr lang="en-US" i="1">
-                        <a:latin typeface="Cambria Math" panose="02040503050406030204" pitchFamily="18" charset="0"/>
-                        <a:cs typeface="Times New Roman" panose="02020603050405020304" pitchFamily="18" charset="0"/>
-                      </a:rPr>
-                      <m:t>, </m:t>
-                    </m:r>
-                    <m:acc>
-                      <m:accPr>
-                        <m:chr m:val="̂"/>
-                        <m:ctrlPr>
-                          <a:rPr lang="en-US" i="1">
-                            <a:latin typeface="Cambria Math" charset="0"/>
-                            <a:cs typeface="Times New Roman" panose="02020603050405020304" pitchFamily="18" charset="0"/>
-                          </a:rPr>
-                        </m:ctrlPr>
-                      </m:accPr>
-                      <m:e>
-                        <m:r>
-                          <a:rPr lang="en-US" i="1">
-                            <a:latin typeface="Cambria Math" panose="02040503050406030204" pitchFamily="18" charset="0"/>
-                            <a:cs typeface="Times New Roman" panose="02020603050405020304" pitchFamily="18" charset="0"/>
-                          </a:rPr>
-                          <m:t>𝑦</m:t>
-                        </m:r>
-                      </m:e>
-                    </m:acc>
-                    <m:r>
-                      <a:rPr lang="en-US" i="1">
-                        <a:latin typeface="Cambria Math" panose="02040503050406030204" pitchFamily="18" charset="0"/>
-                        <a:cs typeface="Times New Roman" panose="02020603050405020304" pitchFamily="18" charset="0"/>
-                      </a:rPr>
-                      <m:t>)=</m:t>
-                    </m:r>
-                    <m:f>
-                      <m:fPr>
-                        <m:ctrlPr>
-                          <a:rPr lang="en-US" i="1">
-                            <a:latin typeface="Cambria Math" charset="0"/>
-                            <a:cs typeface="Times New Roman" panose="02020603050405020304" pitchFamily="18" charset="0"/>
-                          </a:rPr>
-                        </m:ctrlPr>
-                      </m:fPr>
-                      <m:num>
-                        <m:r>
-                          <a:rPr lang="en-US" i="1">
-                            <a:latin typeface="Cambria Math" panose="02040503050406030204" pitchFamily="18" charset="0"/>
-                            <a:cs typeface="Times New Roman" panose="02020603050405020304" pitchFamily="18" charset="0"/>
-                          </a:rPr>
-                          <m:t>1</m:t>
-                        </m:r>
-                      </m:num>
-                      <m:den>
-                        <m:r>
-                          <a:rPr lang="en-US" i="1">
-                            <a:latin typeface="Cambria Math" panose="02040503050406030204" pitchFamily="18" charset="0"/>
-                            <a:cs typeface="Times New Roman" panose="02020603050405020304" pitchFamily="18" charset="0"/>
-                          </a:rPr>
-                          <m:t>𝑁</m:t>
-                        </m:r>
-                      </m:den>
-                    </m:f>
-                    <m:nary>
-                      <m:naryPr>
-                        <m:chr m:val="∑"/>
-                        <m:supHide m:val="on"/>
-                        <m:ctrlPr>
-                          <a:rPr lang="en-US" i="1">
-                            <a:latin typeface="Cambria Math" charset="0"/>
-                            <a:cs typeface="Times New Roman" panose="02020603050405020304" pitchFamily="18" charset="0"/>
-                          </a:rPr>
-                        </m:ctrlPr>
-                      </m:naryPr>
-                      <m:sub>
-                        <m:r>
-                          <m:rPr>
-                            <m:brk m:alnAt="7"/>
-                          </m:rPr>
-                          <a:rPr lang="en-US" i="1">
-                            <a:latin typeface="Cambria Math" panose="02040503050406030204" pitchFamily="18" charset="0"/>
-                            <a:cs typeface="Times New Roman" panose="02020603050405020304" pitchFamily="18" charset="0"/>
-                          </a:rPr>
-                          <m:t>𝑛</m:t>
-                        </m:r>
-                        <m:r>
-                          <a:rPr lang="en-US" i="1">
-                            <a:latin typeface="Cambria Math" panose="02040503050406030204" pitchFamily="18" charset="0"/>
-                            <a:ea typeface="Cambria Math" panose="02040503050406030204" pitchFamily="18" charset="0"/>
-                            <a:cs typeface="Times New Roman" panose="02020603050405020304" pitchFamily="18" charset="0"/>
-                          </a:rPr>
-                          <m:t>∈</m:t>
-                        </m:r>
-                        <m:r>
-                          <a:rPr lang="en-US" i="1">
-                            <a:latin typeface="Cambria Math" panose="02040503050406030204" pitchFamily="18" charset="0"/>
-                            <a:ea typeface="Cambria Math" panose="02040503050406030204" pitchFamily="18" charset="0"/>
-                            <a:cs typeface="Times New Roman" panose="02020603050405020304" pitchFamily="18" charset="0"/>
-                          </a:rPr>
-                          <m:t>𝑁</m:t>
-                        </m:r>
-                      </m:sub>
-                      <m:sup/>
-                      <m:e>
-                        <m:d>
-                          <m:dPr>
-                            <m:ctrlPr>
-                              <a:rPr lang="en-US" b="0" i="1" smtClean="0">
-                                <a:latin typeface="Cambria Math" charset="0"/>
-                                <a:ea typeface="Cambria Math" panose="02040503050406030204" pitchFamily="18" charset="0"/>
-                                <a:cs typeface="Times New Roman" panose="02020603050405020304" pitchFamily="18" charset="0"/>
-                              </a:rPr>
-                            </m:ctrlPr>
-                          </m:dPr>
-                          <m:e>
-                            <m:r>
-                              <a:rPr lang="en-US" b="0" i="1" smtClean="0">
-                                <a:latin typeface="Cambria Math" charset="0"/>
-                                <a:ea typeface="Cambria Math" panose="02040503050406030204" pitchFamily="18" charset="0"/>
-                                <a:cs typeface="Times New Roman" panose="02020603050405020304" pitchFamily="18" charset="0"/>
-                              </a:rPr>
-                              <m:t>𝑦</m:t>
-                            </m:r>
-                            <m:r>
-                              <a:rPr lang="en-US" b="0" i="1" baseline="-25000" smtClean="0">
-                                <a:latin typeface="Cambria Math" charset="0"/>
-                                <a:ea typeface="Cambria Math" panose="02040503050406030204" pitchFamily="18" charset="0"/>
-                                <a:cs typeface="Times New Roman" panose="02020603050405020304" pitchFamily="18" charset="0"/>
-                              </a:rPr>
-                              <m:t>𝑛</m:t>
-                            </m:r>
-                            <m:r>
-                              <a:rPr lang="en-US" b="0" i="1" smtClean="0">
-                                <a:latin typeface="Cambria Math" charset="0"/>
-                                <a:ea typeface="Cambria Math" panose="02040503050406030204" pitchFamily="18" charset="0"/>
-                                <a:cs typeface="Times New Roman" panose="02020603050405020304" pitchFamily="18" charset="0"/>
-                              </a:rPr>
-                              <m:t> −</m:t>
-                            </m:r>
-                            <m:sSub>
-                              <m:sSubPr>
-                                <m:ctrlPr>
-                                  <a:rPr lang="en-US" i="1">
-                                    <a:latin typeface="Cambria Math" charset="0"/>
-                                    <a:cs typeface="Times New Roman" panose="02020603050405020304" pitchFamily="18" charset="0"/>
-                                  </a:rPr>
-                                </m:ctrlPr>
-                              </m:sSubPr>
-                              <m:e>
-                                <m:acc>
-                                  <m:accPr>
-                                    <m:chr m:val="̂"/>
-                                    <m:ctrlPr>
-                                      <a:rPr lang="en-US" i="1">
-                                        <a:latin typeface="Cambria Math" charset="0"/>
-                                        <a:cs typeface="Times New Roman" panose="02020603050405020304" pitchFamily="18" charset="0"/>
-                                      </a:rPr>
-                                    </m:ctrlPr>
-                                  </m:accPr>
-                                  <m:e>
-                                    <m:r>
-                                      <a:rPr lang="en-US" i="1">
-                                        <a:latin typeface="Cambria Math" panose="02040503050406030204" pitchFamily="18" charset="0"/>
-                                        <a:cs typeface="Times New Roman" panose="02020603050405020304" pitchFamily="18" charset="0"/>
-                                      </a:rPr>
-                                      <m:t>𝑦</m:t>
-                                    </m:r>
-                                  </m:e>
-                                </m:acc>
-                              </m:e>
-                              <m:sub>
-                                <m:r>
-                                  <a:rPr lang="en-US" i="1">
-                                    <a:latin typeface="Cambria Math" panose="02040503050406030204" pitchFamily="18" charset="0"/>
-                                    <a:cs typeface="Times New Roman" panose="02020603050405020304" pitchFamily="18" charset="0"/>
-                                  </a:rPr>
-                                  <m:t>𝑛</m:t>
-                                </m:r>
-                              </m:sub>
-                            </m:sSub>
-                          </m:e>
-                        </m:d>
-                        <m:r>
-                          <a:rPr lang="en-US" b="0" i="1" baseline="30000" smtClean="0">
-                            <a:latin typeface="Cambria Math" charset="0"/>
-                            <a:ea typeface="Cambria Math" panose="02040503050406030204" pitchFamily="18" charset="0"/>
-                            <a:cs typeface="Times New Roman" panose="02020603050405020304" pitchFamily="18" charset="0"/>
-                          </a:rPr>
-                          <m:t>2</m:t>
-                        </m:r>
-                      </m:e>
-                    </m:nary>
-                  </m:oMath>
-                </a14:m>
-                <a:endParaRPr lang="en-US" dirty="0" smtClean="0">
-                  <a:latin typeface="Times New Roman" panose="02020603050405020304" pitchFamily="18" charset="0"/>
-                  <a:cs typeface="Times New Roman" panose="02020603050405020304" pitchFamily="18" charset="0"/>
-                </a:endParaRPr>
-              </a:p>
-              <a:p>
-                <a:r>
-                  <a:rPr lang="en-US" dirty="0" smtClean="0">
-                    <a:latin typeface="Times New Roman" panose="02020603050405020304" pitchFamily="18" charset="0"/>
-                    <a:cs typeface="Times New Roman" panose="02020603050405020304" pitchFamily="18" charset="0"/>
-                  </a:rPr>
-                  <a:t>Find parameters that minimize the loss (or maximizes the likelihood).</a:t>
-                </a:r>
-              </a:p>
-              <a:p>
-                <a:r>
-                  <a:rPr lang="en-US" dirty="0" smtClean="0">
-                    <a:latin typeface="Times New Roman" panose="02020603050405020304" pitchFamily="18" charset="0"/>
-                    <a:cs typeface="Times New Roman" panose="02020603050405020304" pitchFamily="18" charset="0"/>
-                  </a:rPr>
-                  <a:t>How to minimize the loss function?</a:t>
-                </a:r>
-              </a:p>
-              <a:p>
-                <a:pPr lvl="1"/>
-                <a:r>
-                  <a:rPr lang="en-US" dirty="0" smtClean="0">
-                    <a:latin typeface="Times New Roman" panose="02020603050405020304" pitchFamily="18" charset="0"/>
-                    <a:cs typeface="Times New Roman" panose="02020603050405020304" pitchFamily="18" charset="0"/>
-                  </a:rPr>
-                  <a:t>Gradient Descent – </a:t>
-                </a:r>
-                <a:r>
-                  <a:rPr lang="en-US" dirty="0" smtClean="0">
-                    <a:solidFill>
-                      <a:srgbClr val="0066FF"/>
-                    </a:solidFill>
-                    <a:latin typeface="Times New Roman" panose="02020603050405020304" pitchFamily="18" charset="0"/>
-                    <a:cs typeface="Times New Roman" panose="02020603050405020304" pitchFamily="18" charset="0"/>
-                  </a:rPr>
-                  <a:t>batch</a:t>
-                </a:r>
-                <a:r>
-                  <a:rPr lang="en-US" dirty="0" smtClean="0">
-                    <a:latin typeface="Times New Roman" panose="02020603050405020304" pitchFamily="18" charset="0"/>
-                    <a:cs typeface="Times New Roman" panose="02020603050405020304" pitchFamily="18" charset="0"/>
-                  </a:rPr>
-                  <a:t> or </a:t>
-                </a:r>
-                <a:r>
-                  <a:rPr lang="en-US" dirty="0" smtClean="0">
-                    <a:solidFill>
-                      <a:srgbClr val="0066FF"/>
-                    </a:solidFill>
-                    <a:latin typeface="Times New Roman" panose="02020603050405020304" pitchFamily="18" charset="0"/>
-                    <a:cs typeface="Times New Roman" panose="02020603050405020304" pitchFamily="18" charset="0"/>
-                  </a:rPr>
-                  <a:t>mini batch </a:t>
-                </a:r>
-                <a:r>
-                  <a:rPr lang="en-US" dirty="0" smtClean="0">
-                    <a:latin typeface="Times New Roman" panose="02020603050405020304" pitchFamily="18" charset="0"/>
-                    <a:cs typeface="Times New Roman" panose="02020603050405020304" pitchFamily="18" charset="0"/>
-                  </a:rPr>
-                  <a:t>or </a:t>
-                </a:r>
-                <a:r>
-                  <a:rPr lang="en-US" dirty="0" smtClean="0">
-                    <a:solidFill>
-                      <a:srgbClr val="0066FF"/>
-                    </a:solidFill>
-                    <a:latin typeface="Times New Roman" panose="02020603050405020304" pitchFamily="18" charset="0"/>
-                    <a:cs typeface="Times New Roman" panose="02020603050405020304" pitchFamily="18" charset="0"/>
-                  </a:rPr>
-                  <a:t>stochastic</a:t>
-                </a:r>
-                <a:r>
-                  <a:rPr lang="en-US" dirty="0" smtClean="0">
-                    <a:latin typeface="Times New Roman" panose="02020603050405020304" pitchFamily="18" charset="0"/>
-                    <a:cs typeface="Times New Roman" panose="02020603050405020304" pitchFamily="18" charset="0"/>
-                  </a:rPr>
-                  <a:t>!</a:t>
-                </a:r>
-              </a:p>
-              <a:p>
-                <a:r>
-                  <a:rPr lang="en-US" dirty="0" smtClean="0">
-                    <a:latin typeface="Times New Roman" panose="02020603050405020304" pitchFamily="18" charset="0"/>
-                    <a:cs typeface="Times New Roman" panose="02020603050405020304" pitchFamily="18" charset="0"/>
-                  </a:rPr>
-                  <a:t>We need gradients of the loss function with respect to the parameters</a:t>
-                </a:r>
-              </a:p>
-              <a:p>
-                <a:r>
-                  <a:rPr lang="en-US" dirty="0" smtClean="0">
-                    <a:latin typeface="Times New Roman" panose="02020603050405020304" pitchFamily="18" charset="0"/>
-                    <a:cs typeface="Times New Roman" panose="02020603050405020304" pitchFamily="18" charset="0"/>
-                  </a:rPr>
-                  <a:t>How to compute them?</a:t>
-                </a:r>
-              </a:p>
-              <a:p>
-                <a:pPr lvl="1"/>
-                <a:r>
-                  <a:rPr lang="en-US" dirty="0" smtClean="0">
-                    <a:solidFill>
-                      <a:srgbClr val="0066FF"/>
-                    </a:solidFill>
-                    <a:latin typeface="Times New Roman" panose="02020603050405020304" pitchFamily="18" charset="0"/>
-                    <a:cs typeface="Times New Roman" panose="02020603050405020304" pitchFamily="18" charset="0"/>
-                  </a:rPr>
-                  <a:t>Backpropagation algorithm</a:t>
-                </a:r>
-                <a:r>
-                  <a:rPr lang="en-US" dirty="0" smtClean="0">
-                    <a:latin typeface="Times New Roman" panose="02020603050405020304" pitchFamily="18" charset="0"/>
-                    <a:cs typeface="Times New Roman" panose="02020603050405020304" pitchFamily="18" charset="0"/>
-                  </a:rPr>
-                  <a:t>!</a:t>
-                </a:r>
-              </a:p>
-            </p:txBody>
-          </p:sp>
-        </mc:Choice>
-        <mc:Fallback xmlns="">
-          <p:sp>
-            <p:nvSpPr>
-              <p:cNvPr id="8" name="Rectangle 3"/>
-              <p:cNvSpPr txBox="1">
-                <a:spLocks noRot="1" noChangeAspect="1" noMove="1" noResize="1" noEditPoints="1" noAdjustHandles="1" noChangeArrowheads="1" noChangeShapeType="1" noTextEdit="1"/>
-              </p:cNvSpPr>
-              <p:nvPr/>
-            </p:nvSpPr>
-            <p:spPr>
-              <a:xfrm>
-                <a:off x="1484311" y="1560709"/>
-                <a:ext cx="10018712" cy="4671547"/>
-              </a:xfrm>
-              <a:prstGeom prst="rect">
-                <a:avLst/>
-              </a:prstGeom>
-              <a:blipFill rotWithShape="0">
-                <a:blip r:embed="rId3"/>
-                <a:stretch>
-                  <a:fillRect l="-1521" t="-3916" b="-2219"/>
-                </a:stretch>
-              </a:blipFill>
-            </p:spPr>
-            <p:txBody>
-              <a:bodyPr/>
-              <a:lstStyle/>
-              <a:p>
-                <a:r>
-                  <a:rPr lang="en-US">
-                    <a:noFill/>
-                  </a:rPr>
-                  <a:t> </a:t>
-                </a:r>
-              </a:p>
-            </p:txBody>
-          </p:sp>
-        </mc:Fallback>
-      </mc:AlternateContent>
+      <p:sp>
+        <p:nvSpPr>
+          <p:cNvPr id="8" name="Rectangle 3"/>
+          <p:cNvSpPr txBox="1">
+            <a:spLocks noChangeArrowheads="1"/>
+          </p:cNvSpPr>
+          <p:nvPr/>
+        </p:nvSpPr>
+        <p:spPr>
+          <a:xfrm>
+            <a:off x="1484311" y="1560709"/>
+            <a:ext cx="10018712" cy="4671547"/>
+          </a:xfrm>
+          <a:prstGeom prst="rect">
+            <a:avLst/>
+          </a:prstGeom>
+        </p:spPr>
+        <p:txBody>
+          <a:bodyPr/>
+          <a:lstStyle>
+            <a:lvl1pPr marL="285750" indent="-285750" algn="l" defTabSz="457200" rtl="0" eaLnBrk="1" latinLnBrk="0" hangingPunct="1">
+              <a:spcBef>
+                <a:spcPct val="20000"/>
+              </a:spcBef>
+              <a:spcAft>
+                <a:spcPts val="600"/>
+              </a:spcAft>
+              <a:buClr>
+                <a:schemeClr val="accent1">
+                  <a:lumMod val="75000"/>
+                </a:schemeClr>
+              </a:buClr>
+              <a:buSzPct val="145000"/>
+              <a:buFont typeface="Arial"/>
+              <a:buChar char="•"/>
+              <a:defRPr sz="2400" kern="1200" cap="none">
+                <a:solidFill>
+                  <a:schemeClr val="tx1"/>
+                </a:solidFill>
+                <a:effectLst/>
+                <a:latin typeface="+mn-lt"/>
+                <a:ea typeface="+mn-ea"/>
+                <a:cs typeface="+mn-cs"/>
+              </a:defRPr>
+            </a:lvl1pPr>
+            <a:lvl2pPr marL="742950" indent="-285750" algn="l" defTabSz="457200" rtl="0" eaLnBrk="1" latinLnBrk="0" hangingPunct="1">
+              <a:spcBef>
+                <a:spcPct val="20000"/>
+              </a:spcBef>
+              <a:spcAft>
+                <a:spcPts val="600"/>
+              </a:spcAft>
+              <a:buClr>
+                <a:schemeClr val="accent1">
+                  <a:lumMod val="75000"/>
+                </a:schemeClr>
+              </a:buClr>
+              <a:buSzPct val="145000"/>
+              <a:buFont typeface="Arial"/>
+              <a:buChar char="•"/>
+              <a:defRPr sz="2000" kern="1200" cap="none">
+                <a:solidFill>
+                  <a:schemeClr val="tx1"/>
+                </a:solidFill>
+                <a:effectLst/>
+                <a:latin typeface="+mn-lt"/>
+                <a:ea typeface="+mn-ea"/>
+                <a:cs typeface="+mn-cs"/>
+              </a:defRPr>
+            </a:lvl2pPr>
+            <a:lvl3pPr marL="1200150" indent="-285750" algn="l" defTabSz="457200" rtl="0" eaLnBrk="1" latinLnBrk="0" hangingPunct="1">
+              <a:spcBef>
+                <a:spcPct val="20000"/>
+              </a:spcBef>
+              <a:spcAft>
+                <a:spcPts val="600"/>
+              </a:spcAft>
+              <a:buClr>
+                <a:schemeClr val="accent1">
+                  <a:lumMod val="75000"/>
+                </a:schemeClr>
+              </a:buClr>
+              <a:buSzPct val="145000"/>
+              <a:buFont typeface="Arial"/>
+              <a:buChar char="•"/>
+              <a:defRPr sz="1800" kern="1200" cap="none">
+                <a:solidFill>
+                  <a:schemeClr val="tx1"/>
+                </a:solidFill>
+                <a:effectLst/>
+                <a:latin typeface="+mn-lt"/>
+                <a:ea typeface="+mn-ea"/>
+                <a:cs typeface="+mn-cs"/>
+              </a:defRPr>
+            </a:lvl3pPr>
+            <a:lvl4pPr marL="1543050" indent="-171450" algn="l" defTabSz="457200" rtl="0" eaLnBrk="1" latinLnBrk="0" hangingPunct="1">
+              <a:spcBef>
+                <a:spcPct val="20000"/>
+              </a:spcBef>
+              <a:spcAft>
+                <a:spcPts val="600"/>
+              </a:spcAft>
+              <a:buClr>
+                <a:schemeClr val="accent1">
+                  <a:lumMod val="75000"/>
+                </a:schemeClr>
+              </a:buClr>
+              <a:buSzPct val="145000"/>
+              <a:buFont typeface="Arial"/>
+              <a:buChar char="•"/>
+              <a:defRPr sz="1600" kern="1200" cap="none">
+                <a:solidFill>
+                  <a:schemeClr val="tx1"/>
+                </a:solidFill>
+                <a:effectLst/>
+                <a:latin typeface="+mn-lt"/>
+                <a:ea typeface="+mn-ea"/>
+                <a:cs typeface="+mn-cs"/>
+              </a:defRPr>
+            </a:lvl4pPr>
+            <a:lvl5pPr marL="2000250" indent="-171450" algn="l" defTabSz="457200" rtl="0" eaLnBrk="1" latinLnBrk="0" hangingPunct="1">
+              <a:spcBef>
+                <a:spcPct val="20000"/>
+              </a:spcBef>
+              <a:spcAft>
+                <a:spcPts val="600"/>
+              </a:spcAft>
+              <a:buClr>
+                <a:schemeClr val="accent1">
+                  <a:lumMod val="75000"/>
+                </a:schemeClr>
+              </a:buClr>
+              <a:buSzPct val="145000"/>
+              <a:buFont typeface="Arial"/>
+              <a:buChar char="•"/>
+              <a:defRPr sz="1400" kern="1200" cap="none">
+                <a:solidFill>
+                  <a:schemeClr val="tx1"/>
+                </a:solidFill>
+                <a:effectLst/>
+                <a:latin typeface="+mn-lt"/>
+                <a:ea typeface="+mn-ea"/>
+                <a:cs typeface="+mn-cs"/>
+              </a:defRPr>
+            </a:lvl5pPr>
+            <a:lvl6pPr marL="2514600" indent="-228600" algn="l" defTabSz="457200" rtl="0" eaLnBrk="1" latinLnBrk="0" hangingPunct="1">
+              <a:spcBef>
+                <a:spcPct val="20000"/>
+              </a:spcBef>
+              <a:spcAft>
+                <a:spcPts val="600"/>
+              </a:spcAft>
+              <a:buClr>
+                <a:schemeClr val="accent1">
+                  <a:lumMod val="75000"/>
+                </a:schemeClr>
+              </a:buClr>
+              <a:buSzPct val="145000"/>
+              <a:buFont typeface="Arial"/>
+              <a:buChar char="•"/>
+              <a:defRPr sz="1400" kern="1200" cap="none">
+                <a:solidFill>
+                  <a:schemeClr val="tx1"/>
+                </a:solidFill>
+                <a:effectLst/>
+                <a:latin typeface="+mn-lt"/>
+                <a:ea typeface="+mn-ea"/>
+                <a:cs typeface="+mn-cs"/>
+              </a:defRPr>
+            </a:lvl6pPr>
+            <a:lvl7pPr marL="2971800" indent="-228600" algn="l" defTabSz="457200" rtl="0" eaLnBrk="1" latinLnBrk="0" hangingPunct="1">
+              <a:spcBef>
+                <a:spcPct val="20000"/>
+              </a:spcBef>
+              <a:spcAft>
+                <a:spcPts val="600"/>
+              </a:spcAft>
+              <a:buClr>
+                <a:schemeClr val="accent1">
+                  <a:lumMod val="75000"/>
+                </a:schemeClr>
+              </a:buClr>
+              <a:buSzPct val="145000"/>
+              <a:buFont typeface="Arial"/>
+              <a:buChar char="•"/>
+              <a:defRPr sz="1400" kern="1200" cap="none">
+                <a:solidFill>
+                  <a:schemeClr val="tx1"/>
+                </a:solidFill>
+                <a:effectLst/>
+                <a:latin typeface="+mn-lt"/>
+                <a:ea typeface="+mn-ea"/>
+                <a:cs typeface="+mn-cs"/>
+              </a:defRPr>
+            </a:lvl7pPr>
+            <a:lvl8pPr marL="3429000" indent="-228600" algn="l" defTabSz="457200" rtl="0" eaLnBrk="1" latinLnBrk="0" hangingPunct="1">
+              <a:spcBef>
+                <a:spcPct val="20000"/>
+              </a:spcBef>
+              <a:spcAft>
+                <a:spcPts val="600"/>
+              </a:spcAft>
+              <a:buClr>
+                <a:schemeClr val="accent1">
+                  <a:lumMod val="75000"/>
+                </a:schemeClr>
+              </a:buClr>
+              <a:buSzPct val="145000"/>
+              <a:buFont typeface="Arial"/>
+              <a:buChar char="•"/>
+              <a:defRPr sz="1400" kern="1200" cap="none">
+                <a:solidFill>
+                  <a:schemeClr val="tx1"/>
+                </a:solidFill>
+                <a:effectLst/>
+                <a:latin typeface="+mn-lt"/>
+                <a:ea typeface="+mn-ea"/>
+                <a:cs typeface="+mn-cs"/>
+              </a:defRPr>
+            </a:lvl8pPr>
+            <a:lvl9pPr marL="3886200" indent="-228600" algn="l" defTabSz="457200" rtl="0" eaLnBrk="1" latinLnBrk="0" hangingPunct="1">
+              <a:spcBef>
+                <a:spcPct val="20000"/>
+              </a:spcBef>
+              <a:spcAft>
+                <a:spcPts val="600"/>
+              </a:spcAft>
+              <a:buClr>
+                <a:schemeClr val="accent1">
+                  <a:lumMod val="75000"/>
+                </a:schemeClr>
+              </a:buClr>
+              <a:buSzPct val="145000"/>
+              <a:buFont typeface="Arial"/>
+              <a:buChar char="•"/>
+              <a:defRPr sz="1400" kern="1200" cap="none">
+                <a:solidFill>
+                  <a:schemeClr val="tx1"/>
+                </a:solidFill>
+                <a:effectLst/>
+                <a:latin typeface="+mn-lt"/>
+                <a:ea typeface="+mn-ea"/>
+                <a:cs typeface="+mn-cs"/>
+              </a:defRPr>
+            </a:lvl9pPr>
+          </a:lstStyle>
+          <a:p>
+            <a:r>
+              <a:rPr lang="en-US" sz="2800" dirty="0" smtClean="0">
+                <a:latin typeface="Times New Roman" panose="02020603050405020304" pitchFamily="18" charset="0"/>
+                <a:cs typeface="Times New Roman" panose="02020603050405020304" pitchFamily="18" charset="0"/>
+              </a:rPr>
+              <a:t>Find </a:t>
+            </a:r>
+            <a:r>
+              <a:rPr lang="en-US" sz="2800" dirty="0" smtClean="0">
+                <a:latin typeface="Times New Roman" panose="02020603050405020304" pitchFamily="18" charset="0"/>
+                <a:cs typeface="Times New Roman" panose="02020603050405020304" pitchFamily="18" charset="0"/>
+              </a:rPr>
+              <a:t>parameters that minimize the loss (or maximizes the likelihood</a:t>
+            </a:r>
+            <a:r>
+              <a:rPr lang="en-US" sz="2800" dirty="0" smtClean="0">
+                <a:latin typeface="Times New Roman" panose="02020603050405020304" pitchFamily="18" charset="0"/>
+                <a:cs typeface="Times New Roman" panose="02020603050405020304" pitchFamily="18" charset="0"/>
+              </a:rPr>
+              <a:t>) of the training data.</a:t>
+            </a:r>
+            <a:endParaRPr lang="en-US" sz="2800" dirty="0" smtClean="0">
+              <a:latin typeface="Times New Roman" panose="02020603050405020304" pitchFamily="18" charset="0"/>
+              <a:cs typeface="Times New Roman" panose="02020603050405020304" pitchFamily="18" charset="0"/>
+            </a:endParaRPr>
+          </a:p>
+          <a:p>
+            <a:r>
+              <a:rPr lang="en-US" sz="2800" dirty="0" smtClean="0">
+                <a:latin typeface="Times New Roman" panose="02020603050405020304" pitchFamily="18" charset="0"/>
+                <a:cs typeface="Times New Roman" panose="02020603050405020304" pitchFamily="18" charset="0"/>
+              </a:rPr>
+              <a:t>How to minimize the loss function?</a:t>
+            </a:r>
+          </a:p>
+          <a:p>
+            <a:pPr lvl="1"/>
+            <a:r>
+              <a:rPr lang="en-US" sz="2400" dirty="0" smtClean="0">
+                <a:latin typeface="Times New Roman" panose="02020603050405020304" pitchFamily="18" charset="0"/>
+                <a:cs typeface="Times New Roman" panose="02020603050405020304" pitchFamily="18" charset="0"/>
+              </a:rPr>
+              <a:t>Gradient Descent – </a:t>
+            </a:r>
+            <a:r>
+              <a:rPr lang="en-US" sz="2400" dirty="0" smtClean="0">
+                <a:solidFill>
+                  <a:srgbClr val="0066FF"/>
+                </a:solidFill>
+                <a:latin typeface="Times New Roman" panose="02020603050405020304" pitchFamily="18" charset="0"/>
+                <a:cs typeface="Times New Roman" panose="02020603050405020304" pitchFamily="18" charset="0"/>
+              </a:rPr>
+              <a:t>batch</a:t>
+            </a:r>
+            <a:r>
+              <a:rPr lang="en-US" sz="2400" dirty="0" smtClean="0">
+                <a:latin typeface="Times New Roman" panose="02020603050405020304" pitchFamily="18" charset="0"/>
+                <a:cs typeface="Times New Roman" panose="02020603050405020304" pitchFamily="18" charset="0"/>
+              </a:rPr>
+              <a:t> or </a:t>
+            </a:r>
+            <a:r>
+              <a:rPr lang="en-US" sz="2400" dirty="0" smtClean="0">
+                <a:solidFill>
+                  <a:srgbClr val="0066FF"/>
+                </a:solidFill>
+                <a:latin typeface="Times New Roman" panose="02020603050405020304" pitchFamily="18" charset="0"/>
+                <a:cs typeface="Times New Roman" panose="02020603050405020304" pitchFamily="18" charset="0"/>
+              </a:rPr>
+              <a:t>mini batch </a:t>
+            </a:r>
+            <a:r>
+              <a:rPr lang="en-US" sz="2400" dirty="0" smtClean="0">
+                <a:latin typeface="Times New Roman" panose="02020603050405020304" pitchFamily="18" charset="0"/>
+                <a:cs typeface="Times New Roman" panose="02020603050405020304" pitchFamily="18" charset="0"/>
+              </a:rPr>
+              <a:t>or </a:t>
+            </a:r>
+            <a:r>
+              <a:rPr lang="en-US" sz="2400" dirty="0" smtClean="0">
+                <a:solidFill>
+                  <a:srgbClr val="0066FF"/>
+                </a:solidFill>
+                <a:latin typeface="Times New Roman" panose="02020603050405020304" pitchFamily="18" charset="0"/>
+                <a:cs typeface="Times New Roman" panose="02020603050405020304" pitchFamily="18" charset="0"/>
+              </a:rPr>
+              <a:t>stochastic</a:t>
+            </a:r>
+            <a:r>
+              <a:rPr lang="en-US" sz="2400" dirty="0" smtClean="0">
+                <a:latin typeface="Times New Roman" panose="02020603050405020304" pitchFamily="18" charset="0"/>
+                <a:cs typeface="Times New Roman" panose="02020603050405020304" pitchFamily="18" charset="0"/>
+              </a:rPr>
+              <a:t>!</a:t>
+            </a:r>
+          </a:p>
+          <a:p>
+            <a:r>
+              <a:rPr lang="en-US" sz="2800" dirty="0" smtClean="0">
+                <a:latin typeface="Times New Roman" panose="02020603050405020304" pitchFamily="18" charset="0"/>
+                <a:cs typeface="Times New Roman" panose="02020603050405020304" pitchFamily="18" charset="0"/>
+              </a:rPr>
+              <a:t>We need </a:t>
+            </a:r>
+            <a:r>
+              <a:rPr lang="en-US" sz="2800" i="1" dirty="0">
+                <a:solidFill>
+                  <a:srgbClr val="0066FF"/>
+                </a:solidFill>
+                <a:latin typeface="Times New Roman" panose="02020603050405020304" pitchFamily="18" charset="0"/>
+                <a:cs typeface="Times New Roman" panose="02020603050405020304" pitchFamily="18" charset="0"/>
+              </a:rPr>
+              <a:t>gradients</a:t>
+            </a:r>
+            <a:r>
+              <a:rPr lang="en-US" sz="2800" dirty="0" smtClean="0">
+                <a:solidFill>
+                  <a:schemeClr val="accent1"/>
+                </a:solidFill>
+                <a:latin typeface="Times New Roman" panose="02020603050405020304" pitchFamily="18" charset="0"/>
+                <a:cs typeface="Times New Roman" panose="02020603050405020304" pitchFamily="18" charset="0"/>
+              </a:rPr>
+              <a:t> </a:t>
+            </a:r>
+            <a:r>
+              <a:rPr lang="en-US" sz="2800" dirty="0" smtClean="0">
+                <a:latin typeface="Times New Roman" panose="02020603050405020304" pitchFamily="18" charset="0"/>
+                <a:cs typeface="Times New Roman" panose="02020603050405020304" pitchFamily="18" charset="0"/>
+              </a:rPr>
+              <a:t>of the loss function with respect to the parameters</a:t>
+            </a:r>
+          </a:p>
+          <a:p>
+            <a:r>
+              <a:rPr lang="en-US" sz="2800" dirty="0" smtClean="0">
+                <a:latin typeface="Times New Roman" panose="02020603050405020304" pitchFamily="18" charset="0"/>
+                <a:cs typeface="Times New Roman" panose="02020603050405020304" pitchFamily="18" charset="0"/>
+              </a:rPr>
+              <a:t>How to compute them?</a:t>
+            </a:r>
+          </a:p>
+          <a:p>
+            <a:pPr lvl="1"/>
+            <a:r>
+              <a:rPr lang="en-US" sz="2400" dirty="0" smtClean="0">
+                <a:solidFill>
+                  <a:srgbClr val="0066FF"/>
+                </a:solidFill>
+                <a:latin typeface="Times New Roman" panose="02020603050405020304" pitchFamily="18" charset="0"/>
+                <a:cs typeface="Times New Roman" panose="02020603050405020304" pitchFamily="18" charset="0"/>
+              </a:rPr>
+              <a:t>Backpropagation algorithm</a:t>
+            </a:r>
+            <a:r>
+              <a:rPr lang="en-US" sz="2400" dirty="0" smtClean="0">
+                <a:latin typeface="Times New Roman" panose="02020603050405020304" pitchFamily="18" charset="0"/>
+                <a:cs typeface="Times New Roman" panose="02020603050405020304" pitchFamily="18" charset="0"/>
+              </a:rPr>
+              <a:t>!</a:t>
+            </a:r>
+            <a:endParaRPr lang="en-US" dirty="0" smtClean="0">
+              <a:latin typeface="Times New Roman" panose="02020603050405020304" pitchFamily="18" charset="0"/>
+              <a:cs typeface="Times New Roman" panose="02020603050405020304" pitchFamily="18" charset="0"/>
+            </a:endParaRPr>
+          </a:p>
+        </p:txBody>
+      </p:sp>
     </p:spTree>
     <p:extLst>
       <p:ext uri="{BB962C8B-B14F-4D97-AF65-F5344CB8AC3E}">
@@ -12602,153 +12341,6 @@
                                           <p:spTgt spid="8">
                                             <p:txEl>
                                               <p:pRg st="5" end="5"/>
-                                            </p:txEl>
-                                          </p:spTgt>
-                                        </p:tgtEl>
-                                        <p:attrNameLst>
-                                          <p:attrName>style.visibility</p:attrName>
-                                        </p:attrNameLst>
-                                      </p:cBhvr>
-                                      <p:to>
-                                        <p:strVal val="visible"/>
-                                      </p:to>
-                                    </p:set>
-                                  </p:childTnLst>
-                                </p:cTn>
-                              </p:par>
-                            </p:childTnLst>
-                          </p:cTn>
-                        </p:par>
-                      </p:childTnLst>
-                    </p:cTn>
-                  </p:par>
-                  <p:par>
-                    <p:cTn id="27" fill="hold">
-                      <p:stCondLst>
-                        <p:cond delay="indefinite"/>
-                      </p:stCondLst>
-                      <p:childTnLst>
-                        <p:par>
-                          <p:cTn id="28" fill="hold">
-                            <p:stCondLst>
-                              <p:cond delay="0"/>
-                            </p:stCondLst>
-                            <p:childTnLst>
-                              <p:par>
-                                <p:cTn id="29" presetID="1" presetClass="entr" presetSubtype="0" fill="hold" nodeType="clickEffect">
-                                  <p:stCondLst>
-                                    <p:cond delay="0"/>
-                                  </p:stCondLst>
-                                  <p:childTnLst>
-                                    <p:set>
-                                      <p:cBhvr>
-                                        <p:cTn id="30" dur="1" fill="hold">
-                                          <p:stCondLst>
-                                            <p:cond delay="0"/>
-                                          </p:stCondLst>
-                                        </p:cTn>
-                                        <p:tgtEl>
-                                          <p:spTgt spid="8">
-                                            <p:txEl>
-                                              <p:pRg st="6" end="6"/>
-                                            </p:txEl>
-                                          </p:spTgt>
-                                        </p:tgtEl>
-                                        <p:attrNameLst>
-                                          <p:attrName>style.visibility</p:attrName>
-                                        </p:attrNameLst>
-                                      </p:cBhvr>
-                                      <p:to>
-                                        <p:strVal val="visible"/>
-                                      </p:to>
-                                    </p:set>
-                                  </p:childTnLst>
-                                </p:cTn>
-                              </p:par>
-                            </p:childTnLst>
-                          </p:cTn>
-                        </p:par>
-                      </p:childTnLst>
-                    </p:cTn>
-                  </p:par>
-                  <p:par>
-                    <p:cTn id="31" fill="hold">
-                      <p:stCondLst>
-                        <p:cond delay="indefinite"/>
-                      </p:stCondLst>
-                      <p:childTnLst>
-                        <p:par>
-                          <p:cTn id="32" fill="hold">
-                            <p:stCondLst>
-                              <p:cond delay="0"/>
-                            </p:stCondLst>
-                            <p:childTnLst>
-                              <p:par>
-                                <p:cTn id="33" presetID="1" presetClass="entr" presetSubtype="0" fill="hold" nodeType="clickEffect">
-                                  <p:stCondLst>
-                                    <p:cond delay="0"/>
-                                  </p:stCondLst>
-                                  <p:childTnLst>
-                                    <p:set>
-                                      <p:cBhvr>
-                                        <p:cTn id="34" dur="1" fill="hold">
-                                          <p:stCondLst>
-                                            <p:cond delay="0"/>
-                                          </p:stCondLst>
-                                        </p:cTn>
-                                        <p:tgtEl>
-                                          <p:spTgt spid="8">
-                                            <p:txEl>
-                                              <p:pRg st="7" end="7"/>
-                                            </p:txEl>
-                                          </p:spTgt>
-                                        </p:tgtEl>
-                                        <p:attrNameLst>
-                                          <p:attrName>style.visibility</p:attrName>
-                                        </p:attrNameLst>
-                                      </p:cBhvr>
-                                      <p:to>
-                                        <p:strVal val="visible"/>
-                                      </p:to>
-                                    </p:set>
-                                  </p:childTnLst>
-                                </p:cTn>
-                              </p:par>
-                            </p:childTnLst>
-                          </p:cTn>
-                        </p:par>
-                      </p:childTnLst>
-                    </p:cTn>
-                  </p:par>
-                  <p:par>
-                    <p:cTn id="35" fill="hold">
-                      <p:stCondLst>
-                        <p:cond delay="indefinite"/>
-                      </p:stCondLst>
-                      <p:childTnLst>
-                        <p:par>
-                          <p:cTn id="36" fill="hold">
-                            <p:stCondLst>
-                              <p:cond delay="0"/>
-                            </p:stCondLst>
-                            <p:childTnLst>
-                              <p:par>
-                                <p:cTn id="37" presetID="1" presetClass="entr" presetSubtype="0" fill="hold" nodeType="clickEffect">
-                                  <p:stCondLst>
-                                    <p:cond delay="0"/>
-                                  </p:stCondLst>
-                                  <p:childTnLst>
-                                    <p:set>
-                                      <p:cBhvr>
-                                        <p:cTn id="38" dur="1" fill="hold">
-                                          <p:stCondLst>
-                                            <p:cond delay="0"/>
-                                          </p:stCondLst>
-                                        </p:cTn>
-                                        <p:tgtEl>
-                                          <p:spTgt spid="8">
-                                            <p:txEl>
-                                              <p:pRg st="8" end="8"/>
                                             </p:txEl>
                                           </p:spTgt>
                                         </p:tgtEl>
@@ -13610,6 +13202,695 @@
           </p:sp>
         </mc:Fallback>
       </mc:AlternateContent>
+      <mc:AlternateContent xmlns:mc="http://schemas.openxmlformats.org/markup-compatibility/2006">
+        <mc:Choice xmlns:a14="http://schemas.microsoft.com/office/drawing/2010/main" Requires="a14">
+          <p:sp>
+            <p:nvSpPr>
+              <p:cNvPr id="5" name="TextBox 4"/>
+              <p:cNvSpPr txBox="1"/>
+              <p:nvPr/>
+            </p:nvSpPr>
+            <p:spPr>
+              <a:xfrm>
+                <a:off x="2444303" y="4025557"/>
+                <a:ext cx="1955856" cy="369332"/>
+              </a:xfrm>
+              <a:prstGeom prst="rect">
+                <a:avLst/>
+              </a:prstGeom>
+              <a:noFill/>
+            </p:spPr>
+            <p:txBody>
+              <a:bodyPr wrap="none" lIns="0" tIns="0" rIns="0" bIns="0" rtlCol="0">
+                <a:spAutoFit/>
+              </a:bodyPr>
+              <a:lstStyle/>
+              <a:p>
+                <a:pPr/>
+                <a14:m>
+                  <m:oMathPara xmlns:m="http://schemas.openxmlformats.org/officeDocument/2006/math">
+                    <m:oMathParaPr>
+                      <m:jc m:val="centerGroup"/>
+                    </m:oMathParaPr>
+                    <m:oMath xmlns:m="http://schemas.openxmlformats.org/officeDocument/2006/math">
+                      <m:sSub>
+                        <m:sSubPr>
+                          <m:ctrlPr>
+                            <a:rPr lang="en-US" sz="2400" i="1" smtClean="0">
+                              <a:latin typeface="Cambria Math" charset="0"/>
+                            </a:rPr>
+                          </m:ctrlPr>
+                        </m:sSubPr>
+                        <m:e>
+                          <m:r>
+                            <a:rPr lang="en-US" sz="2400" b="0" i="1" smtClean="0">
+                              <a:latin typeface="Cambria Math" panose="02040503050406030204" pitchFamily="18" charset="0"/>
+                            </a:rPr>
+                            <m:t>𝑧</m:t>
+                          </m:r>
+                        </m:e>
+                        <m:sub>
+                          <m:r>
+                            <a:rPr lang="en-US" sz="2400" b="0" i="1" smtClean="0">
+                              <a:latin typeface="Cambria Math" panose="02040503050406030204" pitchFamily="18" charset="0"/>
+                            </a:rPr>
+                            <m:t>1</m:t>
+                          </m:r>
+                        </m:sub>
+                      </m:sSub>
+                      <m:r>
+                        <a:rPr lang="en-US" sz="2400" b="0" i="1" smtClean="0">
+                          <a:latin typeface="Cambria Math" panose="02040503050406030204" pitchFamily="18" charset="0"/>
+                        </a:rPr>
+                        <m:t>=</m:t>
+                      </m:r>
+                      <m:r>
+                        <a:rPr lang="en-US" sz="2400" b="0" i="1" smtClean="0">
+                          <a:latin typeface="Cambria Math" panose="02040503050406030204" pitchFamily="18" charset="0"/>
+                        </a:rPr>
+                        <m:t>𝑥</m:t>
+                      </m:r>
+                      <m:sSub>
+                        <m:sSubPr>
+                          <m:ctrlPr>
+                            <a:rPr lang="en-US" sz="2400" b="0" i="1" smtClean="0">
+                              <a:latin typeface="Cambria Math" charset="0"/>
+                            </a:rPr>
+                          </m:ctrlPr>
+                        </m:sSubPr>
+                        <m:e>
+                          <m:r>
+                            <a:rPr lang="en-US" sz="2400" b="0" i="1" smtClean="0">
+                              <a:latin typeface="Cambria Math" panose="02040503050406030204" pitchFamily="18" charset="0"/>
+                            </a:rPr>
+                            <m:t>𝑊</m:t>
+                          </m:r>
+                        </m:e>
+                        <m:sub>
+                          <m:r>
+                            <a:rPr lang="en-US" sz="2400" b="0" i="1" smtClean="0">
+                              <a:latin typeface="Cambria Math" panose="02040503050406030204" pitchFamily="18" charset="0"/>
+                            </a:rPr>
+                            <m:t>1</m:t>
+                          </m:r>
+                        </m:sub>
+                      </m:sSub>
+                      <m:r>
+                        <a:rPr lang="en-US" sz="2400" b="0" i="1" smtClean="0">
+                          <a:latin typeface="Cambria Math" panose="02040503050406030204" pitchFamily="18" charset="0"/>
+                        </a:rPr>
+                        <m:t>+</m:t>
+                      </m:r>
+                      <m:sSub>
+                        <m:sSubPr>
+                          <m:ctrlPr>
+                            <a:rPr lang="en-US" sz="2400" b="0" i="1" smtClean="0">
+                              <a:latin typeface="Cambria Math" charset="0"/>
+                            </a:rPr>
+                          </m:ctrlPr>
+                        </m:sSubPr>
+                        <m:e>
+                          <m:r>
+                            <a:rPr lang="en-US" sz="2400" b="0" i="1" smtClean="0">
+                              <a:latin typeface="Cambria Math" panose="02040503050406030204" pitchFamily="18" charset="0"/>
+                            </a:rPr>
+                            <m:t>𝑏</m:t>
+                          </m:r>
+                        </m:e>
+                        <m:sub>
+                          <m:r>
+                            <a:rPr lang="en-US" sz="2400" b="0" i="1" smtClean="0">
+                              <a:latin typeface="Cambria Math" panose="02040503050406030204" pitchFamily="18" charset="0"/>
+                            </a:rPr>
+                            <m:t>1</m:t>
+                          </m:r>
+                        </m:sub>
+                      </m:sSub>
+                    </m:oMath>
+                  </m:oMathPara>
+                </a14:m>
+                <a:endParaRPr lang="en-US" sz="2400" dirty="0"/>
+              </a:p>
+            </p:txBody>
+          </p:sp>
+        </mc:Choice>
+        <mc:Fallback>
+          <p:sp>
+            <p:nvSpPr>
+              <p:cNvPr id="5" name="TextBox 4"/>
+              <p:cNvSpPr txBox="1">
+                <a:spLocks noRot="1" noChangeAspect="1" noMove="1" noResize="1" noEditPoints="1" noAdjustHandles="1" noChangeArrowheads="1" noChangeShapeType="1" noTextEdit="1"/>
+              </p:cNvSpPr>
+              <p:nvPr/>
+            </p:nvSpPr>
+            <p:spPr>
+              <a:xfrm>
+                <a:off x="2444303" y="4025557"/>
+                <a:ext cx="1955856" cy="369332"/>
+              </a:xfrm>
+              <a:prstGeom prst="rect">
+                <a:avLst/>
+              </a:prstGeom>
+              <a:blipFill rotWithShape="0">
+                <a:blip r:embed="rId4"/>
+                <a:stretch>
+                  <a:fillRect l="-1869" r="-935" b="-13115"/>
+                </a:stretch>
+              </a:blipFill>
+            </p:spPr>
+            <p:txBody>
+              <a:bodyPr/>
+              <a:lstStyle/>
+              <a:p>
+                <a:r>
+                  <a:rPr lang="en-US">
+                    <a:noFill/>
+                  </a:rPr>
+                  <a:t> </a:t>
+                </a:r>
+              </a:p>
+            </p:txBody>
+          </p:sp>
+        </mc:Fallback>
+      </mc:AlternateContent>
+      <mc:AlternateContent xmlns:mc="http://schemas.openxmlformats.org/markup-compatibility/2006">
+        <mc:Choice xmlns:a14="http://schemas.microsoft.com/office/drawing/2010/main" Requires="a14">
+          <p:sp>
+            <p:nvSpPr>
+              <p:cNvPr id="6" name="TextBox 5"/>
+              <p:cNvSpPr txBox="1"/>
+              <p:nvPr/>
+            </p:nvSpPr>
+            <p:spPr>
+              <a:xfrm>
+                <a:off x="2444303" y="4530833"/>
+                <a:ext cx="1496692" cy="369332"/>
+              </a:xfrm>
+              <a:prstGeom prst="rect">
+                <a:avLst/>
+              </a:prstGeom>
+              <a:noFill/>
+            </p:spPr>
+            <p:txBody>
+              <a:bodyPr wrap="none" lIns="0" tIns="0" rIns="0" bIns="0" rtlCol="0">
+                <a:spAutoFit/>
+              </a:bodyPr>
+              <a:lstStyle/>
+              <a:p>
+                <a:pPr/>
+                <a14:m>
+                  <m:oMathPara xmlns:m="http://schemas.openxmlformats.org/officeDocument/2006/math">
+                    <m:oMathParaPr>
+                      <m:jc m:val="centerGroup"/>
+                    </m:oMathParaPr>
+                    <m:oMath xmlns:m="http://schemas.openxmlformats.org/officeDocument/2006/math">
+                      <m:sSub>
+                        <m:sSubPr>
+                          <m:ctrlPr>
+                            <a:rPr lang="en-US" sz="2400" i="1" smtClean="0">
+                              <a:latin typeface="Cambria Math" charset="0"/>
+                            </a:rPr>
+                          </m:ctrlPr>
+                        </m:sSubPr>
+                        <m:e>
+                          <m:r>
+                            <a:rPr lang="en-US" sz="2400" b="0" i="1" smtClean="0">
+                              <a:latin typeface="Cambria Math" panose="02040503050406030204" pitchFamily="18" charset="0"/>
+                            </a:rPr>
+                            <m:t>𝑎</m:t>
+                          </m:r>
+                        </m:e>
+                        <m:sub>
+                          <m:r>
+                            <a:rPr lang="en-US" sz="2400" b="0" i="1" smtClean="0">
+                              <a:latin typeface="Cambria Math" panose="02040503050406030204" pitchFamily="18" charset="0"/>
+                            </a:rPr>
+                            <m:t>1</m:t>
+                          </m:r>
+                        </m:sub>
+                      </m:sSub>
+                      <m:r>
+                        <a:rPr lang="en-US" sz="2400" b="0" i="1" smtClean="0">
+                          <a:latin typeface="Cambria Math" panose="02040503050406030204" pitchFamily="18" charset="0"/>
+                        </a:rPr>
+                        <m:t>=</m:t>
+                      </m:r>
+                      <m:r>
+                        <a:rPr lang="en-US" sz="2400" b="0" i="1" smtClean="0">
+                          <a:latin typeface="Cambria Math" panose="02040503050406030204" pitchFamily="18" charset="0"/>
+                        </a:rPr>
+                        <m:t>𝜎</m:t>
+                      </m:r>
+                      <m:r>
+                        <a:rPr lang="en-US" sz="2400" b="0" i="1" smtClean="0">
+                          <a:latin typeface="Cambria Math" panose="02040503050406030204" pitchFamily="18" charset="0"/>
+                        </a:rPr>
+                        <m:t>⁡(</m:t>
+                      </m:r>
+                      <m:sSub>
+                        <m:sSubPr>
+                          <m:ctrlPr>
+                            <a:rPr lang="en-US" sz="2400" b="0" i="1" smtClean="0">
+                              <a:latin typeface="Cambria Math" charset="0"/>
+                            </a:rPr>
+                          </m:ctrlPr>
+                        </m:sSubPr>
+                        <m:e>
+                          <m:r>
+                            <a:rPr lang="en-US" sz="2400" b="0" i="1" smtClean="0">
+                              <a:latin typeface="Cambria Math" panose="02040503050406030204" pitchFamily="18" charset="0"/>
+                            </a:rPr>
+                            <m:t>𝑧</m:t>
+                          </m:r>
+                        </m:e>
+                        <m:sub>
+                          <m:r>
+                            <a:rPr lang="en-US" sz="2400" b="0" i="1" smtClean="0">
+                              <a:latin typeface="Cambria Math" panose="02040503050406030204" pitchFamily="18" charset="0"/>
+                            </a:rPr>
+                            <m:t>1</m:t>
+                          </m:r>
+                        </m:sub>
+                      </m:sSub>
+                      <m:r>
+                        <a:rPr lang="en-US" sz="2400" b="0" i="1" smtClean="0">
+                          <a:latin typeface="Cambria Math" panose="02040503050406030204" pitchFamily="18" charset="0"/>
+                        </a:rPr>
+                        <m:t>)</m:t>
+                      </m:r>
+                    </m:oMath>
+                  </m:oMathPara>
+                </a14:m>
+                <a:endParaRPr lang="en-US" sz="2400" dirty="0"/>
+              </a:p>
+            </p:txBody>
+          </p:sp>
+        </mc:Choice>
+        <mc:Fallback>
+          <p:sp>
+            <p:nvSpPr>
+              <p:cNvPr id="6" name="TextBox 5"/>
+              <p:cNvSpPr txBox="1">
+                <a:spLocks noRot="1" noChangeAspect="1" noMove="1" noResize="1" noEditPoints="1" noAdjustHandles="1" noChangeArrowheads="1" noChangeShapeType="1" noTextEdit="1"/>
+              </p:cNvSpPr>
+              <p:nvPr/>
+            </p:nvSpPr>
+            <p:spPr>
+              <a:xfrm>
+                <a:off x="2444303" y="4530833"/>
+                <a:ext cx="1496692" cy="369332"/>
+              </a:xfrm>
+              <a:prstGeom prst="rect">
+                <a:avLst/>
+              </a:prstGeom>
+              <a:blipFill rotWithShape="0">
+                <a:blip r:embed="rId5"/>
+                <a:stretch>
+                  <a:fillRect l="-2449" t="-140984" r="-6939" b="-175410"/>
+                </a:stretch>
+              </a:blipFill>
+            </p:spPr>
+            <p:txBody>
+              <a:bodyPr/>
+              <a:lstStyle/>
+              <a:p>
+                <a:r>
+                  <a:rPr lang="en-US">
+                    <a:noFill/>
+                  </a:rPr>
+                  <a:t> </a:t>
+                </a:r>
+              </a:p>
+            </p:txBody>
+          </p:sp>
+        </mc:Fallback>
+      </mc:AlternateContent>
+      <mc:AlternateContent xmlns:mc="http://schemas.openxmlformats.org/markup-compatibility/2006">
+        <mc:Choice xmlns:a14="http://schemas.microsoft.com/office/drawing/2010/main" Requires="a14">
+          <p:sp>
+            <p:nvSpPr>
+              <p:cNvPr id="9" name="TextBox 8"/>
+              <p:cNvSpPr txBox="1"/>
+              <p:nvPr/>
+            </p:nvSpPr>
+            <p:spPr>
+              <a:xfrm>
+                <a:off x="2444303" y="5036109"/>
+                <a:ext cx="2104294" cy="369332"/>
+              </a:xfrm>
+              <a:prstGeom prst="rect">
+                <a:avLst/>
+              </a:prstGeom>
+              <a:noFill/>
+            </p:spPr>
+            <p:txBody>
+              <a:bodyPr wrap="none" lIns="0" tIns="0" rIns="0" bIns="0" rtlCol="0">
+                <a:spAutoFit/>
+              </a:bodyPr>
+              <a:lstStyle/>
+              <a:p>
+                <a:pPr/>
+                <a14:m>
+                  <m:oMathPara xmlns:m="http://schemas.openxmlformats.org/officeDocument/2006/math">
+                    <m:oMathParaPr>
+                      <m:jc m:val="centerGroup"/>
+                    </m:oMathParaPr>
+                    <m:oMath xmlns:m="http://schemas.openxmlformats.org/officeDocument/2006/math">
+                      <m:sSub>
+                        <m:sSubPr>
+                          <m:ctrlPr>
+                            <a:rPr lang="en-US" sz="2400" i="1" smtClean="0">
+                              <a:latin typeface="Cambria Math" charset="0"/>
+                            </a:rPr>
+                          </m:ctrlPr>
+                        </m:sSubPr>
+                        <m:e>
+                          <m:r>
+                            <a:rPr lang="en-US" sz="2400" b="0" i="1" smtClean="0">
+                              <a:latin typeface="Cambria Math" panose="02040503050406030204" pitchFamily="18" charset="0"/>
+                            </a:rPr>
+                            <m:t>𝑧</m:t>
+                          </m:r>
+                        </m:e>
+                        <m:sub>
+                          <m:r>
+                            <a:rPr lang="en-US" sz="2400" b="0" i="1" smtClean="0">
+                              <a:latin typeface="Cambria Math" panose="02040503050406030204" pitchFamily="18" charset="0"/>
+                            </a:rPr>
+                            <m:t>2</m:t>
+                          </m:r>
+                        </m:sub>
+                      </m:sSub>
+                      <m:r>
+                        <a:rPr lang="en-US" sz="2400" b="0" i="1" smtClean="0">
+                          <a:latin typeface="Cambria Math" panose="02040503050406030204" pitchFamily="18" charset="0"/>
+                        </a:rPr>
+                        <m:t>=</m:t>
+                      </m:r>
+                      <m:sSub>
+                        <m:sSubPr>
+                          <m:ctrlPr>
+                            <a:rPr lang="en-US" sz="2400" b="0" i="1" smtClean="0">
+                              <a:latin typeface="Cambria Math" charset="0"/>
+                            </a:rPr>
+                          </m:ctrlPr>
+                        </m:sSubPr>
+                        <m:e>
+                          <m:r>
+                            <a:rPr lang="en-US" sz="2400" b="0" i="1" smtClean="0">
+                              <a:latin typeface="Cambria Math" panose="02040503050406030204" pitchFamily="18" charset="0"/>
+                            </a:rPr>
+                            <m:t>𝑎</m:t>
+                          </m:r>
+                        </m:e>
+                        <m:sub>
+                          <m:r>
+                            <a:rPr lang="en-US" sz="2400" b="0" i="1" smtClean="0">
+                              <a:latin typeface="Cambria Math" panose="02040503050406030204" pitchFamily="18" charset="0"/>
+                            </a:rPr>
+                            <m:t>1</m:t>
+                          </m:r>
+                        </m:sub>
+                      </m:sSub>
+                      <m:sSub>
+                        <m:sSubPr>
+                          <m:ctrlPr>
+                            <a:rPr lang="en-US" sz="2400" b="0" i="1" smtClean="0">
+                              <a:latin typeface="Cambria Math" charset="0"/>
+                            </a:rPr>
+                          </m:ctrlPr>
+                        </m:sSubPr>
+                        <m:e>
+                          <m:r>
+                            <a:rPr lang="en-US" sz="2400" b="0" i="1" smtClean="0">
+                              <a:latin typeface="Cambria Math" panose="02040503050406030204" pitchFamily="18" charset="0"/>
+                            </a:rPr>
+                            <m:t>𝑊</m:t>
+                          </m:r>
+                        </m:e>
+                        <m:sub>
+                          <m:r>
+                            <a:rPr lang="en-US" sz="2400" b="0" i="1" smtClean="0">
+                              <a:latin typeface="Cambria Math" panose="02040503050406030204" pitchFamily="18" charset="0"/>
+                            </a:rPr>
+                            <m:t>2</m:t>
+                          </m:r>
+                        </m:sub>
+                      </m:sSub>
+                      <m:r>
+                        <a:rPr lang="en-US" sz="2400" b="0" i="1" smtClean="0">
+                          <a:latin typeface="Cambria Math" panose="02040503050406030204" pitchFamily="18" charset="0"/>
+                        </a:rPr>
+                        <m:t>+</m:t>
+                      </m:r>
+                      <m:sSub>
+                        <m:sSubPr>
+                          <m:ctrlPr>
+                            <a:rPr lang="en-US" sz="2400" b="0" i="1" smtClean="0">
+                              <a:latin typeface="Cambria Math" charset="0"/>
+                            </a:rPr>
+                          </m:ctrlPr>
+                        </m:sSubPr>
+                        <m:e>
+                          <m:r>
+                            <a:rPr lang="en-US" sz="2400" b="0" i="1" smtClean="0">
+                              <a:latin typeface="Cambria Math" panose="02040503050406030204" pitchFamily="18" charset="0"/>
+                            </a:rPr>
+                            <m:t>𝑏</m:t>
+                          </m:r>
+                        </m:e>
+                        <m:sub>
+                          <m:r>
+                            <a:rPr lang="en-US" sz="2400" b="0" i="1" smtClean="0">
+                              <a:latin typeface="Cambria Math" panose="02040503050406030204" pitchFamily="18" charset="0"/>
+                            </a:rPr>
+                            <m:t>2</m:t>
+                          </m:r>
+                        </m:sub>
+                      </m:sSub>
+                    </m:oMath>
+                  </m:oMathPara>
+                </a14:m>
+                <a:endParaRPr lang="en-US" sz="2400" dirty="0"/>
+              </a:p>
+            </p:txBody>
+          </p:sp>
+        </mc:Choice>
+        <mc:Fallback>
+          <p:sp>
+            <p:nvSpPr>
+              <p:cNvPr id="9" name="TextBox 8"/>
+              <p:cNvSpPr txBox="1">
+                <a:spLocks noRot="1" noChangeAspect="1" noMove="1" noResize="1" noEditPoints="1" noAdjustHandles="1" noChangeArrowheads="1" noChangeShapeType="1" noTextEdit="1"/>
+              </p:cNvSpPr>
+              <p:nvPr/>
+            </p:nvSpPr>
+            <p:spPr>
+              <a:xfrm>
+                <a:off x="2444303" y="5036109"/>
+                <a:ext cx="2104294" cy="369332"/>
+              </a:xfrm>
+              <a:prstGeom prst="rect">
+                <a:avLst/>
+              </a:prstGeom>
+              <a:blipFill rotWithShape="0">
+                <a:blip r:embed="rId6"/>
+                <a:stretch>
+                  <a:fillRect l="-1739" r="-870" b="-13115"/>
+                </a:stretch>
+              </a:blipFill>
+            </p:spPr>
+            <p:txBody>
+              <a:bodyPr/>
+              <a:lstStyle/>
+              <a:p>
+                <a:r>
+                  <a:rPr lang="en-US">
+                    <a:noFill/>
+                  </a:rPr>
+                  <a:t> </a:t>
+                </a:r>
+              </a:p>
+            </p:txBody>
+          </p:sp>
+        </mc:Fallback>
+      </mc:AlternateContent>
+      <mc:AlternateContent xmlns:mc="http://schemas.openxmlformats.org/markup-compatibility/2006">
+        <mc:Choice xmlns:a14="http://schemas.microsoft.com/office/drawing/2010/main" Requires="a14">
+          <p:sp>
+            <p:nvSpPr>
+              <p:cNvPr id="10" name="TextBox 9"/>
+              <p:cNvSpPr txBox="1"/>
+              <p:nvPr/>
+            </p:nvSpPr>
+            <p:spPr>
+              <a:xfrm>
+                <a:off x="2444303" y="5567008"/>
+                <a:ext cx="3160481" cy="369332"/>
+              </a:xfrm>
+              <a:prstGeom prst="rect">
+                <a:avLst/>
+              </a:prstGeom>
+              <a:noFill/>
+            </p:spPr>
+            <p:txBody>
+              <a:bodyPr wrap="none" lIns="0" tIns="0" rIns="0" bIns="0" rtlCol="0">
+                <a:spAutoFit/>
+              </a:bodyPr>
+              <a:lstStyle/>
+              <a:p>
+                <a:pPr/>
+                <a14:m>
+                  <m:oMathPara xmlns:m="http://schemas.openxmlformats.org/officeDocument/2006/math">
+                    <m:oMathParaPr>
+                      <m:jc m:val="centerGroup"/>
+                    </m:oMathParaPr>
+                    <m:oMath xmlns:m="http://schemas.openxmlformats.org/officeDocument/2006/math">
+                      <m:sSub>
+                        <m:sSubPr>
+                          <m:ctrlPr>
+                            <a:rPr lang="en-US" sz="2400" i="1" smtClean="0">
+                              <a:latin typeface="Cambria Math" charset="0"/>
+                            </a:rPr>
+                          </m:ctrlPr>
+                        </m:sSubPr>
+                        <m:e>
+                          <m:r>
+                            <a:rPr lang="en-US" sz="2400" b="0" i="1" smtClean="0">
+                              <a:latin typeface="Cambria Math" panose="02040503050406030204" pitchFamily="18" charset="0"/>
+                            </a:rPr>
+                            <m:t>𝑎</m:t>
+                          </m:r>
+                        </m:e>
+                        <m:sub>
+                          <m:r>
+                            <a:rPr lang="en-US" sz="2400" b="0" i="1" smtClean="0">
+                              <a:latin typeface="Cambria Math" panose="02040503050406030204" pitchFamily="18" charset="0"/>
+                            </a:rPr>
+                            <m:t>2</m:t>
+                          </m:r>
+                        </m:sub>
+                      </m:sSub>
+                      <m:r>
+                        <a:rPr lang="en-US" sz="2400" b="0" i="1" smtClean="0">
+                          <a:latin typeface="Cambria Math" panose="02040503050406030204" pitchFamily="18" charset="0"/>
+                        </a:rPr>
+                        <m:t>= </m:t>
+                      </m:r>
+                      <m:acc>
+                        <m:accPr>
+                          <m:chr m:val="̂"/>
+                          <m:ctrlPr>
+                            <a:rPr lang="en-US" sz="2400" b="0" i="1" smtClean="0">
+                              <a:latin typeface="Cambria Math" charset="0"/>
+                            </a:rPr>
+                          </m:ctrlPr>
+                        </m:accPr>
+                        <m:e>
+                          <m:r>
+                            <a:rPr lang="en-US" sz="2400" b="0" i="1" smtClean="0">
+                              <a:latin typeface="Cambria Math" panose="02040503050406030204" pitchFamily="18" charset="0"/>
+                            </a:rPr>
+                            <m:t>𝑦</m:t>
+                          </m:r>
+                        </m:e>
+                      </m:acc>
+                      <m:r>
+                        <a:rPr lang="en-US" sz="2400" b="0" i="1" smtClean="0">
+                          <a:latin typeface="Cambria Math" panose="02040503050406030204" pitchFamily="18" charset="0"/>
+                        </a:rPr>
+                        <m:t>=</m:t>
+                      </m:r>
+                      <m:r>
+                        <a:rPr lang="en-US" sz="2400" b="0" i="1" smtClean="0">
+                          <a:latin typeface="Cambria Math" panose="02040503050406030204" pitchFamily="18" charset="0"/>
+                        </a:rPr>
+                        <m:t>𝑠𝑜𝑓𝑡𝑚𝑎𝑥</m:t>
+                      </m:r>
+                      <m:r>
+                        <a:rPr lang="en-US" sz="2400" b="0" i="1" smtClean="0">
+                          <a:latin typeface="Cambria Math" panose="02040503050406030204" pitchFamily="18" charset="0"/>
+                        </a:rPr>
+                        <m:t>(</m:t>
+                      </m:r>
+                      <m:sSub>
+                        <m:sSubPr>
+                          <m:ctrlPr>
+                            <a:rPr lang="en-US" sz="2400" b="0" i="1" smtClean="0">
+                              <a:latin typeface="Cambria Math" charset="0"/>
+                            </a:rPr>
+                          </m:ctrlPr>
+                        </m:sSubPr>
+                        <m:e>
+                          <m:r>
+                            <a:rPr lang="en-US" sz="2400" b="0" i="1" smtClean="0">
+                              <a:latin typeface="Cambria Math" panose="02040503050406030204" pitchFamily="18" charset="0"/>
+                            </a:rPr>
+                            <m:t>𝑧</m:t>
+                          </m:r>
+                        </m:e>
+                        <m:sub>
+                          <m:r>
+                            <a:rPr lang="en-US" sz="2400" b="0" i="1" smtClean="0">
+                              <a:latin typeface="Cambria Math" panose="02040503050406030204" pitchFamily="18" charset="0"/>
+                            </a:rPr>
+                            <m:t>2</m:t>
+                          </m:r>
+                        </m:sub>
+                      </m:sSub>
+                      <m:r>
+                        <a:rPr lang="en-US" sz="2400" b="0" i="1" smtClean="0">
+                          <a:latin typeface="Cambria Math" panose="02040503050406030204" pitchFamily="18" charset="0"/>
+                        </a:rPr>
+                        <m:t>)</m:t>
+                      </m:r>
+                    </m:oMath>
+                  </m:oMathPara>
+                </a14:m>
+                <a:endParaRPr lang="en-US" sz="2400" dirty="0"/>
+              </a:p>
+            </p:txBody>
+          </p:sp>
+        </mc:Choice>
+        <mc:Fallback>
+          <p:sp>
+            <p:nvSpPr>
+              <p:cNvPr id="10" name="TextBox 9"/>
+              <p:cNvSpPr txBox="1">
+                <a:spLocks noRot="1" noChangeAspect="1" noMove="1" noResize="1" noEditPoints="1" noAdjustHandles="1" noChangeArrowheads="1" noChangeShapeType="1" noTextEdit="1"/>
+              </p:cNvSpPr>
+              <p:nvPr/>
+            </p:nvSpPr>
+            <p:spPr>
+              <a:xfrm>
+                <a:off x="2444303" y="5567008"/>
+                <a:ext cx="3160481" cy="369332"/>
+              </a:xfrm>
+              <a:prstGeom prst="rect">
+                <a:avLst/>
+              </a:prstGeom>
+              <a:blipFill rotWithShape="0">
+                <a:blip r:embed="rId7"/>
+                <a:stretch>
+                  <a:fillRect l="-1158" t="-140984" r="-3089" b="-175410"/>
+                </a:stretch>
+              </a:blipFill>
+            </p:spPr>
+            <p:txBody>
+              <a:bodyPr/>
+              <a:lstStyle/>
+              <a:p>
+                <a:r>
+                  <a:rPr lang="en-US">
+                    <a:noFill/>
+                  </a:rPr>
+                  <a:t> </a:t>
+                </a:r>
+              </a:p>
+            </p:txBody>
+          </p:sp>
+        </mc:Fallback>
+      </mc:AlternateContent>
     </p:spTree>
     <p:extLst>
       <p:ext uri="{BB962C8B-B14F-4D97-AF65-F5344CB8AC3E}">
@@ -13832,6 +14113,186 @@
                       </p:childTnLst>
                     </p:cTn>
                   </p:par>
+                  <p:par>
+                    <p:cTn id="19" fill="hold">
+                      <p:stCondLst>
+                        <p:cond delay="indefinite"/>
+                      </p:stCondLst>
+                      <p:childTnLst>
+                        <p:par>
+                          <p:cTn id="20" fill="hold">
+                            <p:stCondLst>
+                              <p:cond delay="0"/>
+                            </p:stCondLst>
+                            <p:childTnLst>
+                              <p:par>
+                                <p:cTn id="21" presetID="1" presetClass="entr" presetSubtype="0" fill="hold" grpId="0" nodeType="clickEffect">
+                                  <p:stCondLst>
+                                    <p:cond delay="0"/>
+                                  </p:stCondLst>
+                                  <p:childTnLst>
+                                    <p:set>
+                                      <p:cBhvr>
+                                        <p:cTn id="22" dur="1" fill="hold">
+                                          <p:stCondLst>
+                                            <p:cond delay="0"/>
+                                          </p:stCondLst>
+                                        </p:cTn>
+                                        <p:tgtEl>
+                                          <p:spTgt spid="5"/>
+                                        </p:tgtEl>
+                                        <p:attrNameLst>
+                                          <p:attrName>style.visibility</p:attrName>
+                                        </p:attrNameLst>
+                                      </p:cBhvr>
+                                      <p:to>
+                                        <p:strVal val="visible"/>
+                                      </p:to>
+                                    </p:set>
+                                  </p:childTnLst>
+                                </p:cTn>
+                              </p:par>
+                            </p:childTnLst>
+                          </p:cTn>
+                        </p:par>
+                      </p:childTnLst>
+                    </p:cTn>
+                  </p:par>
+                  <p:par>
+                    <p:cTn id="23" fill="hold">
+                      <p:stCondLst>
+                        <p:cond delay="indefinite"/>
+                      </p:stCondLst>
+                      <p:childTnLst>
+                        <p:par>
+                          <p:cTn id="24" fill="hold">
+                            <p:stCondLst>
+                              <p:cond delay="0"/>
+                            </p:stCondLst>
+                            <p:childTnLst>
+                              <p:par>
+                                <p:cTn id="25" presetID="1" presetClass="entr" presetSubtype="0" fill="hold" grpId="0" nodeType="clickEffect">
+                                  <p:stCondLst>
+                                    <p:cond delay="0"/>
+                                  </p:stCondLst>
+                                  <p:childTnLst>
+                                    <p:set>
+                                      <p:cBhvr>
+                                        <p:cTn id="26" dur="1" fill="hold">
+                                          <p:stCondLst>
+                                            <p:cond delay="0"/>
+                                          </p:stCondLst>
+                                        </p:cTn>
+                                        <p:tgtEl>
+                                          <p:spTgt spid="6"/>
+                                        </p:tgtEl>
+                                        <p:attrNameLst>
+                                          <p:attrName>style.visibility</p:attrName>
+                                        </p:attrNameLst>
+                                      </p:cBhvr>
+                                      <p:to>
+                                        <p:strVal val="visible"/>
+                                      </p:to>
+                                    </p:set>
+                                  </p:childTnLst>
+                                </p:cTn>
+                              </p:par>
+                            </p:childTnLst>
+                          </p:cTn>
+                        </p:par>
+                      </p:childTnLst>
+                    </p:cTn>
+                  </p:par>
+                  <p:par>
+                    <p:cTn id="27" fill="hold">
+                      <p:stCondLst>
+                        <p:cond delay="indefinite"/>
+                      </p:stCondLst>
+                      <p:childTnLst>
+                        <p:par>
+                          <p:cTn id="28" fill="hold">
+                            <p:stCondLst>
+                              <p:cond delay="0"/>
+                            </p:stCondLst>
+                            <p:childTnLst>
+                              <p:par>
+                                <p:cTn id="29" presetID="1" presetClass="entr" presetSubtype="0" fill="hold" grpId="0" nodeType="clickEffect">
+                                  <p:stCondLst>
+                                    <p:cond delay="0"/>
+                                  </p:stCondLst>
+                                  <p:childTnLst>
+                                    <p:set>
+                                      <p:cBhvr>
+                                        <p:cTn id="30" dur="1" fill="hold">
+                                          <p:stCondLst>
+                                            <p:cond delay="0"/>
+                                          </p:stCondLst>
+                                        </p:cTn>
+                                        <p:tgtEl>
+                                          <p:spTgt spid="9"/>
+                                        </p:tgtEl>
+                                        <p:attrNameLst>
+                                          <p:attrName>style.visibility</p:attrName>
+                                        </p:attrNameLst>
+                                      </p:cBhvr>
+                                      <p:to>
+                                        <p:strVal val="visible"/>
+                                      </p:to>
+                                    </p:set>
+                                  </p:childTnLst>
+                                </p:cTn>
+                              </p:par>
+                            </p:childTnLst>
+                          </p:cTn>
+                        </p:par>
+                      </p:childTnLst>
+                    </p:cTn>
+                  </p:par>
+                  <p:par>
+                    <p:cTn id="31" fill="hold">
+                      <p:stCondLst>
+                        <p:cond delay="indefinite"/>
+                      </p:stCondLst>
+                      <p:childTnLst>
+                        <p:par>
+                          <p:cTn id="32" fill="hold">
+                            <p:stCondLst>
+                              <p:cond delay="0"/>
+                            </p:stCondLst>
+                            <p:childTnLst>
+                              <p:par>
+                                <p:cTn id="33" presetID="1" presetClass="entr" presetSubtype="0" fill="hold" grpId="0" nodeType="clickEffect">
+                                  <p:stCondLst>
+                                    <p:cond delay="0"/>
+                                  </p:stCondLst>
+                                  <p:childTnLst>
+                                    <p:set>
+                                      <p:cBhvr>
+                                        <p:cTn id="34" dur="1" fill="hold">
+                                          <p:stCondLst>
+                                            <p:cond delay="0"/>
+                                          </p:stCondLst>
+                                        </p:cTn>
+                                        <p:tgtEl>
+                                          <p:spTgt spid="10"/>
+                                        </p:tgtEl>
+                                        <p:attrNameLst>
+                                          <p:attrName>style.visibility</p:attrName>
+                                        </p:attrNameLst>
+                                      </p:cBhvr>
+                                      <p:to>
+                                        <p:strVal val="visible"/>
+                                      </p:to>
+                                    </p:set>
+                                  </p:childTnLst>
+                                </p:cTn>
+                              </p:par>
+                            </p:childTnLst>
+                          </p:cTn>
+                        </p:par>
+                      </p:childTnLst>
+                    </p:cTn>
+                  </p:par>
                 </p:childTnLst>
               </p:cTn>
               <p:prevCondLst>
@@ -13853,6 +14314,12 @@
         </p:cTn>
       </p:par>
     </p:tnLst>
+    <p:bldLst>
+      <p:bldP spid="5" grpId="0"/>
+      <p:bldP spid="6" grpId="0"/>
+      <p:bldP spid="9" grpId="0"/>
+      <p:bldP spid="10" grpId="0"/>
+    </p:bldLst>
   </p:timing>
 </p:sld>
 </file>
@@ -19702,8 +20169,8 @@
           </a:p>
         </p:txBody>
       </p:sp>
-      <mc:AlternateContent xmlns:mc="http://schemas.openxmlformats.org/markup-compatibility/2006" xmlns:a14="http://schemas.microsoft.com/office/drawing/2010/main">
-        <mc:Choice Requires="a14">
+      <mc:AlternateContent xmlns:mc="http://schemas.openxmlformats.org/markup-compatibility/2006">
+        <mc:Choice xmlns:a14="http://schemas.microsoft.com/office/drawing/2010/main" Requires="a14">
           <p:sp>
             <p:nvSpPr>
               <p:cNvPr id="8" name="Rectangle 3"/>
@@ -20101,10 +20568,10 @@
                       </m:sSup>
                       <m:r>
                         <a:rPr lang="en-US" sz="2800" b="0" i="1" smtClean="0">
-                          <a:latin typeface="Cambria Math" panose="02040503050406030204" pitchFamily="18" charset="0"/>
+                          <a:latin typeface="Cambria Math" charset="0"/>
                           <a:cs typeface="Times New Roman" panose="02020603050405020304" pitchFamily="18" charset="0"/>
                         </a:rPr>
-                        <m:t>−</m:t>
+                        <m:t>+</m:t>
                       </m:r>
                       <m:r>
                         <a:rPr lang="en-US" sz="2800" b="0" i="1" smtClean="0">
@@ -20225,7 +20692,7 @@
             </p:txBody>
           </p:sp>
         </mc:Choice>
-        <mc:Fallback xmlns="">
+        <mc:Fallback>
           <p:sp>
             <p:nvSpPr>
               <p:cNvPr id="8" name="Rectangle 3"/>
@@ -20864,7 +21331,21 @@
                 <a:latin typeface="Times New Roman" panose="02020603050405020304" pitchFamily="18" charset="0"/>
                 <a:cs typeface="Times New Roman" panose="02020603050405020304" pitchFamily="18" charset="0"/>
               </a:rPr>
-              <a:t>Main idea is to make use of sequential information</a:t>
+              <a:t>Main </a:t>
+            </a:r>
+            <a:r>
+              <a:rPr lang="en-US" dirty="0" smtClean="0">
+                <a:latin typeface="Times New Roman" panose="02020603050405020304" pitchFamily="18" charset="0"/>
+                <a:cs typeface="Times New Roman" panose="02020603050405020304" pitchFamily="18" charset="0"/>
+              </a:rPr>
+              <a:t>idea: make </a:t>
+            </a:r>
+            <a:r>
+              <a:rPr lang="en-US" dirty="0" smtClean="0">
+                <a:latin typeface="Times New Roman" panose="02020603050405020304" pitchFamily="18" charset="0"/>
+                <a:cs typeface="Times New Roman" panose="02020603050405020304" pitchFamily="18" charset="0"/>
+              </a:rPr>
+              <a:t>use of sequential information</a:t>
             </a:r>
           </a:p>
           <a:p>
@@ -23182,6 +23663,355 @@
           </a:p>
         </p:txBody>
       </p:sp>
+      <p:sp>
+        <p:nvSpPr>
+          <p:cNvPr id="25" name="TextBox 24"/>
+          <p:cNvSpPr txBox="1"/>
+          <p:nvPr/>
+        </p:nvSpPr>
+        <p:spPr>
+          <a:xfrm>
+            <a:off x="7836361" y="5673896"/>
+            <a:ext cx="2984215" cy="369332"/>
+          </a:xfrm>
+          <a:prstGeom prst="rect">
+            <a:avLst/>
+          </a:prstGeom>
+          <a:noFill/>
+        </p:spPr>
+        <p:txBody>
+          <a:bodyPr wrap="none" rtlCol="0">
+            <a:spAutoFit/>
+          </a:bodyPr>
+          <a:lstStyle/>
+          <a:p>
+            <a:r>
+              <a:rPr lang="en-US" dirty="0" smtClean="0">
+                <a:solidFill>
+                  <a:srgbClr val="FF0000"/>
+                </a:solidFill>
+              </a:rPr>
+              <a:t>Parameters (recurrently used)</a:t>
+            </a:r>
+            <a:endParaRPr lang="en-US" dirty="0">
+              <a:solidFill>
+                <a:srgbClr val="FF0000"/>
+              </a:solidFill>
+            </a:endParaRPr>
+          </a:p>
+        </p:txBody>
+      </p:sp>
+      <p:cxnSp>
+        <p:nvCxnSpPr>
+          <p:cNvPr id="27" name="Curved Connector 26"/>
+          <p:cNvCxnSpPr>
+            <a:stCxn id="25" idx="0"/>
+          </p:cNvCxnSpPr>
+          <p:nvPr/>
+        </p:nvCxnSpPr>
+        <p:spPr>
+          <a:xfrm rot="16200000" flipV="1">
+            <a:off x="8460578" y="4806004"/>
+            <a:ext cx="863283" cy="872501"/>
+          </a:xfrm>
+          <a:prstGeom prst="curvedConnector2">
+            <a:avLst/>
+          </a:prstGeom>
+          <a:ln w="19050">
+            <a:solidFill>
+              <a:schemeClr val="accent1"/>
+            </a:solidFill>
+            <a:tailEnd type="triangle"/>
+          </a:ln>
+        </p:spPr>
+        <p:style>
+          <a:lnRef idx="2">
+            <a:schemeClr val="dk1"/>
+          </a:lnRef>
+          <a:fillRef idx="0">
+            <a:schemeClr val="dk1"/>
+          </a:fillRef>
+          <a:effectRef idx="1">
+            <a:schemeClr val="dk1"/>
+          </a:effectRef>
+          <a:fontRef idx="minor">
+            <a:schemeClr val="tx1"/>
+          </a:fontRef>
+        </p:style>
+      </p:cxnSp>
+      <p:cxnSp>
+        <p:nvCxnSpPr>
+          <p:cNvPr id="28" name="Curved Connector 27"/>
+          <p:cNvCxnSpPr/>
+          <p:nvPr/>
+        </p:nvCxnSpPr>
+        <p:spPr>
+          <a:xfrm rot="10800000">
+            <a:off x="6992492" y="4740219"/>
+            <a:ext cx="2335976" cy="926849"/>
+          </a:xfrm>
+          <a:prstGeom prst="curvedConnector3">
+            <a:avLst>
+              <a:gd name="adj1" fmla="val 65223"/>
+            </a:avLst>
+          </a:prstGeom>
+          <a:ln w="19050">
+            <a:solidFill>
+              <a:schemeClr val="accent1"/>
+            </a:solidFill>
+            <a:tailEnd type="triangle"/>
+          </a:ln>
+        </p:spPr>
+        <p:style>
+          <a:lnRef idx="2">
+            <a:schemeClr val="dk1"/>
+          </a:lnRef>
+          <a:fillRef idx="0">
+            <a:schemeClr val="dk1"/>
+          </a:fillRef>
+          <a:effectRef idx="1">
+            <a:schemeClr val="dk1"/>
+          </a:effectRef>
+          <a:fontRef idx="minor">
+            <a:schemeClr val="tx1"/>
+          </a:fontRef>
+        </p:style>
+      </p:cxnSp>
+      <p:cxnSp>
+        <p:nvCxnSpPr>
+          <p:cNvPr id="29" name="Curved Connector 28"/>
+          <p:cNvCxnSpPr>
+            <a:stCxn id="25" idx="0"/>
+          </p:cNvCxnSpPr>
+          <p:nvPr/>
+        </p:nvCxnSpPr>
+        <p:spPr>
+          <a:xfrm rot="5400000" flipH="1" flipV="1">
+            <a:off x="9212252" y="4877751"/>
+            <a:ext cx="912363" cy="679928"/>
+          </a:xfrm>
+          <a:prstGeom prst="curvedConnector3">
+            <a:avLst>
+              <a:gd name="adj1" fmla="val 50000"/>
+            </a:avLst>
+          </a:prstGeom>
+          <a:ln w="19050">
+            <a:solidFill>
+              <a:schemeClr val="accent1"/>
+            </a:solidFill>
+            <a:tailEnd type="triangle"/>
+          </a:ln>
+        </p:spPr>
+        <p:style>
+          <a:lnRef idx="2">
+            <a:schemeClr val="dk1"/>
+          </a:lnRef>
+          <a:fillRef idx="0">
+            <a:schemeClr val="dk1"/>
+          </a:fillRef>
+          <a:effectRef idx="1">
+            <a:schemeClr val="dk1"/>
+          </a:effectRef>
+          <a:fontRef idx="minor">
+            <a:schemeClr val="tx1"/>
+          </a:fontRef>
+        </p:style>
+      </p:cxnSp>
+      <p:cxnSp>
+        <p:nvCxnSpPr>
+          <p:cNvPr id="33" name="Curved Connector 32"/>
+          <p:cNvCxnSpPr/>
+          <p:nvPr/>
+        </p:nvCxnSpPr>
+        <p:spPr>
+          <a:xfrm rot="10800000">
+            <a:off x="7428746" y="4293882"/>
+            <a:ext cx="1899722" cy="1297986"/>
+          </a:xfrm>
+          <a:prstGeom prst="curvedConnector3">
+            <a:avLst>
+              <a:gd name="adj1" fmla="val 53342"/>
+            </a:avLst>
+          </a:prstGeom>
+          <a:ln w="19050">
+            <a:solidFill>
+              <a:schemeClr val="accent6"/>
+            </a:solidFill>
+            <a:tailEnd type="triangle"/>
+          </a:ln>
+        </p:spPr>
+        <p:style>
+          <a:lnRef idx="2">
+            <a:schemeClr val="dk1"/>
+          </a:lnRef>
+          <a:fillRef idx="0">
+            <a:schemeClr val="dk1"/>
+          </a:fillRef>
+          <a:effectRef idx="1">
+            <a:schemeClr val="dk1"/>
+          </a:effectRef>
+          <a:fontRef idx="minor">
+            <a:schemeClr val="tx1"/>
+          </a:fontRef>
+        </p:style>
+      </p:cxnSp>
+      <p:cxnSp>
+        <p:nvCxnSpPr>
+          <p:cNvPr id="37" name="Curved Connector 36"/>
+          <p:cNvCxnSpPr/>
+          <p:nvPr/>
+        </p:nvCxnSpPr>
+        <p:spPr>
+          <a:xfrm rot="16200000" flipV="1">
+            <a:off x="8505032" y="4843631"/>
+            <a:ext cx="1311962" cy="334911"/>
+          </a:xfrm>
+          <a:prstGeom prst="curvedConnector3">
+            <a:avLst>
+              <a:gd name="adj1" fmla="val 50000"/>
+            </a:avLst>
+          </a:prstGeom>
+          <a:ln w="19050">
+            <a:solidFill>
+              <a:schemeClr val="accent6"/>
+            </a:solidFill>
+            <a:tailEnd type="triangle"/>
+          </a:ln>
+        </p:spPr>
+        <p:style>
+          <a:lnRef idx="2">
+            <a:schemeClr val="dk1"/>
+          </a:lnRef>
+          <a:fillRef idx="0">
+            <a:schemeClr val="dk1"/>
+          </a:fillRef>
+          <a:effectRef idx="1">
+            <a:schemeClr val="dk1"/>
+          </a:effectRef>
+          <a:fontRef idx="minor">
+            <a:schemeClr val="tx1"/>
+          </a:fontRef>
+        </p:style>
+      </p:cxnSp>
+      <p:cxnSp>
+        <p:nvCxnSpPr>
+          <p:cNvPr id="40" name="Curved Connector 39"/>
+          <p:cNvCxnSpPr>
+            <a:stCxn id="25" idx="0"/>
+          </p:cNvCxnSpPr>
+          <p:nvPr/>
+        </p:nvCxnSpPr>
+        <p:spPr>
+          <a:xfrm rot="5400000" flipH="1" flipV="1">
+            <a:off x="9264377" y="4357976"/>
+            <a:ext cx="1380013" cy="1251829"/>
+          </a:xfrm>
+          <a:prstGeom prst="curvedConnector3">
+            <a:avLst>
+              <a:gd name="adj1" fmla="val -1536"/>
+            </a:avLst>
+          </a:prstGeom>
+          <a:ln w="19050">
+            <a:solidFill>
+              <a:schemeClr val="accent6"/>
+            </a:solidFill>
+            <a:tailEnd type="triangle"/>
+          </a:ln>
+        </p:spPr>
+        <p:style>
+          <a:lnRef idx="2">
+            <a:schemeClr val="dk1"/>
+          </a:lnRef>
+          <a:fillRef idx="0">
+            <a:schemeClr val="dk1"/>
+          </a:fillRef>
+          <a:effectRef idx="1">
+            <a:schemeClr val="dk1"/>
+          </a:effectRef>
+          <a:fontRef idx="minor">
+            <a:schemeClr val="tx1"/>
+          </a:fontRef>
+        </p:style>
+      </p:cxnSp>
+      <p:cxnSp>
+        <p:nvCxnSpPr>
+          <p:cNvPr id="46" name="Curved Connector 45"/>
+          <p:cNvCxnSpPr>
+            <a:stCxn id="25" idx="1"/>
+          </p:cNvCxnSpPr>
+          <p:nvPr/>
+        </p:nvCxnSpPr>
+        <p:spPr>
+          <a:xfrm rot="10800000">
+            <a:off x="6334497" y="3301190"/>
+            <a:ext cx="1501865" cy="2557373"/>
+          </a:xfrm>
+          <a:prstGeom prst="curvedConnector2">
+            <a:avLst/>
+          </a:prstGeom>
+          <a:ln w="19050">
+            <a:solidFill>
+              <a:schemeClr val="accent2"/>
+            </a:solidFill>
+            <a:tailEnd type="triangle"/>
+          </a:ln>
+        </p:spPr>
+        <p:style>
+          <a:lnRef idx="2">
+            <a:schemeClr val="dk1"/>
+          </a:lnRef>
+          <a:fillRef idx="0">
+            <a:schemeClr val="dk1"/>
+          </a:fillRef>
+          <a:effectRef idx="1">
+            <a:schemeClr val="dk1"/>
+          </a:effectRef>
+          <a:fontRef idx="minor">
+            <a:schemeClr val="tx1"/>
+          </a:fontRef>
+        </p:style>
+      </p:cxnSp>
+      <p:cxnSp>
+        <p:nvCxnSpPr>
+          <p:cNvPr id="49" name="Curved Connector 48"/>
+          <p:cNvCxnSpPr>
+            <a:stCxn id="25" idx="1"/>
+          </p:cNvCxnSpPr>
+          <p:nvPr/>
+        </p:nvCxnSpPr>
+        <p:spPr>
+          <a:xfrm rot="10800000" flipH="1">
+            <a:off x="7836360" y="3344098"/>
+            <a:ext cx="180393" cy="2514464"/>
+          </a:xfrm>
+          <a:prstGeom prst="curvedConnector4">
+            <a:avLst>
+              <a:gd name="adj1" fmla="val -126723"/>
+              <a:gd name="adj2" fmla="val 65794"/>
+            </a:avLst>
+          </a:prstGeom>
+          <a:ln w="19050">
+            <a:solidFill>
+              <a:schemeClr val="accent2"/>
+            </a:solidFill>
+            <a:tailEnd type="triangle"/>
+          </a:ln>
+        </p:spPr>
+        <p:style>
+          <a:lnRef idx="2">
+            <a:schemeClr val="dk1"/>
+          </a:lnRef>
+          <a:fillRef idx="0">
+            <a:schemeClr val="dk1"/>
+          </a:fillRef>
+          <a:effectRef idx="1">
+            <a:schemeClr val="dk1"/>
+          </a:effectRef>
+          <a:fontRef idx="minor">
+            <a:schemeClr val="tx1"/>
+          </a:fontRef>
+        </p:style>
+      </p:cxnSp>
     </p:spTree>
     <p:extLst>
       <p:ext uri="{BB962C8B-B14F-4D97-AF65-F5344CB8AC3E}">
@@ -23528,6 +24358,331 @@
                       </p:childTnLst>
                     </p:cTn>
                   </p:par>
+                  <p:par>
+                    <p:cTn id="31" fill="hold">
+                      <p:stCondLst>
+                        <p:cond delay="indefinite"/>
+                      </p:stCondLst>
+                      <p:childTnLst>
+                        <p:par>
+                          <p:cTn id="32" fill="hold">
+                            <p:stCondLst>
+                              <p:cond delay="0"/>
+                            </p:stCondLst>
+                            <p:childTnLst>
+                              <p:par>
+                                <p:cTn id="33" presetID="1" presetClass="entr" presetSubtype="0" fill="hold" grpId="0" nodeType="clickEffect">
+                                  <p:stCondLst>
+                                    <p:cond delay="0"/>
+                                  </p:stCondLst>
+                                  <p:childTnLst>
+                                    <p:set>
+                                      <p:cBhvr>
+                                        <p:cTn id="34" dur="1" fill="hold">
+                                          <p:stCondLst>
+                                            <p:cond delay="0"/>
+                                          </p:stCondLst>
+                                        </p:cTn>
+                                        <p:tgtEl>
+                                          <p:spTgt spid="25"/>
+                                        </p:tgtEl>
+                                        <p:attrNameLst>
+                                          <p:attrName>style.visibility</p:attrName>
+                                        </p:attrNameLst>
+                                      </p:cBhvr>
+                                      <p:to>
+                                        <p:strVal val="visible"/>
+                                      </p:to>
+                                    </p:set>
+                                  </p:childTnLst>
+                                </p:cTn>
+                              </p:par>
+                              <p:par>
+                                <p:cTn id="35" presetID="22" presetClass="entr" presetSubtype="8" fill="hold" nodeType="withEffect">
+                                  <p:stCondLst>
+                                    <p:cond delay="0"/>
+                                  </p:stCondLst>
+                                  <p:childTnLst>
+                                    <p:set>
+                                      <p:cBhvr>
+                                        <p:cTn id="36" dur="1" fill="hold">
+                                          <p:stCondLst>
+                                            <p:cond delay="0"/>
+                                          </p:stCondLst>
+                                        </p:cTn>
+                                        <p:tgtEl>
+                                          <p:spTgt spid="27"/>
+                                        </p:tgtEl>
+                                        <p:attrNameLst>
+                                          <p:attrName>style.visibility</p:attrName>
+                                        </p:attrNameLst>
+                                      </p:cBhvr>
+                                      <p:to>
+                                        <p:strVal val="visible"/>
+                                      </p:to>
+                                    </p:set>
+                                    <p:animEffect transition="in" filter="wipe(left)">
+                                      <p:cBhvr>
+                                        <p:cTn id="37" dur="1000"/>
+                                        <p:tgtEl>
+                                          <p:spTgt spid="27"/>
+                                        </p:tgtEl>
+                                      </p:cBhvr>
+                                    </p:animEffect>
+                                  </p:childTnLst>
+                                </p:cTn>
+                              </p:par>
+                              <p:par>
+                                <p:cTn id="38" presetID="22" presetClass="entr" presetSubtype="8" fill="hold" nodeType="withEffect">
+                                  <p:stCondLst>
+                                    <p:cond delay="0"/>
+                                  </p:stCondLst>
+                                  <p:childTnLst>
+                                    <p:set>
+                                      <p:cBhvr>
+                                        <p:cTn id="39" dur="1" fill="hold">
+                                          <p:stCondLst>
+                                            <p:cond delay="0"/>
+                                          </p:stCondLst>
+                                        </p:cTn>
+                                        <p:tgtEl>
+                                          <p:spTgt spid="28"/>
+                                        </p:tgtEl>
+                                        <p:attrNameLst>
+                                          <p:attrName>style.visibility</p:attrName>
+                                        </p:attrNameLst>
+                                      </p:cBhvr>
+                                      <p:to>
+                                        <p:strVal val="visible"/>
+                                      </p:to>
+                                    </p:set>
+                                    <p:animEffect transition="in" filter="wipe(left)">
+                                      <p:cBhvr>
+                                        <p:cTn id="40" dur="1000"/>
+                                        <p:tgtEl>
+                                          <p:spTgt spid="28"/>
+                                        </p:tgtEl>
+                                      </p:cBhvr>
+                                    </p:animEffect>
+                                  </p:childTnLst>
+                                </p:cTn>
+                              </p:par>
+                              <p:par>
+                                <p:cTn id="41" presetID="22" presetClass="entr" presetSubtype="8" fill="hold" nodeType="withEffect">
+                                  <p:stCondLst>
+                                    <p:cond delay="0"/>
+                                  </p:stCondLst>
+                                  <p:childTnLst>
+                                    <p:set>
+                                      <p:cBhvr>
+                                        <p:cTn id="42" dur="1" fill="hold">
+                                          <p:stCondLst>
+                                            <p:cond delay="0"/>
+                                          </p:stCondLst>
+                                        </p:cTn>
+                                        <p:tgtEl>
+                                          <p:spTgt spid="29"/>
+                                        </p:tgtEl>
+                                        <p:attrNameLst>
+                                          <p:attrName>style.visibility</p:attrName>
+                                        </p:attrNameLst>
+                                      </p:cBhvr>
+                                      <p:to>
+                                        <p:strVal val="visible"/>
+                                      </p:to>
+                                    </p:set>
+                                    <p:animEffect transition="in" filter="wipe(left)">
+                                      <p:cBhvr>
+                                        <p:cTn id="43" dur="1000"/>
+                                        <p:tgtEl>
+                                          <p:spTgt spid="29"/>
+                                        </p:tgtEl>
+                                      </p:cBhvr>
+                                    </p:animEffect>
+                                  </p:childTnLst>
+                                </p:cTn>
+                              </p:par>
+                              <p:par>
+                                <p:cTn id="44" presetID="22" presetClass="entr" presetSubtype="8" fill="hold" nodeType="withEffect">
+                                  <p:stCondLst>
+                                    <p:cond delay="0"/>
+                                  </p:stCondLst>
+                                  <p:childTnLst>
+                                    <p:set>
+                                      <p:cBhvr>
+                                        <p:cTn id="45" dur="1" fill="hold">
+                                          <p:stCondLst>
+                                            <p:cond delay="0"/>
+                                          </p:stCondLst>
+                                        </p:cTn>
+                                        <p:tgtEl>
+                                          <p:spTgt spid="33"/>
+                                        </p:tgtEl>
+                                        <p:attrNameLst>
+                                          <p:attrName>style.visibility</p:attrName>
+                                        </p:attrNameLst>
+                                      </p:cBhvr>
+                                      <p:to>
+                                        <p:strVal val="visible"/>
+                                      </p:to>
+                                    </p:set>
+                                    <p:animEffect transition="in" filter="wipe(left)">
+                                      <p:cBhvr>
+                                        <p:cTn id="46" dur="1000"/>
+                                        <p:tgtEl>
+                                          <p:spTgt spid="33"/>
+                                        </p:tgtEl>
+                                      </p:cBhvr>
+                                    </p:animEffect>
+                                  </p:childTnLst>
+                                </p:cTn>
+                              </p:par>
+                              <p:par>
+                                <p:cTn id="47" presetID="22" presetClass="entr" presetSubtype="8" fill="hold" nodeType="withEffect">
+                                  <p:stCondLst>
+                                    <p:cond delay="0"/>
+                                  </p:stCondLst>
+                                  <p:childTnLst>
+                                    <p:set>
+                                      <p:cBhvr>
+                                        <p:cTn id="48" dur="1" fill="hold">
+                                          <p:stCondLst>
+                                            <p:cond delay="0"/>
+                                          </p:stCondLst>
+                                        </p:cTn>
+                                        <p:tgtEl>
+                                          <p:spTgt spid="37"/>
+                                        </p:tgtEl>
+                                        <p:attrNameLst>
+                                          <p:attrName>style.visibility</p:attrName>
+                                        </p:attrNameLst>
+                                      </p:cBhvr>
+                                      <p:to>
+                                        <p:strVal val="visible"/>
+                                      </p:to>
+                                    </p:set>
+                                    <p:animEffect transition="in" filter="wipe(left)">
+                                      <p:cBhvr>
+                                        <p:cTn id="49" dur="1000"/>
+                                        <p:tgtEl>
+                                          <p:spTgt spid="37"/>
+                                        </p:tgtEl>
+                                      </p:cBhvr>
+                                    </p:animEffect>
+                                  </p:childTnLst>
+                                </p:cTn>
+                              </p:par>
+                              <p:par>
+                                <p:cTn id="50" presetID="22" presetClass="entr" presetSubtype="8" fill="hold" nodeType="withEffect">
+                                  <p:stCondLst>
+                                    <p:cond delay="0"/>
+                                  </p:stCondLst>
+                                  <p:childTnLst>
+                                    <p:set>
+                                      <p:cBhvr>
+                                        <p:cTn id="51" dur="1" fill="hold">
+                                          <p:stCondLst>
+                                            <p:cond delay="0"/>
+                                          </p:stCondLst>
+                                        </p:cTn>
+                                        <p:tgtEl>
+                                          <p:spTgt spid="40"/>
+                                        </p:tgtEl>
+                                        <p:attrNameLst>
+                                          <p:attrName>style.visibility</p:attrName>
+                                        </p:attrNameLst>
+                                      </p:cBhvr>
+                                      <p:to>
+                                        <p:strVal val="visible"/>
+                                      </p:to>
+                                    </p:set>
+                                    <p:animEffect transition="in" filter="wipe(left)">
+                                      <p:cBhvr>
+                                        <p:cTn id="52" dur="1000"/>
+                                        <p:tgtEl>
+                                          <p:spTgt spid="40"/>
+                                        </p:tgtEl>
+                                      </p:cBhvr>
+                                    </p:animEffect>
+                                  </p:childTnLst>
+                                </p:cTn>
+                              </p:par>
+                              <p:par>
+                                <p:cTn id="53" presetID="22" presetClass="entr" presetSubtype="8" fill="hold" nodeType="withEffect">
+                                  <p:stCondLst>
+                                    <p:cond delay="0"/>
+                                  </p:stCondLst>
+                                  <p:childTnLst>
+                                    <p:set>
+                                      <p:cBhvr>
+                                        <p:cTn id="54" dur="1" fill="hold">
+                                          <p:stCondLst>
+                                            <p:cond delay="0"/>
+                                          </p:stCondLst>
+                                        </p:cTn>
+                                        <p:tgtEl>
+                                          <p:spTgt spid="46"/>
+                                        </p:tgtEl>
+                                        <p:attrNameLst>
+                                          <p:attrName>style.visibility</p:attrName>
+                                        </p:attrNameLst>
+                                      </p:cBhvr>
+                                      <p:to>
+                                        <p:strVal val="visible"/>
+                                      </p:to>
+                                    </p:set>
+                                    <p:animEffect transition="in" filter="wipe(left)">
+                                      <p:cBhvr>
+                                        <p:cTn id="55" dur="1000"/>
+                                        <p:tgtEl>
+                                          <p:spTgt spid="46"/>
+                                        </p:tgtEl>
+                                      </p:cBhvr>
+                                    </p:animEffect>
+                                  </p:childTnLst>
+                                </p:cTn>
+                              </p:par>
+                              <p:par>
+                                <p:cTn id="56" presetID="22" presetClass="entr" presetSubtype="8" fill="hold" nodeType="withEffect">
+                                  <p:stCondLst>
+                                    <p:cond delay="0"/>
+                                  </p:stCondLst>
+                                  <p:childTnLst>
+                                    <p:set>
+                                      <p:cBhvr>
+                                        <p:cTn id="57" dur="1" fill="hold">
+                                          <p:stCondLst>
+                                            <p:cond delay="0"/>
+                                          </p:stCondLst>
+                                        </p:cTn>
+                                        <p:tgtEl>
+                                          <p:spTgt spid="49"/>
+                                        </p:tgtEl>
+                                        <p:attrNameLst>
+                                          <p:attrName>style.visibility</p:attrName>
+                                        </p:attrNameLst>
+                                      </p:cBhvr>
+                                      <p:to>
+                                        <p:strVal val="visible"/>
+                                      </p:to>
+                                    </p:set>
+                                    <p:animEffect transition="in" filter="wipe(left)">
+                                      <p:cBhvr>
+                                        <p:cTn id="58" dur="1000"/>
+                                        <p:tgtEl>
+                                          <p:spTgt spid="49"/>
+                                        </p:tgtEl>
+                                      </p:cBhvr>
+                                    </p:animEffect>
+                                  </p:childTnLst>
+                                </p:cTn>
+                              </p:par>
+                            </p:childTnLst>
+                          </p:cTn>
+                        </p:par>
+                      </p:childTnLst>
+                    </p:cTn>
+                  </p:par>
                 </p:childTnLst>
               </p:cTn>
               <p:prevCondLst>
@@ -23554,6 +24709,7 @@
       <p:bldP spid="17" grpId="0"/>
       <p:bldP spid="20" grpId="0"/>
       <p:bldP spid="30" grpId="0"/>
+      <p:bldP spid="25" grpId="0"/>
     </p:bldLst>
   </p:timing>
 </p:sld>
@@ -23644,6 +24800,29 @@
           <a:xfrm>
             <a:off x="717550" y="2712244"/>
             <a:ext cx="8451850" cy="2324100"/>
+          </a:xfrm>
+          <a:prstGeom prst="rect">
+            <a:avLst/>
+          </a:prstGeom>
+        </p:spPr>
+      </p:pic>
+      <p:pic>
+        <p:nvPicPr>
+          <p:cNvPr id="5" name="Picture 4"/>
+          <p:cNvPicPr>
+            <a:picLocks noChangeAspect="1"/>
+          </p:cNvPicPr>
+          <p:nvPr/>
+        </p:nvPicPr>
+        <p:blipFill rotWithShape="1">
+          <a:blip r:embed="rId3"/>
+          <a:srcRect r="82579"/>
+          <a:stretch/>
+        </p:blipFill>
+        <p:spPr>
+          <a:xfrm>
+            <a:off x="7537450" y="2341563"/>
+            <a:ext cx="1758950" cy="4051300"/>
           </a:xfrm>
           <a:prstGeom prst="rect">
             <a:avLst/>
@@ -23715,7 +24894,14 @@
                 <a:latin typeface="Times New Roman" panose="02020603050405020304" pitchFamily="18" charset="0"/>
                 <a:cs typeface="Times New Roman" panose="02020603050405020304" pitchFamily="18" charset="0"/>
               </a:rPr>
-              <a:t>RNN Extensions</a:t>
+              <a:t>RNNs </a:t>
+            </a:r>
+            <a:r>
+              <a:rPr lang="en-US" dirty="0" smtClean="0">
+                <a:latin typeface="Times New Roman" panose="02020603050405020304" pitchFamily="18" charset="0"/>
+                <a:cs typeface="Times New Roman" panose="02020603050405020304" pitchFamily="18" charset="0"/>
+              </a:rPr>
+              <a:t>Extensions</a:t>
             </a:r>
             <a:endParaRPr lang="en-US" dirty="0">
               <a:latin typeface="Times New Roman" panose="02020603050405020304" pitchFamily="18" charset="0"/>
@@ -24107,7 +25293,14 @@
                 <a:latin typeface="Times New Roman" panose="02020603050405020304" pitchFamily="18" charset="0"/>
                 <a:cs typeface="Times New Roman" panose="02020603050405020304" pitchFamily="18" charset="0"/>
               </a:rPr>
-              <a:t>RNN Extensions</a:t>
+              <a:t>RNNs </a:t>
+            </a:r>
+            <a:r>
+              <a:rPr lang="en-US" dirty="0" smtClean="0">
+                <a:latin typeface="Times New Roman" panose="02020603050405020304" pitchFamily="18" charset="0"/>
+                <a:cs typeface="Times New Roman" panose="02020603050405020304" pitchFamily="18" charset="0"/>
+              </a:rPr>
+              <a:t>Extensions</a:t>
             </a:r>
             <a:endParaRPr lang="en-US" dirty="0">
               <a:latin typeface="Times New Roman" panose="02020603050405020304" pitchFamily="18" charset="0"/>
@@ -24544,7 +25737,7 @@
         </p:nvSpPr>
         <p:spPr>
           <a:xfrm>
-            <a:off x="1484311" y="1560709"/>
+            <a:off x="1382711" y="1560709"/>
             <a:ext cx="10018712" cy="4671547"/>
           </a:xfrm>
           <a:prstGeom prst="rect">
@@ -24782,14 +25975,14 @@
           </a:lstStyle>
           <a:p>
             <a:r>
-              <a:rPr lang="en-US" dirty="0" smtClean="0">
+              <a:rPr lang="en-US" sz="2800" dirty="0" smtClean="0">
                 <a:latin typeface="Times New Roman" panose="02020603050405020304" pitchFamily="18" charset="0"/>
                 <a:cs typeface="Times New Roman" panose="02020603050405020304" pitchFamily="18" charset="0"/>
               </a:rPr>
               <a:t>Is RNN capable of capturing </a:t>
             </a:r>
             <a:r>
-              <a:rPr lang="en-US" dirty="0" smtClean="0">
+              <a:rPr lang="en-US" sz="2800" dirty="0" smtClean="0">
                 <a:solidFill>
                   <a:srgbClr val="33CC33"/>
                 </a:solidFill>
@@ -24799,7 +25992,7 @@
               <a:t>long-term dependencies</a:t>
             </a:r>
             <a:r>
-              <a:rPr lang="en-US" dirty="0" smtClean="0">
+              <a:rPr lang="en-US" sz="2800" dirty="0" smtClean="0">
                 <a:latin typeface="Times New Roman" panose="02020603050405020304" pitchFamily="18" charset="0"/>
                 <a:cs typeface="Times New Roman" panose="02020603050405020304" pitchFamily="18" charset="0"/>
               </a:rPr>
@@ -24808,13 +26001,13 @@
           </a:p>
           <a:p>
             <a:r>
-              <a:rPr lang="en-US" dirty="0">
+              <a:rPr lang="en-US" sz="2800" dirty="0">
                 <a:latin typeface="Times New Roman" panose="02020603050405020304" pitchFamily="18" charset="0"/>
                 <a:cs typeface="Times New Roman" panose="02020603050405020304" pitchFamily="18" charset="0"/>
               </a:rPr>
               <a:t>Why long-term dependencies?</a:t>
             </a:r>
-            <a:endParaRPr lang="en-US" dirty="0" smtClean="0">
+            <a:endParaRPr lang="en-US" sz="2800" dirty="0" smtClean="0">
               <a:latin typeface="Times New Roman" panose="02020603050405020304" pitchFamily="18" charset="0"/>
               <a:cs typeface="Times New Roman" panose="02020603050405020304" pitchFamily="18" charset="0"/>
             </a:endParaRPr>
@@ -24822,7 +26015,7 @@
           <a:p>
             <a:pPr lvl="1"/>
             <a:r>
-              <a:rPr lang="en-US" dirty="0" smtClean="0">
+              <a:rPr lang="en-US" sz="2400" dirty="0" smtClean="0">
                 <a:latin typeface="Times New Roman" panose="02020603050405020304" pitchFamily="18" charset="0"/>
                 <a:cs typeface="Times New Roman" panose="02020603050405020304" pitchFamily="18" charset="0"/>
               </a:rPr>
@@ -24831,7 +26024,7 @@
           </a:p>
           <a:p>
             <a:r>
-              <a:rPr lang="en-US" dirty="0" smtClean="0">
+              <a:rPr lang="en-US" sz="2800" dirty="0" smtClean="0">
                 <a:latin typeface="Times New Roman" panose="02020603050405020304" pitchFamily="18" charset="0"/>
                 <a:cs typeface="Times New Roman" panose="02020603050405020304" pitchFamily="18" charset="0"/>
               </a:rPr>
@@ -24841,12 +26034,16 @@
           <a:p>
             <a:pPr lvl="1"/>
             <a:r>
-              <a:rPr lang="en-US" dirty="0" smtClean="0">
+              <a:rPr lang="en-US" sz="2400" dirty="0" smtClean="0">
                 <a:latin typeface="Times New Roman" panose="02020603050405020304" pitchFamily="18" charset="0"/>
                 <a:cs typeface="Times New Roman" panose="02020603050405020304" pitchFamily="18" charset="0"/>
               </a:rPr>
               <a:t>Predict next word based on the previous words</a:t>
             </a:r>
+            <a:endParaRPr lang="en-US" dirty="0" smtClean="0">
+              <a:latin typeface="Times New Roman" panose="02020603050405020304" pitchFamily="18" charset="0"/>
+              <a:cs typeface="Times New Roman" panose="02020603050405020304" pitchFamily="18" charset="0"/>
+            </a:endParaRPr>
           </a:p>
         </p:txBody>
       </p:sp>
@@ -24872,7 +26069,7 @@
         </p:blipFill>
         <p:spPr>
           <a:xfrm>
-            <a:off x="3907627" y="3819493"/>
+            <a:off x="3907628" y="4400550"/>
             <a:ext cx="5172075" cy="2409825"/>
           </a:xfrm>
           <a:prstGeom prst="rect">
@@ -24888,8 +26085,8 @@
         </p:nvSpPr>
         <p:spPr>
           <a:xfrm>
-            <a:off x="8699500" y="3695399"/>
-            <a:ext cx="2758269" cy="369332"/>
+            <a:off x="8267700" y="3949399"/>
+            <a:ext cx="3302000" cy="461665"/>
           </a:xfrm>
           <a:prstGeom prst="rect">
             <a:avLst/>
@@ -24903,7 +26100,7 @@
           <a:lstStyle/>
           <a:p>
             <a:r>
-              <a:rPr lang="en-US" dirty="0" smtClean="0">
+              <a:rPr lang="en-US" sz="2400" dirty="0" smtClean="0">
                 <a:solidFill>
                   <a:srgbClr val="0066FF"/>
                 </a:solidFill>
@@ -24912,7 +26109,7 @@
               </a:rPr>
               <a:t>The clouds are in the sky</a:t>
             </a:r>
-            <a:endParaRPr lang="en-US" dirty="0">
+            <a:endParaRPr lang="en-US" sz="2400" dirty="0">
               <a:solidFill>
                 <a:srgbClr val="0066FF"/>
               </a:solidFill>
@@ -25374,7 +26571,7 @@
         </p:blipFill>
         <p:spPr>
           <a:xfrm>
-            <a:off x="3259926" y="3808967"/>
+            <a:off x="3259926" y="4240767"/>
             <a:ext cx="6467475" cy="2333625"/>
           </a:xfrm>
           <a:prstGeom prst="rect">
@@ -25630,14 +26827,14 @@
           </a:lstStyle>
           <a:p>
             <a:r>
-              <a:rPr lang="en-US" dirty="0" smtClean="0">
+              <a:rPr lang="en-US" sz="2800" dirty="0" smtClean="0">
                 <a:latin typeface="Times New Roman" panose="02020603050405020304" pitchFamily="18" charset="0"/>
                 <a:cs typeface="Times New Roman" panose="02020603050405020304" pitchFamily="18" charset="0"/>
               </a:rPr>
               <a:t>What if we want to predict the next word in a </a:t>
             </a:r>
             <a:r>
-              <a:rPr lang="en-US" dirty="0" smtClean="0">
+              <a:rPr lang="en-US" sz="2800" dirty="0" smtClean="0">
                 <a:solidFill>
                   <a:srgbClr val="33CC33"/>
                 </a:solidFill>
@@ -25647,7 +26844,7 @@
               <a:t>long sentence</a:t>
             </a:r>
             <a:r>
-              <a:rPr lang="en-US" dirty="0" smtClean="0">
+              <a:rPr lang="en-US" sz="2800" dirty="0" smtClean="0">
                 <a:latin typeface="Times New Roman" panose="02020603050405020304" pitchFamily="18" charset="0"/>
                 <a:cs typeface="Times New Roman" panose="02020603050405020304" pitchFamily="18" charset="0"/>
               </a:rPr>
@@ -25656,14 +26853,14 @@
           </a:p>
           <a:p>
             <a:r>
-              <a:rPr lang="en-US" dirty="0" smtClean="0">
+              <a:rPr lang="en-US" sz="2800" dirty="0" smtClean="0">
                 <a:latin typeface="Times New Roman" panose="02020603050405020304" pitchFamily="18" charset="0"/>
                 <a:cs typeface="Times New Roman" panose="02020603050405020304" pitchFamily="18" charset="0"/>
               </a:rPr>
               <a:t>Do we know which </a:t>
             </a:r>
             <a:r>
-              <a:rPr lang="en-US" dirty="0" smtClean="0">
+              <a:rPr lang="en-US" sz="2800" dirty="0" smtClean="0">
                 <a:solidFill>
                   <a:srgbClr val="33CC33"/>
                 </a:solidFill>
@@ -25673,14 +26870,14 @@
               <a:t>past information </a:t>
             </a:r>
             <a:r>
-              <a:rPr lang="en-US" dirty="0" smtClean="0">
+              <a:rPr lang="en-US" sz="2800" dirty="0" smtClean="0">
                 <a:latin typeface="Times New Roman" panose="02020603050405020304" pitchFamily="18" charset="0"/>
                 <a:cs typeface="Times New Roman" panose="02020603050405020304" pitchFamily="18" charset="0"/>
               </a:rPr>
               <a:t>is helpful to predict the </a:t>
             </a:r>
             <a:r>
-              <a:rPr lang="en-US" dirty="0" smtClean="0">
+              <a:rPr lang="en-US" sz="2800" dirty="0" smtClean="0">
                 <a:solidFill>
                   <a:srgbClr val="33CC33"/>
                 </a:solidFill>
@@ -25690,7 +26887,7 @@
               <a:t>next word</a:t>
             </a:r>
             <a:r>
-              <a:rPr lang="en-US" dirty="0" smtClean="0">
+              <a:rPr lang="en-US" sz="2800" dirty="0" smtClean="0">
                 <a:latin typeface="Times New Roman" panose="02020603050405020304" pitchFamily="18" charset="0"/>
                 <a:cs typeface="Times New Roman" panose="02020603050405020304" pitchFamily="18" charset="0"/>
               </a:rPr>
@@ -25699,14 +26896,14 @@
           </a:p>
           <a:p>
             <a:r>
-              <a:rPr lang="en-US" dirty="0" smtClean="0">
+              <a:rPr lang="en-US" sz="2800" dirty="0" smtClean="0">
                 <a:latin typeface="Times New Roman" panose="02020603050405020304" pitchFamily="18" charset="0"/>
                 <a:cs typeface="Times New Roman" panose="02020603050405020304" pitchFamily="18" charset="0"/>
               </a:rPr>
               <a:t>In theory, RNNs are capable of handling </a:t>
             </a:r>
             <a:r>
-              <a:rPr lang="en-US" dirty="0" smtClean="0">
+              <a:rPr lang="en-US" sz="2800" dirty="0" smtClean="0">
                 <a:solidFill>
                   <a:srgbClr val="33CC33"/>
                 </a:solidFill>
@@ -25716,7 +26913,7 @@
               <a:t>long-term dependencies</a:t>
             </a:r>
             <a:r>
-              <a:rPr lang="en-US" dirty="0" smtClean="0">
+              <a:rPr lang="en-US" sz="2800" dirty="0" smtClean="0">
                 <a:latin typeface="Times New Roman" panose="02020603050405020304" pitchFamily="18" charset="0"/>
                 <a:cs typeface="Times New Roman" panose="02020603050405020304" pitchFamily="18" charset="0"/>
               </a:rPr>
@@ -25725,14 +26922,14 @@
           </a:p>
           <a:p>
             <a:r>
-              <a:rPr lang="en-US" dirty="0" smtClean="0">
+              <a:rPr lang="en-US" sz="2800" dirty="0" smtClean="0">
                 <a:latin typeface="Times New Roman" panose="02020603050405020304" pitchFamily="18" charset="0"/>
                 <a:cs typeface="Times New Roman" panose="02020603050405020304" pitchFamily="18" charset="0"/>
               </a:rPr>
               <a:t>But in practice, </a:t>
             </a:r>
             <a:r>
-              <a:rPr lang="en-US" dirty="0" smtClean="0">
+              <a:rPr lang="en-US" sz="2800" dirty="0" smtClean="0">
                 <a:solidFill>
                   <a:srgbClr val="FF0000"/>
                 </a:solidFill>
@@ -25742,7 +26939,7 @@
               <a:t>they are not</a:t>
             </a:r>
             <a:r>
-              <a:rPr lang="en-US" dirty="0" smtClean="0">
+              <a:rPr lang="en-US" sz="2800" dirty="0" smtClean="0">
                 <a:latin typeface="Times New Roman" panose="02020603050405020304" pitchFamily="18" charset="0"/>
                 <a:cs typeface="Times New Roman" panose="02020603050405020304" pitchFamily="18" charset="0"/>
               </a:rPr>
@@ -26372,7 +27569,24 @@
                 <a:latin typeface="Times New Roman" panose="02020603050405020304" pitchFamily="18" charset="0"/>
                 <a:cs typeface="Times New Roman" panose="02020603050405020304" pitchFamily="18" charset="0"/>
               </a:rPr>
-              <a:t>A special type of recurrent neural networks.</a:t>
+              <a:t>A </a:t>
+            </a:r>
+            <a:r>
+              <a:rPr lang="en-US" sz="2800" i="1" dirty="0" smtClean="0">
+                <a:solidFill>
+                  <a:schemeClr val="accent1"/>
+                </a:solidFill>
+                <a:latin typeface="Times New Roman" panose="02020603050405020304" pitchFamily="18" charset="0"/>
+                <a:cs typeface="Times New Roman" panose="02020603050405020304" pitchFamily="18" charset="0"/>
+              </a:rPr>
+              <a:t>special type</a:t>
+            </a:r>
+            <a:r>
+              <a:rPr lang="en-US" sz="2800" dirty="0" smtClean="0">
+                <a:latin typeface="Times New Roman" panose="02020603050405020304" pitchFamily="18" charset="0"/>
+                <a:cs typeface="Times New Roman" panose="02020603050405020304" pitchFamily="18" charset="0"/>
+              </a:rPr>
+              <a:t> of recurrent neural networks.</a:t>
             </a:r>
           </a:p>
           <a:p>
@@ -27032,18 +28246,19 @@
                 <a:latin typeface="Times New Roman" panose="02020603050405020304" pitchFamily="18" charset="0"/>
                 <a:cs typeface="Times New Roman" panose="02020603050405020304" pitchFamily="18" charset="0"/>
               </a:rPr>
-              <a:t>Key to LSTMs is the cell state</a:t>
-            </a:r>
-          </a:p>
-          <a:p>
-            <a:pPr lvl="1"/>
+              <a:t>Key to LSTMs is the </a:t>
+            </a:r>
             <a:r>
               <a:rPr lang="en-US" dirty="0" smtClean="0">
                 <a:latin typeface="Times New Roman" panose="02020603050405020304" pitchFamily="18" charset="0"/>
                 <a:cs typeface="Times New Roman" panose="02020603050405020304" pitchFamily="18" charset="0"/>
               </a:rPr>
-              <a:t>The horizontal line running through the top of the diagram</a:t>
-            </a:r>
+              <a:t>memory cell state</a:t>
+            </a:r>
+            <a:endParaRPr lang="en-US" dirty="0" smtClean="0">
+              <a:latin typeface="Times New Roman" panose="02020603050405020304" pitchFamily="18" charset="0"/>
+              <a:cs typeface="Times New Roman" panose="02020603050405020304" pitchFamily="18" charset="0"/>
+            </a:endParaRPr>
           </a:p>
           <a:p>
             <a:r>
@@ -27355,37 +28570,6 @@
                                           </p:stCondLst>
                                         </p:cTn>
                                         <p:tgtEl>
-                                          <p:spTgt spid="9">
-                                            <p:txEl>
-                                              <p:pRg st="1" end="1"/>
-                                            </p:txEl>
-                                          </p:spTgt>
-                                        </p:tgtEl>
-                                        <p:attrNameLst>
-                                          <p:attrName>style.visibility</p:attrName>
-                                        </p:attrNameLst>
-                                      </p:cBhvr>
-                                      <p:to>
-                                        <p:strVal val="visible"/>
-                                      </p:to>
-                                    </p:set>
-                                  </p:childTnLst>
-                                </p:cTn>
-                              </p:par>
-                              <p:par>
-                                <p:cTn id="9" presetID="1" presetClass="entr" presetSubtype="0" fill="hold" nodeType="withEffect">
-                                  <p:stCondLst>
-                                    <p:cond delay="0"/>
-                                  </p:stCondLst>
-                                  <p:childTnLst>
-                                    <p:set>
-                                      <p:cBhvr>
-                                        <p:cTn id="10" dur="1" fill="hold">
-                                          <p:stCondLst>
-                                            <p:cond delay="0"/>
-                                          </p:stCondLst>
-                                        </p:cTn>
-                                        <p:tgtEl>
                                           <p:spTgt spid="3"/>
                                         </p:tgtEl>
                                         <p:attrNameLst>
@@ -27406,26 +28590,75 @@
                     </p:cTn>
                   </p:par>
                   <p:par>
-                    <p:cTn id="11" fill="hold">
+                    <p:cTn id="9" fill="hold">
                       <p:stCondLst>
                         <p:cond delay="indefinite"/>
                       </p:stCondLst>
                       <p:childTnLst>
                         <p:par>
-                          <p:cTn id="12" fill="hold">
+                          <p:cTn id="10" fill="hold">
                             <p:stCondLst>
                               <p:cond delay="0"/>
                             </p:stCondLst>
                             <p:childTnLst>
                               <p:par>
-                                <p:cTn id="13" presetID="1" presetClass="entr" presetSubtype="0" fill="hold" nodeType="clickEffect">
+                                <p:cTn id="11" presetID="1" presetClass="entr" presetSubtype="0" fill="hold" nodeType="clickEffect">
                                   <p:stCondLst>
                                     <p:cond delay="0"/>
                                   </p:stCondLst>
                                   <p:childTnLst>
                                     <p:set>
                                       <p:cBhvr>
-                                        <p:cTn id="14" dur="1" fill="hold">
+                                        <p:cTn id="12" dur="1" fill="hold">
+                                          <p:stCondLst>
+                                            <p:cond delay="0"/>
+                                          </p:stCondLst>
+                                        </p:cTn>
+                                        <p:tgtEl>
+                                          <p:spTgt spid="9">
+                                            <p:txEl>
+                                              <p:pRg st="1" end="1"/>
+                                            </p:txEl>
+                                          </p:spTgt>
+                                        </p:tgtEl>
+                                        <p:attrNameLst>
+                                          <p:attrName>style.visibility</p:attrName>
+                                        </p:attrNameLst>
+                                      </p:cBhvr>
+                                      <p:to>
+                                        <p:strVal val="visible"/>
+                                      </p:to>
+                                    </p:set>
+                                  </p:childTnLst>
+                                </p:cTn>
+                              </p:par>
+                            </p:childTnLst>
+                          </p:cTn>
+                        </p:par>
+                      </p:childTnLst>
+                    </p:cTn>
+                  </p:par>
+                  <p:par>
+                    <p:cTn id="13" fill="hold">
+                      <p:stCondLst>
+                        <p:cond delay="indefinite"/>
+                      </p:stCondLst>
+                      <p:childTnLst>
+                        <p:par>
+                          <p:cTn id="14" fill="hold">
+                            <p:stCondLst>
+                              <p:cond delay="0"/>
+                            </p:stCondLst>
+                            <p:childTnLst>
+                              <p:par>
+                                <p:cTn id="15" presetID="1" presetClass="entr" presetSubtype="0" fill="hold" nodeType="clickEffect">
+                                  <p:stCondLst>
+                                    <p:cond delay="0"/>
+                                  </p:stCondLst>
+                                  <p:childTnLst>
+                                    <p:set>
+                                      <p:cBhvr>
+                                        <p:cTn id="16" dur="1" fill="hold">
                                           <p:stCondLst>
                                             <p:cond delay="0"/>
                                           </p:stCondLst>
@@ -27448,26 +28681,8 @@
                                   </p:childTnLst>
                                 </p:cTn>
                               </p:par>
-                            </p:childTnLst>
-                          </p:cTn>
-                        </p:par>
-                      </p:childTnLst>
-                    </p:cTn>
-                  </p:par>
-                  <p:par>
-                    <p:cTn id="15" fill="hold">
-                      <p:stCondLst>
-                        <p:cond delay="indefinite"/>
-                      </p:stCondLst>
-                      <p:childTnLst>
-                        <p:par>
-                          <p:cTn id="16" fill="hold">
-                            <p:stCondLst>
-                              <p:cond delay="0"/>
-                            </p:stCondLst>
-                            <p:childTnLst>
                               <p:par>
-                                <p:cTn id="17" presetID="1" presetClass="entr" presetSubtype="0" fill="hold" nodeType="clickEffect">
+                                <p:cTn id="17" presetID="1" presetClass="entr" presetSubtype="0" fill="hold" nodeType="withEffect">
                                   <p:stCondLst>
                                     <p:cond delay="0"/>
                                   </p:stCondLst>
@@ -27475,37 +28690,6 @@
                                     <p:set>
                                       <p:cBhvr>
                                         <p:cTn id="18" dur="1" fill="hold">
-                                          <p:stCondLst>
-                                            <p:cond delay="0"/>
-                                          </p:stCondLst>
-                                        </p:cTn>
-                                        <p:tgtEl>
-                                          <p:spTgt spid="9">
-                                            <p:txEl>
-                                              <p:pRg st="3" end="3"/>
-                                            </p:txEl>
-                                          </p:spTgt>
-                                        </p:tgtEl>
-                                        <p:attrNameLst>
-                                          <p:attrName>style.visibility</p:attrName>
-                                        </p:attrNameLst>
-                                      </p:cBhvr>
-                                      <p:to>
-                                        <p:strVal val="visible"/>
-                                      </p:to>
-                                    </p:set>
-                                  </p:childTnLst>
-                                </p:cTn>
-                              </p:par>
-                              <p:par>
-                                <p:cTn id="19" presetID="1" presetClass="entr" presetSubtype="0" fill="hold" nodeType="withEffect">
-                                  <p:stCondLst>
-                                    <p:cond delay="0"/>
-                                  </p:stCondLst>
-                                  <p:childTnLst>
-                                    <p:set>
-                                      <p:cBhvr>
-                                        <p:cTn id="20" dur="1" fill="hold">
                                           <p:stCondLst>
                                             <p:cond delay="0"/>
                                           </p:stCondLst>
@@ -27531,26 +28715,26 @@
                     </p:cTn>
                   </p:par>
                   <p:par>
-                    <p:cTn id="21" fill="hold">
+                    <p:cTn id="19" fill="hold">
                       <p:stCondLst>
                         <p:cond delay="indefinite"/>
                       </p:stCondLst>
                       <p:childTnLst>
                         <p:par>
-                          <p:cTn id="22" fill="hold">
+                          <p:cTn id="20" fill="hold">
                             <p:stCondLst>
                               <p:cond delay="0"/>
                             </p:stCondLst>
                             <p:childTnLst>
                               <p:par>
-                                <p:cTn id="23" presetID="1" presetClass="entr" presetSubtype="0" fill="hold" grpId="0" nodeType="clickEffect">
+                                <p:cTn id="21" presetID="1" presetClass="entr" presetSubtype="0" fill="hold" grpId="0" nodeType="clickEffect">
                                   <p:stCondLst>
                                     <p:cond delay="0"/>
                                   </p:stCondLst>
                                   <p:childTnLst>
                                     <p:set>
                                       <p:cBhvr>
-                                        <p:cTn id="24" dur="1" fill="hold">
+                                        <p:cTn id="22" dur="1" fill="hold">
                                           <p:stCondLst>
                                             <p:cond delay="0"/>
                                           </p:stCondLst>
@@ -27570,14 +28754,14 @@
                                 </p:cTn>
                               </p:par>
                               <p:par>
-                                <p:cTn id="25" presetID="53" presetClass="entr" presetSubtype="16" fill="hold" nodeType="withEffect">
+                                <p:cTn id="23" presetID="53" presetClass="entr" presetSubtype="16" fill="hold" nodeType="withEffect">
                                   <p:stCondLst>
                                     <p:cond delay="0"/>
                                   </p:stCondLst>
                                   <p:childTnLst>
                                     <p:set>
                                       <p:cBhvr>
-                                        <p:cTn id="26" dur="1" fill="hold">
+                                        <p:cTn id="24" dur="1" fill="hold">
                                           <p:stCondLst>
                                             <p:cond delay="0"/>
                                           </p:stCondLst>
@@ -27595,7 +28779,7 @@
                                     </p:set>
                                     <p:anim calcmode="lin" valueType="num">
                                       <p:cBhvr>
-                                        <p:cTn id="27" dur="1000" fill="hold"/>
+                                        <p:cTn id="25" dur="1000" fill="hold"/>
                                         <p:tgtEl>
                                           <p:spTgt spid="10"/>
                                         </p:tgtEl>
@@ -27618,7 +28802,7 @@
                                     </p:anim>
                                     <p:anim calcmode="lin" valueType="num">
                                       <p:cBhvr>
-                                        <p:cTn id="28" dur="1000" fill="hold"/>
+                                        <p:cTn id="26" dur="1000" fill="hold"/>
                                         <p:tgtEl>
                                           <p:spTgt spid="10"/>
                                         </p:tgtEl>
@@ -27641,7 +28825,7 @@
                                     </p:anim>
                                     <p:animEffect transition="in" filter="fade">
                                       <p:cBhvr>
-                                        <p:cTn id="29" dur="1000"/>
+                                        <p:cTn id="27" dur="1000"/>
                                         <p:tgtEl>
                                           <p:spTgt spid="10"/>
                                         </p:tgtEl>
@@ -27657,26 +28841,26 @@
                     </p:cTn>
                   </p:par>
                   <p:par>
-                    <p:cTn id="30" fill="hold">
+                    <p:cTn id="28" fill="hold">
                       <p:stCondLst>
                         <p:cond delay="indefinite"/>
                       </p:stCondLst>
                       <p:childTnLst>
                         <p:par>
-                          <p:cTn id="31" fill="hold">
+                          <p:cTn id="29" fill="hold">
                             <p:stCondLst>
                               <p:cond delay="0"/>
                             </p:stCondLst>
                             <p:childTnLst>
                               <p:par>
-                                <p:cTn id="32" presetID="1" presetClass="entr" presetSubtype="0" fill="hold" grpId="0" nodeType="clickEffect">
+                                <p:cTn id="30" presetID="1" presetClass="entr" presetSubtype="0" fill="hold" grpId="0" nodeType="clickEffect">
                                   <p:stCondLst>
                                     <p:cond delay="0"/>
                                   </p:stCondLst>
                                   <p:childTnLst>
                                     <p:set>
                                       <p:cBhvr>
-                                        <p:cTn id="33" dur="1" fill="hold">
+                                        <p:cTn id="31" dur="1" fill="hold">
                                           <p:stCondLst>
                                             <p:cond delay="0"/>
                                           </p:stCondLst>
@@ -27696,14 +28880,14 @@
                                 </p:cTn>
                               </p:par>
                               <p:par>
-                                <p:cTn id="34" presetID="53" presetClass="entr" presetSubtype="16" fill="hold" nodeType="withEffect">
+                                <p:cTn id="32" presetID="53" presetClass="entr" presetSubtype="16" fill="hold" nodeType="withEffect">
                                   <p:stCondLst>
                                     <p:cond delay="0"/>
                                   </p:stCondLst>
                                   <p:childTnLst>
                                     <p:set>
                                       <p:cBhvr>
-                                        <p:cTn id="35" dur="1" fill="hold">
+                                        <p:cTn id="33" dur="1" fill="hold">
                                           <p:stCondLst>
                                             <p:cond delay="0"/>
                                           </p:stCondLst>
@@ -27721,7 +28905,7 @@
                                     </p:set>
                                     <p:anim calcmode="lin" valueType="num">
                                       <p:cBhvr>
-                                        <p:cTn id="36" dur="1000" fill="hold"/>
+                                        <p:cTn id="34" dur="1000" fill="hold"/>
                                         <p:tgtEl>
                                           <p:spTgt spid="16"/>
                                         </p:tgtEl>
@@ -27744,7 +28928,7 @@
                                     </p:anim>
                                     <p:anim calcmode="lin" valueType="num">
                                       <p:cBhvr>
-                                        <p:cTn id="37" dur="1000" fill="hold"/>
+                                        <p:cTn id="35" dur="1000" fill="hold"/>
                                         <p:tgtEl>
                                           <p:spTgt spid="16"/>
                                         </p:tgtEl>
@@ -27767,7 +28951,7 @@
                                     </p:anim>
                                     <p:animEffect transition="in" filter="fade">
                                       <p:cBhvr>
-                                        <p:cTn id="38" dur="1000"/>
+                                        <p:cTn id="36" dur="1000"/>
                                         <p:tgtEl>
                                           <p:spTgt spid="16"/>
                                         </p:tgtEl>
@@ -27783,26 +28967,26 @@
                     </p:cTn>
                   </p:par>
                   <p:par>
-                    <p:cTn id="39" fill="hold">
+                    <p:cTn id="37" fill="hold">
                       <p:stCondLst>
                         <p:cond delay="indefinite"/>
                       </p:stCondLst>
                       <p:childTnLst>
                         <p:par>
-                          <p:cTn id="40" fill="hold">
+                          <p:cTn id="38" fill="hold">
                             <p:stCondLst>
                               <p:cond delay="0"/>
                             </p:stCondLst>
                             <p:childTnLst>
                               <p:par>
-                                <p:cTn id="41" presetID="1" presetClass="entr" presetSubtype="0" fill="hold" nodeType="clickEffect">
+                                <p:cTn id="39" presetID="1" presetClass="entr" presetSubtype="0" fill="hold" nodeType="clickEffect">
                                   <p:stCondLst>
                                     <p:cond delay="0"/>
                                   </p:stCondLst>
                                   <p:childTnLst>
                                     <p:set>
                                       <p:cBhvr>
-                                        <p:cTn id="42" dur="1" fill="hold">
+                                        <p:cTn id="40" dur="1" fill="hold">
                                           <p:stCondLst>
                                             <p:cond delay="0"/>
                                           </p:stCondLst>
@@ -27810,7 +28994,7 @@
                                         <p:tgtEl>
                                           <p:spTgt spid="9">
                                             <p:txEl>
-                                              <p:pRg st="4" end="4"/>
+                                              <p:pRg st="3" end="3"/>
                                             </p:txEl>
                                           </p:spTgt>
                                         </p:tgtEl>
@@ -35408,6 +36592,13 @@
   <p:clrMapOvr>
     <a:masterClrMapping/>
   </p:clrMapOvr>
+  <p:timing>
+    <p:tnLst>
+      <p:par>
+        <p:cTn id="1" dur="indefinite" restart="never" nodeType="tmRoot"/>
+      </p:par>
+    </p:tnLst>
+  </p:timing>
 </p:sld>
 </file>
 
@@ -35570,9 +36761,126 @@
   <p:timing>
     <p:tnLst>
       <p:par>
-        <p:cTn id="1" dur="indefinite" restart="never" nodeType="tmRoot"/>
+        <p:cTn id="1" dur="indefinite" restart="never" nodeType="tmRoot">
+          <p:childTnLst>
+            <p:seq concurrent="1" nextAc="seek">
+              <p:cTn id="2" dur="indefinite" nodeType="mainSeq">
+                <p:childTnLst>
+                  <p:par>
+                    <p:cTn id="3" fill="hold">
+                      <p:stCondLst>
+                        <p:cond delay="indefinite"/>
+                      </p:stCondLst>
+                      <p:childTnLst>
+                        <p:par>
+                          <p:cTn id="4" fill="hold">
+                            <p:stCondLst>
+                              <p:cond delay="0"/>
+                            </p:stCondLst>
+                            <p:childTnLst>
+                              <p:par>
+                                <p:cTn id="5" presetID="1" presetClass="entr" presetSubtype="0" fill="hold" grpId="0" nodeType="clickEffect">
+                                  <p:stCondLst>
+                                    <p:cond delay="0"/>
+                                  </p:stCondLst>
+                                  <p:childTnLst>
+                                    <p:set>
+                                      <p:cBhvr>
+                                        <p:cTn id="6" dur="1" fill="hold">
+                                          <p:stCondLst>
+                                            <p:cond delay="0"/>
+                                          </p:stCondLst>
+                                        </p:cTn>
+                                        <p:tgtEl>
+                                          <p:spTgt spid="5"/>
+                                        </p:tgtEl>
+                                        <p:attrNameLst>
+                                          <p:attrName>style.visibility</p:attrName>
+                                        </p:attrNameLst>
+                                      </p:cBhvr>
+                                      <p:to>
+                                        <p:strVal val="visible"/>
+                                      </p:to>
+                                    </p:set>
+                                  </p:childTnLst>
+                                </p:cTn>
+                              </p:par>
+                            </p:childTnLst>
+                          </p:cTn>
+                        </p:par>
+                      </p:childTnLst>
+                    </p:cTn>
+                  </p:par>
+                  <p:par>
+                    <p:cTn id="7" fill="hold">
+                      <p:stCondLst>
+                        <p:cond delay="indefinite"/>
+                      </p:stCondLst>
+                      <p:childTnLst>
+                        <p:par>
+                          <p:cTn id="8" fill="hold">
+                            <p:stCondLst>
+                              <p:cond delay="0"/>
+                            </p:stCondLst>
+                            <p:childTnLst>
+                              <p:par>
+                                <p:cTn id="9" presetID="1" presetClass="entr" presetSubtype="0" fill="hold" grpId="0" nodeType="clickEffect">
+                                  <p:stCondLst>
+                                    <p:cond delay="0"/>
+                                  </p:stCondLst>
+                                  <p:childTnLst>
+                                    <p:set>
+                                      <p:cBhvr>
+                                        <p:cTn id="10" dur="1" fill="hold">
+                                          <p:stCondLst>
+                                            <p:cond delay="0"/>
+                                          </p:stCondLst>
+                                        </p:cTn>
+                                        <p:tgtEl>
+                                          <p:spTgt spid="6"/>
+                                        </p:tgtEl>
+                                        <p:attrNameLst>
+                                          <p:attrName>style.visibility</p:attrName>
+                                        </p:attrNameLst>
+                                      </p:cBhvr>
+                                      <p:to>
+                                        <p:strVal val="visible"/>
+                                      </p:to>
+                                    </p:set>
+                                  </p:childTnLst>
+                                </p:cTn>
+                              </p:par>
+                            </p:childTnLst>
+                          </p:cTn>
+                        </p:par>
+                      </p:childTnLst>
+                    </p:cTn>
+                  </p:par>
+                </p:childTnLst>
+              </p:cTn>
+              <p:prevCondLst>
+                <p:cond evt="onPrev" delay="0">
+                  <p:tgtEl>
+                    <p:sldTgt/>
+                  </p:tgtEl>
+                </p:cond>
+              </p:prevCondLst>
+              <p:nextCondLst>
+                <p:cond evt="onNext" delay="0">
+                  <p:tgtEl>
+                    <p:sldTgt/>
+                  </p:tgtEl>
+                </p:cond>
+              </p:nextCondLst>
+            </p:seq>
+          </p:childTnLst>
+        </p:cTn>
       </p:par>
     </p:tnLst>
+    <p:bldLst>
+      <p:bldP spid="5" grpId="0"/>
+      <p:bldP spid="6" grpId="0"/>
+    </p:bldLst>
   </p:timing>
 </p:sld>
 </file>
@@ -35748,11 +37056,15 @@
             <a:pPr lvl="1"/>
             <a:r>
               <a:rPr lang="en-GB" dirty="0" smtClean="0"/>
-              <a:t>Neural weights: </a:t>
-            </a:r>
-            <a:r>
-              <a:rPr lang="en-GB" b="1" dirty="0" smtClean="0"/>
-              <a:t>A</a:t>
+              <a:t>Neural network </a:t>
+            </a:r>
+            <a:r>
+              <a:rPr lang="en-GB" dirty="0" smtClean="0"/>
+              <a:t>weights: </a:t>
+            </a:r>
+            <a:r>
+              <a:rPr lang="en-GB" b="1" dirty="0"/>
+              <a:t>W</a:t>
             </a:r>
             <a:r>
               <a:rPr lang="en-GB" dirty="0" smtClean="0"/>
@@ -35764,15 +37076,19 @@
             </a:r>
             <a:r>
               <a:rPr lang="en-GB" i="1" baseline="-25000" dirty="0" err="1" smtClean="0"/>
-              <a:t>A</a:t>
+              <a:t>W</a:t>
+            </a:r>
+            <a:r>
+              <a:rPr lang="en-GB" i="1" baseline="-25000" dirty="0" smtClean="0"/>
+              <a:t> </a:t>
             </a:r>
             <a:r>
               <a:rPr lang="en-GB" dirty="0" smtClean="0"/>
               <a:t>, </a:t>
             </a:r>
             <a:r>
-              <a:rPr lang="en-GB" b="1" dirty="0" smtClean="0"/>
-              <a:t>B</a:t>
+              <a:rPr lang="en-GB" b="1" dirty="0"/>
+              <a:t>U</a:t>
             </a:r>
             <a:r>
               <a:rPr lang="en-GB" dirty="0" smtClean="0"/>
@@ -35784,9 +37100,33 @@
             </a:r>
             <a:r>
               <a:rPr lang="en-GB" i="1" baseline="-25000" dirty="0" err="1" smtClean="0"/>
-              <a:t>B</a:t>
-            </a:r>
-            <a:endParaRPr lang="en-GB" i="1" baseline="-25000" dirty="0" smtClean="0"/>
+              <a:t>U</a:t>
+            </a:r>
+            <a:r>
+              <a:rPr lang="en-GB" i="1" baseline="-25000" dirty="0" smtClean="0"/>
+              <a:t> </a:t>
+            </a:r>
+            <a:r>
+              <a:rPr lang="en-GB" dirty="0" smtClean="0"/>
+              <a:t>,</a:t>
+            </a:r>
+            <a:r>
+              <a:rPr lang="en-GB" b="1" dirty="0" smtClean="0"/>
+              <a:t> V</a:t>
+            </a:r>
+            <a:r>
+              <a:rPr lang="en-GB" dirty="0" smtClean="0"/>
+              <a:t>,</a:t>
+            </a:r>
+            <a:r>
+              <a:rPr lang="en-GB" b="1" dirty="0" smtClean="0"/>
+              <a:t> B</a:t>
+            </a:r>
+            <a:r>
+              <a:rPr lang="en-GB" baseline="-25000" dirty="0" smtClean="0"/>
+              <a:t>V</a:t>
+            </a:r>
+            <a:endParaRPr lang="en-GB" baseline="-25000" dirty="0" smtClean="0"/>
           </a:p>
           <a:p>
             <a:r>
@@ -35951,12 +37291,12 @@
             <a:graphicData uri="http://schemas.openxmlformats.org/presentationml/2006/ole">
               <mc:AlternateContent xmlns:mc="http://schemas.openxmlformats.org/markup-compatibility/2006">
                 <mc:Choice xmlns:v="urn:schemas-microsoft-com:vml" Requires="v">
-                  <p:oleObj spid="_x0000_s75849" name="Equation" r:id="rId3" imgW="2869920" imgH="291960" progId="Equation.3">
+                  <p:oleObj spid="_x0000_s75985" name="Equation" r:id="rId4" imgW="2869920" imgH="291960" progId="Equation.3">
                     <p:embed/>
                   </p:oleObj>
                 </mc:Choice>
                 <mc:Fallback>
-                  <p:oleObj name="Equation" r:id="rId3" imgW="2869920" imgH="291960" progId="Equation.3">
+                  <p:oleObj name="Equation" r:id="rId4" imgW="2869920" imgH="291960" progId="Equation.3">
                     <p:embed/>
                     <p:pic>
                       <p:nvPicPr>
@@ -35965,7 +37305,7 @@
                         <p:nvPr/>
                       </p:nvPicPr>
                       <p:blipFill>
-                        <a:blip r:embed="rId4"/>
+                        <a:blip r:embed="rId5"/>
                         <a:stretch>
                           <a:fillRect/>
                         </a:stretch>
@@ -36009,12 +37349,12 @@
           <a:graphicData uri="http://schemas.openxmlformats.org/presentationml/2006/ole">
             <mc:AlternateContent xmlns:mc="http://schemas.openxmlformats.org/markup-compatibility/2006">
               <mc:Choice xmlns:v="urn:schemas-microsoft-com:vml" Requires="v">
-                <p:oleObj spid="_x0000_s75850" name="Equation" r:id="rId5" imgW="1866600" imgH="291960" progId="Equation.3">
+                <p:oleObj spid="_x0000_s75986" name="Equation" r:id="rId6" imgW="1866600" imgH="291960" progId="Equation.3">
                   <p:embed/>
                 </p:oleObj>
               </mc:Choice>
               <mc:Fallback>
-                <p:oleObj name="Equation" r:id="rId5" imgW="1866600" imgH="291960" progId="Equation.3">
+                <p:oleObj name="Equation" r:id="rId6" imgW="1866600" imgH="291960" progId="Equation.3">
                   <p:embed/>
                   <p:pic>
                     <p:nvPicPr>
@@ -36023,7 +37363,7 @@
                       <p:nvPr/>
                     </p:nvPicPr>
                     <p:blipFill>
-                      <a:blip r:embed="rId6"/>
+                      <a:blip r:embed="rId7"/>
                       <a:stretch>
                         <a:fillRect/>
                       </a:stretch>
@@ -36066,12 +37406,12 @@
           <a:graphicData uri="http://schemas.openxmlformats.org/presentationml/2006/ole">
             <mc:AlternateContent xmlns:mc="http://schemas.openxmlformats.org/markup-compatibility/2006">
               <mc:Choice xmlns:v="urn:schemas-microsoft-com:vml" Requires="v">
-                <p:oleObj spid="_x0000_s75851" name="Equation" r:id="rId7" imgW="876240" imgH="393480" progId="Equation.3">
+                <p:oleObj spid="_x0000_s75987" name="Equation" r:id="rId8" imgW="876240" imgH="393480" progId="Equation.3">
                   <p:embed/>
                 </p:oleObj>
               </mc:Choice>
               <mc:Fallback>
-                <p:oleObj name="Equation" r:id="rId7" imgW="876240" imgH="393480" progId="Equation.3">
+                <p:oleObj name="Equation" r:id="rId8" imgW="876240" imgH="393480" progId="Equation.3">
                   <p:embed/>
                   <p:pic>
                     <p:nvPicPr>
@@ -36080,7 +37420,7 @@
                       <p:nvPr/>
                     </p:nvPicPr>
                     <p:blipFill>
-                      <a:blip r:embed="rId8"/>
+                      <a:blip r:embed="rId9"/>
                       <a:stretch>
                         <a:fillRect/>
                       </a:stretch>
@@ -36964,12 +38304,12 @@
             <a:graphicData uri="http://schemas.openxmlformats.org/presentationml/2006/ole">
               <mc:AlternateContent xmlns:mc="http://schemas.openxmlformats.org/markup-compatibility/2006">
                 <mc:Choice xmlns:v="urn:schemas-microsoft-com:vml" Requires="v">
-                  <p:oleObj spid="_x0000_s76896" name="Equation" r:id="rId3" imgW="2869920" imgH="291960" progId="Equation.3">
+                  <p:oleObj spid="_x0000_s77077" name="Equation" r:id="rId4" imgW="2869920" imgH="291960" progId="Equation.3">
                     <p:embed/>
                   </p:oleObj>
                 </mc:Choice>
                 <mc:Fallback>
-                  <p:oleObj name="Equation" r:id="rId3" imgW="2869920" imgH="291960" progId="Equation.3">
+                  <p:oleObj name="Equation" r:id="rId4" imgW="2869920" imgH="291960" progId="Equation.3">
                     <p:embed/>
                     <p:pic>
                       <p:nvPicPr>
@@ -36978,7 +38318,7 @@
                         <p:nvPr/>
                       </p:nvPicPr>
                       <p:blipFill>
-                        <a:blip r:embed="rId4"/>
+                        <a:blip r:embed="rId5"/>
                         <a:stretch>
                           <a:fillRect/>
                         </a:stretch>
@@ -37018,12 +38358,12 @@
           <a:graphicData uri="http://schemas.openxmlformats.org/presentationml/2006/ole">
             <mc:AlternateContent xmlns:mc="http://schemas.openxmlformats.org/markup-compatibility/2006">
               <mc:Choice xmlns:v="urn:schemas-microsoft-com:vml" Requires="v">
-                <p:oleObj spid="_x0000_s76897" name="Equation" r:id="rId5" imgW="1739880" imgH="507960" progId="Equation.3">
+                <p:oleObj spid="_x0000_s77078" name="Equation" r:id="rId6" imgW="1739880" imgH="507960" progId="Equation.3">
                   <p:embed/>
                 </p:oleObj>
               </mc:Choice>
               <mc:Fallback>
-                <p:oleObj name="Equation" r:id="rId5" imgW="1739880" imgH="507960" progId="Equation.3">
+                <p:oleObj name="Equation" r:id="rId6" imgW="1739880" imgH="507960" progId="Equation.3">
                   <p:embed/>
                   <p:pic>
                     <p:nvPicPr>
@@ -37032,7 +38372,7 @@
                       <p:nvPr/>
                     </p:nvPicPr>
                     <p:blipFill>
-                      <a:blip r:embed="rId6"/>
+                      <a:blip r:embed="rId7"/>
                       <a:stretch>
                         <a:fillRect/>
                       </a:stretch>
@@ -37071,12 +38411,12 @@
           <a:graphicData uri="http://schemas.openxmlformats.org/presentationml/2006/ole">
             <mc:AlternateContent xmlns:mc="http://schemas.openxmlformats.org/markup-compatibility/2006">
               <mc:Choice xmlns:v="urn:schemas-microsoft-com:vml" Requires="v">
-                <p:oleObj spid="_x0000_s76898" name="Equation" r:id="rId7" imgW="1752480" imgH="393480" progId="Equation.3">
+                <p:oleObj spid="_x0000_s77079" name="Equation" r:id="rId8" imgW="1752480" imgH="393480" progId="Equation.3">
                   <p:embed/>
                 </p:oleObj>
               </mc:Choice>
               <mc:Fallback>
-                <p:oleObj name="Equation" r:id="rId7" imgW="1752480" imgH="393480" progId="Equation.3">
+                <p:oleObj name="Equation" r:id="rId8" imgW="1752480" imgH="393480" progId="Equation.3">
                   <p:embed/>
                   <p:pic>
                     <p:nvPicPr>
@@ -37085,7 +38425,7 @@
                       <p:nvPr/>
                     </p:nvPicPr>
                     <p:blipFill>
-                      <a:blip r:embed="rId8"/>
+                      <a:blip r:embed="rId9"/>
                       <a:stretch>
                         <a:fillRect/>
                       </a:stretch>
@@ -37245,12 +38585,12 @@
             <a:graphicData uri="http://schemas.openxmlformats.org/presentationml/2006/ole">
               <mc:AlternateContent xmlns:mc="http://schemas.openxmlformats.org/markup-compatibility/2006">
                 <mc:Choice xmlns:v="urn:schemas-microsoft-com:vml" Requires="v">
-                  <p:oleObj spid="_x0000_s76899" name="Equation" r:id="rId9" imgW="2476440" imgH="393480" progId="Equation.3">
+                  <p:oleObj spid="_x0000_s77080" name="Equation" r:id="rId10" imgW="2476440" imgH="393480" progId="Equation.3">
                     <p:embed/>
                   </p:oleObj>
                 </mc:Choice>
                 <mc:Fallback>
-                  <p:oleObj name="Equation" r:id="rId9" imgW="2476440" imgH="393480" progId="Equation.3">
+                  <p:oleObj name="Equation" r:id="rId10" imgW="2476440" imgH="393480" progId="Equation.3">
                     <p:embed/>
                     <p:pic>
                       <p:nvPicPr>
@@ -37259,7 +38599,7 @@
                         <p:nvPr/>
                       </p:nvPicPr>
                       <p:blipFill>
-                        <a:blip r:embed="rId10"/>
+                        <a:blip r:embed="rId11"/>
                         <a:stretch>
                           <a:fillRect/>
                         </a:stretch>
@@ -39638,7 +40978,7 @@
           <a:graphicData uri="http://schemas.openxmlformats.org/presentationml/2006/ole">
             <mc:AlternateContent xmlns:mc="http://schemas.openxmlformats.org/markup-compatibility/2006">
               <mc:Choice xmlns:v="urn:schemas-microsoft-com:vml" Requires="v">
-                <p:oleObj spid="_x0000_s71776" name="Equation" r:id="rId3" imgW="190440" imgH="228600" progId="Equation.3">
+                <p:oleObj spid="_x0000_s71957" name="Equation" r:id="rId3" imgW="190440" imgH="228600" progId="Equation.3">
                   <p:embed/>
                 </p:oleObj>
               </mc:Choice>
@@ -40410,7 +41750,7 @@
             <a:graphicData uri="http://schemas.openxmlformats.org/presentationml/2006/ole">
               <mc:AlternateContent xmlns:mc="http://schemas.openxmlformats.org/markup-compatibility/2006">
                 <mc:Choice xmlns:v="urn:schemas-microsoft-com:vml" Requires="v">
-                  <p:oleObj spid="_x0000_s71777" name="Equation" r:id="rId5" imgW="164880" imgH="228600" progId="Equation.3">
+                  <p:oleObj spid="_x0000_s71958" name="Equation" r:id="rId5" imgW="164880" imgH="228600" progId="Equation.3">
                     <p:embed/>
                   </p:oleObj>
                 </mc:Choice>
@@ -41186,7 +42526,7 @@
             <a:graphicData uri="http://schemas.openxmlformats.org/presentationml/2006/ole">
               <mc:AlternateContent xmlns:mc="http://schemas.openxmlformats.org/markup-compatibility/2006">
                 <mc:Choice xmlns:v="urn:schemas-microsoft-com:vml" Requires="v">
-                  <p:oleObj spid="_x0000_s71778" name="Equation" r:id="rId7" imgW="342720" imgH="241200" progId="Equation.3">
+                  <p:oleObj spid="_x0000_s71959" name="Equation" r:id="rId7" imgW="342720" imgH="241200" progId="Equation.3">
                     <p:embed/>
                   </p:oleObj>
                 </mc:Choice>
@@ -42191,7 +43531,7 @@
             <a:graphicData uri="http://schemas.openxmlformats.org/presentationml/2006/ole">
               <mc:AlternateContent xmlns:mc="http://schemas.openxmlformats.org/markup-compatibility/2006">
                 <mc:Choice xmlns:v="urn:schemas-microsoft-com:vml" Requires="v">
-                  <p:oleObj spid="_x0000_s71779" name="Equation" r:id="rId9" imgW="152280" imgH="228600" progId="Equation.3">
+                  <p:oleObj spid="_x0000_s71960" name="Equation" r:id="rId9" imgW="152280" imgH="228600" progId="Equation.3">
                     <p:embed/>
                   </p:oleObj>
                 </mc:Choice>

--- a/neural_lm_0928.pptx
+++ b/neural_lm_0928.pptx
@@ -235,7 +235,7 @@
           <a:p>
             <a:fld id="{1527065D-CFE8-E24C-A215-C0B70AB19EDA}" type="datetimeFigureOut">
               <a:rPr lang="en-US" smtClean="0"/>
-              <a:t>9/28/18</a:t>
+              <a:t>10/9/18</a:t>
             </a:fld>
             <a:endParaRPr lang="en-US"/>
           </a:p>
@@ -3149,7 +3149,7 @@
           <a:p>
             <a:fld id="{60FA8735-98C6-1A46-B17C-DAA0904BFDD3}" type="datetimeFigureOut">
               <a:rPr lang="en-US" smtClean="0"/>
-              <a:t>9/28/18</a:t>
+              <a:t>10/9/18</a:t>
             </a:fld>
             <a:endParaRPr lang="en-US"/>
           </a:p>
@@ -3319,7 +3319,7 @@
           <a:p>
             <a:fld id="{60FA8735-98C6-1A46-B17C-DAA0904BFDD3}" type="datetimeFigureOut">
               <a:rPr lang="en-US" smtClean="0"/>
-              <a:t>9/28/18</a:t>
+              <a:t>10/9/18</a:t>
             </a:fld>
             <a:endParaRPr lang="en-US"/>
           </a:p>
@@ -3499,7 +3499,7 @@
           <a:p>
             <a:fld id="{60FA8735-98C6-1A46-B17C-DAA0904BFDD3}" type="datetimeFigureOut">
               <a:rPr lang="en-US" smtClean="0"/>
-              <a:t>9/28/18</a:t>
+              <a:t>10/9/18</a:t>
             </a:fld>
             <a:endParaRPr lang="en-US"/>
           </a:p>
@@ -3669,7 +3669,7 @@
           <a:p>
             <a:fld id="{60FA8735-98C6-1A46-B17C-DAA0904BFDD3}" type="datetimeFigureOut">
               <a:rPr lang="en-US" smtClean="0"/>
-              <a:t>9/28/18</a:t>
+              <a:t>10/9/18</a:t>
             </a:fld>
             <a:endParaRPr lang="en-US"/>
           </a:p>
@@ -3915,7 +3915,7 @@
           <a:p>
             <a:fld id="{60FA8735-98C6-1A46-B17C-DAA0904BFDD3}" type="datetimeFigureOut">
               <a:rPr lang="en-US" smtClean="0"/>
-              <a:t>9/28/18</a:t>
+              <a:t>10/9/18</a:t>
             </a:fld>
             <a:endParaRPr lang="en-US"/>
           </a:p>
@@ -4147,7 +4147,7 @@
           <a:p>
             <a:fld id="{60FA8735-98C6-1A46-B17C-DAA0904BFDD3}" type="datetimeFigureOut">
               <a:rPr lang="en-US" smtClean="0"/>
-              <a:t>9/28/18</a:t>
+              <a:t>10/9/18</a:t>
             </a:fld>
             <a:endParaRPr lang="en-US"/>
           </a:p>
@@ -4514,7 +4514,7 @@
           <a:p>
             <a:fld id="{60FA8735-98C6-1A46-B17C-DAA0904BFDD3}" type="datetimeFigureOut">
               <a:rPr lang="en-US" smtClean="0"/>
-              <a:t>9/28/18</a:t>
+              <a:t>10/9/18</a:t>
             </a:fld>
             <a:endParaRPr lang="en-US"/>
           </a:p>
@@ -4632,7 +4632,7 @@
           <a:p>
             <a:fld id="{60FA8735-98C6-1A46-B17C-DAA0904BFDD3}" type="datetimeFigureOut">
               <a:rPr lang="en-US" smtClean="0"/>
-              <a:t>9/28/18</a:t>
+              <a:t>10/9/18</a:t>
             </a:fld>
             <a:endParaRPr lang="en-US"/>
           </a:p>
@@ -4727,7 +4727,7 @@
           <a:p>
             <a:fld id="{60FA8735-98C6-1A46-B17C-DAA0904BFDD3}" type="datetimeFigureOut">
               <a:rPr lang="en-US" smtClean="0"/>
-              <a:t>9/28/18</a:t>
+              <a:t>10/9/18</a:t>
             </a:fld>
             <a:endParaRPr lang="en-US"/>
           </a:p>
@@ -5004,7 +5004,7 @@
           <a:p>
             <a:fld id="{60FA8735-98C6-1A46-B17C-DAA0904BFDD3}" type="datetimeFigureOut">
               <a:rPr lang="en-US" smtClean="0"/>
-              <a:t>9/28/18</a:t>
+              <a:t>10/9/18</a:t>
             </a:fld>
             <a:endParaRPr lang="en-US"/>
           </a:p>
@@ -5257,7 +5257,7 @@
           <a:p>
             <a:fld id="{60FA8735-98C6-1A46-B17C-DAA0904BFDD3}" type="datetimeFigureOut">
               <a:rPr lang="en-US" smtClean="0"/>
-              <a:t>9/28/18</a:t>
+              <a:t>10/9/18</a:t>
             </a:fld>
             <a:endParaRPr lang="en-US"/>
           </a:p>
@@ -5470,7 +5470,7 @@
           <a:p>
             <a:fld id="{60FA8735-98C6-1A46-B17C-DAA0904BFDD3}" type="datetimeFigureOut">
               <a:rPr lang="en-US" smtClean="0"/>
-              <a:t>9/28/18</a:t>
+              <a:t>10/9/18</a:t>
             </a:fld>
             <a:endParaRPr lang="en-US"/>
           </a:p>
@@ -6358,7 +6358,7 @@
           <a:graphicData uri="http://schemas.openxmlformats.org/presentationml/2006/ole">
             <mc:AlternateContent xmlns:mc="http://schemas.openxmlformats.org/markup-compatibility/2006">
               <mc:Choice xmlns:v="urn:schemas-microsoft-com:vml" Requires="v">
-                <p:oleObj spid="_x0000_s72777" name="Equation" r:id="rId3" imgW="1765080" imgH="507960" progId="Equation.3">
+                <p:oleObj spid="_x0000_s72782" name="Equation" r:id="rId3" imgW="1765080" imgH="507960" progId="Equation.3">
                   <p:embed/>
                 </p:oleObj>
               </mc:Choice>
@@ -6708,8 +6708,8 @@
         </p:nvSpPr>
         <p:spPr>
           <a:xfrm>
-            <a:off x="9524868" y="3353944"/>
-            <a:ext cx="661344" cy="473552"/>
+            <a:off x="9575668" y="3328544"/>
+            <a:ext cx="661344" cy="376716"/>
           </a:xfrm>
           <a:prstGeom prst="roundRect">
             <a:avLst/>
@@ -6982,7 +6982,7 @@
           <a:graphicData uri="http://schemas.openxmlformats.org/presentationml/2006/ole">
             <mc:AlternateContent xmlns:mc="http://schemas.openxmlformats.org/markup-compatibility/2006">
               <mc:Choice xmlns:v="urn:schemas-microsoft-com:vml" Requires="v">
-                <p:oleObj spid="_x0000_s74961" name="Equation" r:id="rId4" imgW="2869920" imgH="291960" progId="Equation.3">
+                <p:oleObj spid="_x0000_s74974" name="Equation" r:id="rId4" imgW="2869920" imgH="291960" progId="Equation.3">
                   <p:embed/>
                 </p:oleObj>
               </mc:Choice>
@@ -7039,7 +7039,7 @@
           <a:graphicData uri="http://schemas.openxmlformats.org/presentationml/2006/ole">
             <mc:AlternateContent xmlns:mc="http://schemas.openxmlformats.org/markup-compatibility/2006">
               <mc:Choice xmlns:v="urn:schemas-microsoft-com:vml" Requires="v">
-                <p:oleObj spid="_x0000_s74962" name="Equation" r:id="rId6" imgW="4241520" imgH="457200" progId="Equation.3">
+                <p:oleObj spid="_x0000_s74975" name="Equation" r:id="rId6" imgW="4241520" imgH="457200" progId="Equation.3">
                   <p:embed/>
                 </p:oleObj>
               </mc:Choice>
@@ -7096,7 +7096,7 @@
           <a:graphicData uri="http://schemas.openxmlformats.org/presentationml/2006/ole">
             <mc:AlternateContent xmlns:mc="http://schemas.openxmlformats.org/markup-compatibility/2006">
               <mc:Choice xmlns:v="urn:schemas-microsoft-com:vml" Requires="v">
-                <p:oleObj spid="_x0000_s74963" name="Equation" r:id="rId8" imgW="1739880" imgH="507960" progId="Equation.3">
+                <p:oleObj spid="_x0000_s74976" name="Equation" r:id="rId8" imgW="1739880" imgH="507960" progId="Equation.3">
                   <p:embed/>
                 </p:oleObj>
               </mc:Choice>
@@ -11879,26 +11879,8 @@
                 <a:latin typeface="Times New Roman" panose="02020603050405020304" pitchFamily="18" charset="0"/>
                 <a:cs typeface="Times New Roman" panose="02020603050405020304" pitchFamily="18" charset="0"/>
               </a:rPr>
-              <a:t>Find </a:t>
-            </a:r>
-            <a:r>
-              <a:rPr lang="en-US" sz="2800" dirty="0" smtClean="0">
-                <a:latin typeface="Times New Roman" panose="02020603050405020304" pitchFamily="18" charset="0"/>
-                <a:cs typeface="Times New Roman" panose="02020603050405020304" pitchFamily="18" charset="0"/>
-              </a:rPr>
-              <a:t>parameters that minimize the loss (or maximizes the likelihood</a:t>
-            </a:r>
-            <a:r>
-              <a:rPr lang="en-US" sz="2800" dirty="0" smtClean="0">
-                <a:latin typeface="Times New Roman" panose="02020603050405020304" pitchFamily="18" charset="0"/>
-                <a:cs typeface="Times New Roman" panose="02020603050405020304" pitchFamily="18" charset="0"/>
-              </a:rPr>
-              <a:t>) of the training data.</a:t>
-            </a:r>
-            <a:endParaRPr lang="en-US" sz="2800" dirty="0" smtClean="0">
-              <a:latin typeface="Times New Roman" panose="02020603050405020304" pitchFamily="18" charset="0"/>
-              <a:cs typeface="Times New Roman" panose="02020603050405020304" pitchFamily="18" charset="0"/>
-            </a:endParaRPr>
+              <a:t>Find parameters that minimize the loss (or maximizes the likelihood) of the training data.</a:t>
+            </a:r>
           </a:p>
           <a:p>
             <a:r>
@@ -13202,8 +13184,8 @@
           </p:sp>
         </mc:Fallback>
       </mc:AlternateContent>
-      <mc:AlternateContent xmlns:mc="http://schemas.openxmlformats.org/markup-compatibility/2006">
-        <mc:Choice xmlns:a14="http://schemas.microsoft.com/office/drawing/2010/main" Requires="a14">
+      <mc:AlternateContent xmlns:mc="http://schemas.openxmlformats.org/markup-compatibility/2006" xmlns:a14="http://schemas.microsoft.com/office/drawing/2010/main">
+        <mc:Choice Requires="a14">
           <p:sp>
             <p:nvSpPr>
               <p:cNvPr id="5" name="TextBox 4"/>
@@ -13334,7 +13316,7 @@
             </p:txBody>
           </p:sp>
         </mc:Choice>
-        <mc:Fallback>
+        <mc:Fallback xmlns="">
           <p:sp>
             <p:nvSpPr>
               <p:cNvPr id="5" name="TextBox 4"/>
@@ -13373,8 +13355,8 @@
           </p:sp>
         </mc:Fallback>
       </mc:AlternateContent>
-      <mc:AlternateContent xmlns:mc="http://schemas.openxmlformats.org/markup-compatibility/2006">
-        <mc:Choice xmlns:a14="http://schemas.microsoft.com/office/drawing/2010/main" Requires="a14">
+      <mc:AlternateContent xmlns:mc="http://schemas.openxmlformats.org/markup-compatibility/2006" xmlns:a14="http://schemas.microsoft.com/office/drawing/2010/main">
+        <mc:Choice Requires="a14">
           <p:sp>
             <p:nvSpPr>
               <p:cNvPr id="6" name="TextBox 5"/>
@@ -13486,7 +13468,7 @@
             </p:txBody>
           </p:sp>
         </mc:Choice>
-        <mc:Fallback>
+        <mc:Fallback xmlns="">
           <p:sp>
             <p:nvSpPr>
               <p:cNvPr id="6" name="TextBox 5"/>
@@ -13525,8 +13507,8 @@
           </p:sp>
         </mc:Fallback>
       </mc:AlternateContent>
-      <mc:AlternateContent xmlns:mc="http://schemas.openxmlformats.org/markup-compatibility/2006">
-        <mc:Choice xmlns:a14="http://schemas.microsoft.com/office/drawing/2010/main" Requires="a14">
+      <mc:AlternateContent xmlns:mc="http://schemas.openxmlformats.org/markup-compatibility/2006" xmlns:a14="http://schemas.microsoft.com/office/drawing/2010/main">
+        <mc:Choice Requires="a14">
           <p:sp>
             <p:nvSpPr>
               <p:cNvPr id="9" name="TextBox 8"/>
@@ -13676,7 +13658,7 @@
             </p:txBody>
           </p:sp>
         </mc:Choice>
-        <mc:Fallback>
+        <mc:Fallback xmlns="">
           <p:sp>
             <p:nvSpPr>
               <p:cNvPr id="9" name="TextBox 8"/>
@@ -13715,8 +13697,8 @@
           </p:sp>
         </mc:Fallback>
       </mc:AlternateContent>
-      <mc:AlternateContent xmlns:mc="http://schemas.openxmlformats.org/markup-compatibility/2006">
-        <mc:Choice xmlns:a14="http://schemas.microsoft.com/office/drawing/2010/main" Requires="a14">
+      <mc:AlternateContent xmlns:mc="http://schemas.openxmlformats.org/markup-compatibility/2006" xmlns:a14="http://schemas.microsoft.com/office/drawing/2010/main">
+        <mc:Choice Requires="a14">
           <p:sp>
             <p:nvSpPr>
               <p:cNvPr id="10" name="TextBox 9"/>
@@ -13852,7 +13834,7 @@
             </p:txBody>
           </p:sp>
         </mc:Choice>
-        <mc:Fallback>
+        <mc:Fallback xmlns="">
           <p:sp>
             <p:nvSpPr>
               <p:cNvPr id="10" name="TextBox 9"/>
@@ -20169,8 +20151,8 @@
           </a:p>
         </p:txBody>
       </p:sp>
-      <mc:AlternateContent xmlns:mc="http://schemas.openxmlformats.org/markup-compatibility/2006">
-        <mc:Choice xmlns:a14="http://schemas.microsoft.com/office/drawing/2010/main" Requires="a14">
+      <mc:AlternateContent xmlns:mc="http://schemas.openxmlformats.org/markup-compatibility/2006" xmlns:a14="http://schemas.microsoft.com/office/drawing/2010/main">
+        <mc:Choice Requires="a14">
           <p:sp>
             <p:nvSpPr>
               <p:cNvPr id="8" name="Rectangle 3"/>
@@ -20692,7 +20674,7 @@
             </p:txBody>
           </p:sp>
         </mc:Choice>
-        <mc:Fallback>
+        <mc:Fallback xmlns="">
           <p:sp>
             <p:nvSpPr>
               <p:cNvPr id="8" name="Rectangle 3"/>
@@ -21331,21 +21313,7 @@
                 <a:latin typeface="Times New Roman" panose="02020603050405020304" pitchFamily="18" charset="0"/>
                 <a:cs typeface="Times New Roman" panose="02020603050405020304" pitchFamily="18" charset="0"/>
               </a:rPr>
-              <a:t>Main </a:t>
-            </a:r>
-            <a:r>
-              <a:rPr lang="en-US" dirty="0" smtClean="0">
-                <a:latin typeface="Times New Roman" panose="02020603050405020304" pitchFamily="18" charset="0"/>
-                <a:cs typeface="Times New Roman" panose="02020603050405020304" pitchFamily="18" charset="0"/>
-              </a:rPr>
-              <a:t>idea: make </a:t>
-            </a:r>
-            <a:r>
-              <a:rPr lang="en-US" dirty="0" smtClean="0">
-                <a:latin typeface="Times New Roman" panose="02020603050405020304" pitchFamily="18" charset="0"/>
-                <a:cs typeface="Times New Roman" panose="02020603050405020304" pitchFamily="18" charset="0"/>
-              </a:rPr>
-              <a:t>use of sequential information</a:t>
+              <a:t>Main idea: make use of sequential information</a:t>
             </a:r>
           </a:p>
           <a:p>
@@ -24894,14 +24862,7 @@
                 <a:latin typeface="Times New Roman" panose="02020603050405020304" pitchFamily="18" charset="0"/>
                 <a:cs typeface="Times New Roman" panose="02020603050405020304" pitchFamily="18" charset="0"/>
               </a:rPr>
-              <a:t>RNNs </a:t>
-            </a:r>
-            <a:r>
-              <a:rPr lang="en-US" dirty="0" smtClean="0">
-                <a:latin typeface="Times New Roman" panose="02020603050405020304" pitchFamily="18" charset="0"/>
-                <a:cs typeface="Times New Roman" panose="02020603050405020304" pitchFamily="18" charset="0"/>
-              </a:rPr>
-              <a:t>Extensions</a:t>
+              <a:t>RNNs Extensions</a:t>
             </a:r>
             <a:endParaRPr lang="en-US" dirty="0">
               <a:latin typeface="Times New Roman" panose="02020603050405020304" pitchFamily="18" charset="0"/>
@@ -25293,14 +25254,7 @@
                 <a:latin typeface="Times New Roman" panose="02020603050405020304" pitchFamily="18" charset="0"/>
                 <a:cs typeface="Times New Roman" panose="02020603050405020304" pitchFamily="18" charset="0"/>
               </a:rPr>
-              <a:t>RNNs </a:t>
-            </a:r>
-            <a:r>
-              <a:rPr lang="en-US" dirty="0" smtClean="0">
-                <a:latin typeface="Times New Roman" panose="02020603050405020304" pitchFamily="18" charset="0"/>
-                <a:cs typeface="Times New Roman" panose="02020603050405020304" pitchFamily="18" charset="0"/>
-              </a:rPr>
-              <a:t>Extensions</a:t>
+              <a:t>RNNs Extensions</a:t>
             </a:r>
             <a:endParaRPr lang="en-US" dirty="0">
               <a:latin typeface="Times New Roman" panose="02020603050405020304" pitchFamily="18" charset="0"/>
@@ -28246,19 +28200,8 @@
                 <a:latin typeface="Times New Roman" panose="02020603050405020304" pitchFamily="18" charset="0"/>
                 <a:cs typeface="Times New Roman" panose="02020603050405020304" pitchFamily="18" charset="0"/>
               </a:rPr>
-              <a:t>Key to LSTMs is the </a:t>
-            </a:r>
-            <a:r>
-              <a:rPr lang="en-US" dirty="0" smtClean="0">
-                <a:latin typeface="Times New Roman" panose="02020603050405020304" pitchFamily="18" charset="0"/>
-                <a:cs typeface="Times New Roman" panose="02020603050405020304" pitchFamily="18" charset="0"/>
-              </a:rPr>
-              <a:t>memory cell state</a:t>
-            </a:r>
-            <a:endParaRPr lang="en-US" dirty="0" smtClean="0">
-              <a:latin typeface="Times New Roman" panose="02020603050405020304" pitchFamily="18" charset="0"/>
-              <a:cs typeface="Times New Roman" panose="02020603050405020304" pitchFamily="18" charset="0"/>
-            </a:endParaRPr>
+              <a:t>Key to LSTMs is the memory cell state</a:t>
+            </a:r>
           </a:p>
           <a:p>
             <a:r>
@@ -37056,11 +36999,7 @@
             <a:pPr lvl="1"/>
             <a:r>
               <a:rPr lang="en-GB" dirty="0" smtClean="0"/>
-              <a:t>Neural network </a:t>
-            </a:r>
-            <a:r>
-              <a:rPr lang="en-GB" dirty="0" smtClean="0"/>
-              <a:t>weights: </a:t>
+              <a:t>Neural network weights: </a:t>
             </a:r>
             <a:r>
               <a:rPr lang="en-GB" b="1" dirty="0"/>
@@ -37126,7 +37065,6 @@
               <a:rPr lang="en-GB" baseline="-25000" dirty="0" smtClean="0"/>
               <a:t>V</a:t>
             </a:r>
-            <a:endParaRPr lang="en-GB" baseline="-25000" dirty="0" smtClean="0"/>
           </a:p>
           <a:p>
             <a:r>
@@ -37291,7 +37229,7 @@
             <a:graphicData uri="http://schemas.openxmlformats.org/presentationml/2006/ole">
               <mc:AlternateContent xmlns:mc="http://schemas.openxmlformats.org/markup-compatibility/2006">
                 <mc:Choice xmlns:v="urn:schemas-microsoft-com:vml" Requires="v">
-                  <p:oleObj spid="_x0000_s75985" name="Equation" r:id="rId4" imgW="2869920" imgH="291960" progId="Equation.3">
+                  <p:oleObj spid="_x0000_s75998" name="Equation" r:id="rId4" imgW="2869920" imgH="291960" progId="Equation.3">
                     <p:embed/>
                   </p:oleObj>
                 </mc:Choice>
@@ -37349,7 +37287,7 @@
           <a:graphicData uri="http://schemas.openxmlformats.org/presentationml/2006/ole">
             <mc:AlternateContent xmlns:mc="http://schemas.openxmlformats.org/markup-compatibility/2006">
               <mc:Choice xmlns:v="urn:schemas-microsoft-com:vml" Requires="v">
-                <p:oleObj spid="_x0000_s75986" name="Equation" r:id="rId6" imgW="1866600" imgH="291960" progId="Equation.3">
+                <p:oleObj spid="_x0000_s75999" name="Equation" r:id="rId6" imgW="1866600" imgH="291960" progId="Equation.3">
                   <p:embed/>
                 </p:oleObj>
               </mc:Choice>
@@ -37406,7 +37344,7 @@
           <a:graphicData uri="http://schemas.openxmlformats.org/presentationml/2006/ole">
             <mc:AlternateContent xmlns:mc="http://schemas.openxmlformats.org/markup-compatibility/2006">
               <mc:Choice xmlns:v="urn:schemas-microsoft-com:vml" Requires="v">
-                <p:oleObj spid="_x0000_s75987" name="Equation" r:id="rId8" imgW="876240" imgH="393480" progId="Equation.3">
+                <p:oleObj spid="_x0000_s76000" name="Equation" r:id="rId8" imgW="876240" imgH="393480" progId="Equation.3">
                   <p:embed/>
                 </p:oleObj>
               </mc:Choice>
@@ -38304,7 +38242,7 @@
             <a:graphicData uri="http://schemas.openxmlformats.org/presentationml/2006/ole">
               <mc:AlternateContent xmlns:mc="http://schemas.openxmlformats.org/markup-compatibility/2006">
                 <mc:Choice xmlns:v="urn:schemas-microsoft-com:vml" Requires="v">
-                  <p:oleObj spid="_x0000_s77077" name="Equation" r:id="rId4" imgW="2869920" imgH="291960" progId="Equation.3">
+                  <p:oleObj spid="_x0000_s77094" name="Equation" r:id="rId4" imgW="2869920" imgH="291960" progId="Equation.3">
                     <p:embed/>
                   </p:oleObj>
                 </mc:Choice>
@@ -38358,7 +38296,7 @@
           <a:graphicData uri="http://schemas.openxmlformats.org/presentationml/2006/ole">
             <mc:AlternateContent xmlns:mc="http://schemas.openxmlformats.org/markup-compatibility/2006">
               <mc:Choice xmlns:v="urn:schemas-microsoft-com:vml" Requires="v">
-                <p:oleObj spid="_x0000_s77078" name="Equation" r:id="rId6" imgW="1739880" imgH="507960" progId="Equation.3">
+                <p:oleObj spid="_x0000_s77095" name="Equation" r:id="rId6" imgW="1739880" imgH="507960" progId="Equation.3">
                   <p:embed/>
                 </p:oleObj>
               </mc:Choice>
@@ -38411,7 +38349,7 @@
           <a:graphicData uri="http://schemas.openxmlformats.org/presentationml/2006/ole">
             <mc:AlternateContent xmlns:mc="http://schemas.openxmlformats.org/markup-compatibility/2006">
               <mc:Choice xmlns:v="urn:schemas-microsoft-com:vml" Requires="v">
-                <p:oleObj spid="_x0000_s77079" name="Equation" r:id="rId8" imgW="1752480" imgH="393480" progId="Equation.3">
+                <p:oleObj spid="_x0000_s77096" name="Equation" r:id="rId8" imgW="1752480" imgH="393480" progId="Equation.3">
                   <p:embed/>
                 </p:oleObj>
               </mc:Choice>
@@ -38585,7 +38523,7 @@
             <a:graphicData uri="http://schemas.openxmlformats.org/presentationml/2006/ole">
               <mc:AlternateContent xmlns:mc="http://schemas.openxmlformats.org/markup-compatibility/2006">
                 <mc:Choice xmlns:v="urn:schemas-microsoft-com:vml" Requires="v">
-                  <p:oleObj spid="_x0000_s77080" name="Equation" r:id="rId10" imgW="2476440" imgH="393480" progId="Equation.3">
+                  <p:oleObj spid="_x0000_s77097" name="Equation" r:id="rId10" imgW="2476440" imgH="393480" progId="Equation.3">
                     <p:embed/>
                   </p:oleObj>
                 </mc:Choice>
@@ -40978,7 +40916,7 @@
           <a:graphicData uri="http://schemas.openxmlformats.org/presentationml/2006/ole">
             <mc:AlternateContent xmlns:mc="http://schemas.openxmlformats.org/markup-compatibility/2006">
               <mc:Choice xmlns:v="urn:schemas-microsoft-com:vml" Requires="v">
-                <p:oleObj spid="_x0000_s71957" name="Equation" r:id="rId3" imgW="190440" imgH="228600" progId="Equation.3">
+                <p:oleObj spid="_x0000_s71974" name="Equation" r:id="rId3" imgW="190440" imgH="228600" progId="Equation.3">
                   <p:embed/>
                 </p:oleObj>
               </mc:Choice>
@@ -41750,7 +41688,7 @@
             <a:graphicData uri="http://schemas.openxmlformats.org/presentationml/2006/ole">
               <mc:AlternateContent xmlns:mc="http://schemas.openxmlformats.org/markup-compatibility/2006">
                 <mc:Choice xmlns:v="urn:schemas-microsoft-com:vml" Requires="v">
-                  <p:oleObj spid="_x0000_s71958" name="Equation" r:id="rId5" imgW="164880" imgH="228600" progId="Equation.3">
+                  <p:oleObj spid="_x0000_s71975" name="Equation" r:id="rId5" imgW="164880" imgH="228600" progId="Equation.3">
                     <p:embed/>
                   </p:oleObj>
                 </mc:Choice>
@@ -42526,7 +42464,7 @@
             <a:graphicData uri="http://schemas.openxmlformats.org/presentationml/2006/ole">
               <mc:AlternateContent xmlns:mc="http://schemas.openxmlformats.org/markup-compatibility/2006">
                 <mc:Choice xmlns:v="urn:schemas-microsoft-com:vml" Requires="v">
-                  <p:oleObj spid="_x0000_s71959" name="Equation" r:id="rId7" imgW="342720" imgH="241200" progId="Equation.3">
+                  <p:oleObj spid="_x0000_s71976" name="Equation" r:id="rId7" imgW="342720" imgH="241200" progId="Equation.3">
                     <p:embed/>
                   </p:oleObj>
                 </mc:Choice>
@@ -43531,7 +43469,7 @@
             <a:graphicData uri="http://schemas.openxmlformats.org/presentationml/2006/ole">
               <mc:AlternateContent xmlns:mc="http://schemas.openxmlformats.org/markup-compatibility/2006">
                 <mc:Choice xmlns:v="urn:schemas-microsoft-com:vml" Requires="v">
-                  <p:oleObj spid="_x0000_s71960" name="Equation" r:id="rId9" imgW="152280" imgH="228600" progId="Equation.3">
+                  <p:oleObj spid="_x0000_s71977" name="Equation" r:id="rId9" imgW="152280" imgH="228600" progId="Equation.3">
                     <p:embed/>
                   </p:oleObj>
                 </mc:Choice>
